--- a/NoSQL.pptx
+++ b/NoSQL.pptx
@@ -5,7 +5,7 @@
     <p:sldMasterId id="2147483797" r:id="rId1"/>
   </p:sldMasterIdLst>
   <p:notesMasterIdLst>
-    <p:notesMasterId r:id="rId9"/>
+    <p:notesMasterId r:id="rId32"/>
   </p:notesMasterIdLst>
   <p:sldIdLst>
     <p:sldId id="256" r:id="rId2"/>
@@ -15,6 +15,29 @@
     <p:sldId id="260" r:id="rId6"/>
     <p:sldId id="261" r:id="rId7"/>
     <p:sldId id="262" r:id="rId8"/>
+    <p:sldId id="263" r:id="rId9"/>
+    <p:sldId id="264" r:id="rId10"/>
+    <p:sldId id="274" r:id="rId11"/>
+    <p:sldId id="275" r:id="rId12"/>
+    <p:sldId id="276" r:id="rId13"/>
+    <p:sldId id="277" r:id="rId14"/>
+    <p:sldId id="283" r:id="rId15"/>
+    <p:sldId id="284" r:id="rId16"/>
+    <p:sldId id="285" r:id="rId17"/>
+    <p:sldId id="278" r:id="rId18"/>
+    <p:sldId id="279" r:id="rId19"/>
+    <p:sldId id="280" r:id="rId20"/>
+    <p:sldId id="281" r:id="rId21"/>
+    <p:sldId id="282" r:id="rId22"/>
+    <p:sldId id="265" r:id="rId23"/>
+    <p:sldId id="266" r:id="rId24"/>
+    <p:sldId id="267" r:id="rId25"/>
+    <p:sldId id="268" r:id="rId26"/>
+    <p:sldId id="269" r:id="rId27"/>
+    <p:sldId id="270" r:id="rId28"/>
+    <p:sldId id="271" r:id="rId29"/>
+    <p:sldId id="272" r:id="rId30"/>
+    <p:sldId id="273" r:id="rId31"/>
   </p:sldIdLst>
   <p:sldSz cx="12192000" cy="6858000"/>
   <p:notesSz cx="6858000" cy="9144000"/>
@@ -3826,6 +3849,14 @@
               </a:rPr>
               <a:t>資料庫系統</a:t>
             </a:r>
+            <a:r>
+              <a:rPr lang="en-US" altLang="zh-TW" dirty="0">
+                <a:latin typeface="Times New Roman" panose="02020603050405020304" pitchFamily="18" charset="0"/>
+                <a:ea typeface="標楷體" panose="03000509000000000000" pitchFamily="65" charset="-120"/>
+                <a:cs typeface="Times New Roman" panose="02020603050405020304" pitchFamily="18" charset="0"/>
+              </a:rPr>
+              <a:t/>
+            </a:r>
             <a:br>
               <a:rPr lang="en-US" altLang="zh-TW" dirty="0">
                 <a:latin typeface="Times New Roman" panose="02020603050405020304" pitchFamily="18" charset="0"/>
@@ -3898,6 +3929,4161 @@
     <p:extLst>
       <p:ext uri="{BB962C8B-B14F-4D97-AF65-F5344CB8AC3E}">
         <p14:creationId xmlns:p14="http://schemas.microsoft.com/office/powerpoint/2010/main" val="1085463915"/>
+      </p:ext>
+    </p:extLst>
+  </p:cSld>
+  <p:clrMapOvr>
+    <a:masterClrMapping/>
+  </p:clrMapOvr>
+</p:sld>
+</file>
+
+<file path=ppt/slides/slide10.xml><?xml version="1.0" encoding="utf-8"?>
+<p:sld xmlns:a="http://schemas.openxmlformats.org/drawingml/2006/main" xmlns:r="http://schemas.openxmlformats.org/officeDocument/2006/relationships" xmlns:p="http://schemas.openxmlformats.org/presentationml/2006/main">
+  <p:cSld>
+    <p:spTree>
+      <p:nvGrpSpPr>
+        <p:cNvPr id="1" name=""/>
+        <p:cNvGrpSpPr/>
+        <p:nvPr/>
+      </p:nvGrpSpPr>
+      <p:grpSpPr>
+        <a:xfrm>
+          <a:off x="0" y="0"/>
+          <a:ext cx="0" cy="0"/>
+          <a:chOff x="0" y="0"/>
+          <a:chExt cx="0" cy="0"/>
+        </a:xfrm>
+      </p:grpSpPr>
+      <p:sp>
+        <p:nvSpPr>
+          <p:cNvPr id="2" name="標題 1"/>
+          <p:cNvSpPr>
+            <a:spLocks noGrp="1"/>
+          </p:cNvSpPr>
+          <p:nvPr>
+            <p:ph type="title"/>
+          </p:nvPr>
+        </p:nvSpPr>
+        <p:spPr/>
+        <p:txBody>
+          <a:bodyPr/>
+          <a:lstStyle/>
+          <a:p>
+            <a:r>
+              <a:rPr lang="en-US" altLang="zh-TW" dirty="0">
+                <a:latin typeface="Times New Roman" panose="02020603050405020304" pitchFamily="18" charset="0"/>
+                <a:ea typeface="標楷體" panose="03000509000000000000" pitchFamily="65" charset="-120"/>
+                <a:cs typeface="Times New Roman" panose="02020603050405020304" pitchFamily="18" charset="0"/>
+              </a:rPr>
+              <a:t>NoSQL</a:t>
+            </a:r>
+            <a:r>
+              <a:rPr lang="zh-TW" altLang="en-US" dirty="0">
+                <a:latin typeface="Times New Roman" panose="02020603050405020304" pitchFamily="18" charset="0"/>
+                <a:ea typeface="標楷體" panose="03000509000000000000" pitchFamily="65" charset="-120"/>
+                <a:cs typeface="Times New Roman" panose="02020603050405020304" pitchFamily="18" charset="0"/>
+              </a:rPr>
+              <a:t>的四大類型</a:t>
+            </a:r>
+          </a:p>
+        </p:txBody>
+      </p:sp>
+      <p:sp>
+        <p:nvSpPr>
+          <p:cNvPr id="8" name="內容版面配置區 7"/>
+          <p:cNvSpPr>
+            <a:spLocks noGrp="1"/>
+          </p:cNvSpPr>
+          <p:nvPr>
+            <p:ph sz="half" idx="1"/>
+          </p:nvPr>
+        </p:nvSpPr>
+        <p:spPr>
+          <a:xfrm>
+            <a:off x="838200" y="1825625"/>
+            <a:ext cx="3536852" cy="4351338"/>
+          </a:xfrm>
+        </p:spPr>
+        <p:txBody>
+          <a:bodyPr/>
+          <a:lstStyle/>
+          <a:p>
+            <a:r>
+              <a:rPr lang="zh-TW" altLang="en-US" dirty="0">
+                <a:latin typeface="Times New Roman" panose="02020603050405020304" pitchFamily="18" charset="0"/>
+                <a:ea typeface="標楷體" panose="03000509000000000000" pitchFamily="65" charset="-120"/>
+                <a:cs typeface="Times New Roman" panose="02020603050405020304" pitchFamily="18" charset="0"/>
+              </a:rPr>
+              <a:t>典型的</a:t>
+            </a:r>
+            <a:r>
+              <a:rPr lang="en-US" altLang="zh-TW" dirty="0">
+                <a:latin typeface="Times New Roman" panose="02020603050405020304" pitchFamily="18" charset="0"/>
+                <a:ea typeface="標楷體" panose="03000509000000000000" pitchFamily="65" charset="-120"/>
+                <a:cs typeface="Times New Roman" panose="02020603050405020304" pitchFamily="18" charset="0"/>
+              </a:rPr>
+              <a:t>NoSQL</a:t>
+            </a:r>
+            <a:r>
+              <a:rPr lang="zh-TW" altLang="en-US" dirty="0">
+                <a:latin typeface="Times New Roman" panose="02020603050405020304" pitchFamily="18" charset="0"/>
+                <a:ea typeface="標楷體" panose="03000509000000000000" pitchFamily="65" charset="-120"/>
+                <a:cs typeface="Times New Roman" panose="02020603050405020304" pitchFamily="18" charset="0"/>
+              </a:rPr>
+              <a:t>資料庫通常</a:t>
+            </a:r>
+            <a:r>
+              <a:rPr lang="zh-TW" altLang="en-US" dirty="0" smtClean="0">
+                <a:latin typeface="Times New Roman" panose="02020603050405020304" pitchFamily="18" charset="0"/>
+                <a:ea typeface="標楷體" panose="03000509000000000000" pitchFamily="65" charset="-120"/>
+                <a:cs typeface="Times New Roman" panose="02020603050405020304" pitchFamily="18" charset="0"/>
+              </a:rPr>
+              <a:t>包括</a:t>
+            </a:r>
+            <a:endParaRPr lang="en-US" altLang="zh-TW" dirty="0" smtClean="0">
+              <a:latin typeface="Times New Roman" panose="02020603050405020304" pitchFamily="18" charset="0"/>
+              <a:ea typeface="標楷體" panose="03000509000000000000" pitchFamily="65" charset="-120"/>
+              <a:cs typeface="Times New Roman" panose="02020603050405020304" pitchFamily="18" charset="0"/>
+            </a:endParaRPr>
+          </a:p>
+          <a:p>
+            <a:pPr marL="971550" lvl="1" indent="-514350">
+              <a:buFont typeface="+mj-lt"/>
+              <a:buAutoNum type="arabicPeriod"/>
+            </a:pPr>
+            <a:r>
+              <a:rPr lang="zh-TW" altLang="en-US" dirty="0" smtClean="0">
+                <a:latin typeface="Times New Roman" panose="02020603050405020304" pitchFamily="18" charset="0"/>
+                <a:ea typeface="標楷體" panose="03000509000000000000" pitchFamily="65" charset="-120"/>
+                <a:cs typeface="Times New Roman" panose="02020603050405020304" pitchFamily="18" charset="0"/>
+              </a:rPr>
+              <a:t>鍵</a:t>
+            </a:r>
+            <a:r>
+              <a:rPr lang="zh-TW" altLang="en-US" dirty="0">
+                <a:latin typeface="Times New Roman" panose="02020603050405020304" pitchFamily="18" charset="0"/>
+                <a:ea typeface="標楷體" panose="03000509000000000000" pitchFamily="65" charset="-120"/>
+                <a:cs typeface="Times New Roman" panose="02020603050405020304" pitchFamily="18" charset="0"/>
+              </a:rPr>
+              <a:t>值</a:t>
+            </a:r>
+            <a:r>
+              <a:rPr lang="zh-TW" altLang="en-US" dirty="0" smtClean="0">
+                <a:latin typeface="Times New Roman" panose="02020603050405020304" pitchFamily="18" charset="0"/>
+                <a:ea typeface="標楷體" panose="03000509000000000000" pitchFamily="65" charset="-120"/>
+                <a:cs typeface="Times New Roman" panose="02020603050405020304" pitchFamily="18" charset="0"/>
+              </a:rPr>
+              <a:t>資料庫</a:t>
+            </a:r>
+            <a:endParaRPr lang="en-US" altLang="zh-TW" dirty="0" smtClean="0">
+              <a:latin typeface="Times New Roman" panose="02020603050405020304" pitchFamily="18" charset="0"/>
+              <a:ea typeface="標楷體" panose="03000509000000000000" pitchFamily="65" charset="-120"/>
+              <a:cs typeface="Times New Roman" panose="02020603050405020304" pitchFamily="18" charset="0"/>
+            </a:endParaRPr>
+          </a:p>
+          <a:p>
+            <a:pPr marL="971550" lvl="1" indent="-514350">
+              <a:buFont typeface="+mj-lt"/>
+              <a:buAutoNum type="arabicPeriod"/>
+            </a:pPr>
+            <a:r>
+              <a:rPr lang="zh-TW" altLang="en-US" dirty="0" smtClean="0">
+                <a:latin typeface="Times New Roman" panose="02020603050405020304" pitchFamily="18" charset="0"/>
+                <a:ea typeface="標楷體" panose="03000509000000000000" pitchFamily="65" charset="-120"/>
+                <a:cs typeface="Times New Roman" panose="02020603050405020304" pitchFamily="18" charset="0"/>
+              </a:rPr>
+              <a:t>欄</a:t>
+            </a:r>
+            <a:r>
+              <a:rPr lang="zh-TW" altLang="en-US" dirty="0">
+                <a:latin typeface="Times New Roman" panose="02020603050405020304" pitchFamily="18" charset="0"/>
+                <a:ea typeface="標楷體" panose="03000509000000000000" pitchFamily="65" charset="-120"/>
+                <a:cs typeface="Times New Roman" panose="02020603050405020304" pitchFamily="18" charset="0"/>
+              </a:rPr>
+              <a:t>族資料庫 </a:t>
+            </a:r>
+            <a:endParaRPr lang="en-US" altLang="zh-TW" dirty="0" smtClean="0">
+              <a:latin typeface="Times New Roman" panose="02020603050405020304" pitchFamily="18" charset="0"/>
+              <a:ea typeface="標楷體" panose="03000509000000000000" pitchFamily="65" charset="-120"/>
+              <a:cs typeface="Times New Roman" panose="02020603050405020304" pitchFamily="18" charset="0"/>
+            </a:endParaRPr>
+          </a:p>
+          <a:p>
+            <a:pPr marL="971550" lvl="1" indent="-514350">
+              <a:buFont typeface="+mj-lt"/>
+              <a:buAutoNum type="arabicPeriod"/>
+            </a:pPr>
+            <a:r>
+              <a:rPr lang="zh-TW" altLang="en-US" dirty="0" smtClean="0">
+                <a:latin typeface="Times New Roman" panose="02020603050405020304" pitchFamily="18" charset="0"/>
+                <a:ea typeface="標楷體" panose="03000509000000000000" pitchFamily="65" charset="-120"/>
+                <a:cs typeface="Times New Roman" panose="02020603050405020304" pitchFamily="18" charset="0"/>
+              </a:rPr>
+              <a:t>文件資料庫</a:t>
+            </a:r>
+            <a:endParaRPr lang="en-US" altLang="zh-TW" dirty="0" smtClean="0">
+              <a:latin typeface="Times New Roman" panose="02020603050405020304" pitchFamily="18" charset="0"/>
+              <a:ea typeface="標楷體" panose="03000509000000000000" pitchFamily="65" charset="-120"/>
+              <a:cs typeface="Times New Roman" panose="02020603050405020304" pitchFamily="18" charset="0"/>
+            </a:endParaRPr>
+          </a:p>
+          <a:p>
+            <a:pPr marL="971550" lvl="1" indent="-514350">
+              <a:buFont typeface="+mj-lt"/>
+              <a:buAutoNum type="arabicPeriod"/>
+            </a:pPr>
+            <a:r>
+              <a:rPr lang="zh-TW" altLang="en-US" dirty="0" smtClean="0">
+                <a:latin typeface="Times New Roman" panose="02020603050405020304" pitchFamily="18" charset="0"/>
+                <a:ea typeface="標楷體" panose="03000509000000000000" pitchFamily="65" charset="-120"/>
+                <a:cs typeface="Times New Roman" panose="02020603050405020304" pitchFamily="18" charset="0"/>
+              </a:rPr>
+              <a:t>圖形資料庫</a:t>
+            </a:r>
+            <a:endParaRPr lang="zh-TW" altLang="en-US" dirty="0">
+              <a:latin typeface="Times New Roman" panose="02020603050405020304" pitchFamily="18" charset="0"/>
+              <a:ea typeface="標楷體" panose="03000509000000000000" pitchFamily="65" charset="-120"/>
+              <a:cs typeface="Times New Roman" panose="02020603050405020304" pitchFamily="18" charset="0"/>
+            </a:endParaRPr>
+          </a:p>
+          <a:p>
+            <a:endParaRPr lang="zh-TW" altLang="en-US" dirty="0"/>
+          </a:p>
+        </p:txBody>
+      </p:sp>
+      <p:pic>
+        <p:nvPicPr>
+          <p:cNvPr id="9" name="內容版面配置區 8"/>
+          <p:cNvPicPr>
+            <a:picLocks noGrp="1" noChangeAspect="1"/>
+          </p:cNvPicPr>
+          <p:nvPr>
+            <p:ph sz="half" idx="2"/>
+          </p:nvPr>
+        </p:nvPicPr>
+        <p:blipFill>
+          <a:blip r:embed="rId2"/>
+          <a:stretch>
+            <a:fillRect/>
+          </a:stretch>
+        </p:blipFill>
+        <p:spPr>
+          <a:xfrm>
+            <a:off x="5331655" y="1069975"/>
+            <a:ext cx="6123231" cy="5525938"/>
+          </a:xfrm>
+          <a:prstGeom prst="rect">
+            <a:avLst/>
+          </a:prstGeom>
+        </p:spPr>
+      </p:pic>
+    </p:spTree>
+    <p:extLst>
+      <p:ext uri="{BB962C8B-B14F-4D97-AF65-F5344CB8AC3E}">
+        <p14:creationId xmlns:p14="http://schemas.microsoft.com/office/powerpoint/2010/main" val="2535484978"/>
+      </p:ext>
+    </p:extLst>
+  </p:cSld>
+  <p:clrMapOvr>
+    <a:masterClrMapping/>
+  </p:clrMapOvr>
+</p:sld>
+</file>
+
+<file path=ppt/slides/slide11.xml><?xml version="1.0" encoding="utf-8"?>
+<p:sld xmlns:a="http://schemas.openxmlformats.org/drawingml/2006/main" xmlns:r="http://schemas.openxmlformats.org/officeDocument/2006/relationships" xmlns:p="http://schemas.openxmlformats.org/presentationml/2006/main">
+  <p:cSld>
+    <p:spTree>
+      <p:nvGrpSpPr>
+        <p:cNvPr id="1" name=""/>
+        <p:cNvGrpSpPr/>
+        <p:nvPr/>
+      </p:nvGrpSpPr>
+      <p:grpSpPr>
+        <a:xfrm>
+          <a:off x="0" y="0"/>
+          <a:ext cx="0" cy="0"/>
+          <a:chOff x="0" y="0"/>
+          <a:chExt cx="0" cy="0"/>
+        </a:xfrm>
+      </p:grpSpPr>
+      <p:sp>
+        <p:nvSpPr>
+          <p:cNvPr id="2" name="標題 1"/>
+          <p:cNvSpPr>
+            <a:spLocks noGrp="1"/>
+          </p:cNvSpPr>
+          <p:nvPr>
+            <p:ph type="title"/>
+          </p:nvPr>
+        </p:nvSpPr>
+        <p:spPr/>
+        <p:txBody>
+          <a:bodyPr/>
+          <a:lstStyle/>
+          <a:p>
+            <a:r>
+              <a:rPr lang="zh-TW" altLang="en-US" dirty="0">
+                <a:latin typeface="Times New Roman" panose="02020603050405020304" pitchFamily="18" charset="0"/>
+                <a:ea typeface="標楷體" panose="03000509000000000000" pitchFamily="65" charset="-120"/>
+                <a:cs typeface="Times New Roman" panose="02020603050405020304" pitchFamily="18" charset="0"/>
+              </a:rPr>
+              <a:t>鍵值資料庫 </a:t>
+            </a:r>
+            <a:r>
+              <a:rPr lang="en-US" altLang="zh-TW" dirty="0">
+                <a:latin typeface="Times New Roman" panose="02020603050405020304" pitchFamily="18" charset="0"/>
+                <a:ea typeface="標楷體" panose="03000509000000000000" pitchFamily="65" charset="-120"/>
+                <a:cs typeface="Times New Roman" panose="02020603050405020304" pitchFamily="18" charset="0"/>
+              </a:rPr>
+              <a:t>(Key-value)</a:t>
+            </a:r>
+            <a:endParaRPr lang="zh-TW" altLang="en-US" dirty="0">
+              <a:latin typeface="Times New Roman" panose="02020603050405020304" pitchFamily="18" charset="0"/>
+              <a:ea typeface="標楷體" panose="03000509000000000000" pitchFamily="65" charset="-120"/>
+              <a:cs typeface="Times New Roman" panose="02020603050405020304" pitchFamily="18" charset="0"/>
+            </a:endParaRPr>
+          </a:p>
+        </p:txBody>
+      </p:sp>
+      <p:graphicFrame>
+        <p:nvGraphicFramePr>
+          <p:cNvPr id="6" name="內容版面配置區 5"/>
+          <p:cNvGraphicFramePr>
+            <a:graphicFrameLocks noGrp="1"/>
+          </p:cNvGraphicFramePr>
+          <p:nvPr>
+            <p:ph idx="1"/>
+            <p:extLst>
+              <p:ext uri="{D42A27DB-BD31-4B8C-83A1-F6EECF244321}">
+                <p14:modId xmlns:p14="http://schemas.microsoft.com/office/powerpoint/2010/main" val="4265077277"/>
+              </p:ext>
+            </p:extLst>
+          </p:nvPr>
+        </p:nvGraphicFramePr>
+        <p:xfrm>
+          <a:off x="838200" y="1505243"/>
+          <a:ext cx="10515600" cy="5090502"/>
+        </p:xfrm>
+        <a:graphic>
+          <a:graphicData uri="http://schemas.openxmlformats.org/drawingml/2006/table">
+            <a:tbl>
+              <a:tblPr firstRow="1" bandRow="1">
+                <a:tableStyleId>{BC89EF96-8CEA-46FF-86C4-4CE0E7609802}</a:tableStyleId>
+              </a:tblPr>
+              <a:tblGrid>
+                <a:gridCol w="1623646">
+                  <a:extLst>
+                    <a:ext uri="{9D8B030D-6E8A-4147-A177-3AD203B41FA5}">
+                      <a16:colId xmlns:a16="http://schemas.microsoft.com/office/drawing/2014/main" val="2215289821"/>
+                    </a:ext>
+                  </a:extLst>
+                </a:gridCol>
+                <a:gridCol w="8891954">
+                  <a:extLst>
+                    <a:ext uri="{9D8B030D-6E8A-4147-A177-3AD203B41FA5}">
+                      <a16:colId xmlns:a16="http://schemas.microsoft.com/office/drawing/2014/main" val="185806513"/>
+                    </a:ext>
+                  </a:extLst>
+                </a:gridCol>
+              </a:tblGrid>
+              <a:tr h="395747">
+                <a:tc>
+                  <a:txBody>
+                    <a:bodyPr/>
+                    <a:lstStyle/>
+                    <a:p>
+                      <a:r>
+                        <a:rPr lang="zh-TW" altLang="en-US" b="0" dirty="0" smtClean="0">
+                          <a:latin typeface="Times New Roman" panose="02020603050405020304" pitchFamily="18" charset="0"/>
+                          <a:ea typeface="標楷體" panose="03000509000000000000" pitchFamily="65" charset="-120"/>
+                          <a:cs typeface="Times New Roman" panose="02020603050405020304" pitchFamily="18" charset="0"/>
+                        </a:rPr>
+                        <a:t>相關 產品</a:t>
+                      </a:r>
+                      <a:endParaRPr lang="zh-TW" altLang="en-US" b="0" dirty="0">
+                        <a:latin typeface="Times New Roman" panose="02020603050405020304" pitchFamily="18" charset="0"/>
+                        <a:ea typeface="標楷體" panose="03000509000000000000" pitchFamily="65" charset="-120"/>
+                        <a:cs typeface="Times New Roman" panose="02020603050405020304" pitchFamily="18" charset="0"/>
+                      </a:endParaRPr>
+                    </a:p>
+                  </a:txBody>
+                  <a:tcPr/>
+                </a:tc>
+                <a:tc>
+                  <a:txBody>
+                    <a:bodyPr/>
+                    <a:lstStyle/>
+                    <a:p>
+                      <a:pPr marL="285750" indent="-285750">
+                        <a:buFont typeface="Arial" panose="020B0604020202020204" pitchFamily="34" charset="0"/>
+                        <a:buChar char="•"/>
+                      </a:pPr>
+                      <a:r>
+                        <a:rPr lang="en-US" altLang="zh-TW" b="0" dirty="0" smtClean="0">
+                          <a:latin typeface="Times New Roman" panose="02020603050405020304" pitchFamily="18" charset="0"/>
+                          <a:ea typeface="標楷體" panose="03000509000000000000" pitchFamily="65" charset="-120"/>
+                          <a:cs typeface="Times New Roman" panose="02020603050405020304" pitchFamily="18" charset="0"/>
+                        </a:rPr>
+                        <a:t> </a:t>
+                      </a:r>
+                      <a:r>
+                        <a:rPr lang="en-US" altLang="zh-TW" b="0" dirty="0" err="1" smtClean="0">
+                          <a:latin typeface="Times New Roman" panose="02020603050405020304" pitchFamily="18" charset="0"/>
+                          <a:ea typeface="標楷體" panose="03000509000000000000" pitchFamily="65" charset="-120"/>
+                          <a:cs typeface="Times New Roman" panose="02020603050405020304" pitchFamily="18" charset="0"/>
+                        </a:rPr>
+                        <a:t>Redis</a:t>
+                      </a:r>
+                      <a:r>
+                        <a:rPr lang="zh-TW" altLang="en-US" b="0" dirty="0" smtClean="0">
+                          <a:latin typeface="Times New Roman" panose="02020603050405020304" pitchFamily="18" charset="0"/>
+                          <a:ea typeface="標楷體" panose="03000509000000000000" pitchFamily="65" charset="-120"/>
+                          <a:cs typeface="Times New Roman" panose="02020603050405020304" pitchFamily="18" charset="0"/>
+                        </a:rPr>
+                        <a:t>、</a:t>
+                      </a:r>
+                      <a:r>
+                        <a:rPr lang="en-US" altLang="zh-TW" b="0" dirty="0" err="1" smtClean="0">
+                          <a:latin typeface="Times New Roman" panose="02020603050405020304" pitchFamily="18" charset="0"/>
+                          <a:ea typeface="標楷體" panose="03000509000000000000" pitchFamily="65" charset="-120"/>
+                          <a:cs typeface="Times New Roman" panose="02020603050405020304" pitchFamily="18" charset="0"/>
+                        </a:rPr>
+                        <a:t>Riak</a:t>
+                      </a:r>
+                      <a:r>
+                        <a:rPr lang="zh-TW" altLang="en-US" b="0" dirty="0" smtClean="0">
+                          <a:latin typeface="Times New Roman" panose="02020603050405020304" pitchFamily="18" charset="0"/>
+                          <a:ea typeface="標楷體" panose="03000509000000000000" pitchFamily="65" charset="-120"/>
+                          <a:cs typeface="Times New Roman" panose="02020603050405020304" pitchFamily="18" charset="0"/>
+                        </a:rPr>
+                        <a:t>、</a:t>
+                      </a:r>
+                      <a:r>
+                        <a:rPr lang="en-US" altLang="zh-TW" b="0" dirty="0" err="1" smtClean="0">
+                          <a:latin typeface="Times New Roman" panose="02020603050405020304" pitchFamily="18" charset="0"/>
+                          <a:ea typeface="標楷體" panose="03000509000000000000" pitchFamily="65" charset="-120"/>
+                          <a:cs typeface="Times New Roman" panose="02020603050405020304" pitchFamily="18" charset="0"/>
+                        </a:rPr>
+                        <a:t>SimpleDB</a:t>
+                      </a:r>
+                      <a:r>
+                        <a:rPr lang="zh-TW" altLang="en-US" b="0" dirty="0" smtClean="0">
+                          <a:latin typeface="Times New Roman" panose="02020603050405020304" pitchFamily="18" charset="0"/>
+                          <a:ea typeface="標楷體" panose="03000509000000000000" pitchFamily="65" charset="-120"/>
+                          <a:cs typeface="Times New Roman" panose="02020603050405020304" pitchFamily="18" charset="0"/>
+                        </a:rPr>
+                        <a:t>、</a:t>
+                      </a:r>
+                      <a:r>
+                        <a:rPr lang="en-US" altLang="zh-TW" b="0" dirty="0" err="1" smtClean="0">
+                          <a:latin typeface="Times New Roman" panose="02020603050405020304" pitchFamily="18" charset="0"/>
+                          <a:ea typeface="標楷體" panose="03000509000000000000" pitchFamily="65" charset="-120"/>
+                          <a:cs typeface="Times New Roman" panose="02020603050405020304" pitchFamily="18" charset="0"/>
+                        </a:rPr>
+                        <a:t>Chordless</a:t>
+                      </a:r>
+                      <a:r>
+                        <a:rPr lang="zh-TW" altLang="en-US" b="0" dirty="0" smtClean="0">
+                          <a:latin typeface="Times New Roman" panose="02020603050405020304" pitchFamily="18" charset="0"/>
+                          <a:ea typeface="標楷體" panose="03000509000000000000" pitchFamily="65" charset="-120"/>
+                          <a:cs typeface="Times New Roman" panose="02020603050405020304" pitchFamily="18" charset="0"/>
+                        </a:rPr>
+                        <a:t>、</a:t>
+                      </a:r>
+                      <a:r>
+                        <a:rPr lang="en-US" altLang="zh-TW" b="0" dirty="0" err="1" smtClean="0">
+                          <a:latin typeface="Times New Roman" panose="02020603050405020304" pitchFamily="18" charset="0"/>
+                          <a:ea typeface="標楷體" panose="03000509000000000000" pitchFamily="65" charset="-120"/>
+                          <a:cs typeface="Times New Roman" panose="02020603050405020304" pitchFamily="18" charset="0"/>
+                        </a:rPr>
+                        <a:t>Scalaris</a:t>
+                      </a:r>
+                      <a:r>
+                        <a:rPr lang="zh-TW" altLang="en-US" b="0" dirty="0" smtClean="0">
+                          <a:latin typeface="Times New Roman" panose="02020603050405020304" pitchFamily="18" charset="0"/>
+                          <a:ea typeface="標楷體" panose="03000509000000000000" pitchFamily="65" charset="-120"/>
+                          <a:cs typeface="Times New Roman" panose="02020603050405020304" pitchFamily="18" charset="0"/>
+                        </a:rPr>
+                        <a:t>、</a:t>
+                      </a:r>
+                      <a:r>
+                        <a:rPr lang="en-US" altLang="zh-TW" b="0" dirty="0" err="1" smtClean="0">
+                          <a:latin typeface="Times New Roman" panose="02020603050405020304" pitchFamily="18" charset="0"/>
+                          <a:ea typeface="標楷體" panose="03000509000000000000" pitchFamily="65" charset="-120"/>
+                          <a:cs typeface="Times New Roman" panose="02020603050405020304" pitchFamily="18" charset="0"/>
+                        </a:rPr>
+                        <a:t>Memcached</a:t>
+                      </a:r>
+                      <a:endParaRPr lang="zh-TW" altLang="en-US" b="0" dirty="0">
+                        <a:latin typeface="Times New Roman" panose="02020603050405020304" pitchFamily="18" charset="0"/>
+                        <a:ea typeface="標楷體" panose="03000509000000000000" pitchFamily="65" charset="-120"/>
+                        <a:cs typeface="Times New Roman" panose="02020603050405020304" pitchFamily="18" charset="0"/>
+                      </a:endParaRPr>
+                    </a:p>
+                  </a:txBody>
+                  <a:tcPr/>
+                </a:tc>
+                <a:extLst>
+                  <a:ext uri="{0D108BD9-81ED-4DB2-BD59-A6C34878D82A}">
+                    <a16:rowId xmlns:a16="http://schemas.microsoft.com/office/drawing/2014/main" val="1094718064"/>
+                  </a:ext>
+                </a:extLst>
+              </a:tr>
+              <a:tr h="975815">
+                <a:tc>
+                  <a:txBody>
+                    <a:bodyPr/>
+                    <a:lstStyle/>
+                    <a:p>
+                      <a:r>
+                        <a:rPr lang="zh-TW" altLang="en-US" b="0" dirty="0" smtClean="0">
+                          <a:latin typeface="Times New Roman" panose="02020603050405020304" pitchFamily="18" charset="0"/>
+                          <a:ea typeface="標楷體" panose="03000509000000000000" pitchFamily="65" charset="-120"/>
+                          <a:cs typeface="Times New Roman" panose="02020603050405020304" pitchFamily="18" charset="0"/>
+                        </a:rPr>
+                        <a:t>資料模型</a:t>
+                      </a:r>
+                      <a:endParaRPr lang="zh-TW" altLang="en-US" b="0" dirty="0">
+                        <a:latin typeface="Times New Roman" panose="02020603050405020304" pitchFamily="18" charset="0"/>
+                        <a:ea typeface="標楷體" panose="03000509000000000000" pitchFamily="65" charset="-120"/>
+                        <a:cs typeface="Times New Roman" panose="02020603050405020304" pitchFamily="18" charset="0"/>
+                      </a:endParaRPr>
+                    </a:p>
+                  </a:txBody>
+                  <a:tcPr/>
+                </a:tc>
+                <a:tc>
+                  <a:txBody>
+                    <a:bodyPr/>
+                    <a:lstStyle/>
+                    <a:p>
+                      <a:pPr marL="285750" indent="-285750">
+                        <a:buFont typeface="Arial" panose="020B0604020202020204" pitchFamily="34" charset="0"/>
+                        <a:buChar char="•"/>
+                      </a:pPr>
+                      <a:r>
+                        <a:rPr lang="zh-TW" altLang="en-US" b="0" dirty="0" smtClean="0">
+                          <a:latin typeface="Times New Roman" panose="02020603050405020304" pitchFamily="18" charset="0"/>
+                          <a:ea typeface="標楷體" panose="03000509000000000000" pitchFamily="65" charset="-120"/>
+                          <a:cs typeface="Times New Roman" panose="02020603050405020304" pitchFamily="18" charset="0"/>
+                        </a:rPr>
+                        <a:t>鍵</a:t>
+                      </a:r>
+                      <a:r>
+                        <a:rPr lang="en-US" altLang="zh-TW" b="0" dirty="0" smtClean="0">
+                          <a:latin typeface="Times New Roman" panose="02020603050405020304" pitchFamily="18" charset="0"/>
+                          <a:ea typeface="標楷體" panose="03000509000000000000" pitchFamily="65" charset="-120"/>
+                          <a:cs typeface="Times New Roman" panose="02020603050405020304" pitchFamily="18" charset="0"/>
+                        </a:rPr>
+                        <a:t>/</a:t>
+                      </a:r>
+                      <a:r>
+                        <a:rPr lang="zh-TW" altLang="en-US" b="0" dirty="0" smtClean="0">
+                          <a:latin typeface="Times New Roman" panose="02020603050405020304" pitchFamily="18" charset="0"/>
+                          <a:ea typeface="標楷體" panose="03000509000000000000" pitchFamily="65" charset="-120"/>
+                          <a:cs typeface="Times New Roman" panose="02020603050405020304" pitchFamily="18" charset="0"/>
+                        </a:rPr>
+                        <a:t>值對 </a:t>
+                      </a:r>
+                      <a:r>
+                        <a:rPr lang="en-US" altLang="zh-TW" b="0" dirty="0" smtClean="0">
+                          <a:latin typeface="Times New Roman" panose="02020603050405020304" pitchFamily="18" charset="0"/>
+                          <a:ea typeface="標楷體" panose="03000509000000000000" pitchFamily="65" charset="-120"/>
+                          <a:cs typeface="Times New Roman" panose="02020603050405020304" pitchFamily="18" charset="0"/>
+                        </a:rPr>
+                        <a:t>&lt;key,</a:t>
+                      </a:r>
+                      <a:r>
+                        <a:rPr lang="en-US" altLang="zh-TW" b="0" baseline="0" dirty="0" smtClean="0">
+                          <a:latin typeface="Times New Roman" panose="02020603050405020304" pitchFamily="18" charset="0"/>
+                          <a:ea typeface="標楷體" panose="03000509000000000000" pitchFamily="65" charset="-120"/>
+                          <a:cs typeface="Times New Roman" panose="02020603050405020304" pitchFamily="18" charset="0"/>
+                        </a:rPr>
+                        <a:t> value</a:t>
+                      </a:r>
+                      <a:r>
+                        <a:rPr lang="en-US" altLang="zh-TW" b="0" dirty="0" smtClean="0">
+                          <a:latin typeface="Times New Roman" panose="02020603050405020304" pitchFamily="18" charset="0"/>
+                          <a:ea typeface="標楷體" panose="03000509000000000000" pitchFamily="65" charset="-120"/>
+                          <a:cs typeface="Times New Roman" panose="02020603050405020304" pitchFamily="18" charset="0"/>
+                        </a:rPr>
+                        <a:t>&gt;</a:t>
+                      </a:r>
+                    </a:p>
+                    <a:p>
+                      <a:pPr marL="285750" indent="-285750">
+                        <a:buFont typeface="Arial" panose="020B0604020202020204" pitchFamily="34" charset="0"/>
+                        <a:buChar char="•"/>
+                      </a:pPr>
+                      <a:r>
+                        <a:rPr lang="zh-TW" altLang="en-US" b="0" dirty="0" smtClean="0">
+                          <a:latin typeface="Times New Roman" panose="02020603050405020304" pitchFamily="18" charset="0"/>
+                          <a:ea typeface="標楷體" panose="03000509000000000000" pitchFamily="65" charset="-120"/>
+                          <a:cs typeface="Times New Roman" panose="02020603050405020304" pitchFamily="18" charset="0"/>
+                        </a:rPr>
+                        <a:t>鍵是一個字串物件 </a:t>
+                      </a:r>
+                      <a:endParaRPr lang="en-US" altLang="zh-TW" b="0" dirty="0" smtClean="0">
+                        <a:latin typeface="Times New Roman" panose="02020603050405020304" pitchFamily="18" charset="0"/>
+                        <a:ea typeface="標楷體" panose="03000509000000000000" pitchFamily="65" charset="-120"/>
+                        <a:cs typeface="Times New Roman" panose="02020603050405020304" pitchFamily="18" charset="0"/>
+                      </a:endParaRPr>
+                    </a:p>
+                    <a:p>
+                      <a:pPr marL="285750" indent="-285750">
+                        <a:buFont typeface="Arial" panose="020B0604020202020204" pitchFamily="34" charset="0"/>
+                        <a:buChar char="•"/>
+                      </a:pPr>
+                      <a:r>
+                        <a:rPr lang="zh-TW" altLang="en-US" b="0" dirty="0" smtClean="0">
+                          <a:latin typeface="Times New Roman" panose="02020603050405020304" pitchFamily="18" charset="0"/>
+                          <a:ea typeface="標楷體" panose="03000509000000000000" pitchFamily="65" charset="-120"/>
+                          <a:cs typeface="Times New Roman" panose="02020603050405020304" pitchFamily="18" charset="0"/>
+                        </a:rPr>
+                        <a:t>值可以是任意類型的資料，例如：整數、字元、陣列、清單、集合等</a:t>
+                      </a:r>
+                      <a:endParaRPr lang="zh-TW" altLang="en-US" b="0" dirty="0">
+                        <a:latin typeface="Times New Roman" panose="02020603050405020304" pitchFamily="18" charset="0"/>
+                        <a:ea typeface="標楷體" panose="03000509000000000000" pitchFamily="65" charset="-120"/>
+                        <a:cs typeface="Times New Roman" panose="02020603050405020304" pitchFamily="18" charset="0"/>
+                      </a:endParaRPr>
+                    </a:p>
+                  </a:txBody>
+                  <a:tcPr/>
+                </a:tc>
+                <a:extLst>
+                  <a:ext uri="{0D108BD9-81ED-4DB2-BD59-A6C34878D82A}">
+                    <a16:rowId xmlns:a16="http://schemas.microsoft.com/office/drawing/2014/main" val="4112223151"/>
+                  </a:ext>
+                </a:extLst>
+              </a:tr>
+              <a:tr h="975815">
+                <a:tc>
+                  <a:txBody>
+                    <a:bodyPr/>
+                    <a:lstStyle/>
+                    <a:p>
+                      <a:r>
+                        <a:rPr lang="zh-TW" altLang="en-US" b="0" dirty="0" smtClean="0">
+                          <a:latin typeface="Times New Roman" panose="02020603050405020304" pitchFamily="18" charset="0"/>
+                          <a:ea typeface="標楷體" panose="03000509000000000000" pitchFamily="65" charset="-120"/>
+                          <a:cs typeface="Times New Roman" panose="02020603050405020304" pitchFamily="18" charset="0"/>
+                        </a:rPr>
+                        <a:t>典型應用</a:t>
+                      </a:r>
+                      <a:endParaRPr lang="zh-TW" altLang="en-US" b="0" dirty="0">
+                        <a:latin typeface="Times New Roman" panose="02020603050405020304" pitchFamily="18" charset="0"/>
+                        <a:ea typeface="標楷體" panose="03000509000000000000" pitchFamily="65" charset="-120"/>
+                        <a:cs typeface="Times New Roman" panose="02020603050405020304" pitchFamily="18" charset="0"/>
+                      </a:endParaRPr>
+                    </a:p>
+                  </a:txBody>
+                  <a:tcPr/>
+                </a:tc>
+                <a:tc>
+                  <a:txBody>
+                    <a:bodyPr/>
+                    <a:lstStyle/>
+                    <a:p>
+                      <a:pPr marL="285750" indent="-285750">
+                        <a:buFont typeface="Arial" panose="020B0604020202020204" pitchFamily="34" charset="0"/>
+                        <a:buChar char="•"/>
+                      </a:pPr>
+                      <a:r>
+                        <a:rPr lang="zh-TW" altLang="en-US" dirty="0" smtClean="0">
+                          <a:latin typeface="Times New Roman" panose="02020603050405020304" pitchFamily="18" charset="0"/>
+                          <a:ea typeface="標楷體" panose="03000509000000000000" pitchFamily="65" charset="-120"/>
+                          <a:cs typeface="Times New Roman" panose="02020603050405020304" pitchFamily="18" charset="0"/>
+                        </a:rPr>
+                        <a:t>涉及頻繁讀寫、擁有簡單資料模型的應用 </a:t>
+                      </a:r>
+                      <a:endParaRPr lang="en-US" altLang="zh-TW" dirty="0" smtClean="0">
+                        <a:latin typeface="Times New Roman" panose="02020603050405020304" pitchFamily="18" charset="0"/>
+                        <a:ea typeface="標楷體" panose="03000509000000000000" pitchFamily="65" charset="-120"/>
+                        <a:cs typeface="Times New Roman" panose="02020603050405020304" pitchFamily="18" charset="0"/>
+                      </a:endParaRPr>
+                    </a:p>
+                    <a:p>
+                      <a:pPr marL="285750" indent="-285750">
+                        <a:buFont typeface="Arial" panose="020B0604020202020204" pitchFamily="34" charset="0"/>
+                        <a:buChar char="•"/>
+                      </a:pPr>
+                      <a:r>
+                        <a:rPr lang="zh-TW" altLang="en-US" dirty="0" smtClean="0">
+                          <a:latin typeface="Times New Roman" panose="02020603050405020304" pitchFamily="18" charset="0"/>
+                          <a:ea typeface="標楷體" panose="03000509000000000000" pitchFamily="65" charset="-120"/>
+                          <a:cs typeface="Times New Roman" panose="02020603050405020304" pitchFamily="18" charset="0"/>
+                        </a:rPr>
+                        <a:t>內容暫存，例如：會話、設定檔、參數、購物車等 </a:t>
+                      </a:r>
+                      <a:endParaRPr lang="en-US" altLang="zh-TW" dirty="0" smtClean="0">
+                        <a:latin typeface="Times New Roman" panose="02020603050405020304" pitchFamily="18" charset="0"/>
+                        <a:ea typeface="標楷體" panose="03000509000000000000" pitchFamily="65" charset="-120"/>
+                        <a:cs typeface="Times New Roman" panose="02020603050405020304" pitchFamily="18" charset="0"/>
+                      </a:endParaRPr>
+                    </a:p>
+                    <a:p>
+                      <a:pPr marL="285750" indent="-285750">
+                        <a:buFont typeface="Arial" panose="020B0604020202020204" pitchFamily="34" charset="0"/>
+                        <a:buChar char="•"/>
+                      </a:pPr>
+                      <a:r>
+                        <a:rPr lang="zh-TW" altLang="en-US" dirty="0" smtClean="0">
+                          <a:latin typeface="Times New Roman" panose="02020603050405020304" pitchFamily="18" charset="0"/>
+                          <a:ea typeface="標楷體" panose="03000509000000000000" pitchFamily="65" charset="-120"/>
+                          <a:cs typeface="Times New Roman" panose="02020603050405020304" pitchFamily="18" charset="0"/>
+                        </a:rPr>
+                        <a:t>儲存配置和使用者資料的移動應用</a:t>
+                      </a:r>
+                      <a:endParaRPr lang="zh-TW" altLang="en-US" b="0" dirty="0">
+                        <a:latin typeface="Times New Roman" panose="02020603050405020304" pitchFamily="18" charset="0"/>
+                        <a:ea typeface="標楷體" panose="03000509000000000000" pitchFamily="65" charset="-120"/>
+                        <a:cs typeface="Times New Roman" panose="02020603050405020304" pitchFamily="18" charset="0"/>
+                      </a:endParaRPr>
+                    </a:p>
+                  </a:txBody>
+                  <a:tcPr/>
+                </a:tc>
+                <a:extLst>
+                  <a:ext uri="{0D108BD9-81ED-4DB2-BD59-A6C34878D82A}">
+                    <a16:rowId xmlns:a16="http://schemas.microsoft.com/office/drawing/2014/main" val="1083308996"/>
+                  </a:ext>
+                </a:extLst>
+              </a:tr>
+              <a:tr h="395747">
+                <a:tc>
+                  <a:txBody>
+                    <a:bodyPr/>
+                    <a:lstStyle/>
+                    <a:p>
+                      <a:r>
+                        <a:rPr lang="zh-TW" altLang="en-US" b="0" dirty="0" smtClean="0">
+                          <a:latin typeface="Times New Roman" panose="02020603050405020304" pitchFamily="18" charset="0"/>
+                          <a:ea typeface="標楷體" panose="03000509000000000000" pitchFamily="65" charset="-120"/>
+                          <a:cs typeface="Times New Roman" panose="02020603050405020304" pitchFamily="18" charset="0"/>
+                        </a:rPr>
+                        <a:t>優點</a:t>
+                      </a:r>
+                      <a:endParaRPr lang="zh-TW" altLang="en-US" b="0" dirty="0">
+                        <a:latin typeface="Times New Roman" panose="02020603050405020304" pitchFamily="18" charset="0"/>
+                        <a:ea typeface="標楷體" panose="03000509000000000000" pitchFamily="65" charset="-120"/>
+                        <a:cs typeface="Times New Roman" panose="02020603050405020304" pitchFamily="18" charset="0"/>
+                      </a:endParaRPr>
+                    </a:p>
+                  </a:txBody>
+                  <a:tcPr/>
+                </a:tc>
+                <a:tc>
+                  <a:txBody>
+                    <a:bodyPr/>
+                    <a:lstStyle/>
+                    <a:p>
+                      <a:pPr marL="285750" indent="-285750">
+                        <a:buFont typeface="Arial" panose="020B0604020202020204" pitchFamily="34" charset="0"/>
+                        <a:buChar char="•"/>
+                      </a:pPr>
+                      <a:r>
+                        <a:rPr lang="zh-TW" altLang="en-US" dirty="0" smtClean="0">
+                          <a:latin typeface="Times New Roman" panose="02020603050405020304" pitchFamily="18" charset="0"/>
+                          <a:ea typeface="標楷體" panose="03000509000000000000" pitchFamily="65" charset="-120"/>
+                          <a:cs typeface="Times New Roman" panose="02020603050405020304" pitchFamily="18" charset="0"/>
+                        </a:rPr>
+                        <a:t>擴展性好，靈活性好，大量寫操作時性能高</a:t>
+                      </a:r>
+                      <a:endParaRPr lang="zh-TW" altLang="en-US" b="0" dirty="0">
+                        <a:latin typeface="Times New Roman" panose="02020603050405020304" pitchFamily="18" charset="0"/>
+                        <a:ea typeface="標楷體" panose="03000509000000000000" pitchFamily="65" charset="-120"/>
+                        <a:cs typeface="Times New Roman" panose="02020603050405020304" pitchFamily="18" charset="0"/>
+                      </a:endParaRPr>
+                    </a:p>
+                  </a:txBody>
+                  <a:tcPr/>
+                </a:tc>
+                <a:extLst>
+                  <a:ext uri="{0D108BD9-81ED-4DB2-BD59-A6C34878D82A}">
+                    <a16:rowId xmlns:a16="http://schemas.microsoft.com/office/drawing/2014/main" val="395412437"/>
+                  </a:ext>
+                </a:extLst>
+              </a:tr>
+              <a:tr h="395747">
+                <a:tc>
+                  <a:txBody>
+                    <a:bodyPr/>
+                    <a:lstStyle/>
+                    <a:p>
+                      <a:r>
+                        <a:rPr lang="zh-TW" altLang="en-US" b="0" dirty="0" smtClean="0">
+                          <a:latin typeface="Times New Roman" panose="02020603050405020304" pitchFamily="18" charset="0"/>
+                          <a:ea typeface="標楷體" panose="03000509000000000000" pitchFamily="65" charset="-120"/>
+                          <a:cs typeface="Times New Roman" panose="02020603050405020304" pitchFamily="18" charset="0"/>
+                        </a:rPr>
+                        <a:t>缺點</a:t>
+                      </a:r>
+                      <a:endParaRPr lang="zh-TW" altLang="en-US" b="0" dirty="0">
+                        <a:latin typeface="Times New Roman" panose="02020603050405020304" pitchFamily="18" charset="0"/>
+                        <a:ea typeface="標楷體" panose="03000509000000000000" pitchFamily="65" charset="-120"/>
+                        <a:cs typeface="Times New Roman" panose="02020603050405020304" pitchFamily="18" charset="0"/>
+                      </a:endParaRPr>
+                    </a:p>
+                  </a:txBody>
+                  <a:tcPr/>
+                </a:tc>
+                <a:tc>
+                  <a:txBody>
+                    <a:bodyPr/>
+                    <a:lstStyle/>
+                    <a:p>
+                      <a:pPr marL="285750" indent="-285750">
+                        <a:buFont typeface="Arial" panose="020B0604020202020204" pitchFamily="34" charset="0"/>
+                        <a:buChar char="•"/>
+                      </a:pPr>
+                      <a:r>
+                        <a:rPr lang="zh-TW" altLang="en-US" dirty="0" smtClean="0">
+                          <a:latin typeface="Times New Roman" panose="02020603050405020304" pitchFamily="18" charset="0"/>
+                          <a:ea typeface="標楷體" panose="03000509000000000000" pitchFamily="65" charset="-120"/>
+                          <a:cs typeface="Times New Roman" panose="02020603050405020304" pitchFamily="18" charset="0"/>
+                        </a:rPr>
+                        <a:t>無法儲存結構化資訊，條件查詢效率較低</a:t>
+                      </a:r>
+                      <a:endParaRPr lang="zh-TW" altLang="en-US" b="0" dirty="0">
+                        <a:latin typeface="Times New Roman" panose="02020603050405020304" pitchFamily="18" charset="0"/>
+                        <a:ea typeface="標楷體" panose="03000509000000000000" pitchFamily="65" charset="-120"/>
+                        <a:cs typeface="Times New Roman" panose="02020603050405020304" pitchFamily="18" charset="0"/>
+                      </a:endParaRPr>
+                    </a:p>
+                  </a:txBody>
+                  <a:tcPr/>
+                </a:tc>
+                <a:extLst>
+                  <a:ext uri="{0D108BD9-81ED-4DB2-BD59-A6C34878D82A}">
+                    <a16:rowId xmlns:a16="http://schemas.microsoft.com/office/drawing/2014/main" val="412856550"/>
+                  </a:ext>
+                </a:extLst>
+              </a:tr>
+              <a:tr h="1268560">
+                <a:tc>
+                  <a:txBody>
+                    <a:bodyPr/>
+                    <a:lstStyle/>
+                    <a:p>
+                      <a:r>
+                        <a:rPr lang="zh-TW" altLang="en-US" b="0" dirty="0" smtClean="0">
+                          <a:latin typeface="Times New Roman" panose="02020603050405020304" pitchFamily="18" charset="0"/>
+                          <a:ea typeface="標楷體" panose="03000509000000000000" pitchFamily="65" charset="-120"/>
+                          <a:cs typeface="Times New Roman" panose="02020603050405020304" pitchFamily="18" charset="0"/>
+                        </a:rPr>
+                        <a:t>不適用情形</a:t>
+                      </a:r>
+                      <a:endParaRPr lang="zh-TW" altLang="en-US" b="0" dirty="0">
+                        <a:latin typeface="Times New Roman" panose="02020603050405020304" pitchFamily="18" charset="0"/>
+                        <a:ea typeface="標楷體" panose="03000509000000000000" pitchFamily="65" charset="-120"/>
+                        <a:cs typeface="Times New Roman" panose="02020603050405020304" pitchFamily="18" charset="0"/>
+                      </a:endParaRPr>
+                    </a:p>
+                  </a:txBody>
+                  <a:tcPr/>
+                </a:tc>
+                <a:tc>
+                  <a:txBody>
+                    <a:bodyPr/>
+                    <a:lstStyle/>
+                    <a:p>
+                      <a:pPr marL="285750" indent="-285750">
+                        <a:buFont typeface="Arial" panose="020B0604020202020204" pitchFamily="34" charset="0"/>
+                        <a:buChar char="•"/>
+                      </a:pPr>
+                      <a:r>
+                        <a:rPr lang="zh-TW" altLang="en-US" dirty="0" smtClean="0">
+                          <a:latin typeface="Times New Roman" panose="02020603050405020304" pitchFamily="18" charset="0"/>
+                          <a:ea typeface="標楷體" panose="03000509000000000000" pitchFamily="65" charset="-120"/>
+                          <a:cs typeface="Times New Roman" panose="02020603050405020304" pitchFamily="18" charset="0"/>
+                        </a:rPr>
+                        <a:t>不是透過鍵而是透過值來查詢：鍵值資料庫根本沒有透過值查詢的途徑 </a:t>
+                      </a:r>
+                      <a:endParaRPr lang="en-US" altLang="zh-TW" dirty="0" smtClean="0">
+                        <a:latin typeface="Times New Roman" panose="02020603050405020304" pitchFamily="18" charset="0"/>
+                        <a:ea typeface="標楷體" panose="03000509000000000000" pitchFamily="65" charset="-120"/>
+                        <a:cs typeface="Times New Roman" panose="02020603050405020304" pitchFamily="18" charset="0"/>
+                      </a:endParaRPr>
+                    </a:p>
+                    <a:p>
+                      <a:pPr marL="285750" indent="-285750">
+                        <a:buFont typeface="Arial" panose="020B0604020202020204" pitchFamily="34" charset="0"/>
+                        <a:buChar char="•"/>
+                      </a:pPr>
+                      <a:r>
+                        <a:rPr lang="zh-TW" altLang="en-US" dirty="0" smtClean="0">
+                          <a:latin typeface="Times New Roman" panose="02020603050405020304" pitchFamily="18" charset="0"/>
+                          <a:ea typeface="標楷體" panose="03000509000000000000" pitchFamily="65" charset="-120"/>
+                          <a:cs typeface="Times New Roman" panose="02020603050405020304" pitchFamily="18" charset="0"/>
+                        </a:rPr>
+                        <a:t>需要儲存資料之間的關係：在鍵值資料庫中，不能透過兩個或兩個以上的鍵來關聯資料</a:t>
+                      </a:r>
+                      <a:endParaRPr lang="en-US" altLang="zh-TW" dirty="0" smtClean="0">
+                        <a:latin typeface="Times New Roman" panose="02020603050405020304" pitchFamily="18" charset="0"/>
+                        <a:ea typeface="標楷體" panose="03000509000000000000" pitchFamily="65" charset="-120"/>
+                        <a:cs typeface="Times New Roman" panose="02020603050405020304" pitchFamily="18" charset="0"/>
+                      </a:endParaRPr>
+                    </a:p>
+                    <a:p>
+                      <a:pPr marL="285750" indent="-285750">
+                        <a:buFont typeface="Arial" panose="020B0604020202020204" pitchFamily="34" charset="0"/>
+                        <a:buChar char="•"/>
+                      </a:pPr>
+                      <a:r>
+                        <a:rPr lang="zh-TW" altLang="en-US" dirty="0" smtClean="0">
+                          <a:latin typeface="Times New Roman" panose="02020603050405020304" pitchFamily="18" charset="0"/>
+                          <a:ea typeface="標楷體" panose="03000509000000000000" pitchFamily="65" charset="-120"/>
+                          <a:cs typeface="Times New Roman" panose="02020603050405020304" pitchFamily="18" charset="0"/>
+                        </a:rPr>
+                        <a:t>需要交易的支援：在一些鍵值資料庫中，產生故障時，不可以退回</a:t>
+                      </a:r>
+                      <a:endParaRPr lang="zh-TW" altLang="en-US" b="0" dirty="0">
+                        <a:latin typeface="Times New Roman" panose="02020603050405020304" pitchFamily="18" charset="0"/>
+                        <a:ea typeface="標楷體" panose="03000509000000000000" pitchFamily="65" charset="-120"/>
+                        <a:cs typeface="Times New Roman" panose="02020603050405020304" pitchFamily="18" charset="0"/>
+                      </a:endParaRPr>
+                    </a:p>
+                  </a:txBody>
+                  <a:tcPr/>
+                </a:tc>
+                <a:extLst>
+                  <a:ext uri="{0D108BD9-81ED-4DB2-BD59-A6C34878D82A}">
+                    <a16:rowId xmlns:a16="http://schemas.microsoft.com/office/drawing/2014/main" val="532654663"/>
+                  </a:ext>
+                </a:extLst>
+              </a:tr>
+              <a:tr h="683071">
+                <a:tc>
+                  <a:txBody>
+                    <a:bodyPr/>
+                    <a:lstStyle/>
+                    <a:p>
+                      <a:r>
+                        <a:rPr lang="zh-TW" altLang="en-US" b="0" dirty="0" smtClean="0">
+                          <a:latin typeface="Times New Roman" panose="02020603050405020304" pitchFamily="18" charset="0"/>
+                          <a:ea typeface="標楷體" panose="03000509000000000000" pitchFamily="65" charset="-120"/>
+                          <a:cs typeface="Times New Roman" panose="02020603050405020304" pitchFamily="18" charset="0"/>
+                        </a:rPr>
+                        <a:t>使用者</a:t>
+                      </a:r>
+                      <a:endParaRPr lang="zh-TW" altLang="en-US" b="0" dirty="0">
+                        <a:latin typeface="Times New Roman" panose="02020603050405020304" pitchFamily="18" charset="0"/>
+                        <a:ea typeface="標楷體" panose="03000509000000000000" pitchFamily="65" charset="-120"/>
+                        <a:cs typeface="Times New Roman" panose="02020603050405020304" pitchFamily="18" charset="0"/>
+                      </a:endParaRPr>
+                    </a:p>
+                  </a:txBody>
+                  <a:tcPr/>
+                </a:tc>
+                <a:tc>
+                  <a:txBody>
+                    <a:bodyPr/>
+                    <a:lstStyle/>
+                    <a:p>
+                      <a:pPr marL="285750" indent="-285750">
+                        <a:buFont typeface="Arial" panose="020B0604020202020204" pitchFamily="34" charset="0"/>
+                        <a:buChar char="•"/>
+                      </a:pPr>
+                      <a:r>
+                        <a:rPr lang="en-US" altLang="zh-TW" dirty="0" smtClean="0">
+                          <a:latin typeface="Times New Roman" panose="02020603050405020304" pitchFamily="18" charset="0"/>
+                          <a:ea typeface="標楷體" panose="03000509000000000000" pitchFamily="65" charset="-120"/>
+                          <a:cs typeface="Times New Roman" panose="02020603050405020304" pitchFamily="18" charset="0"/>
+                        </a:rPr>
+                        <a:t>GitHub</a:t>
+                      </a:r>
+                      <a:r>
+                        <a:rPr lang="zh-TW" altLang="en-US" dirty="0" smtClean="0">
+                          <a:latin typeface="Times New Roman" panose="02020603050405020304" pitchFamily="18" charset="0"/>
+                          <a:ea typeface="標楷體" panose="03000509000000000000" pitchFamily="65" charset="-120"/>
+                          <a:cs typeface="Times New Roman" panose="02020603050405020304" pitchFamily="18" charset="0"/>
+                        </a:rPr>
+                        <a:t>（</a:t>
+                      </a:r>
+                      <a:r>
+                        <a:rPr lang="en-US" altLang="zh-TW" dirty="0" err="1" smtClean="0">
+                          <a:latin typeface="Times New Roman" panose="02020603050405020304" pitchFamily="18" charset="0"/>
+                          <a:ea typeface="標楷體" panose="03000509000000000000" pitchFamily="65" charset="-120"/>
+                          <a:cs typeface="Times New Roman" panose="02020603050405020304" pitchFamily="18" charset="0"/>
+                        </a:rPr>
+                        <a:t>Riak</a:t>
+                      </a:r>
+                      <a:r>
+                        <a:rPr lang="zh-TW" altLang="en-US" dirty="0" smtClean="0">
+                          <a:latin typeface="Times New Roman" panose="02020603050405020304" pitchFamily="18" charset="0"/>
+                          <a:ea typeface="標楷體" panose="03000509000000000000" pitchFamily="65" charset="-120"/>
+                          <a:cs typeface="Times New Roman" panose="02020603050405020304" pitchFamily="18" charset="0"/>
+                        </a:rPr>
+                        <a:t>）、</a:t>
+                      </a:r>
+                      <a:r>
+                        <a:rPr lang="en-US" altLang="zh-TW" dirty="0" smtClean="0">
+                          <a:latin typeface="Times New Roman" panose="02020603050405020304" pitchFamily="18" charset="0"/>
+                          <a:ea typeface="標楷體" panose="03000509000000000000" pitchFamily="65" charset="-120"/>
+                          <a:cs typeface="Times New Roman" panose="02020603050405020304" pitchFamily="18" charset="0"/>
+                        </a:rPr>
+                        <a:t>BestBuy</a:t>
+                      </a:r>
+                      <a:r>
+                        <a:rPr lang="zh-TW" altLang="en-US" dirty="0" smtClean="0">
+                          <a:latin typeface="Times New Roman" panose="02020603050405020304" pitchFamily="18" charset="0"/>
+                          <a:ea typeface="標楷體" panose="03000509000000000000" pitchFamily="65" charset="-120"/>
+                          <a:cs typeface="Times New Roman" panose="02020603050405020304" pitchFamily="18" charset="0"/>
+                        </a:rPr>
+                        <a:t>（</a:t>
+                      </a:r>
+                      <a:r>
+                        <a:rPr lang="en-US" altLang="zh-TW" dirty="0" err="1" smtClean="0">
+                          <a:latin typeface="Times New Roman" panose="02020603050405020304" pitchFamily="18" charset="0"/>
+                          <a:ea typeface="標楷體" panose="03000509000000000000" pitchFamily="65" charset="-120"/>
+                          <a:cs typeface="Times New Roman" panose="02020603050405020304" pitchFamily="18" charset="0"/>
+                        </a:rPr>
+                        <a:t>Riak</a:t>
+                      </a:r>
+                      <a:r>
+                        <a:rPr lang="zh-TW" altLang="en-US" dirty="0" smtClean="0">
+                          <a:latin typeface="Times New Roman" panose="02020603050405020304" pitchFamily="18" charset="0"/>
+                          <a:ea typeface="標楷體" panose="03000509000000000000" pitchFamily="65" charset="-120"/>
+                          <a:cs typeface="Times New Roman" panose="02020603050405020304" pitchFamily="18" charset="0"/>
+                        </a:rPr>
+                        <a:t>）、</a:t>
+                      </a:r>
+                      <a:r>
+                        <a:rPr lang="en-US" altLang="zh-TW" dirty="0" smtClean="0">
+                          <a:latin typeface="Times New Roman" panose="02020603050405020304" pitchFamily="18" charset="0"/>
+                          <a:ea typeface="標楷體" panose="03000509000000000000" pitchFamily="65" charset="-120"/>
+                          <a:cs typeface="Times New Roman" panose="02020603050405020304" pitchFamily="18" charset="0"/>
+                        </a:rPr>
+                        <a:t>Twitter</a:t>
+                      </a:r>
+                      <a:r>
+                        <a:rPr lang="zh-TW" altLang="en-US" dirty="0" smtClean="0">
+                          <a:latin typeface="Times New Roman" panose="02020603050405020304" pitchFamily="18" charset="0"/>
+                          <a:ea typeface="標楷體" panose="03000509000000000000" pitchFamily="65" charset="-120"/>
+                          <a:cs typeface="Times New Roman" panose="02020603050405020304" pitchFamily="18" charset="0"/>
+                        </a:rPr>
+                        <a:t>（</a:t>
+                      </a:r>
+                      <a:r>
+                        <a:rPr lang="en-US" altLang="zh-TW" dirty="0" err="1" smtClean="0">
+                          <a:latin typeface="Times New Roman" panose="02020603050405020304" pitchFamily="18" charset="0"/>
+                          <a:ea typeface="標楷體" panose="03000509000000000000" pitchFamily="65" charset="-120"/>
+                          <a:cs typeface="Times New Roman" panose="02020603050405020304" pitchFamily="18" charset="0"/>
+                        </a:rPr>
+                        <a:t>Redis</a:t>
+                      </a:r>
+                      <a:r>
+                        <a:rPr lang="zh-TW" altLang="en-US" dirty="0" smtClean="0">
+                          <a:latin typeface="Times New Roman" panose="02020603050405020304" pitchFamily="18" charset="0"/>
+                          <a:ea typeface="標楷體" panose="03000509000000000000" pitchFamily="65" charset="-120"/>
+                          <a:cs typeface="Times New Roman" panose="02020603050405020304" pitchFamily="18" charset="0"/>
+                        </a:rPr>
+                        <a:t>和 </a:t>
+                      </a:r>
+                      <a:r>
+                        <a:rPr lang="en-US" altLang="zh-TW" dirty="0" err="1" smtClean="0">
+                          <a:latin typeface="Times New Roman" panose="02020603050405020304" pitchFamily="18" charset="0"/>
+                          <a:ea typeface="標楷體" panose="03000509000000000000" pitchFamily="65" charset="-120"/>
+                          <a:cs typeface="Times New Roman" panose="02020603050405020304" pitchFamily="18" charset="0"/>
+                        </a:rPr>
+                        <a:t>Memcached</a:t>
+                      </a:r>
+                      <a:r>
+                        <a:rPr lang="zh-TW" altLang="en-US" dirty="0" smtClean="0">
+                          <a:latin typeface="Times New Roman" panose="02020603050405020304" pitchFamily="18" charset="0"/>
+                          <a:ea typeface="標楷體" panose="03000509000000000000" pitchFamily="65" charset="-120"/>
+                          <a:cs typeface="Times New Roman" panose="02020603050405020304" pitchFamily="18" charset="0"/>
+                        </a:rPr>
+                        <a:t>）、</a:t>
+                      </a:r>
+                      <a:r>
+                        <a:rPr lang="en-US" altLang="zh-TW" dirty="0" err="1" smtClean="0">
+                          <a:latin typeface="Times New Roman" panose="02020603050405020304" pitchFamily="18" charset="0"/>
+                          <a:ea typeface="標楷體" panose="03000509000000000000" pitchFamily="65" charset="-120"/>
+                          <a:cs typeface="Times New Roman" panose="02020603050405020304" pitchFamily="18" charset="0"/>
+                        </a:rPr>
+                        <a:t>StackOverFlow</a:t>
+                      </a:r>
+                      <a:r>
+                        <a:rPr lang="zh-TW" altLang="en-US" dirty="0" smtClean="0">
+                          <a:latin typeface="Times New Roman" panose="02020603050405020304" pitchFamily="18" charset="0"/>
+                          <a:ea typeface="標楷體" panose="03000509000000000000" pitchFamily="65" charset="-120"/>
+                          <a:cs typeface="Times New Roman" panose="02020603050405020304" pitchFamily="18" charset="0"/>
+                        </a:rPr>
+                        <a:t>（</a:t>
+                      </a:r>
+                      <a:r>
+                        <a:rPr lang="en-US" altLang="zh-TW" dirty="0" err="1" smtClean="0">
+                          <a:latin typeface="Times New Roman" panose="02020603050405020304" pitchFamily="18" charset="0"/>
+                          <a:ea typeface="標楷體" panose="03000509000000000000" pitchFamily="65" charset="-120"/>
+                          <a:cs typeface="Times New Roman" panose="02020603050405020304" pitchFamily="18" charset="0"/>
+                        </a:rPr>
+                        <a:t>Redis</a:t>
+                      </a:r>
+                      <a:r>
+                        <a:rPr lang="zh-TW" altLang="en-US" dirty="0" smtClean="0">
+                          <a:latin typeface="Times New Roman" panose="02020603050405020304" pitchFamily="18" charset="0"/>
+                          <a:ea typeface="標楷體" panose="03000509000000000000" pitchFamily="65" charset="-120"/>
+                          <a:cs typeface="Times New Roman" panose="02020603050405020304" pitchFamily="18" charset="0"/>
+                        </a:rPr>
+                        <a:t>）、</a:t>
+                      </a:r>
+                      <a:r>
+                        <a:rPr lang="en-US" altLang="zh-TW" dirty="0" smtClean="0">
+                          <a:latin typeface="Times New Roman" panose="02020603050405020304" pitchFamily="18" charset="0"/>
+                          <a:ea typeface="標楷體" panose="03000509000000000000" pitchFamily="65" charset="-120"/>
+                          <a:cs typeface="Times New Roman" panose="02020603050405020304" pitchFamily="18" charset="0"/>
+                        </a:rPr>
+                        <a:t>Instagram</a:t>
+                      </a:r>
+                      <a:r>
+                        <a:rPr lang="zh-TW" altLang="en-US" dirty="0" smtClean="0">
+                          <a:latin typeface="Times New Roman" panose="02020603050405020304" pitchFamily="18" charset="0"/>
+                          <a:ea typeface="標楷體" panose="03000509000000000000" pitchFamily="65" charset="-120"/>
+                          <a:cs typeface="Times New Roman" panose="02020603050405020304" pitchFamily="18" charset="0"/>
+                        </a:rPr>
+                        <a:t>（</a:t>
+                      </a:r>
+                      <a:r>
+                        <a:rPr lang="en-US" altLang="zh-TW" dirty="0" err="1" smtClean="0">
+                          <a:latin typeface="Times New Roman" panose="02020603050405020304" pitchFamily="18" charset="0"/>
+                          <a:ea typeface="標楷體" panose="03000509000000000000" pitchFamily="65" charset="-120"/>
+                          <a:cs typeface="Times New Roman" panose="02020603050405020304" pitchFamily="18" charset="0"/>
+                        </a:rPr>
+                        <a:t>Redis</a:t>
+                      </a:r>
+                      <a:r>
+                        <a:rPr lang="zh-TW" altLang="en-US" dirty="0" smtClean="0">
+                          <a:latin typeface="Times New Roman" panose="02020603050405020304" pitchFamily="18" charset="0"/>
+                          <a:ea typeface="標楷體" panose="03000509000000000000" pitchFamily="65" charset="-120"/>
+                          <a:cs typeface="Times New Roman" panose="02020603050405020304" pitchFamily="18" charset="0"/>
+                        </a:rPr>
+                        <a:t>）、 </a:t>
+                      </a:r>
+                      <a:r>
+                        <a:rPr lang="en-US" altLang="zh-TW" dirty="0" err="1" smtClean="0">
+                          <a:latin typeface="Times New Roman" panose="02020603050405020304" pitchFamily="18" charset="0"/>
+                          <a:ea typeface="標楷體" panose="03000509000000000000" pitchFamily="65" charset="-120"/>
+                          <a:cs typeface="Times New Roman" panose="02020603050405020304" pitchFamily="18" charset="0"/>
+                        </a:rPr>
+                        <a:t>Youtube</a:t>
+                      </a:r>
+                      <a:r>
+                        <a:rPr lang="zh-TW" altLang="en-US" dirty="0" smtClean="0">
+                          <a:latin typeface="Times New Roman" panose="02020603050405020304" pitchFamily="18" charset="0"/>
+                          <a:ea typeface="標楷體" panose="03000509000000000000" pitchFamily="65" charset="-120"/>
+                          <a:cs typeface="Times New Roman" panose="02020603050405020304" pitchFamily="18" charset="0"/>
+                        </a:rPr>
+                        <a:t>（</a:t>
+                      </a:r>
+                      <a:r>
+                        <a:rPr lang="en-US" altLang="zh-TW" dirty="0" err="1" smtClean="0">
+                          <a:latin typeface="Times New Roman" panose="02020603050405020304" pitchFamily="18" charset="0"/>
+                          <a:ea typeface="標楷體" panose="03000509000000000000" pitchFamily="65" charset="-120"/>
+                          <a:cs typeface="Times New Roman" panose="02020603050405020304" pitchFamily="18" charset="0"/>
+                        </a:rPr>
+                        <a:t>Memcached</a:t>
+                      </a:r>
+                      <a:r>
+                        <a:rPr lang="zh-TW" altLang="en-US" dirty="0" smtClean="0">
+                          <a:latin typeface="Times New Roman" panose="02020603050405020304" pitchFamily="18" charset="0"/>
+                          <a:ea typeface="標楷體" panose="03000509000000000000" pitchFamily="65" charset="-120"/>
+                          <a:cs typeface="Times New Roman" panose="02020603050405020304" pitchFamily="18" charset="0"/>
+                        </a:rPr>
+                        <a:t>）、</a:t>
+                      </a:r>
+                      <a:r>
+                        <a:rPr lang="en-US" altLang="zh-TW" dirty="0" smtClean="0">
+                          <a:latin typeface="Times New Roman" panose="02020603050405020304" pitchFamily="18" charset="0"/>
+                          <a:ea typeface="標楷體" panose="03000509000000000000" pitchFamily="65" charset="-120"/>
+                          <a:cs typeface="Times New Roman" panose="02020603050405020304" pitchFamily="18" charset="0"/>
+                        </a:rPr>
+                        <a:t>Wikipedia</a:t>
+                      </a:r>
+                      <a:r>
+                        <a:rPr lang="zh-TW" altLang="en-US" dirty="0" smtClean="0">
+                          <a:latin typeface="Times New Roman" panose="02020603050405020304" pitchFamily="18" charset="0"/>
+                          <a:ea typeface="標楷體" panose="03000509000000000000" pitchFamily="65" charset="-120"/>
+                          <a:cs typeface="Times New Roman" panose="02020603050405020304" pitchFamily="18" charset="0"/>
+                        </a:rPr>
+                        <a:t>（</a:t>
+                      </a:r>
+                      <a:r>
+                        <a:rPr lang="en-US" altLang="zh-TW" dirty="0" err="1" smtClean="0">
+                          <a:latin typeface="Times New Roman" panose="02020603050405020304" pitchFamily="18" charset="0"/>
+                          <a:ea typeface="標楷體" panose="03000509000000000000" pitchFamily="65" charset="-120"/>
+                          <a:cs typeface="Times New Roman" panose="02020603050405020304" pitchFamily="18" charset="0"/>
+                        </a:rPr>
+                        <a:t>Memcached</a:t>
+                      </a:r>
+                      <a:r>
+                        <a:rPr lang="zh-TW" altLang="en-US" dirty="0" smtClean="0">
+                          <a:latin typeface="Times New Roman" panose="02020603050405020304" pitchFamily="18" charset="0"/>
+                          <a:ea typeface="標楷體" panose="03000509000000000000" pitchFamily="65" charset="-120"/>
+                          <a:cs typeface="Times New Roman" panose="02020603050405020304" pitchFamily="18" charset="0"/>
+                        </a:rPr>
+                        <a:t>）</a:t>
+                      </a:r>
+                      <a:endParaRPr lang="zh-TW" altLang="en-US" b="0" dirty="0">
+                        <a:latin typeface="Times New Roman" panose="02020603050405020304" pitchFamily="18" charset="0"/>
+                        <a:ea typeface="標楷體" panose="03000509000000000000" pitchFamily="65" charset="-120"/>
+                        <a:cs typeface="Times New Roman" panose="02020603050405020304" pitchFamily="18" charset="0"/>
+                      </a:endParaRPr>
+                    </a:p>
+                  </a:txBody>
+                  <a:tcPr/>
+                </a:tc>
+                <a:extLst>
+                  <a:ext uri="{0D108BD9-81ED-4DB2-BD59-A6C34878D82A}">
+                    <a16:rowId xmlns:a16="http://schemas.microsoft.com/office/drawing/2014/main" val="118920265"/>
+                  </a:ext>
+                </a:extLst>
+              </a:tr>
+            </a:tbl>
+          </a:graphicData>
+        </a:graphic>
+      </p:graphicFrame>
+    </p:spTree>
+    <p:extLst>
+      <p:ext uri="{BB962C8B-B14F-4D97-AF65-F5344CB8AC3E}">
+        <p14:creationId xmlns:p14="http://schemas.microsoft.com/office/powerpoint/2010/main" val="3762570936"/>
+      </p:ext>
+    </p:extLst>
+  </p:cSld>
+  <p:clrMapOvr>
+    <a:masterClrMapping/>
+  </p:clrMapOvr>
+  <p:timing>
+    <p:tnLst>
+      <p:par>
+        <p:cTn id="1" dur="indefinite" restart="never" nodeType="tmRoot"/>
+      </p:par>
+    </p:tnLst>
+  </p:timing>
+</p:sld>
+</file>
+
+<file path=ppt/slides/slide12.xml><?xml version="1.0" encoding="utf-8"?>
+<p:sld xmlns:a="http://schemas.openxmlformats.org/drawingml/2006/main" xmlns:r="http://schemas.openxmlformats.org/officeDocument/2006/relationships" xmlns:p="http://schemas.openxmlformats.org/presentationml/2006/main">
+  <p:cSld>
+    <p:spTree>
+      <p:nvGrpSpPr>
+        <p:cNvPr id="1" name=""/>
+        <p:cNvGrpSpPr/>
+        <p:nvPr/>
+      </p:nvGrpSpPr>
+      <p:grpSpPr>
+        <a:xfrm>
+          <a:off x="0" y="0"/>
+          <a:ext cx="0" cy="0"/>
+          <a:chOff x="0" y="0"/>
+          <a:chExt cx="0" cy="0"/>
+        </a:xfrm>
+      </p:grpSpPr>
+      <p:sp>
+        <p:nvSpPr>
+          <p:cNvPr id="2" name="標題 1"/>
+          <p:cNvSpPr>
+            <a:spLocks noGrp="1"/>
+          </p:cNvSpPr>
+          <p:nvPr>
+            <p:ph type="title"/>
+          </p:nvPr>
+        </p:nvSpPr>
+        <p:spPr>
+          <a:xfrm>
+            <a:off x="838200" y="365125"/>
+            <a:ext cx="10515600" cy="915035"/>
+          </a:xfrm>
+        </p:spPr>
+        <p:txBody>
+          <a:bodyPr/>
+          <a:lstStyle/>
+          <a:p>
+            <a:r>
+              <a:rPr lang="zh-TW" altLang="en-US" dirty="0">
+                <a:latin typeface="Times New Roman" panose="02020603050405020304" pitchFamily="18" charset="0"/>
+                <a:ea typeface="標楷體" panose="03000509000000000000" pitchFamily="65" charset="-120"/>
+                <a:cs typeface="Times New Roman" panose="02020603050405020304" pitchFamily="18" charset="0"/>
+              </a:rPr>
+              <a:t>欄族資料庫</a:t>
+            </a:r>
+          </a:p>
+        </p:txBody>
+      </p:sp>
+      <p:graphicFrame>
+        <p:nvGraphicFramePr>
+          <p:cNvPr id="6" name="內容版面配置區 5"/>
+          <p:cNvGraphicFramePr>
+            <a:graphicFrameLocks noGrp="1"/>
+          </p:cNvGraphicFramePr>
+          <p:nvPr>
+            <p:ph idx="1"/>
+            <p:extLst>
+              <p:ext uri="{D42A27DB-BD31-4B8C-83A1-F6EECF244321}">
+                <p14:modId xmlns:p14="http://schemas.microsoft.com/office/powerpoint/2010/main" val="527712102"/>
+              </p:ext>
+            </p:extLst>
+          </p:nvPr>
+        </p:nvGraphicFramePr>
+        <p:xfrm>
+          <a:off x="838200" y="1280161"/>
+          <a:ext cx="10515600" cy="5148774"/>
+        </p:xfrm>
+        <a:graphic>
+          <a:graphicData uri="http://schemas.openxmlformats.org/drawingml/2006/table">
+            <a:tbl>
+              <a:tblPr firstRow="1" bandRow="1">
+                <a:tableStyleId>{BC89EF96-8CEA-46FF-86C4-4CE0E7609802}</a:tableStyleId>
+              </a:tblPr>
+              <a:tblGrid>
+                <a:gridCol w="1623646">
+                  <a:extLst>
+                    <a:ext uri="{9D8B030D-6E8A-4147-A177-3AD203B41FA5}">
+                      <a16:colId xmlns:a16="http://schemas.microsoft.com/office/drawing/2014/main" val="2215289821"/>
+                    </a:ext>
+                  </a:extLst>
+                </a:gridCol>
+                <a:gridCol w="8891954">
+                  <a:extLst>
+                    <a:ext uri="{9D8B030D-6E8A-4147-A177-3AD203B41FA5}">
+                      <a16:colId xmlns:a16="http://schemas.microsoft.com/office/drawing/2014/main" val="185806513"/>
+                    </a:ext>
+                  </a:extLst>
+                </a:gridCol>
+              </a:tblGrid>
+              <a:tr h="381392">
+                <a:tc>
+                  <a:txBody>
+                    <a:bodyPr/>
+                    <a:lstStyle/>
+                    <a:p>
+                      <a:r>
+                        <a:rPr lang="zh-TW" altLang="en-US" b="0" dirty="0" smtClean="0">
+                          <a:latin typeface="Times New Roman" panose="02020603050405020304" pitchFamily="18" charset="0"/>
+                          <a:ea typeface="標楷體" panose="03000509000000000000" pitchFamily="65" charset="-120"/>
+                          <a:cs typeface="Times New Roman" panose="02020603050405020304" pitchFamily="18" charset="0"/>
+                        </a:rPr>
+                        <a:t>相關 產品</a:t>
+                      </a:r>
+                      <a:endParaRPr lang="zh-TW" altLang="en-US" b="0" dirty="0">
+                        <a:latin typeface="Times New Roman" panose="02020603050405020304" pitchFamily="18" charset="0"/>
+                        <a:ea typeface="標楷體" panose="03000509000000000000" pitchFamily="65" charset="-120"/>
+                        <a:cs typeface="Times New Roman" panose="02020603050405020304" pitchFamily="18" charset="0"/>
+                      </a:endParaRPr>
+                    </a:p>
+                  </a:txBody>
+                  <a:tcPr/>
+                </a:tc>
+                <a:tc>
+                  <a:txBody>
+                    <a:bodyPr/>
+                    <a:lstStyle/>
+                    <a:p>
+                      <a:pPr marL="285750" indent="-285750">
+                        <a:buFont typeface="Arial" panose="020B0604020202020204" pitchFamily="34" charset="0"/>
+                        <a:buChar char="•"/>
+                      </a:pPr>
+                      <a:r>
+                        <a:rPr lang="en-US" altLang="zh-TW" b="0" dirty="0" smtClean="0">
+                          <a:latin typeface="Times New Roman" panose="02020603050405020304" pitchFamily="18" charset="0"/>
+                          <a:ea typeface="標楷體" panose="03000509000000000000" pitchFamily="65" charset="-120"/>
+                          <a:cs typeface="Times New Roman" panose="02020603050405020304" pitchFamily="18" charset="0"/>
+                        </a:rPr>
+                        <a:t> </a:t>
+                      </a:r>
+                      <a:r>
+                        <a:rPr lang="en-US" altLang="zh-TW" b="0" dirty="0" err="1" smtClean="0">
+                          <a:latin typeface="Times New Roman" panose="02020603050405020304" pitchFamily="18" charset="0"/>
+                          <a:ea typeface="標楷體" panose="03000509000000000000" pitchFamily="65" charset="-120"/>
+                          <a:cs typeface="Times New Roman" panose="02020603050405020304" pitchFamily="18" charset="0"/>
+                        </a:rPr>
+                        <a:t>BigTable</a:t>
+                      </a:r>
+                      <a:r>
+                        <a:rPr lang="zh-TW" altLang="en-US" b="0" dirty="0" smtClean="0">
+                          <a:latin typeface="Times New Roman" panose="02020603050405020304" pitchFamily="18" charset="0"/>
+                          <a:ea typeface="標楷體" panose="03000509000000000000" pitchFamily="65" charset="-120"/>
+                          <a:cs typeface="Times New Roman" panose="02020603050405020304" pitchFamily="18" charset="0"/>
+                        </a:rPr>
+                        <a:t>、</a:t>
+                      </a:r>
+                      <a:r>
+                        <a:rPr lang="en-US" altLang="zh-TW" b="0" dirty="0" err="1" smtClean="0">
+                          <a:latin typeface="Times New Roman" panose="02020603050405020304" pitchFamily="18" charset="0"/>
+                          <a:ea typeface="標楷體" panose="03000509000000000000" pitchFamily="65" charset="-120"/>
+                          <a:cs typeface="Times New Roman" panose="02020603050405020304" pitchFamily="18" charset="0"/>
+                        </a:rPr>
+                        <a:t>HBase</a:t>
+                      </a:r>
+                      <a:r>
+                        <a:rPr lang="zh-TW" altLang="en-US" b="0" dirty="0" smtClean="0">
+                          <a:latin typeface="Times New Roman" panose="02020603050405020304" pitchFamily="18" charset="0"/>
+                          <a:ea typeface="標楷體" panose="03000509000000000000" pitchFamily="65" charset="-120"/>
+                          <a:cs typeface="Times New Roman" panose="02020603050405020304" pitchFamily="18" charset="0"/>
+                        </a:rPr>
+                        <a:t>、</a:t>
+                      </a:r>
+                      <a:r>
+                        <a:rPr lang="en-US" altLang="zh-TW" b="0" dirty="0" smtClean="0">
+                          <a:latin typeface="Times New Roman" panose="02020603050405020304" pitchFamily="18" charset="0"/>
+                          <a:ea typeface="標楷體" panose="03000509000000000000" pitchFamily="65" charset="-120"/>
+                          <a:cs typeface="Times New Roman" panose="02020603050405020304" pitchFamily="18" charset="0"/>
+                        </a:rPr>
+                        <a:t>Cassandra</a:t>
+                      </a:r>
+                      <a:r>
+                        <a:rPr lang="zh-TW" altLang="en-US" b="0" dirty="0" smtClean="0">
+                          <a:latin typeface="Times New Roman" panose="02020603050405020304" pitchFamily="18" charset="0"/>
+                          <a:ea typeface="標楷體" panose="03000509000000000000" pitchFamily="65" charset="-120"/>
+                          <a:cs typeface="Times New Roman" panose="02020603050405020304" pitchFamily="18" charset="0"/>
+                        </a:rPr>
+                        <a:t>、</a:t>
+                      </a:r>
+                      <a:r>
+                        <a:rPr lang="en-US" altLang="zh-TW" b="0" dirty="0" err="1" smtClean="0">
+                          <a:latin typeface="Times New Roman" panose="02020603050405020304" pitchFamily="18" charset="0"/>
+                          <a:ea typeface="標楷體" panose="03000509000000000000" pitchFamily="65" charset="-120"/>
+                          <a:cs typeface="Times New Roman" panose="02020603050405020304" pitchFamily="18" charset="0"/>
+                        </a:rPr>
+                        <a:t>HadoopDB</a:t>
+                      </a:r>
+                      <a:r>
+                        <a:rPr lang="zh-TW" altLang="en-US" b="0" dirty="0" smtClean="0">
+                          <a:latin typeface="Times New Roman" panose="02020603050405020304" pitchFamily="18" charset="0"/>
+                          <a:ea typeface="標楷體" panose="03000509000000000000" pitchFamily="65" charset="-120"/>
+                          <a:cs typeface="Times New Roman" panose="02020603050405020304" pitchFamily="18" charset="0"/>
+                        </a:rPr>
+                        <a:t>、</a:t>
+                      </a:r>
+                      <a:r>
+                        <a:rPr lang="en-US" altLang="zh-TW" b="0" dirty="0" err="1" smtClean="0">
+                          <a:latin typeface="Times New Roman" panose="02020603050405020304" pitchFamily="18" charset="0"/>
+                          <a:ea typeface="標楷體" panose="03000509000000000000" pitchFamily="65" charset="-120"/>
+                          <a:cs typeface="Times New Roman" panose="02020603050405020304" pitchFamily="18" charset="0"/>
+                        </a:rPr>
+                        <a:t>GreenPlum</a:t>
+                      </a:r>
+                      <a:r>
+                        <a:rPr lang="zh-TW" altLang="en-US" b="0" dirty="0" smtClean="0">
+                          <a:latin typeface="Times New Roman" panose="02020603050405020304" pitchFamily="18" charset="0"/>
+                          <a:ea typeface="標楷體" panose="03000509000000000000" pitchFamily="65" charset="-120"/>
+                          <a:cs typeface="Times New Roman" panose="02020603050405020304" pitchFamily="18" charset="0"/>
+                        </a:rPr>
+                        <a:t>、</a:t>
+                      </a:r>
+                      <a:r>
+                        <a:rPr lang="en-US" altLang="zh-TW" b="0" dirty="0" smtClean="0">
+                          <a:latin typeface="Times New Roman" panose="02020603050405020304" pitchFamily="18" charset="0"/>
+                          <a:ea typeface="標楷體" panose="03000509000000000000" pitchFamily="65" charset="-120"/>
+                          <a:cs typeface="Times New Roman" panose="02020603050405020304" pitchFamily="18" charset="0"/>
+                        </a:rPr>
+                        <a:t>PNUTS </a:t>
+                      </a:r>
+                      <a:endParaRPr lang="zh-TW" altLang="en-US" b="0" dirty="0">
+                        <a:latin typeface="Times New Roman" panose="02020603050405020304" pitchFamily="18" charset="0"/>
+                        <a:ea typeface="標楷體" panose="03000509000000000000" pitchFamily="65" charset="-120"/>
+                        <a:cs typeface="Times New Roman" panose="02020603050405020304" pitchFamily="18" charset="0"/>
+                      </a:endParaRPr>
+                    </a:p>
+                  </a:txBody>
+                  <a:tcPr/>
+                </a:tc>
+                <a:extLst>
+                  <a:ext uri="{0D108BD9-81ED-4DB2-BD59-A6C34878D82A}">
+                    <a16:rowId xmlns:a16="http://schemas.microsoft.com/office/drawing/2014/main" val="1094718064"/>
+                  </a:ext>
+                </a:extLst>
+              </a:tr>
+              <a:tr h="589278">
+                <a:tc>
+                  <a:txBody>
+                    <a:bodyPr/>
+                    <a:lstStyle/>
+                    <a:p>
+                      <a:r>
+                        <a:rPr lang="zh-TW" altLang="en-US" b="0" dirty="0" smtClean="0">
+                          <a:latin typeface="Times New Roman" panose="02020603050405020304" pitchFamily="18" charset="0"/>
+                          <a:ea typeface="標楷體" panose="03000509000000000000" pitchFamily="65" charset="-120"/>
+                          <a:cs typeface="Times New Roman" panose="02020603050405020304" pitchFamily="18" charset="0"/>
+                        </a:rPr>
+                        <a:t>資料模型</a:t>
+                      </a:r>
+                      <a:endParaRPr lang="zh-TW" altLang="en-US" b="0" dirty="0">
+                        <a:latin typeface="Times New Roman" panose="02020603050405020304" pitchFamily="18" charset="0"/>
+                        <a:ea typeface="標楷體" panose="03000509000000000000" pitchFamily="65" charset="-120"/>
+                        <a:cs typeface="Times New Roman" panose="02020603050405020304" pitchFamily="18" charset="0"/>
+                      </a:endParaRPr>
+                    </a:p>
+                  </a:txBody>
+                  <a:tcPr/>
+                </a:tc>
+                <a:tc>
+                  <a:txBody>
+                    <a:bodyPr/>
+                    <a:lstStyle/>
+                    <a:p>
+                      <a:pPr marL="285750" indent="-285750">
+                        <a:buFont typeface="Arial" panose="020B0604020202020204" pitchFamily="34" charset="0"/>
+                        <a:buChar char="•"/>
+                      </a:pPr>
+                      <a:r>
+                        <a:rPr lang="zh-TW" altLang="en-US" b="0" dirty="0" smtClean="0">
+                          <a:latin typeface="Times New Roman" panose="02020603050405020304" pitchFamily="18" charset="0"/>
+                          <a:ea typeface="標楷體" panose="03000509000000000000" pitchFamily="65" charset="-120"/>
+                          <a:cs typeface="Times New Roman" panose="02020603050405020304" pitchFamily="18" charset="0"/>
+                        </a:rPr>
+                        <a:t>欄族</a:t>
+                      </a:r>
+                      <a:endParaRPr lang="zh-TW" altLang="en-US" b="0" dirty="0">
+                        <a:latin typeface="Times New Roman" panose="02020603050405020304" pitchFamily="18" charset="0"/>
+                        <a:ea typeface="標楷體" panose="03000509000000000000" pitchFamily="65" charset="-120"/>
+                        <a:cs typeface="Times New Roman" panose="02020603050405020304" pitchFamily="18" charset="0"/>
+                      </a:endParaRPr>
+                    </a:p>
+                  </a:txBody>
+                  <a:tcPr/>
+                </a:tc>
+                <a:extLst>
+                  <a:ext uri="{0D108BD9-81ED-4DB2-BD59-A6C34878D82A}">
+                    <a16:rowId xmlns:a16="http://schemas.microsoft.com/office/drawing/2014/main" val="4112223151"/>
+                  </a:ext>
+                </a:extLst>
+              </a:tr>
+              <a:tr h="1525568">
+                <a:tc>
+                  <a:txBody>
+                    <a:bodyPr/>
+                    <a:lstStyle/>
+                    <a:p>
+                      <a:r>
+                        <a:rPr lang="zh-TW" altLang="en-US" b="0" dirty="0" smtClean="0">
+                          <a:latin typeface="Times New Roman" panose="02020603050405020304" pitchFamily="18" charset="0"/>
+                          <a:ea typeface="標楷體" panose="03000509000000000000" pitchFamily="65" charset="-120"/>
+                          <a:cs typeface="Times New Roman" panose="02020603050405020304" pitchFamily="18" charset="0"/>
+                        </a:rPr>
+                        <a:t>典型應用</a:t>
+                      </a:r>
+                      <a:endParaRPr lang="zh-TW" altLang="en-US" b="0" dirty="0">
+                        <a:latin typeface="Times New Roman" panose="02020603050405020304" pitchFamily="18" charset="0"/>
+                        <a:ea typeface="標楷體" panose="03000509000000000000" pitchFamily="65" charset="-120"/>
+                        <a:cs typeface="Times New Roman" panose="02020603050405020304" pitchFamily="18" charset="0"/>
+                      </a:endParaRPr>
+                    </a:p>
+                  </a:txBody>
+                  <a:tcPr/>
+                </a:tc>
+                <a:tc>
+                  <a:txBody>
+                    <a:bodyPr/>
+                    <a:lstStyle/>
+                    <a:p>
+                      <a:pPr marL="285750" indent="-285750">
+                        <a:buFont typeface="Arial" panose="020B0604020202020204" pitchFamily="34" charset="0"/>
+                        <a:buChar char="•"/>
+                      </a:pPr>
+                      <a:r>
+                        <a:rPr lang="zh-TW" altLang="en-US" b="0" dirty="0" smtClean="0">
+                          <a:latin typeface="Times New Roman" panose="02020603050405020304" pitchFamily="18" charset="0"/>
+                          <a:ea typeface="標楷體" panose="03000509000000000000" pitchFamily="65" charset="-120"/>
+                          <a:cs typeface="Times New Roman" panose="02020603050405020304" pitchFamily="18" charset="0"/>
+                        </a:rPr>
+                        <a:t>分散式資料儲存與管理</a:t>
+                      </a:r>
+                      <a:endParaRPr lang="en-US" altLang="zh-TW" b="0" dirty="0" smtClean="0">
+                        <a:latin typeface="Times New Roman" panose="02020603050405020304" pitchFamily="18" charset="0"/>
+                        <a:ea typeface="標楷體" panose="03000509000000000000" pitchFamily="65" charset="-120"/>
+                        <a:cs typeface="Times New Roman" panose="02020603050405020304" pitchFamily="18" charset="0"/>
+                      </a:endParaRPr>
+                    </a:p>
+                    <a:p>
+                      <a:pPr marL="285750" indent="-285750">
+                        <a:buFont typeface="Arial" panose="020B0604020202020204" pitchFamily="34" charset="0"/>
+                        <a:buChar char="•"/>
+                      </a:pPr>
+                      <a:r>
+                        <a:rPr lang="zh-TW" altLang="en-US" b="0" dirty="0" smtClean="0">
+                          <a:latin typeface="Times New Roman" panose="02020603050405020304" pitchFamily="18" charset="0"/>
+                          <a:ea typeface="標楷體" panose="03000509000000000000" pitchFamily="65" charset="-120"/>
+                          <a:cs typeface="Times New Roman" panose="02020603050405020304" pitchFamily="18" charset="0"/>
+                        </a:rPr>
+                        <a:t>資料在地理上分散於多個資料中心的應用程式</a:t>
+                      </a:r>
+                      <a:endParaRPr lang="en-US" altLang="zh-TW" b="0" dirty="0" smtClean="0">
+                        <a:latin typeface="Times New Roman" panose="02020603050405020304" pitchFamily="18" charset="0"/>
+                        <a:ea typeface="標楷體" panose="03000509000000000000" pitchFamily="65" charset="-120"/>
+                        <a:cs typeface="Times New Roman" panose="02020603050405020304" pitchFamily="18" charset="0"/>
+                      </a:endParaRPr>
+                    </a:p>
+                    <a:p>
+                      <a:pPr marL="285750" indent="-285750">
+                        <a:buFont typeface="Arial" panose="020B0604020202020204" pitchFamily="34" charset="0"/>
+                        <a:buChar char="•"/>
+                      </a:pPr>
+                      <a:r>
+                        <a:rPr lang="zh-TW" altLang="en-US" b="0" dirty="0" smtClean="0">
+                          <a:latin typeface="Times New Roman" panose="02020603050405020304" pitchFamily="18" charset="0"/>
+                          <a:ea typeface="標楷體" panose="03000509000000000000" pitchFamily="65" charset="-120"/>
+                          <a:cs typeface="Times New Roman" panose="02020603050405020304" pitchFamily="18" charset="0"/>
+                        </a:rPr>
+                        <a:t>可以容忍副本中存在短期不一致情況的應用程式</a:t>
+                      </a:r>
+                      <a:endParaRPr lang="en-US" altLang="zh-TW" b="0" dirty="0" smtClean="0">
+                        <a:latin typeface="Times New Roman" panose="02020603050405020304" pitchFamily="18" charset="0"/>
+                        <a:ea typeface="標楷體" panose="03000509000000000000" pitchFamily="65" charset="-120"/>
+                        <a:cs typeface="Times New Roman" panose="02020603050405020304" pitchFamily="18" charset="0"/>
+                      </a:endParaRPr>
+                    </a:p>
+                    <a:p>
+                      <a:pPr marL="285750" indent="-285750">
+                        <a:buFont typeface="Arial" panose="020B0604020202020204" pitchFamily="34" charset="0"/>
+                        <a:buChar char="•"/>
+                      </a:pPr>
+                      <a:r>
+                        <a:rPr lang="zh-TW" altLang="en-US" b="0" dirty="0" smtClean="0">
+                          <a:latin typeface="Times New Roman" panose="02020603050405020304" pitchFamily="18" charset="0"/>
+                          <a:ea typeface="標楷體" panose="03000509000000000000" pitchFamily="65" charset="-120"/>
+                          <a:cs typeface="Times New Roman" panose="02020603050405020304" pitchFamily="18" charset="0"/>
+                        </a:rPr>
+                        <a:t>擁有動態欄位的應用程式</a:t>
+                      </a:r>
+                      <a:endParaRPr lang="en-US" altLang="zh-TW" b="0" dirty="0" smtClean="0">
+                        <a:latin typeface="Times New Roman" panose="02020603050405020304" pitchFamily="18" charset="0"/>
+                        <a:ea typeface="標楷體" panose="03000509000000000000" pitchFamily="65" charset="-120"/>
+                        <a:cs typeface="Times New Roman" panose="02020603050405020304" pitchFamily="18" charset="0"/>
+                      </a:endParaRPr>
+                    </a:p>
+                    <a:p>
+                      <a:pPr marL="285750" indent="-285750">
+                        <a:buFont typeface="Arial" panose="020B0604020202020204" pitchFamily="34" charset="0"/>
+                        <a:buChar char="•"/>
+                      </a:pPr>
+                      <a:r>
+                        <a:rPr lang="zh-TW" altLang="en-US" b="0" dirty="0" smtClean="0">
+                          <a:latin typeface="Times New Roman" panose="02020603050405020304" pitchFamily="18" charset="0"/>
+                          <a:ea typeface="標楷體" panose="03000509000000000000" pitchFamily="65" charset="-120"/>
+                          <a:cs typeface="Times New Roman" panose="02020603050405020304" pitchFamily="18" charset="0"/>
+                        </a:rPr>
+                        <a:t>擁有潛在大量資料的應用程式，大到幾百</a:t>
+                      </a:r>
+                      <a:r>
+                        <a:rPr lang="en-US" altLang="zh-TW" b="0" dirty="0" smtClean="0">
+                          <a:latin typeface="Times New Roman" panose="02020603050405020304" pitchFamily="18" charset="0"/>
+                          <a:ea typeface="標楷體" panose="03000509000000000000" pitchFamily="65" charset="-120"/>
+                          <a:cs typeface="Times New Roman" panose="02020603050405020304" pitchFamily="18" charset="0"/>
+                        </a:rPr>
+                        <a:t>TB</a:t>
+                      </a:r>
+                      <a:r>
+                        <a:rPr lang="zh-TW" altLang="en-US" b="0" dirty="0" smtClean="0">
+                          <a:latin typeface="Times New Roman" panose="02020603050405020304" pitchFamily="18" charset="0"/>
+                          <a:ea typeface="標楷體" panose="03000509000000000000" pitchFamily="65" charset="-120"/>
+                          <a:cs typeface="Times New Roman" panose="02020603050405020304" pitchFamily="18" charset="0"/>
+                        </a:rPr>
+                        <a:t>的資料</a:t>
+                      </a:r>
+                      <a:endParaRPr lang="zh-TW" altLang="en-US" b="0" dirty="0">
+                        <a:latin typeface="Times New Roman" panose="02020603050405020304" pitchFamily="18" charset="0"/>
+                        <a:ea typeface="標楷體" panose="03000509000000000000" pitchFamily="65" charset="-120"/>
+                        <a:cs typeface="Times New Roman" panose="02020603050405020304" pitchFamily="18" charset="0"/>
+                      </a:endParaRPr>
+                    </a:p>
+                  </a:txBody>
+                  <a:tcPr/>
+                </a:tc>
+                <a:extLst>
+                  <a:ext uri="{0D108BD9-81ED-4DB2-BD59-A6C34878D82A}">
+                    <a16:rowId xmlns:a16="http://schemas.microsoft.com/office/drawing/2014/main" val="1083308996"/>
+                  </a:ext>
+                </a:extLst>
+              </a:tr>
+              <a:tr h="381392">
+                <a:tc>
+                  <a:txBody>
+                    <a:bodyPr/>
+                    <a:lstStyle/>
+                    <a:p>
+                      <a:r>
+                        <a:rPr lang="zh-TW" altLang="en-US" b="0" dirty="0" smtClean="0">
+                          <a:latin typeface="Times New Roman" panose="02020603050405020304" pitchFamily="18" charset="0"/>
+                          <a:ea typeface="標楷體" panose="03000509000000000000" pitchFamily="65" charset="-120"/>
+                          <a:cs typeface="Times New Roman" panose="02020603050405020304" pitchFamily="18" charset="0"/>
+                        </a:rPr>
+                        <a:t>優點</a:t>
+                      </a:r>
+                      <a:endParaRPr lang="zh-TW" altLang="en-US" b="0" dirty="0">
+                        <a:latin typeface="Times New Roman" panose="02020603050405020304" pitchFamily="18" charset="0"/>
+                        <a:ea typeface="標楷體" panose="03000509000000000000" pitchFamily="65" charset="-120"/>
+                        <a:cs typeface="Times New Roman" panose="02020603050405020304" pitchFamily="18" charset="0"/>
+                      </a:endParaRPr>
+                    </a:p>
+                  </a:txBody>
+                  <a:tcPr/>
+                </a:tc>
+                <a:tc>
+                  <a:txBody>
+                    <a:bodyPr/>
+                    <a:lstStyle/>
+                    <a:p>
+                      <a:pPr marL="285750" indent="-285750">
+                        <a:buFont typeface="Arial" panose="020B0604020202020204" pitchFamily="34" charset="0"/>
+                        <a:buChar char="•"/>
+                      </a:pPr>
+                      <a:r>
+                        <a:rPr lang="zh-TW" altLang="en-US" b="0" dirty="0" smtClean="0">
+                          <a:latin typeface="Times New Roman" panose="02020603050405020304" pitchFamily="18" charset="0"/>
+                          <a:ea typeface="標楷體" panose="03000509000000000000" pitchFamily="65" charset="-120"/>
+                          <a:cs typeface="Times New Roman" panose="02020603050405020304" pitchFamily="18" charset="0"/>
+                        </a:rPr>
+                        <a:t>查找速度快，可擴展性強，容易進行分散式擴展，複雜性低</a:t>
+                      </a:r>
+                      <a:endParaRPr lang="zh-TW" altLang="en-US" b="0" dirty="0">
+                        <a:latin typeface="Times New Roman" panose="02020603050405020304" pitchFamily="18" charset="0"/>
+                        <a:ea typeface="標楷體" panose="03000509000000000000" pitchFamily="65" charset="-120"/>
+                        <a:cs typeface="Times New Roman" panose="02020603050405020304" pitchFamily="18" charset="0"/>
+                      </a:endParaRPr>
+                    </a:p>
+                  </a:txBody>
+                  <a:tcPr/>
+                </a:tc>
+                <a:extLst>
+                  <a:ext uri="{0D108BD9-81ED-4DB2-BD59-A6C34878D82A}">
+                    <a16:rowId xmlns:a16="http://schemas.microsoft.com/office/drawing/2014/main" val="395412437"/>
+                  </a:ext>
+                </a:extLst>
+              </a:tr>
+              <a:tr h="381392">
+                <a:tc>
+                  <a:txBody>
+                    <a:bodyPr/>
+                    <a:lstStyle/>
+                    <a:p>
+                      <a:r>
+                        <a:rPr lang="zh-TW" altLang="en-US" b="0" dirty="0" smtClean="0">
+                          <a:latin typeface="Times New Roman" panose="02020603050405020304" pitchFamily="18" charset="0"/>
+                          <a:ea typeface="標楷體" panose="03000509000000000000" pitchFamily="65" charset="-120"/>
+                          <a:cs typeface="Times New Roman" panose="02020603050405020304" pitchFamily="18" charset="0"/>
+                        </a:rPr>
+                        <a:t>缺點</a:t>
+                      </a:r>
+                      <a:endParaRPr lang="zh-TW" altLang="en-US" b="0" dirty="0">
+                        <a:latin typeface="Times New Roman" panose="02020603050405020304" pitchFamily="18" charset="0"/>
+                        <a:ea typeface="標楷體" panose="03000509000000000000" pitchFamily="65" charset="-120"/>
+                        <a:cs typeface="Times New Roman" panose="02020603050405020304" pitchFamily="18" charset="0"/>
+                      </a:endParaRPr>
+                    </a:p>
+                  </a:txBody>
+                  <a:tcPr/>
+                </a:tc>
+                <a:tc>
+                  <a:txBody>
+                    <a:bodyPr/>
+                    <a:lstStyle/>
+                    <a:p>
+                      <a:pPr marL="285750" indent="-285750">
+                        <a:buFont typeface="Arial" panose="020B0604020202020204" pitchFamily="34" charset="0"/>
+                        <a:buChar char="•"/>
+                      </a:pPr>
+                      <a:r>
+                        <a:rPr lang="zh-TW" altLang="en-US" b="0" dirty="0" smtClean="0">
+                          <a:latin typeface="Times New Roman" panose="02020603050405020304" pitchFamily="18" charset="0"/>
+                          <a:ea typeface="標楷體" panose="03000509000000000000" pitchFamily="65" charset="-120"/>
+                          <a:cs typeface="Times New Roman" panose="02020603050405020304" pitchFamily="18" charset="0"/>
+                        </a:rPr>
+                        <a:t>功能較少，大都不支援強交易一致性</a:t>
+                      </a:r>
+                      <a:endParaRPr lang="zh-TW" altLang="en-US" b="0" dirty="0">
+                        <a:latin typeface="Times New Roman" panose="02020603050405020304" pitchFamily="18" charset="0"/>
+                        <a:ea typeface="標楷體" panose="03000509000000000000" pitchFamily="65" charset="-120"/>
+                        <a:cs typeface="Times New Roman" panose="02020603050405020304" pitchFamily="18" charset="0"/>
+                      </a:endParaRPr>
+                    </a:p>
+                  </a:txBody>
+                  <a:tcPr/>
+                </a:tc>
+                <a:extLst>
+                  <a:ext uri="{0D108BD9-81ED-4DB2-BD59-A6C34878D82A}">
+                    <a16:rowId xmlns:a16="http://schemas.microsoft.com/office/drawing/2014/main" val="412856550"/>
+                  </a:ext>
+                </a:extLst>
+              </a:tr>
+              <a:tr h="876879">
+                <a:tc>
+                  <a:txBody>
+                    <a:bodyPr/>
+                    <a:lstStyle/>
+                    <a:p>
+                      <a:r>
+                        <a:rPr lang="zh-TW" altLang="en-US" b="0" dirty="0" smtClean="0">
+                          <a:latin typeface="Times New Roman" panose="02020603050405020304" pitchFamily="18" charset="0"/>
+                          <a:ea typeface="標楷體" panose="03000509000000000000" pitchFamily="65" charset="-120"/>
+                          <a:cs typeface="Times New Roman" panose="02020603050405020304" pitchFamily="18" charset="0"/>
+                        </a:rPr>
+                        <a:t>不適用情形</a:t>
+                      </a:r>
+                      <a:endParaRPr lang="zh-TW" altLang="en-US" b="0" dirty="0">
+                        <a:latin typeface="Times New Roman" panose="02020603050405020304" pitchFamily="18" charset="0"/>
+                        <a:ea typeface="標楷體" panose="03000509000000000000" pitchFamily="65" charset="-120"/>
+                        <a:cs typeface="Times New Roman" panose="02020603050405020304" pitchFamily="18" charset="0"/>
+                      </a:endParaRPr>
+                    </a:p>
+                  </a:txBody>
+                  <a:tcPr/>
+                </a:tc>
+                <a:tc>
+                  <a:txBody>
+                    <a:bodyPr/>
+                    <a:lstStyle/>
+                    <a:p>
+                      <a:pPr marL="285750" indent="-285750">
+                        <a:buFont typeface="Arial" panose="020B0604020202020204" pitchFamily="34" charset="0"/>
+                        <a:buChar char="•"/>
+                      </a:pPr>
+                      <a:r>
+                        <a:rPr lang="zh-TW" altLang="en-US" b="0" dirty="0" smtClean="0">
+                          <a:latin typeface="Times New Roman" panose="02020603050405020304" pitchFamily="18" charset="0"/>
+                          <a:ea typeface="標楷體" panose="03000509000000000000" pitchFamily="65" charset="-120"/>
+                          <a:cs typeface="Times New Roman" panose="02020603050405020304" pitchFamily="18" charset="0"/>
+                        </a:rPr>
+                        <a:t>需要</a:t>
+                      </a:r>
+                      <a:r>
+                        <a:rPr lang="en-US" altLang="zh-TW" b="0" dirty="0" smtClean="0">
+                          <a:latin typeface="Times New Roman" panose="02020603050405020304" pitchFamily="18" charset="0"/>
+                          <a:ea typeface="標楷體" panose="03000509000000000000" pitchFamily="65" charset="-120"/>
+                          <a:cs typeface="Times New Roman" panose="02020603050405020304" pitchFamily="18" charset="0"/>
+                        </a:rPr>
+                        <a:t>ACID</a:t>
+                      </a:r>
+                      <a:r>
+                        <a:rPr lang="zh-TW" altLang="en-US" b="0" dirty="0" smtClean="0">
+                          <a:latin typeface="Times New Roman" panose="02020603050405020304" pitchFamily="18" charset="0"/>
+                          <a:ea typeface="標楷體" panose="03000509000000000000" pitchFamily="65" charset="-120"/>
+                          <a:cs typeface="Times New Roman" panose="02020603050405020304" pitchFamily="18" charset="0"/>
+                        </a:rPr>
+                        <a:t>交易支援的情形，</a:t>
+                      </a:r>
+                      <a:r>
+                        <a:rPr lang="en-US" altLang="zh-TW" b="0" dirty="0" smtClean="0">
+                          <a:latin typeface="Times New Roman" panose="02020603050405020304" pitchFamily="18" charset="0"/>
+                          <a:ea typeface="標楷體" panose="03000509000000000000" pitchFamily="65" charset="-120"/>
+                          <a:cs typeface="Times New Roman" panose="02020603050405020304" pitchFamily="18" charset="0"/>
+                        </a:rPr>
+                        <a:t>Cassandra</a:t>
+                      </a:r>
+                      <a:r>
+                        <a:rPr lang="zh-TW" altLang="en-US" b="0" dirty="0" smtClean="0">
+                          <a:latin typeface="Times New Roman" panose="02020603050405020304" pitchFamily="18" charset="0"/>
+                          <a:ea typeface="標楷體" panose="03000509000000000000" pitchFamily="65" charset="-120"/>
+                          <a:cs typeface="Times New Roman" panose="02020603050405020304" pitchFamily="18" charset="0"/>
+                        </a:rPr>
+                        <a:t>等產品就不適用</a:t>
+                      </a:r>
+                      <a:endParaRPr lang="zh-TW" altLang="en-US" b="0" dirty="0">
+                        <a:latin typeface="Times New Roman" panose="02020603050405020304" pitchFamily="18" charset="0"/>
+                        <a:ea typeface="標楷體" panose="03000509000000000000" pitchFamily="65" charset="-120"/>
+                        <a:cs typeface="Times New Roman" panose="02020603050405020304" pitchFamily="18" charset="0"/>
+                      </a:endParaRPr>
+                    </a:p>
+                  </a:txBody>
+                  <a:tcPr/>
+                </a:tc>
+                <a:extLst>
+                  <a:ext uri="{0D108BD9-81ED-4DB2-BD59-A6C34878D82A}">
+                    <a16:rowId xmlns:a16="http://schemas.microsoft.com/office/drawing/2014/main" val="532654663"/>
+                  </a:ext>
+                </a:extLst>
+              </a:tr>
+              <a:tr h="1012873">
+                <a:tc>
+                  <a:txBody>
+                    <a:bodyPr/>
+                    <a:lstStyle/>
+                    <a:p>
+                      <a:r>
+                        <a:rPr lang="zh-TW" altLang="en-US" b="0" dirty="0" smtClean="0">
+                          <a:latin typeface="Times New Roman" panose="02020603050405020304" pitchFamily="18" charset="0"/>
+                          <a:ea typeface="標楷體" panose="03000509000000000000" pitchFamily="65" charset="-120"/>
+                          <a:cs typeface="Times New Roman" panose="02020603050405020304" pitchFamily="18" charset="0"/>
+                        </a:rPr>
+                        <a:t>使用者</a:t>
+                      </a:r>
+                      <a:endParaRPr lang="zh-TW" altLang="en-US" b="0" dirty="0">
+                        <a:latin typeface="Times New Roman" panose="02020603050405020304" pitchFamily="18" charset="0"/>
+                        <a:ea typeface="標楷體" panose="03000509000000000000" pitchFamily="65" charset="-120"/>
+                        <a:cs typeface="Times New Roman" panose="02020603050405020304" pitchFamily="18" charset="0"/>
+                      </a:endParaRPr>
+                    </a:p>
+                  </a:txBody>
+                  <a:tcPr/>
+                </a:tc>
+                <a:tc>
+                  <a:txBody>
+                    <a:bodyPr/>
+                    <a:lstStyle/>
+                    <a:p>
+                      <a:pPr marL="285750" indent="-285750">
+                        <a:buFont typeface="Arial" panose="020B0604020202020204" pitchFamily="34" charset="0"/>
+                        <a:buChar char="•"/>
+                      </a:pPr>
+                      <a:r>
+                        <a:rPr lang="en-US" altLang="zh-TW" b="0" dirty="0" err="1" smtClean="0">
+                          <a:latin typeface="Times New Roman" panose="02020603050405020304" pitchFamily="18" charset="0"/>
+                          <a:ea typeface="標楷體" panose="03000509000000000000" pitchFamily="65" charset="-120"/>
+                          <a:cs typeface="Times New Roman" panose="02020603050405020304" pitchFamily="18" charset="0"/>
+                        </a:rPr>
+                        <a:t>ebay</a:t>
+                      </a:r>
+                      <a:r>
+                        <a:rPr lang="zh-TW" altLang="en-US" b="0" dirty="0" smtClean="0">
+                          <a:latin typeface="Times New Roman" panose="02020603050405020304" pitchFamily="18" charset="0"/>
+                          <a:ea typeface="標楷體" panose="03000509000000000000" pitchFamily="65" charset="-120"/>
+                          <a:cs typeface="Times New Roman" panose="02020603050405020304" pitchFamily="18" charset="0"/>
+                        </a:rPr>
+                        <a:t>（</a:t>
+                      </a:r>
+                      <a:r>
+                        <a:rPr lang="en-US" altLang="zh-TW" b="0" dirty="0" smtClean="0">
+                          <a:latin typeface="Times New Roman" panose="02020603050405020304" pitchFamily="18" charset="0"/>
+                          <a:ea typeface="標楷體" panose="03000509000000000000" pitchFamily="65" charset="-120"/>
+                          <a:cs typeface="Times New Roman" panose="02020603050405020304" pitchFamily="18" charset="0"/>
+                        </a:rPr>
+                        <a:t>Cassandra</a:t>
+                      </a:r>
+                      <a:r>
+                        <a:rPr lang="zh-TW" altLang="en-US" b="0" dirty="0" smtClean="0">
+                          <a:latin typeface="Times New Roman" panose="02020603050405020304" pitchFamily="18" charset="0"/>
+                          <a:ea typeface="標楷體" panose="03000509000000000000" pitchFamily="65" charset="-120"/>
+                          <a:cs typeface="Times New Roman" panose="02020603050405020304" pitchFamily="18" charset="0"/>
+                        </a:rPr>
+                        <a:t>）、</a:t>
+                      </a:r>
+                      <a:r>
+                        <a:rPr lang="en-US" altLang="zh-TW" b="0" dirty="0" smtClean="0">
+                          <a:latin typeface="Times New Roman" panose="02020603050405020304" pitchFamily="18" charset="0"/>
+                          <a:ea typeface="標楷體" panose="03000509000000000000" pitchFamily="65" charset="-120"/>
+                          <a:cs typeface="Times New Roman" panose="02020603050405020304" pitchFamily="18" charset="0"/>
+                        </a:rPr>
+                        <a:t>Instagram</a:t>
+                      </a:r>
+                      <a:r>
+                        <a:rPr lang="zh-TW" altLang="en-US" b="0" dirty="0" smtClean="0">
+                          <a:latin typeface="Times New Roman" panose="02020603050405020304" pitchFamily="18" charset="0"/>
+                          <a:ea typeface="標楷體" panose="03000509000000000000" pitchFamily="65" charset="-120"/>
+                          <a:cs typeface="Times New Roman" panose="02020603050405020304" pitchFamily="18" charset="0"/>
+                        </a:rPr>
+                        <a:t>（</a:t>
+                      </a:r>
+                      <a:r>
+                        <a:rPr lang="en-US" altLang="zh-TW" b="0" dirty="0" smtClean="0">
+                          <a:latin typeface="Times New Roman" panose="02020603050405020304" pitchFamily="18" charset="0"/>
+                          <a:ea typeface="標楷體" panose="03000509000000000000" pitchFamily="65" charset="-120"/>
+                          <a:cs typeface="Times New Roman" panose="02020603050405020304" pitchFamily="18" charset="0"/>
+                        </a:rPr>
+                        <a:t>Cassandra</a:t>
+                      </a:r>
+                      <a:r>
+                        <a:rPr lang="zh-TW" altLang="en-US" b="0" dirty="0" smtClean="0">
+                          <a:latin typeface="Times New Roman" panose="02020603050405020304" pitchFamily="18" charset="0"/>
+                          <a:ea typeface="標楷體" panose="03000509000000000000" pitchFamily="65" charset="-120"/>
+                          <a:cs typeface="Times New Roman" panose="02020603050405020304" pitchFamily="18" charset="0"/>
+                        </a:rPr>
+                        <a:t>）、</a:t>
+                      </a:r>
+                      <a:r>
+                        <a:rPr lang="en-US" altLang="zh-TW" b="0" dirty="0" smtClean="0">
+                          <a:latin typeface="Times New Roman" panose="02020603050405020304" pitchFamily="18" charset="0"/>
+                          <a:ea typeface="標楷體" panose="03000509000000000000" pitchFamily="65" charset="-120"/>
+                          <a:cs typeface="Times New Roman" panose="02020603050405020304" pitchFamily="18" charset="0"/>
+                        </a:rPr>
+                        <a:t>NASA </a:t>
+                      </a:r>
+                      <a:r>
+                        <a:rPr lang="zh-TW" altLang="en-US" b="0" dirty="0" smtClean="0">
+                          <a:latin typeface="Times New Roman" panose="02020603050405020304" pitchFamily="18" charset="0"/>
+                          <a:ea typeface="標楷體" panose="03000509000000000000" pitchFamily="65" charset="-120"/>
+                          <a:cs typeface="Times New Roman" panose="02020603050405020304" pitchFamily="18" charset="0"/>
+                        </a:rPr>
+                        <a:t>（</a:t>
+                      </a:r>
+                      <a:r>
+                        <a:rPr lang="en-US" altLang="zh-TW" b="0" dirty="0" smtClean="0">
+                          <a:latin typeface="Times New Roman" panose="02020603050405020304" pitchFamily="18" charset="0"/>
+                          <a:ea typeface="標楷體" panose="03000509000000000000" pitchFamily="65" charset="-120"/>
+                          <a:cs typeface="Times New Roman" panose="02020603050405020304" pitchFamily="18" charset="0"/>
+                        </a:rPr>
+                        <a:t>Cassandra</a:t>
+                      </a:r>
+                      <a:r>
+                        <a:rPr lang="zh-TW" altLang="en-US" b="0" dirty="0" smtClean="0">
+                          <a:latin typeface="Times New Roman" panose="02020603050405020304" pitchFamily="18" charset="0"/>
+                          <a:ea typeface="標楷體" panose="03000509000000000000" pitchFamily="65" charset="-120"/>
+                          <a:cs typeface="Times New Roman" panose="02020603050405020304" pitchFamily="18" charset="0"/>
+                        </a:rPr>
+                        <a:t>）、</a:t>
+                      </a:r>
+                      <a:r>
+                        <a:rPr lang="en-US" altLang="zh-TW" b="0" dirty="0" smtClean="0">
+                          <a:latin typeface="Times New Roman" panose="02020603050405020304" pitchFamily="18" charset="0"/>
+                          <a:ea typeface="標楷體" panose="03000509000000000000" pitchFamily="65" charset="-120"/>
+                          <a:cs typeface="Times New Roman" panose="02020603050405020304" pitchFamily="18" charset="0"/>
+                        </a:rPr>
+                        <a:t>Twitter</a:t>
+                      </a:r>
+                      <a:r>
+                        <a:rPr lang="zh-TW" altLang="en-US" b="0" dirty="0" smtClean="0">
+                          <a:latin typeface="Times New Roman" panose="02020603050405020304" pitchFamily="18" charset="0"/>
+                          <a:ea typeface="標楷體" panose="03000509000000000000" pitchFamily="65" charset="-120"/>
+                          <a:cs typeface="Times New Roman" panose="02020603050405020304" pitchFamily="18" charset="0"/>
+                        </a:rPr>
+                        <a:t>（</a:t>
+                      </a:r>
+                      <a:r>
+                        <a:rPr lang="en-US" altLang="zh-TW" b="0" dirty="0" smtClean="0">
+                          <a:latin typeface="Times New Roman" panose="02020603050405020304" pitchFamily="18" charset="0"/>
+                          <a:ea typeface="標楷體" panose="03000509000000000000" pitchFamily="65" charset="-120"/>
+                          <a:cs typeface="Times New Roman" panose="02020603050405020304" pitchFamily="18" charset="0"/>
+                        </a:rPr>
+                        <a:t>Cassandra and </a:t>
+                      </a:r>
+                      <a:r>
+                        <a:rPr lang="en-US" altLang="zh-TW" b="0" dirty="0" err="1" smtClean="0">
+                          <a:latin typeface="Times New Roman" panose="02020603050405020304" pitchFamily="18" charset="0"/>
+                          <a:ea typeface="標楷體" panose="03000509000000000000" pitchFamily="65" charset="-120"/>
+                          <a:cs typeface="Times New Roman" panose="02020603050405020304" pitchFamily="18" charset="0"/>
+                        </a:rPr>
+                        <a:t>HBase</a:t>
+                      </a:r>
+                      <a:r>
+                        <a:rPr lang="zh-TW" altLang="en-US" b="0" dirty="0" smtClean="0">
+                          <a:latin typeface="Times New Roman" panose="02020603050405020304" pitchFamily="18" charset="0"/>
+                          <a:ea typeface="標楷體" panose="03000509000000000000" pitchFamily="65" charset="-120"/>
+                          <a:cs typeface="Times New Roman" panose="02020603050405020304" pitchFamily="18" charset="0"/>
+                        </a:rPr>
+                        <a:t>）、</a:t>
+                      </a:r>
+                      <a:r>
+                        <a:rPr lang="en-US" altLang="zh-TW" b="0" dirty="0" smtClean="0">
+                          <a:latin typeface="Times New Roman" panose="02020603050405020304" pitchFamily="18" charset="0"/>
+                          <a:ea typeface="標楷體" panose="03000509000000000000" pitchFamily="65" charset="-120"/>
+                          <a:cs typeface="Times New Roman" panose="02020603050405020304" pitchFamily="18" charset="0"/>
+                        </a:rPr>
+                        <a:t>Facebook </a:t>
+                      </a:r>
+                      <a:r>
+                        <a:rPr lang="zh-TW" altLang="en-US" b="0" dirty="0" smtClean="0">
+                          <a:latin typeface="Times New Roman" panose="02020603050405020304" pitchFamily="18" charset="0"/>
+                          <a:ea typeface="標楷體" panose="03000509000000000000" pitchFamily="65" charset="-120"/>
+                          <a:cs typeface="Times New Roman" panose="02020603050405020304" pitchFamily="18" charset="0"/>
+                        </a:rPr>
+                        <a:t>（</a:t>
+                      </a:r>
+                      <a:r>
+                        <a:rPr lang="en-US" altLang="zh-TW" b="0" dirty="0" err="1" smtClean="0">
+                          <a:latin typeface="Times New Roman" panose="02020603050405020304" pitchFamily="18" charset="0"/>
+                          <a:ea typeface="標楷體" panose="03000509000000000000" pitchFamily="65" charset="-120"/>
+                          <a:cs typeface="Times New Roman" panose="02020603050405020304" pitchFamily="18" charset="0"/>
+                        </a:rPr>
+                        <a:t>HBase</a:t>
+                      </a:r>
+                      <a:r>
+                        <a:rPr lang="zh-TW" altLang="en-US" b="0" dirty="0" smtClean="0">
+                          <a:latin typeface="Times New Roman" panose="02020603050405020304" pitchFamily="18" charset="0"/>
+                          <a:ea typeface="標楷體" panose="03000509000000000000" pitchFamily="65" charset="-120"/>
+                          <a:cs typeface="Times New Roman" panose="02020603050405020304" pitchFamily="18" charset="0"/>
+                        </a:rPr>
+                        <a:t>）、</a:t>
+                      </a:r>
+                      <a:r>
+                        <a:rPr lang="en-US" altLang="zh-TW" b="0" dirty="0" smtClean="0">
+                          <a:latin typeface="Times New Roman" panose="02020603050405020304" pitchFamily="18" charset="0"/>
+                          <a:ea typeface="標楷體" panose="03000509000000000000" pitchFamily="65" charset="-120"/>
+                          <a:cs typeface="Times New Roman" panose="02020603050405020304" pitchFamily="18" charset="0"/>
+                        </a:rPr>
+                        <a:t>Yahoo!</a:t>
+                      </a:r>
+                      <a:r>
+                        <a:rPr lang="zh-TW" altLang="en-US" b="0" dirty="0" smtClean="0">
+                          <a:latin typeface="Times New Roman" panose="02020603050405020304" pitchFamily="18" charset="0"/>
+                          <a:ea typeface="標楷體" panose="03000509000000000000" pitchFamily="65" charset="-120"/>
+                          <a:cs typeface="Times New Roman" panose="02020603050405020304" pitchFamily="18" charset="0"/>
+                        </a:rPr>
+                        <a:t>（</a:t>
+                      </a:r>
+                      <a:r>
+                        <a:rPr lang="en-US" altLang="zh-TW" b="0" dirty="0" err="1" smtClean="0">
+                          <a:latin typeface="Times New Roman" panose="02020603050405020304" pitchFamily="18" charset="0"/>
+                          <a:ea typeface="標楷體" panose="03000509000000000000" pitchFamily="65" charset="-120"/>
+                          <a:cs typeface="Times New Roman" panose="02020603050405020304" pitchFamily="18" charset="0"/>
+                        </a:rPr>
+                        <a:t>HBase</a:t>
+                      </a:r>
+                      <a:r>
+                        <a:rPr lang="zh-TW" altLang="en-US" b="0" dirty="0" smtClean="0">
+                          <a:latin typeface="Times New Roman" panose="02020603050405020304" pitchFamily="18" charset="0"/>
+                          <a:ea typeface="標楷體" panose="03000509000000000000" pitchFamily="65" charset="-120"/>
+                          <a:cs typeface="Times New Roman" panose="02020603050405020304" pitchFamily="18" charset="0"/>
+                        </a:rPr>
+                        <a:t>）</a:t>
+                      </a:r>
+                      <a:endParaRPr lang="zh-TW" altLang="en-US" b="0" dirty="0">
+                        <a:latin typeface="Times New Roman" panose="02020603050405020304" pitchFamily="18" charset="0"/>
+                        <a:ea typeface="標楷體" panose="03000509000000000000" pitchFamily="65" charset="-120"/>
+                        <a:cs typeface="Times New Roman" panose="02020603050405020304" pitchFamily="18" charset="0"/>
+                      </a:endParaRPr>
+                    </a:p>
+                  </a:txBody>
+                  <a:tcPr/>
+                </a:tc>
+                <a:extLst>
+                  <a:ext uri="{0D108BD9-81ED-4DB2-BD59-A6C34878D82A}">
+                    <a16:rowId xmlns:a16="http://schemas.microsoft.com/office/drawing/2014/main" val="118920265"/>
+                  </a:ext>
+                </a:extLst>
+              </a:tr>
+            </a:tbl>
+          </a:graphicData>
+        </a:graphic>
+      </p:graphicFrame>
+    </p:spTree>
+    <p:extLst>
+      <p:ext uri="{BB962C8B-B14F-4D97-AF65-F5344CB8AC3E}">
+        <p14:creationId xmlns:p14="http://schemas.microsoft.com/office/powerpoint/2010/main" val="1878315873"/>
+      </p:ext>
+    </p:extLst>
+  </p:cSld>
+  <p:clrMapOvr>
+    <a:masterClrMapping/>
+  </p:clrMapOvr>
+  <p:timing>
+    <p:tnLst>
+      <p:par>
+        <p:cTn id="1" dur="indefinite" restart="never" nodeType="tmRoot"/>
+      </p:par>
+    </p:tnLst>
+  </p:timing>
+</p:sld>
+</file>
+
+<file path=ppt/slides/slide13.xml><?xml version="1.0" encoding="utf-8"?>
+<p:sld xmlns:a="http://schemas.openxmlformats.org/drawingml/2006/main" xmlns:r="http://schemas.openxmlformats.org/officeDocument/2006/relationships" xmlns:p="http://schemas.openxmlformats.org/presentationml/2006/main">
+  <p:cSld>
+    <p:spTree>
+      <p:nvGrpSpPr>
+        <p:cNvPr id="1" name=""/>
+        <p:cNvGrpSpPr/>
+        <p:nvPr/>
+      </p:nvGrpSpPr>
+      <p:grpSpPr>
+        <a:xfrm>
+          <a:off x="0" y="0"/>
+          <a:ext cx="0" cy="0"/>
+          <a:chOff x="0" y="0"/>
+          <a:chExt cx="0" cy="0"/>
+        </a:xfrm>
+      </p:grpSpPr>
+      <p:sp>
+        <p:nvSpPr>
+          <p:cNvPr id="2" name="標題 1"/>
+          <p:cNvSpPr>
+            <a:spLocks noGrp="1"/>
+          </p:cNvSpPr>
+          <p:nvPr>
+            <p:ph type="title"/>
+          </p:nvPr>
+        </p:nvSpPr>
+        <p:spPr>
+          <a:xfrm>
+            <a:off x="838200" y="365125"/>
+            <a:ext cx="10515600" cy="1111983"/>
+          </a:xfrm>
+        </p:spPr>
+        <p:txBody>
+          <a:bodyPr/>
+          <a:lstStyle/>
+          <a:p>
+            <a:r>
+              <a:rPr lang="zh-TW" altLang="en-US" dirty="0">
+                <a:latin typeface="Times New Roman" panose="02020603050405020304" pitchFamily="18" charset="0"/>
+                <a:ea typeface="標楷體" panose="03000509000000000000" pitchFamily="65" charset="-120"/>
+                <a:cs typeface="Times New Roman" panose="02020603050405020304" pitchFamily="18" charset="0"/>
+              </a:rPr>
+              <a:t>文件資料庫</a:t>
+            </a:r>
+          </a:p>
+        </p:txBody>
+      </p:sp>
+      <p:graphicFrame>
+        <p:nvGraphicFramePr>
+          <p:cNvPr id="6" name="內容版面配置區 5"/>
+          <p:cNvGraphicFramePr>
+            <a:graphicFrameLocks noGrp="1"/>
+          </p:cNvGraphicFramePr>
+          <p:nvPr>
+            <p:ph idx="1"/>
+            <p:extLst>
+              <p:ext uri="{D42A27DB-BD31-4B8C-83A1-F6EECF244321}">
+                <p14:modId xmlns:p14="http://schemas.microsoft.com/office/powerpoint/2010/main" val="1336344483"/>
+              </p:ext>
+            </p:extLst>
+          </p:nvPr>
+        </p:nvGraphicFramePr>
+        <p:xfrm>
+          <a:off x="838200" y="1280161"/>
+          <a:ext cx="10515600" cy="5507175"/>
+        </p:xfrm>
+        <a:graphic>
+          <a:graphicData uri="http://schemas.openxmlformats.org/drawingml/2006/table">
+            <a:tbl>
+              <a:tblPr firstRow="1" bandRow="1">
+                <a:tableStyleId>{BC89EF96-8CEA-46FF-86C4-4CE0E7609802}</a:tableStyleId>
+              </a:tblPr>
+              <a:tblGrid>
+                <a:gridCol w="1623646">
+                  <a:extLst>
+                    <a:ext uri="{9D8B030D-6E8A-4147-A177-3AD203B41FA5}">
+                      <a16:colId xmlns:a16="http://schemas.microsoft.com/office/drawing/2014/main" val="2215289821"/>
+                    </a:ext>
+                  </a:extLst>
+                </a:gridCol>
+                <a:gridCol w="8891954">
+                  <a:extLst>
+                    <a:ext uri="{9D8B030D-6E8A-4147-A177-3AD203B41FA5}">
+                      <a16:colId xmlns:a16="http://schemas.microsoft.com/office/drawing/2014/main" val="185806513"/>
+                    </a:ext>
+                  </a:extLst>
+                </a:gridCol>
+              </a:tblGrid>
+              <a:tr h="603069">
+                <a:tc>
+                  <a:txBody>
+                    <a:bodyPr/>
+                    <a:lstStyle/>
+                    <a:p>
+                      <a:r>
+                        <a:rPr lang="zh-TW" altLang="en-US" b="0" dirty="0" smtClean="0">
+                          <a:latin typeface="Times New Roman" panose="02020603050405020304" pitchFamily="18" charset="0"/>
+                          <a:ea typeface="標楷體" panose="03000509000000000000" pitchFamily="65" charset="-120"/>
+                          <a:cs typeface="Times New Roman" panose="02020603050405020304" pitchFamily="18" charset="0"/>
+                        </a:rPr>
+                        <a:t>相關 產品</a:t>
+                      </a:r>
+                      <a:endParaRPr lang="zh-TW" altLang="en-US" b="0" dirty="0">
+                        <a:latin typeface="Times New Roman" panose="02020603050405020304" pitchFamily="18" charset="0"/>
+                        <a:ea typeface="標楷體" panose="03000509000000000000" pitchFamily="65" charset="-120"/>
+                        <a:cs typeface="Times New Roman" panose="02020603050405020304" pitchFamily="18" charset="0"/>
+                      </a:endParaRPr>
+                    </a:p>
+                  </a:txBody>
+                  <a:tcPr/>
+                </a:tc>
+                <a:tc>
+                  <a:txBody>
+                    <a:bodyPr/>
+                    <a:lstStyle/>
+                    <a:p>
+                      <a:pPr marL="285750" indent="-285750">
+                        <a:buFont typeface="Arial" panose="020B0604020202020204" pitchFamily="34" charset="0"/>
+                        <a:buChar char="•"/>
+                      </a:pPr>
+                      <a:r>
+                        <a:rPr lang="en-US" altLang="zh-TW" b="0" dirty="0" smtClean="0">
+                          <a:latin typeface="Times New Roman" panose="02020603050405020304" pitchFamily="18" charset="0"/>
+                          <a:ea typeface="標楷體" panose="03000509000000000000" pitchFamily="65" charset="-120"/>
+                          <a:cs typeface="Times New Roman" panose="02020603050405020304" pitchFamily="18" charset="0"/>
+                        </a:rPr>
+                        <a:t> MongoDB</a:t>
+                      </a:r>
+                      <a:r>
+                        <a:rPr lang="zh-TW" altLang="en-US" b="0" dirty="0" smtClean="0">
+                          <a:latin typeface="Times New Roman" panose="02020603050405020304" pitchFamily="18" charset="0"/>
+                          <a:ea typeface="標楷體" panose="03000509000000000000" pitchFamily="65" charset="-120"/>
+                          <a:cs typeface="Times New Roman" panose="02020603050405020304" pitchFamily="18" charset="0"/>
+                        </a:rPr>
+                        <a:t>、</a:t>
+                      </a:r>
+                      <a:r>
+                        <a:rPr lang="en-US" altLang="zh-TW" b="0" dirty="0" err="1" smtClean="0">
+                          <a:latin typeface="Times New Roman" panose="02020603050405020304" pitchFamily="18" charset="0"/>
+                          <a:ea typeface="標楷體" panose="03000509000000000000" pitchFamily="65" charset="-120"/>
+                          <a:cs typeface="Times New Roman" panose="02020603050405020304" pitchFamily="18" charset="0"/>
+                        </a:rPr>
+                        <a:t>CouchDB</a:t>
+                      </a:r>
+                      <a:r>
+                        <a:rPr lang="zh-TW" altLang="en-US" b="0" dirty="0" smtClean="0">
+                          <a:latin typeface="Times New Roman" panose="02020603050405020304" pitchFamily="18" charset="0"/>
+                          <a:ea typeface="標楷體" panose="03000509000000000000" pitchFamily="65" charset="-120"/>
+                          <a:cs typeface="Times New Roman" panose="02020603050405020304" pitchFamily="18" charset="0"/>
+                        </a:rPr>
+                        <a:t>、</a:t>
+                      </a:r>
+                      <a:r>
+                        <a:rPr lang="en-US" altLang="zh-TW" b="0" dirty="0" err="1" smtClean="0">
+                          <a:latin typeface="Times New Roman" panose="02020603050405020304" pitchFamily="18" charset="0"/>
+                          <a:ea typeface="標楷體" panose="03000509000000000000" pitchFamily="65" charset="-120"/>
+                          <a:cs typeface="Times New Roman" panose="02020603050405020304" pitchFamily="18" charset="0"/>
+                        </a:rPr>
+                        <a:t>Terrastore</a:t>
+                      </a:r>
+                      <a:r>
+                        <a:rPr lang="zh-TW" altLang="en-US" b="0" dirty="0" smtClean="0">
+                          <a:latin typeface="Times New Roman" panose="02020603050405020304" pitchFamily="18" charset="0"/>
+                          <a:ea typeface="標楷體" panose="03000509000000000000" pitchFamily="65" charset="-120"/>
+                          <a:cs typeface="Times New Roman" panose="02020603050405020304" pitchFamily="18" charset="0"/>
+                        </a:rPr>
+                        <a:t>、</a:t>
+                      </a:r>
+                      <a:r>
+                        <a:rPr lang="en-US" altLang="zh-TW" b="0" dirty="0" err="1" smtClean="0">
+                          <a:latin typeface="Times New Roman" panose="02020603050405020304" pitchFamily="18" charset="0"/>
+                          <a:ea typeface="標楷體" panose="03000509000000000000" pitchFamily="65" charset="-120"/>
+                          <a:cs typeface="Times New Roman" panose="02020603050405020304" pitchFamily="18" charset="0"/>
+                        </a:rPr>
+                        <a:t>ThruDB</a:t>
+                      </a:r>
+                      <a:r>
+                        <a:rPr lang="zh-TW" altLang="en-US" b="0" dirty="0" smtClean="0">
+                          <a:latin typeface="Times New Roman" panose="02020603050405020304" pitchFamily="18" charset="0"/>
+                          <a:ea typeface="標楷體" panose="03000509000000000000" pitchFamily="65" charset="-120"/>
+                          <a:cs typeface="Times New Roman" panose="02020603050405020304" pitchFamily="18" charset="0"/>
+                        </a:rPr>
+                        <a:t>、</a:t>
+                      </a:r>
+                      <a:r>
+                        <a:rPr lang="en-US" altLang="zh-TW" b="0" dirty="0" err="1" smtClean="0">
+                          <a:latin typeface="Times New Roman" panose="02020603050405020304" pitchFamily="18" charset="0"/>
+                          <a:ea typeface="標楷體" panose="03000509000000000000" pitchFamily="65" charset="-120"/>
+                          <a:cs typeface="Times New Roman" panose="02020603050405020304" pitchFamily="18" charset="0"/>
+                        </a:rPr>
+                        <a:t>RavenDB</a:t>
+                      </a:r>
+                      <a:r>
+                        <a:rPr lang="zh-TW" altLang="en-US" b="0" dirty="0" smtClean="0">
+                          <a:latin typeface="Times New Roman" panose="02020603050405020304" pitchFamily="18" charset="0"/>
+                          <a:ea typeface="標楷體" panose="03000509000000000000" pitchFamily="65" charset="-120"/>
+                          <a:cs typeface="Times New Roman" panose="02020603050405020304" pitchFamily="18" charset="0"/>
+                        </a:rPr>
+                        <a:t>、 </a:t>
+                      </a:r>
+                      <a:r>
+                        <a:rPr lang="en-US" altLang="zh-TW" b="0" dirty="0" err="1" smtClean="0">
+                          <a:latin typeface="Times New Roman" panose="02020603050405020304" pitchFamily="18" charset="0"/>
+                          <a:ea typeface="標楷體" panose="03000509000000000000" pitchFamily="65" charset="-120"/>
+                          <a:cs typeface="Times New Roman" panose="02020603050405020304" pitchFamily="18" charset="0"/>
+                        </a:rPr>
+                        <a:t>SisoDB</a:t>
+                      </a:r>
+                      <a:r>
+                        <a:rPr lang="zh-TW" altLang="en-US" b="0" dirty="0" smtClean="0">
+                          <a:latin typeface="Times New Roman" panose="02020603050405020304" pitchFamily="18" charset="0"/>
+                          <a:ea typeface="標楷體" panose="03000509000000000000" pitchFamily="65" charset="-120"/>
+                          <a:cs typeface="Times New Roman" panose="02020603050405020304" pitchFamily="18" charset="0"/>
+                        </a:rPr>
+                        <a:t>、</a:t>
+                      </a:r>
+                      <a:r>
+                        <a:rPr lang="en-US" altLang="zh-TW" b="0" dirty="0" err="1" smtClean="0">
+                          <a:latin typeface="Times New Roman" panose="02020603050405020304" pitchFamily="18" charset="0"/>
+                          <a:ea typeface="標楷體" panose="03000509000000000000" pitchFamily="65" charset="-120"/>
+                          <a:cs typeface="Times New Roman" panose="02020603050405020304" pitchFamily="18" charset="0"/>
+                        </a:rPr>
+                        <a:t>RaptorDB</a:t>
+                      </a:r>
+                      <a:r>
+                        <a:rPr lang="zh-TW" altLang="en-US" b="0" dirty="0" smtClean="0">
+                          <a:latin typeface="Times New Roman" panose="02020603050405020304" pitchFamily="18" charset="0"/>
+                          <a:ea typeface="標楷體" panose="03000509000000000000" pitchFamily="65" charset="-120"/>
+                          <a:cs typeface="Times New Roman" panose="02020603050405020304" pitchFamily="18" charset="0"/>
+                        </a:rPr>
+                        <a:t>、</a:t>
+                      </a:r>
+                      <a:r>
+                        <a:rPr lang="en-US" altLang="zh-TW" b="0" dirty="0" err="1" smtClean="0">
+                          <a:latin typeface="Times New Roman" panose="02020603050405020304" pitchFamily="18" charset="0"/>
+                          <a:ea typeface="標楷體" panose="03000509000000000000" pitchFamily="65" charset="-120"/>
+                          <a:cs typeface="Times New Roman" panose="02020603050405020304" pitchFamily="18" charset="0"/>
+                        </a:rPr>
+                        <a:t>CloudKit</a:t>
+                      </a:r>
+                      <a:r>
+                        <a:rPr lang="zh-TW" altLang="en-US" b="0" dirty="0" smtClean="0">
+                          <a:latin typeface="Times New Roman" panose="02020603050405020304" pitchFamily="18" charset="0"/>
+                          <a:ea typeface="標楷體" panose="03000509000000000000" pitchFamily="65" charset="-120"/>
+                          <a:cs typeface="Times New Roman" panose="02020603050405020304" pitchFamily="18" charset="0"/>
+                        </a:rPr>
+                        <a:t>、</a:t>
+                      </a:r>
+                      <a:r>
+                        <a:rPr lang="en-US" altLang="zh-TW" b="0" dirty="0" err="1" smtClean="0">
+                          <a:latin typeface="Times New Roman" panose="02020603050405020304" pitchFamily="18" charset="0"/>
+                          <a:ea typeface="標楷體" panose="03000509000000000000" pitchFamily="65" charset="-120"/>
+                          <a:cs typeface="Times New Roman" panose="02020603050405020304" pitchFamily="18" charset="0"/>
+                        </a:rPr>
+                        <a:t>Perservere</a:t>
+                      </a:r>
+                      <a:r>
+                        <a:rPr lang="zh-TW" altLang="en-US" b="0" dirty="0" smtClean="0">
+                          <a:latin typeface="Times New Roman" panose="02020603050405020304" pitchFamily="18" charset="0"/>
+                          <a:ea typeface="標楷體" panose="03000509000000000000" pitchFamily="65" charset="-120"/>
+                          <a:cs typeface="Times New Roman" panose="02020603050405020304" pitchFamily="18" charset="0"/>
+                        </a:rPr>
+                        <a:t>、</a:t>
+                      </a:r>
+                      <a:r>
+                        <a:rPr lang="en-US" altLang="zh-TW" b="0" dirty="0" smtClean="0">
+                          <a:latin typeface="Times New Roman" panose="02020603050405020304" pitchFamily="18" charset="0"/>
+                          <a:ea typeface="標楷體" panose="03000509000000000000" pitchFamily="65" charset="-120"/>
+                          <a:cs typeface="Times New Roman" panose="02020603050405020304" pitchFamily="18" charset="0"/>
+                        </a:rPr>
+                        <a:t>Jackrabbit</a:t>
+                      </a:r>
+                      <a:endParaRPr lang="zh-TW" altLang="en-US" b="0" dirty="0">
+                        <a:latin typeface="Times New Roman" panose="02020603050405020304" pitchFamily="18" charset="0"/>
+                        <a:ea typeface="標楷體" panose="03000509000000000000" pitchFamily="65" charset="-120"/>
+                        <a:cs typeface="Times New Roman" panose="02020603050405020304" pitchFamily="18" charset="0"/>
+                      </a:endParaRPr>
+                    </a:p>
+                  </a:txBody>
+                  <a:tcPr/>
+                </a:tc>
+                <a:extLst>
+                  <a:ext uri="{0D108BD9-81ED-4DB2-BD59-A6C34878D82A}">
+                    <a16:rowId xmlns:a16="http://schemas.microsoft.com/office/drawing/2014/main" val="1094718064"/>
+                  </a:ext>
+                </a:extLst>
+              </a:tr>
+              <a:tr h="603069">
+                <a:tc>
+                  <a:txBody>
+                    <a:bodyPr/>
+                    <a:lstStyle/>
+                    <a:p>
+                      <a:r>
+                        <a:rPr lang="zh-TW" altLang="en-US" b="0" dirty="0" smtClean="0">
+                          <a:latin typeface="Times New Roman" panose="02020603050405020304" pitchFamily="18" charset="0"/>
+                          <a:ea typeface="標楷體" panose="03000509000000000000" pitchFamily="65" charset="-120"/>
+                          <a:cs typeface="Times New Roman" panose="02020603050405020304" pitchFamily="18" charset="0"/>
+                        </a:rPr>
+                        <a:t>資料模型</a:t>
+                      </a:r>
+                      <a:endParaRPr lang="zh-TW" altLang="en-US" b="0" dirty="0">
+                        <a:latin typeface="Times New Roman" panose="02020603050405020304" pitchFamily="18" charset="0"/>
+                        <a:ea typeface="標楷體" panose="03000509000000000000" pitchFamily="65" charset="-120"/>
+                        <a:cs typeface="Times New Roman" panose="02020603050405020304" pitchFamily="18" charset="0"/>
+                      </a:endParaRPr>
+                    </a:p>
+                  </a:txBody>
+                  <a:tcPr/>
+                </a:tc>
+                <a:tc>
+                  <a:txBody>
+                    <a:bodyPr/>
+                    <a:lstStyle/>
+                    <a:p>
+                      <a:pPr marL="285750" indent="-285750">
+                        <a:buFont typeface="Arial" panose="020B0604020202020204" pitchFamily="34" charset="0"/>
+                        <a:buChar char="•"/>
+                      </a:pPr>
+                      <a:r>
+                        <a:rPr lang="zh-TW" altLang="en-US" b="0" dirty="0" smtClean="0">
+                          <a:latin typeface="Times New Roman" panose="02020603050405020304" pitchFamily="18" charset="0"/>
+                          <a:ea typeface="標楷體" panose="03000509000000000000" pitchFamily="65" charset="-120"/>
+                          <a:cs typeface="Times New Roman" panose="02020603050405020304" pitchFamily="18" charset="0"/>
+                        </a:rPr>
+                        <a:t>鍵</a:t>
+                      </a:r>
+                      <a:r>
+                        <a:rPr lang="en-US" altLang="zh-TW" b="0" dirty="0" smtClean="0">
+                          <a:latin typeface="Times New Roman" panose="02020603050405020304" pitchFamily="18" charset="0"/>
+                          <a:ea typeface="標楷體" panose="03000509000000000000" pitchFamily="65" charset="-120"/>
+                          <a:cs typeface="Times New Roman" panose="02020603050405020304" pitchFamily="18" charset="0"/>
+                        </a:rPr>
+                        <a:t>/</a:t>
+                      </a:r>
+                      <a:r>
+                        <a:rPr lang="zh-TW" altLang="en-US" b="0" dirty="0" smtClean="0">
+                          <a:latin typeface="Times New Roman" panose="02020603050405020304" pitchFamily="18" charset="0"/>
+                          <a:ea typeface="標楷體" panose="03000509000000000000" pitchFamily="65" charset="-120"/>
+                          <a:cs typeface="Times New Roman" panose="02020603050405020304" pitchFamily="18" charset="0"/>
+                        </a:rPr>
+                        <a:t>值 </a:t>
+                      </a:r>
+                      <a:endParaRPr lang="en-US" altLang="zh-TW" b="0" dirty="0" smtClean="0">
+                        <a:latin typeface="Times New Roman" panose="02020603050405020304" pitchFamily="18" charset="0"/>
+                        <a:ea typeface="標楷體" panose="03000509000000000000" pitchFamily="65" charset="-120"/>
+                        <a:cs typeface="Times New Roman" panose="02020603050405020304" pitchFamily="18" charset="0"/>
+                      </a:endParaRPr>
+                    </a:p>
+                    <a:p>
+                      <a:pPr marL="285750" indent="-285750">
+                        <a:buFont typeface="Arial" panose="020B0604020202020204" pitchFamily="34" charset="0"/>
+                        <a:buChar char="•"/>
+                      </a:pPr>
+                      <a:r>
+                        <a:rPr lang="zh-TW" altLang="en-US" b="0" dirty="0" smtClean="0">
+                          <a:latin typeface="Times New Roman" panose="02020603050405020304" pitchFamily="18" charset="0"/>
+                          <a:ea typeface="標楷體" panose="03000509000000000000" pitchFamily="65" charset="-120"/>
+                          <a:cs typeface="Times New Roman" panose="02020603050405020304" pitchFamily="18" charset="0"/>
+                        </a:rPr>
+                        <a:t>值（</a:t>
+                      </a:r>
+                      <a:r>
+                        <a:rPr lang="en-US" altLang="zh-TW" b="0" dirty="0" smtClean="0">
+                          <a:latin typeface="Times New Roman" panose="02020603050405020304" pitchFamily="18" charset="0"/>
+                          <a:ea typeface="標楷體" panose="03000509000000000000" pitchFamily="65" charset="-120"/>
+                          <a:cs typeface="Times New Roman" panose="02020603050405020304" pitchFamily="18" charset="0"/>
+                        </a:rPr>
+                        <a:t>value</a:t>
+                      </a:r>
+                      <a:r>
+                        <a:rPr lang="zh-TW" altLang="en-US" b="0" dirty="0" smtClean="0">
+                          <a:latin typeface="Times New Roman" panose="02020603050405020304" pitchFamily="18" charset="0"/>
+                          <a:ea typeface="標楷體" panose="03000509000000000000" pitchFamily="65" charset="-120"/>
+                          <a:cs typeface="Times New Roman" panose="02020603050405020304" pitchFamily="18" charset="0"/>
+                        </a:rPr>
+                        <a:t>）是版本化的文件</a:t>
+                      </a:r>
+                      <a:endParaRPr lang="zh-TW" altLang="en-US" b="0" dirty="0">
+                        <a:latin typeface="Times New Roman" panose="02020603050405020304" pitchFamily="18" charset="0"/>
+                        <a:ea typeface="標楷體" panose="03000509000000000000" pitchFamily="65" charset="-120"/>
+                        <a:cs typeface="Times New Roman" panose="02020603050405020304" pitchFamily="18" charset="0"/>
+                      </a:endParaRPr>
+                    </a:p>
+                  </a:txBody>
+                  <a:tcPr/>
+                </a:tc>
+                <a:extLst>
+                  <a:ext uri="{0D108BD9-81ED-4DB2-BD59-A6C34878D82A}">
+                    <a16:rowId xmlns:a16="http://schemas.microsoft.com/office/drawing/2014/main" val="4112223151"/>
+                  </a:ext>
+                </a:extLst>
+              </a:tr>
+              <a:tr h="1166374">
+                <a:tc>
+                  <a:txBody>
+                    <a:bodyPr/>
+                    <a:lstStyle/>
+                    <a:p>
+                      <a:r>
+                        <a:rPr lang="zh-TW" altLang="en-US" b="0" dirty="0" smtClean="0">
+                          <a:latin typeface="Times New Roman" panose="02020603050405020304" pitchFamily="18" charset="0"/>
+                          <a:ea typeface="標楷體" panose="03000509000000000000" pitchFamily="65" charset="-120"/>
+                          <a:cs typeface="Times New Roman" panose="02020603050405020304" pitchFamily="18" charset="0"/>
+                        </a:rPr>
+                        <a:t>典型應用</a:t>
+                      </a:r>
+                      <a:endParaRPr lang="zh-TW" altLang="en-US" b="0" dirty="0">
+                        <a:latin typeface="Times New Roman" panose="02020603050405020304" pitchFamily="18" charset="0"/>
+                        <a:ea typeface="標楷體" panose="03000509000000000000" pitchFamily="65" charset="-120"/>
+                        <a:cs typeface="Times New Roman" panose="02020603050405020304" pitchFamily="18" charset="0"/>
+                      </a:endParaRPr>
+                    </a:p>
+                  </a:txBody>
+                  <a:tcPr/>
+                </a:tc>
+                <a:tc>
+                  <a:txBody>
+                    <a:bodyPr/>
+                    <a:lstStyle/>
+                    <a:p>
+                      <a:pPr marL="285750" indent="-285750">
+                        <a:buFont typeface="Arial" panose="020B0604020202020204" pitchFamily="34" charset="0"/>
+                        <a:buChar char="•"/>
+                      </a:pPr>
+                      <a:r>
+                        <a:rPr lang="zh-TW" altLang="en-US" b="0" dirty="0" smtClean="0">
+                          <a:latin typeface="Times New Roman" panose="02020603050405020304" pitchFamily="18" charset="0"/>
+                          <a:ea typeface="標楷體" panose="03000509000000000000" pitchFamily="65" charset="-120"/>
+                          <a:cs typeface="Times New Roman" panose="02020603050405020304" pitchFamily="18" charset="0"/>
+                        </a:rPr>
+                        <a:t>儲存、索引並管理以文件為主的資料或者類似的半結構化資料</a:t>
+                      </a:r>
+                      <a:endParaRPr lang="en-US" altLang="zh-TW" b="0" dirty="0" smtClean="0">
+                        <a:latin typeface="Times New Roman" panose="02020603050405020304" pitchFamily="18" charset="0"/>
+                        <a:ea typeface="標楷體" panose="03000509000000000000" pitchFamily="65" charset="-120"/>
+                        <a:cs typeface="Times New Roman" panose="02020603050405020304" pitchFamily="18" charset="0"/>
+                      </a:endParaRPr>
+                    </a:p>
+                    <a:p>
+                      <a:pPr marL="285750" indent="-285750">
+                        <a:buFont typeface="Arial" panose="020B0604020202020204" pitchFamily="34" charset="0"/>
+                        <a:buChar char="•"/>
+                      </a:pPr>
+                      <a:r>
+                        <a:rPr lang="zh-TW" altLang="en-US" b="0" dirty="0" smtClean="0">
+                          <a:latin typeface="Times New Roman" panose="02020603050405020304" pitchFamily="18" charset="0"/>
+                          <a:ea typeface="標楷體" panose="03000509000000000000" pitchFamily="65" charset="-120"/>
+                          <a:cs typeface="Times New Roman" panose="02020603050405020304" pitchFamily="18" charset="0"/>
+                        </a:rPr>
+                        <a:t>比如，用於後臺具有大量讀寫操作的網站、使用</a:t>
+                      </a:r>
+                      <a:r>
+                        <a:rPr lang="en-US" altLang="zh-TW" b="0" dirty="0" smtClean="0">
+                          <a:latin typeface="Times New Roman" panose="02020603050405020304" pitchFamily="18" charset="0"/>
+                          <a:ea typeface="標楷體" panose="03000509000000000000" pitchFamily="65" charset="-120"/>
+                          <a:cs typeface="Times New Roman" panose="02020603050405020304" pitchFamily="18" charset="0"/>
+                        </a:rPr>
+                        <a:t>JSON</a:t>
+                      </a:r>
+                      <a:r>
+                        <a:rPr lang="zh-TW" altLang="en-US" b="0" dirty="0" smtClean="0">
+                          <a:latin typeface="Times New Roman" panose="02020603050405020304" pitchFamily="18" charset="0"/>
+                          <a:ea typeface="標楷體" panose="03000509000000000000" pitchFamily="65" charset="-120"/>
+                          <a:cs typeface="Times New Roman" panose="02020603050405020304" pitchFamily="18" charset="0"/>
+                        </a:rPr>
+                        <a:t>資料結 構的應用、使用嵌套結構等非正規化資料的應用程式</a:t>
+                      </a:r>
+                      <a:endParaRPr lang="zh-TW" altLang="en-US" b="0" dirty="0">
+                        <a:latin typeface="Times New Roman" panose="02020603050405020304" pitchFamily="18" charset="0"/>
+                        <a:ea typeface="標楷體" panose="03000509000000000000" pitchFamily="65" charset="-120"/>
+                        <a:cs typeface="Times New Roman" panose="02020603050405020304" pitchFamily="18" charset="0"/>
+                      </a:endParaRPr>
+                    </a:p>
+                  </a:txBody>
+                  <a:tcPr/>
+                </a:tc>
+                <a:extLst>
+                  <a:ext uri="{0D108BD9-81ED-4DB2-BD59-A6C34878D82A}">
+                    <a16:rowId xmlns:a16="http://schemas.microsoft.com/office/drawing/2014/main" val="1083308996"/>
+                  </a:ext>
+                </a:extLst>
+              </a:tr>
+              <a:tr h="861527">
+                <a:tc>
+                  <a:txBody>
+                    <a:bodyPr/>
+                    <a:lstStyle/>
+                    <a:p>
+                      <a:r>
+                        <a:rPr lang="zh-TW" altLang="en-US" b="0" dirty="0" smtClean="0">
+                          <a:latin typeface="Times New Roman" panose="02020603050405020304" pitchFamily="18" charset="0"/>
+                          <a:ea typeface="標楷體" panose="03000509000000000000" pitchFamily="65" charset="-120"/>
+                          <a:cs typeface="Times New Roman" panose="02020603050405020304" pitchFamily="18" charset="0"/>
+                        </a:rPr>
+                        <a:t>優點</a:t>
+                      </a:r>
+                      <a:endParaRPr lang="zh-TW" altLang="en-US" b="0" dirty="0">
+                        <a:latin typeface="Times New Roman" panose="02020603050405020304" pitchFamily="18" charset="0"/>
+                        <a:ea typeface="標楷體" panose="03000509000000000000" pitchFamily="65" charset="-120"/>
+                        <a:cs typeface="Times New Roman" panose="02020603050405020304" pitchFamily="18" charset="0"/>
+                      </a:endParaRPr>
+                    </a:p>
+                  </a:txBody>
+                  <a:tcPr/>
+                </a:tc>
+                <a:tc>
+                  <a:txBody>
+                    <a:bodyPr/>
+                    <a:lstStyle/>
+                    <a:p>
+                      <a:pPr marL="285750" indent="-285750">
+                        <a:buFont typeface="Arial" panose="020B0604020202020204" pitchFamily="34" charset="0"/>
+                        <a:buChar char="•"/>
+                      </a:pPr>
+                      <a:r>
+                        <a:rPr lang="zh-TW" altLang="en-US" b="0" dirty="0" smtClean="0">
+                          <a:latin typeface="Times New Roman" panose="02020603050405020304" pitchFamily="18" charset="0"/>
+                          <a:ea typeface="標楷體" panose="03000509000000000000" pitchFamily="65" charset="-120"/>
+                          <a:cs typeface="Times New Roman" panose="02020603050405020304" pitchFamily="18" charset="0"/>
+                        </a:rPr>
+                        <a:t>性能好，靈活性高，複雜性低，資料結構靈活</a:t>
+                      </a:r>
+                      <a:endParaRPr lang="en-US" altLang="zh-TW" b="0" dirty="0" smtClean="0">
+                        <a:latin typeface="Times New Roman" panose="02020603050405020304" pitchFamily="18" charset="0"/>
+                        <a:ea typeface="標楷體" panose="03000509000000000000" pitchFamily="65" charset="-120"/>
+                        <a:cs typeface="Times New Roman" panose="02020603050405020304" pitchFamily="18" charset="0"/>
+                      </a:endParaRPr>
+                    </a:p>
+                    <a:p>
+                      <a:pPr marL="285750" indent="-285750">
+                        <a:buFont typeface="Arial" panose="020B0604020202020204" pitchFamily="34" charset="0"/>
+                        <a:buChar char="•"/>
+                      </a:pPr>
+                      <a:r>
+                        <a:rPr lang="zh-TW" altLang="en-US" b="0" dirty="0" smtClean="0">
+                          <a:latin typeface="Times New Roman" panose="02020603050405020304" pitchFamily="18" charset="0"/>
+                          <a:ea typeface="標楷體" panose="03000509000000000000" pitchFamily="65" charset="-120"/>
+                          <a:cs typeface="Times New Roman" panose="02020603050405020304" pitchFamily="18" charset="0"/>
+                        </a:rPr>
+                        <a:t>提供嵌入式文件功能，將經常查詢的資料儲存在同一個文件中</a:t>
+                      </a:r>
+                      <a:endParaRPr lang="en-US" altLang="zh-TW" b="0" dirty="0" smtClean="0">
+                        <a:latin typeface="Times New Roman" panose="02020603050405020304" pitchFamily="18" charset="0"/>
+                        <a:ea typeface="標楷體" panose="03000509000000000000" pitchFamily="65" charset="-120"/>
+                        <a:cs typeface="Times New Roman" panose="02020603050405020304" pitchFamily="18" charset="0"/>
+                      </a:endParaRPr>
+                    </a:p>
+                    <a:p>
+                      <a:pPr marL="285750" indent="-285750">
+                        <a:buFont typeface="Arial" panose="020B0604020202020204" pitchFamily="34" charset="0"/>
+                        <a:buChar char="•"/>
+                      </a:pPr>
+                      <a:r>
+                        <a:rPr lang="zh-TW" altLang="en-US" b="0" dirty="0" smtClean="0">
+                          <a:latin typeface="Times New Roman" panose="02020603050405020304" pitchFamily="18" charset="0"/>
+                          <a:ea typeface="標楷體" panose="03000509000000000000" pitchFamily="65" charset="-120"/>
+                          <a:cs typeface="Times New Roman" panose="02020603050405020304" pitchFamily="18" charset="0"/>
+                        </a:rPr>
+                        <a:t>既可以根據鍵來建構索引，也可以根據內容建構索引 </a:t>
+                      </a:r>
+                      <a:endParaRPr lang="zh-TW" altLang="en-US" b="0" dirty="0">
+                        <a:latin typeface="Times New Roman" panose="02020603050405020304" pitchFamily="18" charset="0"/>
+                        <a:ea typeface="標楷體" panose="03000509000000000000" pitchFamily="65" charset="-120"/>
+                        <a:cs typeface="Times New Roman" panose="02020603050405020304" pitchFamily="18" charset="0"/>
+                      </a:endParaRPr>
+                    </a:p>
+                  </a:txBody>
+                  <a:tcPr/>
+                </a:tc>
+                <a:extLst>
+                  <a:ext uri="{0D108BD9-81ED-4DB2-BD59-A6C34878D82A}">
+                    <a16:rowId xmlns:a16="http://schemas.microsoft.com/office/drawing/2014/main" val="395412437"/>
+                  </a:ext>
+                </a:extLst>
+              </a:tr>
+              <a:tr h="359339">
+                <a:tc>
+                  <a:txBody>
+                    <a:bodyPr/>
+                    <a:lstStyle/>
+                    <a:p>
+                      <a:r>
+                        <a:rPr lang="zh-TW" altLang="en-US" b="0" dirty="0" smtClean="0">
+                          <a:latin typeface="Times New Roman" panose="02020603050405020304" pitchFamily="18" charset="0"/>
+                          <a:ea typeface="標楷體" panose="03000509000000000000" pitchFamily="65" charset="-120"/>
+                          <a:cs typeface="Times New Roman" panose="02020603050405020304" pitchFamily="18" charset="0"/>
+                        </a:rPr>
+                        <a:t>缺點</a:t>
+                      </a:r>
+                      <a:endParaRPr lang="zh-TW" altLang="en-US" b="0" dirty="0">
+                        <a:latin typeface="Times New Roman" panose="02020603050405020304" pitchFamily="18" charset="0"/>
+                        <a:ea typeface="標楷體" panose="03000509000000000000" pitchFamily="65" charset="-120"/>
+                        <a:cs typeface="Times New Roman" panose="02020603050405020304" pitchFamily="18" charset="0"/>
+                      </a:endParaRPr>
+                    </a:p>
+                  </a:txBody>
+                  <a:tcPr/>
+                </a:tc>
+                <a:tc>
+                  <a:txBody>
+                    <a:bodyPr/>
+                    <a:lstStyle/>
+                    <a:p>
+                      <a:pPr marL="285750" indent="-285750">
+                        <a:buFont typeface="Arial" panose="020B0604020202020204" pitchFamily="34" charset="0"/>
+                        <a:buChar char="•"/>
+                      </a:pPr>
+                      <a:r>
+                        <a:rPr lang="zh-TW" altLang="en-US" b="0" dirty="0" smtClean="0">
+                          <a:latin typeface="Times New Roman" panose="02020603050405020304" pitchFamily="18" charset="0"/>
+                          <a:ea typeface="標楷體" panose="03000509000000000000" pitchFamily="65" charset="-120"/>
+                          <a:cs typeface="Times New Roman" panose="02020603050405020304" pitchFamily="18" charset="0"/>
+                        </a:rPr>
+                        <a:t>缺乏統一的查詢語法</a:t>
+                      </a:r>
+                      <a:endParaRPr lang="zh-TW" altLang="en-US" b="0" dirty="0">
+                        <a:latin typeface="Times New Roman" panose="02020603050405020304" pitchFamily="18" charset="0"/>
+                        <a:ea typeface="標楷體" panose="03000509000000000000" pitchFamily="65" charset="-120"/>
+                        <a:cs typeface="Times New Roman" panose="02020603050405020304" pitchFamily="18" charset="0"/>
+                      </a:endParaRPr>
+                    </a:p>
+                  </a:txBody>
+                  <a:tcPr/>
+                </a:tc>
+                <a:extLst>
+                  <a:ext uri="{0D108BD9-81ED-4DB2-BD59-A6C34878D82A}">
+                    <a16:rowId xmlns:a16="http://schemas.microsoft.com/office/drawing/2014/main" val="412856550"/>
+                  </a:ext>
+                </a:extLst>
+              </a:tr>
+              <a:tr h="826175">
+                <a:tc>
+                  <a:txBody>
+                    <a:bodyPr/>
+                    <a:lstStyle/>
+                    <a:p>
+                      <a:r>
+                        <a:rPr lang="zh-TW" altLang="en-US" b="0" dirty="0" smtClean="0">
+                          <a:latin typeface="Times New Roman" panose="02020603050405020304" pitchFamily="18" charset="0"/>
+                          <a:ea typeface="標楷體" panose="03000509000000000000" pitchFamily="65" charset="-120"/>
+                          <a:cs typeface="Times New Roman" panose="02020603050405020304" pitchFamily="18" charset="0"/>
+                        </a:rPr>
+                        <a:t>不適用情形</a:t>
+                      </a:r>
+                      <a:endParaRPr lang="zh-TW" altLang="en-US" b="0" dirty="0">
+                        <a:latin typeface="Times New Roman" panose="02020603050405020304" pitchFamily="18" charset="0"/>
+                        <a:ea typeface="標楷體" panose="03000509000000000000" pitchFamily="65" charset="-120"/>
+                        <a:cs typeface="Times New Roman" panose="02020603050405020304" pitchFamily="18" charset="0"/>
+                      </a:endParaRPr>
+                    </a:p>
+                  </a:txBody>
+                  <a:tcPr/>
+                </a:tc>
+                <a:tc>
+                  <a:txBody>
+                    <a:bodyPr/>
+                    <a:lstStyle/>
+                    <a:p>
+                      <a:pPr marL="285750" indent="-285750">
+                        <a:buFont typeface="Arial" panose="020B0604020202020204" pitchFamily="34" charset="0"/>
+                        <a:buChar char="•"/>
+                      </a:pPr>
+                      <a:r>
+                        <a:rPr lang="zh-TW" altLang="en-US" b="0" dirty="0" smtClean="0">
+                          <a:latin typeface="Times New Roman" panose="02020603050405020304" pitchFamily="18" charset="0"/>
+                          <a:ea typeface="標楷體" panose="03000509000000000000" pitchFamily="65" charset="-120"/>
+                          <a:cs typeface="Times New Roman" panose="02020603050405020304" pitchFamily="18" charset="0"/>
+                        </a:rPr>
+                        <a:t>在不同的文件上執行交易。文件資料庫並不支援文件間的交易， 如果對這方面有需求則不應該選用這個解決方案</a:t>
+                      </a:r>
+                      <a:endParaRPr lang="zh-TW" altLang="en-US" b="0" dirty="0">
+                        <a:latin typeface="Times New Roman" panose="02020603050405020304" pitchFamily="18" charset="0"/>
+                        <a:ea typeface="標楷體" panose="03000509000000000000" pitchFamily="65" charset="-120"/>
+                        <a:cs typeface="Times New Roman" panose="02020603050405020304" pitchFamily="18" charset="0"/>
+                      </a:endParaRPr>
+                    </a:p>
+                  </a:txBody>
+                  <a:tcPr/>
+                </a:tc>
+                <a:extLst>
+                  <a:ext uri="{0D108BD9-81ED-4DB2-BD59-A6C34878D82A}">
+                    <a16:rowId xmlns:a16="http://schemas.microsoft.com/office/drawing/2014/main" val="532654663"/>
+                  </a:ext>
+                </a:extLst>
+              </a:tr>
+              <a:tr h="954306">
+                <a:tc>
+                  <a:txBody>
+                    <a:bodyPr/>
+                    <a:lstStyle/>
+                    <a:p>
+                      <a:r>
+                        <a:rPr lang="zh-TW" altLang="en-US" b="0" dirty="0" smtClean="0">
+                          <a:latin typeface="Times New Roman" panose="02020603050405020304" pitchFamily="18" charset="0"/>
+                          <a:ea typeface="標楷體" panose="03000509000000000000" pitchFamily="65" charset="-120"/>
+                          <a:cs typeface="Times New Roman" panose="02020603050405020304" pitchFamily="18" charset="0"/>
+                        </a:rPr>
+                        <a:t>使用者</a:t>
+                      </a:r>
+                      <a:endParaRPr lang="zh-TW" altLang="en-US" b="0" dirty="0">
+                        <a:latin typeface="Times New Roman" panose="02020603050405020304" pitchFamily="18" charset="0"/>
+                        <a:ea typeface="標楷體" panose="03000509000000000000" pitchFamily="65" charset="-120"/>
+                        <a:cs typeface="Times New Roman" panose="02020603050405020304" pitchFamily="18" charset="0"/>
+                      </a:endParaRPr>
+                    </a:p>
+                  </a:txBody>
+                  <a:tcPr/>
+                </a:tc>
+                <a:tc>
+                  <a:txBody>
+                    <a:bodyPr/>
+                    <a:lstStyle/>
+                    <a:p>
+                      <a:pPr marL="285750" indent="-285750">
+                        <a:buFont typeface="Arial" panose="020B0604020202020204" pitchFamily="34" charset="0"/>
+                        <a:buChar char="•"/>
+                      </a:pPr>
+                      <a:r>
+                        <a:rPr lang="en-US" altLang="zh-TW" b="0" dirty="0" smtClean="0">
+                          <a:latin typeface="Times New Roman" panose="02020603050405020304" pitchFamily="18" charset="0"/>
+                          <a:ea typeface="標楷體" panose="03000509000000000000" pitchFamily="65" charset="-120"/>
+                          <a:cs typeface="Times New Roman" panose="02020603050405020304" pitchFamily="18" charset="0"/>
+                        </a:rPr>
+                        <a:t>SAP</a:t>
+                      </a:r>
+                      <a:r>
+                        <a:rPr lang="zh-TW" altLang="en-US" b="0" dirty="0" smtClean="0">
+                          <a:latin typeface="Times New Roman" panose="02020603050405020304" pitchFamily="18" charset="0"/>
+                          <a:ea typeface="標楷體" panose="03000509000000000000" pitchFamily="65" charset="-120"/>
+                          <a:cs typeface="Times New Roman" panose="02020603050405020304" pitchFamily="18" charset="0"/>
+                        </a:rPr>
+                        <a:t>（</a:t>
+                      </a:r>
+                      <a:r>
+                        <a:rPr lang="en-US" altLang="zh-TW" b="0" dirty="0" smtClean="0">
+                          <a:latin typeface="Times New Roman" panose="02020603050405020304" pitchFamily="18" charset="0"/>
+                          <a:ea typeface="標楷體" panose="03000509000000000000" pitchFamily="65" charset="-120"/>
+                          <a:cs typeface="Times New Roman" panose="02020603050405020304" pitchFamily="18" charset="0"/>
+                        </a:rPr>
+                        <a:t>MongoDB</a:t>
+                      </a:r>
+                      <a:r>
+                        <a:rPr lang="zh-TW" altLang="en-US" b="0" dirty="0" smtClean="0">
+                          <a:latin typeface="Times New Roman" panose="02020603050405020304" pitchFamily="18" charset="0"/>
+                          <a:ea typeface="標楷體" panose="03000509000000000000" pitchFamily="65" charset="-120"/>
+                          <a:cs typeface="Times New Roman" panose="02020603050405020304" pitchFamily="18" charset="0"/>
+                        </a:rPr>
+                        <a:t>）、</a:t>
+                      </a:r>
+                      <a:r>
+                        <a:rPr lang="en-US" altLang="zh-TW" b="0" dirty="0" err="1" smtClean="0">
+                          <a:latin typeface="Times New Roman" panose="02020603050405020304" pitchFamily="18" charset="0"/>
+                          <a:ea typeface="標楷體" panose="03000509000000000000" pitchFamily="65" charset="-120"/>
+                          <a:cs typeface="Times New Roman" panose="02020603050405020304" pitchFamily="18" charset="0"/>
+                        </a:rPr>
+                        <a:t>Codecademy</a:t>
+                      </a:r>
+                      <a:r>
+                        <a:rPr lang="zh-TW" altLang="en-US" b="0" dirty="0" smtClean="0">
+                          <a:latin typeface="Times New Roman" panose="02020603050405020304" pitchFamily="18" charset="0"/>
+                          <a:ea typeface="標楷體" panose="03000509000000000000" pitchFamily="65" charset="-120"/>
+                          <a:cs typeface="Times New Roman" panose="02020603050405020304" pitchFamily="18" charset="0"/>
+                        </a:rPr>
+                        <a:t>（</a:t>
+                      </a:r>
+                      <a:r>
+                        <a:rPr lang="en-US" altLang="zh-TW" b="0" dirty="0" smtClean="0">
+                          <a:latin typeface="Times New Roman" panose="02020603050405020304" pitchFamily="18" charset="0"/>
+                          <a:ea typeface="標楷體" panose="03000509000000000000" pitchFamily="65" charset="-120"/>
+                          <a:cs typeface="Times New Roman" panose="02020603050405020304" pitchFamily="18" charset="0"/>
+                        </a:rPr>
+                        <a:t>MongoDB</a:t>
+                      </a:r>
+                      <a:r>
+                        <a:rPr lang="zh-TW" altLang="en-US" b="0" dirty="0" smtClean="0">
+                          <a:latin typeface="Times New Roman" panose="02020603050405020304" pitchFamily="18" charset="0"/>
+                          <a:ea typeface="標楷體" panose="03000509000000000000" pitchFamily="65" charset="-120"/>
+                          <a:cs typeface="Times New Roman" panose="02020603050405020304" pitchFamily="18" charset="0"/>
+                        </a:rPr>
+                        <a:t>）、</a:t>
+                      </a:r>
+                      <a:r>
+                        <a:rPr lang="en-US" altLang="zh-TW" b="0" dirty="0" smtClean="0">
+                          <a:latin typeface="Times New Roman" panose="02020603050405020304" pitchFamily="18" charset="0"/>
+                          <a:ea typeface="標楷體" panose="03000509000000000000" pitchFamily="65" charset="-120"/>
+                          <a:cs typeface="Times New Roman" panose="02020603050405020304" pitchFamily="18" charset="0"/>
+                        </a:rPr>
+                        <a:t>Foursquare </a:t>
+                      </a:r>
+                      <a:r>
+                        <a:rPr lang="zh-TW" altLang="en-US" b="0" dirty="0" smtClean="0">
+                          <a:latin typeface="Times New Roman" panose="02020603050405020304" pitchFamily="18" charset="0"/>
+                          <a:ea typeface="標楷體" panose="03000509000000000000" pitchFamily="65" charset="-120"/>
+                          <a:cs typeface="Times New Roman" panose="02020603050405020304" pitchFamily="18" charset="0"/>
+                        </a:rPr>
+                        <a:t>（</a:t>
+                      </a:r>
+                      <a:r>
+                        <a:rPr lang="en-US" altLang="zh-TW" b="0" dirty="0" smtClean="0">
+                          <a:latin typeface="Times New Roman" panose="02020603050405020304" pitchFamily="18" charset="0"/>
+                          <a:ea typeface="標楷體" panose="03000509000000000000" pitchFamily="65" charset="-120"/>
+                          <a:cs typeface="Times New Roman" panose="02020603050405020304" pitchFamily="18" charset="0"/>
+                        </a:rPr>
+                        <a:t>MongoDB</a:t>
+                      </a:r>
+                      <a:r>
+                        <a:rPr lang="zh-TW" altLang="en-US" b="0" dirty="0" smtClean="0">
+                          <a:latin typeface="Times New Roman" panose="02020603050405020304" pitchFamily="18" charset="0"/>
+                          <a:ea typeface="標楷體" panose="03000509000000000000" pitchFamily="65" charset="-120"/>
+                          <a:cs typeface="Times New Roman" panose="02020603050405020304" pitchFamily="18" charset="0"/>
+                        </a:rPr>
+                        <a:t>）、</a:t>
+                      </a:r>
+                      <a:r>
+                        <a:rPr lang="en-US" altLang="zh-TW" b="0" dirty="0" smtClean="0">
+                          <a:latin typeface="Times New Roman" panose="02020603050405020304" pitchFamily="18" charset="0"/>
+                          <a:ea typeface="標楷體" panose="03000509000000000000" pitchFamily="65" charset="-120"/>
+                          <a:cs typeface="Times New Roman" panose="02020603050405020304" pitchFamily="18" charset="0"/>
+                        </a:rPr>
+                        <a:t>NBC News</a:t>
+                      </a:r>
+                      <a:r>
+                        <a:rPr lang="zh-TW" altLang="en-US" b="0" dirty="0" smtClean="0">
+                          <a:latin typeface="Times New Roman" panose="02020603050405020304" pitchFamily="18" charset="0"/>
+                          <a:ea typeface="標楷體" panose="03000509000000000000" pitchFamily="65" charset="-120"/>
+                          <a:cs typeface="Times New Roman" panose="02020603050405020304" pitchFamily="18" charset="0"/>
+                        </a:rPr>
+                        <a:t>（</a:t>
+                      </a:r>
+                      <a:r>
+                        <a:rPr lang="en-US" altLang="zh-TW" b="0" dirty="0" err="1" smtClean="0">
+                          <a:latin typeface="Times New Roman" panose="02020603050405020304" pitchFamily="18" charset="0"/>
+                          <a:ea typeface="標楷體" panose="03000509000000000000" pitchFamily="65" charset="-120"/>
+                          <a:cs typeface="Times New Roman" panose="02020603050405020304" pitchFamily="18" charset="0"/>
+                        </a:rPr>
+                        <a:t>RavenDB</a:t>
+                      </a:r>
+                      <a:r>
+                        <a:rPr lang="zh-TW" altLang="en-US" b="0" dirty="0" smtClean="0">
+                          <a:latin typeface="Times New Roman" panose="02020603050405020304" pitchFamily="18" charset="0"/>
+                          <a:ea typeface="標楷體" panose="03000509000000000000" pitchFamily="65" charset="-120"/>
+                          <a:cs typeface="Times New Roman" panose="02020603050405020304" pitchFamily="18" charset="0"/>
+                        </a:rPr>
+                        <a:t>）</a:t>
+                      </a:r>
+                      <a:endParaRPr lang="zh-TW" altLang="en-US" b="0" dirty="0">
+                        <a:latin typeface="Times New Roman" panose="02020603050405020304" pitchFamily="18" charset="0"/>
+                        <a:ea typeface="標楷體" panose="03000509000000000000" pitchFamily="65" charset="-120"/>
+                        <a:cs typeface="Times New Roman" panose="02020603050405020304" pitchFamily="18" charset="0"/>
+                      </a:endParaRPr>
+                    </a:p>
+                  </a:txBody>
+                  <a:tcPr/>
+                </a:tc>
+                <a:extLst>
+                  <a:ext uri="{0D108BD9-81ED-4DB2-BD59-A6C34878D82A}">
+                    <a16:rowId xmlns:a16="http://schemas.microsoft.com/office/drawing/2014/main" val="118920265"/>
+                  </a:ext>
+                </a:extLst>
+              </a:tr>
+            </a:tbl>
+          </a:graphicData>
+        </a:graphic>
+      </p:graphicFrame>
+    </p:spTree>
+    <p:extLst>
+      <p:ext uri="{BB962C8B-B14F-4D97-AF65-F5344CB8AC3E}">
+        <p14:creationId xmlns:p14="http://schemas.microsoft.com/office/powerpoint/2010/main" val="2099811636"/>
+      </p:ext>
+    </p:extLst>
+  </p:cSld>
+  <p:clrMapOvr>
+    <a:masterClrMapping/>
+  </p:clrMapOvr>
+</p:sld>
+</file>
+
+<file path=ppt/slides/slide14.xml><?xml version="1.0" encoding="utf-8"?>
+<p:sld xmlns:a="http://schemas.openxmlformats.org/drawingml/2006/main" xmlns:r="http://schemas.openxmlformats.org/officeDocument/2006/relationships" xmlns:p="http://schemas.openxmlformats.org/presentationml/2006/main">
+  <p:cSld>
+    <p:spTree>
+      <p:nvGrpSpPr>
+        <p:cNvPr id="1" name=""/>
+        <p:cNvGrpSpPr/>
+        <p:nvPr/>
+      </p:nvGrpSpPr>
+      <p:grpSpPr>
+        <a:xfrm>
+          <a:off x="0" y="0"/>
+          <a:ext cx="0" cy="0"/>
+          <a:chOff x="0" y="0"/>
+          <a:chExt cx="0" cy="0"/>
+        </a:xfrm>
+      </p:grpSpPr>
+      <p:sp>
+        <p:nvSpPr>
+          <p:cNvPr id="3" name="內容版面配置區 2"/>
+          <p:cNvSpPr>
+            <a:spLocks noGrp="1"/>
+          </p:cNvSpPr>
+          <p:nvPr>
+            <p:ph idx="1"/>
+          </p:nvPr>
+        </p:nvSpPr>
+        <p:spPr>
+          <a:xfrm>
+            <a:off x="838200" y="492369"/>
+            <a:ext cx="10515600" cy="5684594"/>
+          </a:xfrm>
+        </p:spPr>
+        <p:txBody>
+          <a:bodyPr/>
+          <a:lstStyle/>
+          <a:p>
+            <a:r>
+              <a:rPr lang="zh-TW" altLang="en-US" dirty="0" smtClean="0">
+                <a:latin typeface="Times New Roman" panose="02020603050405020304" pitchFamily="18" charset="0"/>
+                <a:ea typeface="標楷體" panose="03000509000000000000" pitchFamily="65" charset="-120"/>
+                <a:cs typeface="Times New Roman" panose="02020603050405020304" pitchFamily="18" charset="0"/>
+              </a:rPr>
+              <a:t>“文件</a:t>
+            </a:r>
+            <a:r>
+              <a:rPr lang="zh-TW" altLang="en-US" dirty="0">
+                <a:latin typeface="Times New Roman" panose="02020603050405020304" pitchFamily="18" charset="0"/>
+                <a:ea typeface="標楷體" panose="03000509000000000000" pitchFamily="65" charset="-120"/>
+                <a:cs typeface="Times New Roman" panose="02020603050405020304" pitchFamily="18" charset="0"/>
+              </a:rPr>
+              <a:t>”其實是一個資料記錄，這個記錄能夠對包含的資料型態和內容進行 “自我</a:t>
+            </a:r>
+            <a:r>
+              <a:rPr lang="zh-TW" altLang="en-US" dirty="0" smtClean="0">
+                <a:latin typeface="Times New Roman" panose="02020603050405020304" pitchFamily="18" charset="0"/>
+                <a:ea typeface="標楷體" panose="03000509000000000000" pitchFamily="65" charset="-120"/>
+                <a:cs typeface="Times New Roman" panose="02020603050405020304" pitchFamily="18" charset="0"/>
+              </a:rPr>
+              <a:t>描述。</a:t>
+            </a:r>
+            <a:r>
+              <a:rPr lang="en-US" altLang="zh-TW" dirty="0">
+                <a:latin typeface="Times New Roman" panose="02020603050405020304" pitchFamily="18" charset="0"/>
+                <a:ea typeface="標楷體" panose="03000509000000000000" pitchFamily="65" charset="-120"/>
+                <a:cs typeface="Times New Roman" panose="02020603050405020304" pitchFamily="18" charset="0"/>
+              </a:rPr>
+              <a:t>XML</a:t>
+            </a:r>
+            <a:r>
+              <a:rPr lang="zh-TW" altLang="en-US" dirty="0">
+                <a:latin typeface="Times New Roman" panose="02020603050405020304" pitchFamily="18" charset="0"/>
+                <a:ea typeface="標楷體" panose="03000509000000000000" pitchFamily="65" charset="-120"/>
+                <a:cs typeface="Times New Roman" panose="02020603050405020304" pitchFamily="18" charset="0"/>
+              </a:rPr>
+              <a:t>文件、</a:t>
+            </a:r>
+            <a:r>
+              <a:rPr lang="en-US" altLang="zh-TW" dirty="0">
+                <a:latin typeface="Times New Roman" panose="02020603050405020304" pitchFamily="18" charset="0"/>
+                <a:ea typeface="標楷體" panose="03000509000000000000" pitchFamily="65" charset="-120"/>
+                <a:cs typeface="Times New Roman" panose="02020603050405020304" pitchFamily="18" charset="0"/>
+              </a:rPr>
+              <a:t>HTML</a:t>
+            </a:r>
+            <a:r>
+              <a:rPr lang="zh-TW" altLang="en-US" dirty="0">
+                <a:latin typeface="Times New Roman" panose="02020603050405020304" pitchFamily="18" charset="0"/>
+                <a:ea typeface="標楷體" panose="03000509000000000000" pitchFamily="65" charset="-120"/>
+                <a:cs typeface="Times New Roman" panose="02020603050405020304" pitchFamily="18" charset="0"/>
+              </a:rPr>
+              <a:t>文件和</a:t>
+            </a:r>
+            <a:r>
+              <a:rPr lang="en-US" altLang="zh-TW" dirty="0">
+                <a:latin typeface="Times New Roman" panose="02020603050405020304" pitchFamily="18" charset="0"/>
+                <a:ea typeface="標楷體" panose="03000509000000000000" pitchFamily="65" charset="-120"/>
+                <a:cs typeface="Times New Roman" panose="02020603050405020304" pitchFamily="18" charset="0"/>
+              </a:rPr>
+              <a:t>JSON</a:t>
+            </a:r>
+            <a:r>
+              <a:rPr lang="zh-TW" altLang="en-US" dirty="0">
+                <a:latin typeface="Times New Roman" panose="02020603050405020304" pitchFamily="18" charset="0"/>
+                <a:ea typeface="標楷體" panose="03000509000000000000" pitchFamily="65" charset="-120"/>
+                <a:cs typeface="Times New Roman" panose="02020603050405020304" pitchFamily="18" charset="0"/>
+              </a:rPr>
+              <a:t>文件就屬於這一類，它</a:t>
+            </a:r>
+            <a:r>
+              <a:rPr lang="zh-TW" altLang="en-US" dirty="0" smtClean="0">
+                <a:latin typeface="Times New Roman" panose="02020603050405020304" pitchFamily="18" charset="0"/>
+                <a:ea typeface="標楷體" panose="03000509000000000000" pitchFamily="65" charset="-120"/>
+                <a:cs typeface="Times New Roman" panose="02020603050405020304" pitchFamily="18" charset="0"/>
+              </a:rPr>
+              <a:t>儲存的</a:t>
+            </a:r>
+            <a:r>
+              <a:rPr lang="zh-TW" altLang="en-US" dirty="0">
+                <a:latin typeface="Times New Roman" panose="02020603050405020304" pitchFamily="18" charset="0"/>
+                <a:ea typeface="標楷體" panose="03000509000000000000" pitchFamily="65" charset="-120"/>
+                <a:cs typeface="Times New Roman" panose="02020603050405020304" pitchFamily="18" charset="0"/>
+              </a:rPr>
+              <a:t>資料是這樣的</a:t>
+            </a:r>
+            <a:r>
+              <a:rPr lang="zh-TW" altLang="en-US" dirty="0" smtClean="0">
+                <a:latin typeface="Times New Roman" panose="02020603050405020304" pitchFamily="18" charset="0"/>
+                <a:ea typeface="標楷體" panose="03000509000000000000" pitchFamily="65" charset="-120"/>
+                <a:cs typeface="Times New Roman" panose="02020603050405020304" pitchFamily="18" charset="0"/>
+              </a:rPr>
+              <a:t>：</a:t>
+            </a:r>
+            <a:endParaRPr lang="en-US" altLang="zh-TW" dirty="0" smtClean="0">
+              <a:latin typeface="Times New Roman" panose="02020603050405020304" pitchFamily="18" charset="0"/>
+              <a:ea typeface="標楷體" panose="03000509000000000000" pitchFamily="65" charset="-120"/>
+              <a:cs typeface="Times New Roman" panose="02020603050405020304" pitchFamily="18" charset="0"/>
+            </a:endParaRPr>
+          </a:p>
+          <a:p>
+            <a:endParaRPr lang="zh-TW" altLang="en-US" dirty="0">
+              <a:latin typeface="Times New Roman" panose="02020603050405020304" pitchFamily="18" charset="0"/>
+              <a:ea typeface="標楷體" panose="03000509000000000000" pitchFamily="65" charset="-120"/>
+              <a:cs typeface="Times New Roman" panose="02020603050405020304" pitchFamily="18" charset="0"/>
+            </a:endParaRPr>
+          </a:p>
+        </p:txBody>
+      </p:sp>
+      <p:pic>
+        <p:nvPicPr>
+          <p:cNvPr id="4" name="圖片 3"/>
+          <p:cNvPicPr>
+            <a:picLocks noChangeAspect="1"/>
+          </p:cNvPicPr>
+          <p:nvPr/>
+        </p:nvPicPr>
+        <p:blipFill>
+          <a:blip r:embed="rId2"/>
+          <a:stretch>
+            <a:fillRect/>
+          </a:stretch>
+        </p:blipFill>
+        <p:spPr>
+          <a:xfrm>
+            <a:off x="1252830" y="1943906"/>
+            <a:ext cx="1724025" cy="1647825"/>
+          </a:xfrm>
+          <a:prstGeom prst="rect">
+            <a:avLst/>
+          </a:prstGeom>
+        </p:spPr>
+      </p:pic>
+      <p:pic>
+        <p:nvPicPr>
+          <p:cNvPr id="5" name="圖片 4"/>
+          <p:cNvPicPr>
+            <a:picLocks noChangeAspect="1"/>
+          </p:cNvPicPr>
+          <p:nvPr/>
+        </p:nvPicPr>
+        <p:blipFill>
+          <a:blip r:embed="rId3"/>
+          <a:stretch>
+            <a:fillRect/>
+          </a:stretch>
+        </p:blipFill>
+        <p:spPr>
+          <a:xfrm>
+            <a:off x="3391485" y="1943906"/>
+            <a:ext cx="2133600" cy="1609725"/>
+          </a:xfrm>
+          <a:prstGeom prst="rect">
+            <a:avLst/>
+          </a:prstGeom>
+        </p:spPr>
+      </p:pic>
+      <p:pic>
+        <p:nvPicPr>
+          <p:cNvPr id="6" name="圖片 5"/>
+          <p:cNvPicPr>
+            <a:picLocks noChangeAspect="1"/>
+          </p:cNvPicPr>
+          <p:nvPr/>
+        </p:nvPicPr>
+        <p:blipFill>
+          <a:blip r:embed="rId4"/>
+          <a:stretch>
+            <a:fillRect/>
+          </a:stretch>
+        </p:blipFill>
+        <p:spPr>
+          <a:xfrm>
+            <a:off x="5939715" y="1943906"/>
+            <a:ext cx="1762125" cy="2428875"/>
+          </a:xfrm>
+          <a:prstGeom prst="rect">
+            <a:avLst/>
+          </a:prstGeom>
+        </p:spPr>
+      </p:pic>
+    </p:spTree>
+    <p:extLst>
+      <p:ext uri="{BB962C8B-B14F-4D97-AF65-F5344CB8AC3E}">
+        <p14:creationId xmlns:p14="http://schemas.microsoft.com/office/powerpoint/2010/main" val="1062283980"/>
+      </p:ext>
+    </p:extLst>
+  </p:cSld>
+  <p:clrMapOvr>
+    <a:masterClrMapping/>
+  </p:clrMapOvr>
+</p:sld>
+</file>
+
+<file path=ppt/slides/slide15.xml><?xml version="1.0" encoding="utf-8"?>
+<p:sld xmlns:a="http://schemas.openxmlformats.org/drawingml/2006/main" xmlns:r="http://schemas.openxmlformats.org/officeDocument/2006/relationships" xmlns:p="http://schemas.openxmlformats.org/presentationml/2006/main">
+  <p:cSld>
+    <p:spTree>
+      <p:nvGrpSpPr>
+        <p:cNvPr id="1" name=""/>
+        <p:cNvGrpSpPr/>
+        <p:nvPr/>
+      </p:nvGrpSpPr>
+      <p:grpSpPr>
+        <a:xfrm>
+          <a:off x="0" y="0"/>
+          <a:ext cx="0" cy="0"/>
+          <a:chOff x="0" y="0"/>
+          <a:chExt cx="0" cy="0"/>
+        </a:xfrm>
+      </p:grpSpPr>
+      <p:sp>
+        <p:nvSpPr>
+          <p:cNvPr id="2" name="標題 1"/>
+          <p:cNvSpPr>
+            <a:spLocks noGrp="1"/>
+          </p:cNvSpPr>
+          <p:nvPr>
+            <p:ph type="title"/>
+          </p:nvPr>
+        </p:nvSpPr>
+        <p:spPr>
+          <a:xfrm>
+            <a:off x="838200" y="365125"/>
+            <a:ext cx="10515600" cy="929103"/>
+          </a:xfrm>
+        </p:spPr>
+        <p:txBody>
+          <a:bodyPr/>
+          <a:lstStyle/>
+          <a:p>
+            <a:r>
+              <a:rPr lang="zh-TW" altLang="en-US" dirty="0"/>
+              <a:t>圖形資料庫</a:t>
+            </a:r>
+          </a:p>
+        </p:txBody>
+      </p:sp>
+      <p:graphicFrame>
+        <p:nvGraphicFramePr>
+          <p:cNvPr id="4" name="內容版面配置區 5"/>
+          <p:cNvGraphicFramePr>
+            <a:graphicFrameLocks noGrp="1"/>
+          </p:cNvGraphicFramePr>
+          <p:nvPr>
+            <p:ph idx="1"/>
+            <p:extLst>
+              <p:ext uri="{D42A27DB-BD31-4B8C-83A1-F6EECF244321}">
+                <p14:modId xmlns:p14="http://schemas.microsoft.com/office/powerpoint/2010/main" val="4125655554"/>
+              </p:ext>
+            </p:extLst>
+          </p:nvPr>
+        </p:nvGraphicFramePr>
+        <p:xfrm>
+          <a:off x="838200" y="1280161"/>
+          <a:ext cx="10515600" cy="4738514"/>
+        </p:xfrm>
+        <a:graphic>
+          <a:graphicData uri="http://schemas.openxmlformats.org/drawingml/2006/table">
+            <a:tbl>
+              <a:tblPr firstRow="1" bandRow="1">
+                <a:tableStyleId>{BC89EF96-8CEA-46FF-86C4-4CE0E7609802}</a:tableStyleId>
+              </a:tblPr>
+              <a:tblGrid>
+                <a:gridCol w="1623646">
+                  <a:extLst>
+                    <a:ext uri="{9D8B030D-6E8A-4147-A177-3AD203B41FA5}">
+                      <a16:colId xmlns:a16="http://schemas.microsoft.com/office/drawing/2014/main" val="2215289821"/>
+                    </a:ext>
+                  </a:extLst>
+                </a:gridCol>
+                <a:gridCol w="8891954">
+                  <a:extLst>
+                    <a:ext uri="{9D8B030D-6E8A-4147-A177-3AD203B41FA5}">
+                      <a16:colId xmlns:a16="http://schemas.microsoft.com/office/drawing/2014/main" val="185806513"/>
+                    </a:ext>
+                  </a:extLst>
+                </a:gridCol>
+              </a:tblGrid>
+              <a:tr h="603069">
+                <a:tc>
+                  <a:txBody>
+                    <a:bodyPr/>
+                    <a:lstStyle/>
+                    <a:p>
+                      <a:r>
+                        <a:rPr lang="zh-TW" altLang="en-US" b="0" smtClean="0">
+                          <a:latin typeface="Times New Roman" panose="02020603050405020304" pitchFamily="18" charset="0"/>
+                          <a:ea typeface="標楷體" panose="03000509000000000000" pitchFamily="65" charset="-120"/>
+                          <a:cs typeface="Times New Roman" panose="02020603050405020304" pitchFamily="18" charset="0"/>
+                        </a:rPr>
+                        <a:t>相關產品</a:t>
+                      </a:r>
+                      <a:endParaRPr lang="zh-TW" altLang="en-US" b="0" dirty="0">
+                        <a:latin typeface="Times New Roman" panose="02020603050405020304" pitchFamily="18" charset="0"/>
+                        <a:ea typeface="標楷體" panose="03000509000000000000" pitchFamily="65" charset="-120"/>
+                        <a:cs typeface="Times New Roman" panose="02020603050405020304" pitchFamily="18" charset="0"/>
+                      </a:endParaRPr>
+                    </a:p>
+                  </a:txBody>
+                  <a:tcPr/>
+                </a:tc>
+                <a:tc>
+                  <a:txBody>
+                    <a:bodyPr/>
+                    <a:lstStyle/>
+                    <a:p>
+                      <a:pPr marL="285750" indent="-285750">
+                        <a:buFont typeface="Arial" panose="020B0604020202020204" pitchFamily="34" charset="0"/>
+                        <a:buChar char="•"/>
+                      </a:pPr>
+                      <a:r>
+                        <a:rPr lang="en-US" altLang="zh-TW" b="0" dirty="0" smtClean="0">
+                          <a:latin typeface="Times New Roman" panose="02020603050405020304" pitchFamily="18" charset="0"/>
+                          <a:ea typeface="標楷體" panose="03000509000000000000" pitchFamily="65" charset="-120"/>
+                          <a:cs typeface="Times New Roman" panose="02020603050405020304" pitchFamily="18" charset="0"/>
+                        </a:rPr>
+                        <a:t>Neo4J</a:t>
+                      </a:r>
+                      <a:r>
+                        <a:rPr lang="zh-TW" altLang="en-US" b="0" dirty="0" smtClean="0">
+                          <a:latin typeface="Times New Roman" panose="02020603050405020304" pitchFamily="18" charset="0"/>
+                          <a:ea typeface="標楷體" panose="03000509000000000000" pitchFamily="65" charset="-120"/>
+                          <a:cs typeface="Times New Roman" panose="02020603050405020304" pitchFamily="18" charset="0"/>
+                        </a:rPr>
+                        <a:t>、</a:t>
+                      </a:r>
+                      <a:r>
+                        <a:rPr lang="en-US" altLang="zh-TW" b="0" dirty="0" err="1" smtClean="0">
+                          <a:latin typeface="Times New Roman" panose="02020603050405020304" pitchFamily="18" charset="0"/>
+                          <a:ea typeface="標楷體" panose="03000509000000000000" pitchFamily="65" charset="-120"/>
+                          <a:cs typeface="Times New Roman" panose="02020603050405020304" pitchFamily="18" charset="0"/>
+                        </a:rPr>
+                        <a:t>OrientDB</a:t>
+                      </a:r>
+                      <a:r>
+                        <a:rPr lang="zh-TW" altLang="en-US" b="0" dirty="0" smtClean="0">
+                          <a:latin typeface="Times New Roman" panose="02020603050405020304" pitchFamily="18" charset="0"/>
+                          <a:ea typeface="標楷體" panose="03000509000000000000" pitchFamily="65" charset="-120"/>
+                          <a:cs typeface="Times New Roman" panose="02020603050405020304" pitchFamily="18" charset="0"/>
+                        </a:rPr>
+                        <a:t>、</a:t>
+                      </a:r>
+                      <a:r>
+                        <a:rPr lang="en-US" altLang="zh-TW" b="0" dirty="0" err="1" smtClean="0">
+                          <a:latin typeface="Times New Roman" panose="02020603050405020304" pitchFamily="18" charset="0"/>
+                          <a:ea typeface="標楷體" panose="03000509000000000000" pitchFamily="65" charset="-120"/>
+                          <a:cs typeface="Times New Roman" panose="02020603050405020304" pitchFamily="18" charset="0"/>
+                        </a:rPr>
+                        <a:t>InfoGrid</a:t>
+                      </a:r>
+                      <a:r>
+                        <a:rPr lang="zh-TW" altLang="en-US" b="0" dirty="0" smtClean="0">
+                          <a:latin typeface="Times New Roman" panose="02020603050405020304" pitchFamily="18" charset="0"/>
+                          <a:ea typeface="標楷體" panose="03000509000000000000" pitchFamily="65" charset="-120"/>
+                          <a:cs typeface="Times New Roman" panose="02020603050405020304" pitchFamily="18" charset="0"/>
+                        </a:rPr>
+                        <a:t>、</a:t>
+                      </a:r>
+                      <a:r>
+                        <a:rPr lang="en-US" altLang="zh-TW" b="0" dirty="0" smtClean="0">
+                          <a:latin typeface="Times New Roman" panose="02020603050405020304" pitchFamily="18" charset="0"/>
+                          <a:ea typeface="標楷體" panose="03000509000000000000" pitchFamily="65" charset="-120"/>
+                          <a:cs typeface="Times New Roman" panose="02020603050405020304" pitchFamily="18" charset="0"/>
+                        </a:rPr>
+                        <a:t>Infinite Graph</a:t>
+                      </a:r>
+                      <a:r>
+                        <a:rPr lang="zh-TW" altLang="en-US" b="0" dirty="0" smtClean="0">
+                          <a:latin typeface="Times New Roman" panose="02020603050405020304" pitchFamily="18" charset="0"/>
+                          <a:ea typeface="標楷體" panose="03000509000000000000" pitchFamily="65" charset="-120"/>
+                          <a:cs typeface="Times New Roman" panose="02020603050405020304" pitchFamily="18" charset="0"/>
+                        </a:rPr>
+                        <a:t>、</a:t>
+                      </a:r>
+                      <a:r>
+                        <a:rPr lang="en-US" altLang="zh-TW" b="0" dirty="0" err="1" smtClean="0">
+                          <a:latin typeface="Times New Roman" panose="02020603050405020304" pitchFamily="18" charset="0"/>
+                          <a:ea typeface="標楷體" panose="03000509000000000000" pitchFamily="65" charset="-120"/>
+                          <a:cs typeface="Times New Roman" panose="02020603050405020304" pitchFamily="18" charset="0"/>
+                        </a:rPr>
+                        <a:t>GraphDB</a:t>
+                      </a:r>
+                      <a:endParaRPr lang="zh-TW" altLang="en-US" b="0" dirty="0">
+                        <a:latin typeface="Times New Roman" panose="02020603050405020304" pitchFamily="18" charset="0"/>
+                        <a:ea typeface="標楷體" panose="03000509000000000000" pitchFamily="65" charset="-120"/>
+                        <a:cs typeface="Times New Roman" panose="02020603050405020304" pitchFamily="18" charset="0"/>
+                      </a:endParaRPr>
+                    </a:p>
+                  </a:txBody>
+                  <a:tcPr/>
+                </a:tc>
+                <a:extLst>
+                  <a:ext uri="{0D108BD9-81ED-4DB2-BD59-A6C34878D82A}">
+                    <a16:rowId xmlns:a16="http://schemas.microsoft.com/office/drawing/2014/main" val="1094718064"/>
+                  </a:ext>
+                </a:extLst>
+              </a:tr>
+              <a:tr h="603069">
+                <a:tc>
+                  <a:txBody>
+                    <a:bodyPr/>
+                    <a:lstStyle/>
+                    <a:p>
+                      <a:r>
+                        <a:rPr lang="zh-TW" altLang="en-US" b="0" dirty="0" smtClean="0">
+                          <a:latin typeface="Times New Roman" panose="02020603050405020304" pitchFamily="18" charset="0"/>
+                          <a:ea typeface="標楷體" panose="03000509000000000000" pitchFamily="65" charset="-120"/>
+                          <a:cs typeface="Times New Roman" panose="02020603050405020304" pitchFamily="18" charset="0"/>
+                        </a:rPr>
+                        <a:t>資料模型</a:t>
+                      </a:r>
+                      <a:endParaRPr lang="zh-TW" altLang="en-US" b="0" dirty="0">
+                        <a:latin typeface="Times New Roman" panose="02020603050405020304" pitchFamily="18" charset="0"/>
+                        <a:ea typeface="標楷體" panose="03000509000000000000" pitchFamily="65" charset="-120"/>
+                        <a:cs typeface="Times New Roman" panose="02020603050405020304" pitchFamily="18" charset="0"/>
+                      </a:endParaRPr>
+                    </a:p>
+                  </a:txBody>
+                  <a:tcPr/>
+                </a:tc>
+                <a:tc>
+                  <a:txBody>
+                    <a:bodyPr/>
+                    <a:lstStyle/>
+                    <a:p>
+                      <a:pPr marL="285750" indent="-285750">
+                        <a:buFont typeface="Arial" panose="020B0604020202020204" pitchFamily="34" charset="0"/>
+                        <a:buChar char="•"/>
+                      </a:pPr>
+                      <a:r>
+                        <a:rPr lang="zh-TW" altLang="en-US" b="0" dirty="0" smtClean="0">
+                          <a:latin typeface="Times New Roman" panose="02020603050405020304" pitchFamily="18" charset="0"/>
+                          <a:ea typeface="標楷體" panose="03000509000000000000" pitchFamily="65" charset="-120"/>
+                          <a:cs typeface="Times New Roman" panose="02020603050405020304" pitchFamily="18" charset="0"/>
+                        </a:rPr>
+                        <a:t>圖形結構</a:t>
+                      </a:r>
+                      <a:endParaRPr lang="zh-TW" altLang="en-US" b="0" dirty="0">
+                        <a:latin typeface="Times New Roman" panose="02020603050405020304" pitchFamily="18" charset="0"/>
+                        <a:ea typeface="標楷體" panose="03000509000000000000" pitchFamily="65" charset="-120"/>
+                        <a:cs typeface="Times New Roman" panose="02020603050405020304" pitchFamily="18" charset="0"/>
+                      </a:endParaRPr>
+                    </a:p>
+                  </a:txBody>
+                  <a:tcPr/>
+                </a:tc>
+                <a:extLst>
+                  <a:ext uri="{0D108BD9-81ED-4DB2-BD59-A6C34878D82A}">
+                    <a16:rowId xmlns:a16="http://schemas.microsoft.com/office/drawing/2014/main" val="4112223151"/>
+                  </a:ext>
+                </a:extLst>
+              </a:tr>
+              <a:tr h="1166374">
+                <a:tc>
+                  <a:txBody>
+                    <a:bodyPr/>
+                    <a:lstStyle/>
+                    <a:p>
+                      <a:r>
+                        <a:rPr lang="zh-TW" altLang="en-US" b="0" dirty="0" smtClean="0">
+                          <a:latin typeface="Times New Roman" panose="02020603050405020304" pitchFamily="18" charset="0"/>
+                          <a:ea typeface="標楷體" panose="03000509000000000000" pitchFamily="65" charset="-120"/>
+                          <a:cs typeface="Times New Roman" panose="02020603050405020304" pitchFamily="18" charset="0"/>
+                        </a:rPr>
+                        <a:t>典型應用</a:t>
+                      </a:r>
+                      <a:endParaRPr lang="zh-TW" altLang="en-US" b="0" dirty="0">
+                        <a:latin typeface="Times New Roman" panose="02020603050405020304" pitchFamily="18" charset="0"/>
+                        <a:ea typeface="標楷體" panose="03000509000000000000" pitchFamily="65" charset="-120"/>
+                        <a:cs typeface="Times New Roman" panose="02020603050405020304" pitchFamily="18" charset="0"/>
+                      </a:endParaRPr>
+                    </a:p>
+                  </a:txBody>
+                  <a:tcPr/>
+                </a:tc>
+                <a:tc>
+                  <a:txBody>
+                    <a:bodyPr/>
+                    <a:lstStyle/>
+                    <a:p>
+                      <a:pPr marL="285750" indent="-285750">
+                        <a:buFont typeface="Arial" panose="020B0604020202020204" pitchFamily="34" charset="0"/>
+                        <a:buChar char="•"/>
+                      </a:pPr>
+                      <a:r>
+                        <a:rPr lang="zh-TW" altLang="en-US" b="0" dirty="0" smtClean="0">
+                          <a:latin typeface="Times New Roman" panose="02020603050405020304" pitchFamily="18" charset="0"/>
+                          <a:ea typeface="標楷體" panose="03000509000000000000" pitchFamily="65" charset="-120"/>
+                          <a:cs typeface="Times New Roman" panose="02020603050405020304" pitchFamily="18" charset="0"/>
+                        </a:rPr>
+                        <a:t>專門用於處理具有高度相互關聯關係的資料，比較適合於社交網 路、模式識別、依賴分析、推薦系統以及路徑尋找等問題 </a:t>
+                      </a:r>
+                      <a:endParaRPr lang="zh-TW" altLang="en-US" b="0" dirty="0">
+                        <a:latin typeface="Times New Roman" panose="02020603050405020304" pitchFamily="18" charset="0"/>
+                        <a:ea typeface="標楷體" panose="03000509000000000000" pitchFamily="65" charset="-120"/>
+                        <a:cs typeface="Times New Roman" panose="02020603050405020304" pitchFamily="18" charset="0"/>
+                      </a:endParaRPr>
+                    </a:p>
+                  </a:txBody>
+                  <a:tcPr/>
+                </a:tc>
+                <a:extLst>
+                  <a:ext uri="{0D108BD9-81ED-4DB2-BD59-A6C34878D82A}">
+                    <a16:rowId xmlns:a16="http://schemas.microsoft.com/office/drawing/2014/main" val="1083308996"/>
+                  </a:ext>
+                </a:extLst>
+              </a:tr>
+              <a:tr h="861527">
+                <a:tc>
+                  <a:txBody>
+                    <a:bodyPr/>
+                    <a:lstStyle/>
+                    <a:p>
+                      <a:r>
+                        <a:rPr lang="zh-TW" altLang="en-US" b="0" dirty="0" smtClean="0">
+                          <a:latin typeface="Times New Roman" panose="02020603050405020304" pitchFamily="18" charset="0"/>
+                          <a:ea typeface="標楷體" panose="03000509000000000000" pitchFamily="65" charset="-120"/>
+                          <a:cs typeface="Times New Roman" panose="02020603050405020304" pitchFamily="18" charset="0"/>
+                        </a:rPr>
+                        <a:t>優點</a:t>
+                      </a:r>
+                      <a:endParaRPr lang="zh-TW" altLang="en-US" b="0" dirty="0">
+                        <a:latin typeface="Times New Roman" panose="02020603050405020304" pitchFamily="18" charset="0"/>
+                        <a:ea typeface="標楷體" panose="03000509000000000000" pitchFamily="65" charset="-120"/>
+                        <a:cs typeface="Times New Roman" panose="02020603050405020304" pitchFamily="18" charset="0"/>
+                      </a:endParaRPr>
+                    </a:p>
+                  </a:txBody>
+                  <a:tcPr/>
+                </a:tc>
+                <a:tc>
+                  <a:txBody>
+                    <a:bodyPr/>
+                    <a:lstStyle/>
+                    <a:p>
+                      <a:pPr marL="285750" indent="-285750">
+                        <a:buFont typeface="Arial" panose="020B0604020202020204" pitchFamily="34" charset="0"/>
+                        <a:buChar char="•"/>
+                      </a:pPr>
+                      <a:r>
+                        <a:rPr lang="zh-TW" altLang="en-US" b="0" dirty="0" smtClean="0">
+                          <a:latin typeface="Times New Roman" panose="02020603050405020304" pitchFamily="18" charset="0"/>
+                          <a:ea typeface="標楷體" panose="03000509000000000000" pitchFamily="65" charset="-120"/>
+                          <a:cs typeface="Times New Roman" panose="02020603050405020304" pitchFamily="18" charset="0"/>
+                        </a:rPr>
+                        <a:t>靈活性高，支援複雜的圖形演算法，可用於建構複雜的關係圖譜</a:t>
+                      </a:r>
+                      <a:endParaRPr lang="zh-TW" altLang="en-US" b="0" dirty="0">
+                        <a:latin typeface="Times New Roman" panose="02020603050405020304" pitchFamily="18" charset="0"/>
+                        <a:ea typeface="標楷體" panose="03000509000000000000" pitchFamily="65" charset="-120"/>
+                        <a:cs typeface="Times New Roman" panose="02020603050405020304" pitchFamily="18" charset="0"/>
+                      </a:endParaRPr>
+                    </a:p>
+                  </a:txBody>
+                  <a:tcPr/>
+                </a:tc>
+                <a:extLst>
+                  <a:ext uri="{0D108BD9-81ED-4DB2-BD59-A6C34878D82A}">
+                    <a16:rowId xmlns:a16="http://schemas.microsoft.com/office/drawing/2014/main" val="395412437"/>
+                  </a:ext>
+                </a:extLst>
+              </a:tr>
+              <a:tr h="550169">
+                <a:tc>
+                  <a:txBody>
+                    <a:bodyPr/>
+                    <a:lstStyle/>
+                    <a:p>
+                      <a:r>
+                        <a:rPr lang="zh-TW" altLang="en-US" b="0" dirty="0" smtClean="0">
+                          <a:latin typeface="Times New Roman" panose="02020603050405020304" pitchFamily="18" charset="0"/>
+                          <a:ea typeface="標楷體" panose="03000509000000000000" pitchFamily="65" charset="-120"/>
+                          <a:cs typeface="Times New Roman" panose="02020603050405020304" pitchFamily="18" charset="0"/>
+                        </a:rPr>
+                        <a:t>缺點</a:t>
+                      </a:r>
+                      <a:endParaRPr lang="zh-TW" altLang="en-US" b="0" dirty="0">
+                        <a:latin typeface="Times New Roman" panose="02020603050405020304" pitchFamily="18" charset="0"/>
+                        <a:ea typeface="標楷體" panose="03000509000000000000" pitchFamily="65" charset="-120"/>
+                        <a:cs typeface="Times New Roman" panose="02020603050405020304" pitchFamily="18" charset="0"/>
+                      </a:endParaRPr>
+                    </a:p>
+                  </a:txBody>
+                  <a:tcPr/>
+                </a:tc>
+                <a:tc>
+                  <a:txBody>
+                    <a:bodyPr/>
+                    <a:lstStyle/>
+                    <a:p>
+                      <a:pPr marL="285750" indent="-285750">
+                        <a:buFont typeface="Arial" panose="020B0604020202020204" pitchFamily="34" charset="0"/>
+                        <a:buChar char="•"/>
+                      </a:pPr>
+                      <a:r>
+                        <a:rPr lang="zh-TW" altLang="en-US" b="0" dirty="0" smtClean="0">
+                          <a:latin typeface="Times New Roman" panose="02020603050405020304" pitchFamily="18" charset="0"/>
+                          <a:ea typeface="標楷體" panose="03000509000000000000" pitchFamily="65" charset="-120"/>
+                          <a:cs typeface="Times New Roman" panose="02020603050405020304" pitchFamily="18" charset="0"/>
+                        </a:rPr>
+                        <a:t>複雜性高，只能支援一定的資料規模</a:t>
+                      </a:r>
+                      <a:endParaRPr lang="zh-TW" altLang="en-US" b="0" dirty="0">
+                        <a:latin typeface="Times New Roman" panose="02020603050405020304" pitchFamily="18" charset="0"/>
+                        <a:ea typeface="標楷體" panose="03000509000000000000" pitchFamily="65" charset="-120"/>
+                        <a:cs typeface="Times New Roman" panose="02020603050405020304" pitchFamily="18" charset="0"/>
+                      </a:endParaRPr>
+                    </a:p>
+                  </a:txBody>
+                  <a:tcPr/>
+                </a:tc>
+                <a:extLst>
+                  <a:ext uri="{0D108BD9-81ED-4DB2-BD59-A6C34878D82A}">
+                    <a16:rowId xmlns:a16="http://schemas.microsoft.com/office/drawing/2014/main" val="412856550"/>
+                  </a:ext>
+                </a:extLst>
+              </a:tr>
+              <a:tr h="954306">
+                <a:tc>
+                  <a:txBody>
+                    <a:bodyPr/>
+                    <a:lstStyle/>
+                    <a:p>
+                      <a:r>
+                        <a:rPr lang="zh-TW" altLang="en-US" b="0" dirty="0" smtClean="0">
+                          <a:latin typeface="Times New Roman" panose="02020603050405020304" pitchFamily="18" charset="0"/>
+                          <a:ea typeface="標楷體" panose="03000509000000000000" pitchFamily="65" charset="-120"/>
+                          <a:cs typeface="Times New Roman" panose="02020603050405020304" pitchFamily="18" charset="0"/>
+                        </a:rPr>
+                        <a:t>使用者</a:t>
+                      </a:r>
+                      <a:endParaRPr lang="zh-TW" altLang="en-US" b="0" dirty="0">
+                        <a:latin typeface="Times New Roman" panose="02020603050405020304" pitchFamily="18" charset="0"/>
+                        <a:ea typeface="標楷體" panose="03000509000000000000" pitchFamily="65" charset="-120"/>
+                        <a:cs typeface="Times New Roman" panose="02020603050405020304" pitchFamily="18" charset="0"/>
+                      </a:endParaRPr>
+                    </a:p>
+                  </a:txBody>
+                  <a:tcPr/>
+                </a:tc>
+                <a:tc>
+                  <a:txBody>
+                    <a:bodyPr/>
+                    <a:lstStyle/>
+                    <a:p>
+                      <a:pPr marL="285750" indent="-285750">
+                        <a:buFont typeface="Arial" panose="020B0604020202020204" pitchFamily="34" charset="0"/>
+                        <a:buChar char="•"/>
+                      </a:pPr>
+                      <a:r>
+                        <a:rPr lang="en-US" altLang="zh-TW" b="0" dirty="0" smtClean="0">
+                          <a:latin typeface="Times New Roman" panose="02020603050405020304" pitchFamily="18" charset="0"/>
+                          <a:ea typeface="標楷體" panose="03000509000000000000" pitchFamily="65" charset="-120"/>
+                          <a:cs typeface="Times New Roman" panose="02020603050405020304" pitchFamily="18" charset="0"/>
+                        </a:rPr>
+                        <a:t>Adobe</a:t>
+                      </a:r>
+                      <a:r>
+                        <a:rPr lang="zh-TW" altLang="en-US" b="0" dirty="0" smtClean="0">
+                          <a:latin typeface="Times New Roman" panose="02020603050405020304" pitchFamily="18" charset="0"/>
+                          <a:ea typeface="標楷體" panose="03000509000000000000" pitchFamily="65" charset="-120"/>
+                          <a:cs typeface="Times New Roman" panose="02020603050405020304" pitchFamily="18" charset="0"/>
+                        </a:rPr>
+                        <a:t>（</a:t>
+                      </a:r>
+                      <a:r>
+                        <a:rPr lang="en-US" altLang="zh-TW" b="0" dirty="0" smtClean="0">
+                          <a:latin typeface="Times New Roman" panose="02020603050405020304" pitchFamily="18" charset="0"/>
+                          <a:ea typeface="標楷體" panose="03000509000000000000" pitchFamily="65" charset="-120"/>
+                          <a:cs typeface="Times New Roman" panose="02020603050405020304" pitchFamily="18" charset="0"/>
+                        </a:rPr>
+                        <a:t>Neo4J</a:t>
+                      </a:r>
+                      <a:r>
+                        <a:rPr lang="zh-TW" altLang="en-US" b="0" dirty="0" smtClean="0">
+                          <a:latin typeface="Times New Roman" panose="02020603050405020304" pitchFamily="18" charset="0"/>
+                          <a:ea typeface="標楷體" panose="03000509000000000000" pitchFamily="65" charset="-120"/>
+                          <a:cs typeface="Times New Roman" panose="02020603050405020304" pitchFamily="18" charset="0"/>
+                        </a:rPr>
+                        <a:t>）、</a:t>
+                      </a:r>
+                      <a:r>
+                        <a:rPr lang="en-US" altLang="zh-TW" b="0" dirty="0" smtClean="0">
+                          <a:latin typeface="Times New Roman" panose="02020603050405020304" pitchFamily="18" charset="0"/>
+                          <a:ea typeface="標楷體" panose="03000509000000000000" pitchFamily="65" charset="-120"/>
+                          <a:cs typeface="Times New Roman" panose="02020603050405020304" pitchFamily="18" charset="0"/>
+                        </a:rPr>
+                        <a:t>Cisco</a:t>
+                      </a:r>
+                      <a:r>
+                        <a:rPr lang="zh-TW" altLang="en-US" b="0" dirty="0" smtClean="0">
+                          <a:latin typeface="Times New Roman" panose="02020603050405020304" pitchFamily="18" charset="0"/>
+                          <a:ea typeface="標楷體" panose="03000509000000000000" pitchFamily="65" charset="-120"/>
+                          <a:cs typeface="Times New Roman" panose="02020603050405020304" pitchFamily="18" charset="0"/>
+                        </a:rPr>
+                        <a:t>（</a:t>
+                      </a:r>
+                      <a:r>
+                        <a:rPr lang="en-US" altLang="zh-TW" b="0" dirty="0" smtClean="0">
+                          <a:latin typeface="Times New Roman" panose="02020603050405020304" pitchFamily="18" charset="0"/>
+                          <a:ea typeface="標楷體" panose="03000509000000000000" pitchFamily="65" charset="-120"/>
+                          <a:cs typeface="Times New Roman" panose="02020603050405020304" pitchFamily="18" charset="0"/>
+                        </a:rPr>
+                        <a:t>Neo4J</a:t>
+                      </a:r>
+                      <a:r>
+                        <a:rPr lang="zh-TW" altLang="en-US" b="0" dirty="0" smtClean="0">
+                          <a:latin typeface="Times New Roman" panose="02020603050405020304" pitchFamily="18" charset="0"/>
+                          <a:ea typeface="標楷體" panose="03000509000000000000" pitchFamily="65" charset="-120"/>
+                          <a:cs typeface="Times New Roman" panose="02020603050405020304" pitchFamily="18" charset="0"/>
+                        </a:rPr>
+                        <a:t>）、</a:t>
+                      </a:r>
+                      <a:r>
+                        <a:rPr lang="en-US" altLang="zh-TW" b="0" dirty="0" smtClean="0">
+                          <a:latin typeface="Times New Roman" panose="02020603050405020304" pitchFamily="18" charset="0"/>
+                          <a:ea typeface="標楷體" panose="03000509000000000000" pitchFamily="65" charset="-120"/>
+                          <a:cs typeface="Times New Roman" panose="02020603050405020304" pitchFamily="18" charset="0"/>
+                        </a:rPr>
+                        <a:t>T-Mobile</a:t>
+                      </a:r>
+                      <a:r>
+                        <a:rPr lang="zh-TW" altLang="en-US" b="0" dirty="0" smtClean="0">
+                          <a:latin typeface="Times New Roman" panose="02020603050405020304" pitchFamily="18" charset="0"/>
+                          <a:ea typeface="標楷體" panose="03000509000000000000" pitchFamily="65" charset="-120"/>
+                          <a:cs typeface="Times New Roman" panose="02020603050405020304" pitchFamily="18" charset="0"/>
+                        </a:rPr>
+                        <a:t>（</a:t>
+                      </a:r>
+                      <a:r>
+                        <a:rPr lang="en-US" altLang="zh-TW" b="0" dirty="0" smtClean="0">
+                          <a:latin typeface="Times New Roman" panose="02020603050405020304" pitchFamily="18" charset="0"/>
+                          <a:ea typeface="標楷體" panose="03000509000000000000" pitchFamily="65" charset="-120"/>
+                          <a:cs typeface="Times New Roman" panose="02020603050405020304" pitchFamily="18" charset="0"/>
+                        </a:rPr>
+                        <a:t>Neo4J</a:t>
+                      </a:r>
+                      <a:r>
+                        <a:rPr lang="zh-TW" altLang="en-US" b="0" dirty="0" smtClean="0">
+                          <a:latin typeface="Times New Roman" panose="02020603050405020304" pitchFamily="18" charset="0"/>
+                          <a:ea typeface="標楷體" panose="03000509000000000000" pitchFamily="65" charset="-120"/>
+                          <a:cs typeface="Times New Roman" panose="02020603050405020304" pitchFamily="18" charset="0"/>
+                        </a:rPr>
+                        <a:t>）</a:t>
+                      </a:r>
+                      <a:endParaRPr lang="zh-TW" altLang="en-US" b="0" dirty="0">
+                        <a:latin typeface="Times New Roman" panose="02020603050405020304" pitchFamily="18" charset="0"/>
+                        <a:ea typeface="標楷體" panose="03000509000000000000" pitchFamily="65" charset="-120"/>
+                        <a:cs typeface="Times New Roman" panose="02020603050405020304" pitchFamily="18" charset="0"/>
+                      </a:endParaRPr>
+                    </a:p>
+                  </a:txBody>
+                  <a:tcPr/>
+                </a:tc>
+                <a:extLst>
+                  <a:ext uri="{0D108BD9-81ED-4DB2-BD59-A6C34878D82A}">
+                    <a16:rowId xmlns:a16="http://schemas.microsoft.com/office/drawing/2014/main" val="118920265"/>
+                  </a:ext>
+                </a:extLst>
+              </a:tr>
+            </a:tbl>
+          </a:graphicData>
+        </a:graphic>
+      </p:graphicFrame>
+    </p:spTree>
+    <p:extLst>
+      <p:ext uri="{BB962C8B-B14F-4D97-AF65-F5344CB8AC3E}">
+        <p14:creationId xmlns:p14="http://schemas.microsoft.com/office/powerpoint/2010/main" val="3493775899"/>
+      </p:ext>
+    </p:extLst>
+  </p:cSld>
+  <p:clrMapOvr>
+    <a:masterClrMapping/>
+  </p:clrMapOvr>
+</p:sld>
+</file>
+
+<file path=ppt/slides/slide16.xml><?xml version="1.0" encoding="utf-8"?>
+<p:sld xmlns:a="http://schemas.openxmlformats.org/drawingml/2006/main" xmlns:r="http://schemas.openxmlformats.org/officeDocument/2006/relationships" xmlns:p="http://schemas.openxmlformats.org/presentationml/2006/main">
+  <p:cSld>
+    <p:spTree>
+      <p:nvGrpSpPr>
+        <p:cNvPr id="1" name=""/>
+        <p:cNvGrpSpPr/>
+        <p:nvPr/>
+      </p:nvGrpSpPr>
+      <p:grpSpPr>
+        <a:xfrm>
+          <a:off x="0" y="0"/>
+          <a:ext cx="0" cy="0"/>
+          <a:chOff x="0" y="0"/>
+          <a:chExt cx="0" cy="0"/>
+        </a:xfrm>
+      </p:grpSpPr>
+      <p:sp>
+        <p:nvSpPr>
+          <p:cNvPr id="2" name="標題 1"/>
+          <p:cNvSpPr>
+            <a:spLocks noGrp="1"/>
+          </p:cNvSpPr>
+          <p:nvPr>
+            <p:ph type="title"/>
+          </p:nvPr>
+        </p:nvSpPr>
+        <p:spPr/>
+        <p:txBody>
+          <a:bodyPr/>
+          <a:lstStyle/>
+          <a:p>
+            <a:endParaRPr lang="zh-TW" altLang="en-US"/>
+          </a:p>
+        </p:txBody>
+      </p:sp>
+      <p:sp>
+        <p:nvSpPr>
+          <p:cNvPr id="3" name="內容版面配置區 2"/>
+          <p:cNvSpPr>
+            <a:spLocks noGrp="1"/>
+          </p:cNvSpPr>
+          <p:nvPr>
+            <p:ph idx="1"/>
+          </p:nvPr>
+        </p:nvSpPr>
+        <p:spPr/>
+        <p:txBody>
+          <a:bodyPr/>
+          <a:lstStyle/>
+          <a:p>
+            <a:endParaRPr lang="zh-TW" altLang="en-US"/>
+          </a:p>
+        </p:txBody>
+      </p:sp>
+    </p:spTree>
+    <p:extLst>
+      <p:ext uri="{BB962C8B-B14F-4D97-AF65-F5344CB8AC3E}">
+        <p14:creationId xmlns:p14="http://schemas.microsoft.com/office/powerpoint/2010/main" val="1094021880"/>
+      </p:ext>
+    </p:extLst>
+  </p:cSld>
+  <p:clrMapOvr>
+    <a:masterClrMapping/>
+  </p:clrMapOvr>
+</p:sld>
+</file>
+
+<file path=ppt/slides/slide17.xml><?xml version="1.0" encoding="utf-8"?>
+<p:sld xmlns:a="http://schemas.openxmlformats.org/drawingml/2006/main" xmlns:r="http://schemas.openxmlformats.org/officeDocument/2006/relationships" xmlns:p="http://schemas.openxmlformats.org/presentationml/2006/main">
+  <p:cSld>
+    <p:spTree>
+      <p:nvGrpSpPr>
+        <p:cNvPr id="1" name=""/>
+        <p:cNvGrpSpPr/>
+        <p:nvPr/>
+      </p:nvGrpSpPr>
+      <p:grpSpPr>
+        <a:xfrm>
+          <a:off x="0" y="0"/>
+          <a:ext cx="0" cy="0"/>
+          <a:chOff x="0" y="0"/>
+          <a:chExt cx="0" cy="0"/>
+        </a:xfrm>
+      </p:grpSpPr>
+      <p:sp>
+        <p:nvSpPr>
+          <p:cNvPr id="2" name="標題 1"/>
+          <p:cNvSpPr>
+            <a:spLocks noGrp="1"/>
+          </p:cNvSpPr>
+          <p:nvPr>
+            <p:ph type="title"/>
+          </p:nvPr>
+        </p:nvSpPr>
+        <p:spPr/>
+        <p:txBody>
+          <a:bodyPr/>
+          <a:lstStyle/>
+          <a:p>
+            <a:endParaRPr lang="zh-TW" altLang="en-US"/>
+          </a:p>
+        </p:txBody>
+      </p:sp>
+      <p:sp>
+        <p:nvSpPr>
+          <p:cNvPr id="3" name="內容版面配置區 2"/>
+          <p:cNvSpPr>
+            <a:spLocks noGrp="1"/>
+          </p:cNvSpPr>
+          <p:nvPr>
+            <p:ph sz="half" idx="1"/>
+          </p:nvPr>
+        </p:nvSpPr>
+        <p:spPr/>
+        <p:txBody>
+          <a:bodyPr/>
+          <a:lstStyle/>
+          <a:p>
+            <a:endParaRPr lang="zh-TW" altLang="en-US"/>
+          </a:p>
+        </p:txBody>
+      </p:sp>
+      <p:sp>
+        <p:nvSpPr>
+          <p:cNvPr id="4" name="內容版面配置區 3"/>
+          <p:cNvSpPr>
+            <a:spLocks noGrp="1"/>
+          </p:cNvSpPr>
+          <p:nvPr>
+            <p:ph sz="half" idx="2"/>
+          </p:nvPr>
+        </p:nvSpPr>
+        <p:spPr/>
+        <p:txBody>
+          <a:bodyPr/>
+          <a:lstStyle/>
+          <a:p>
+            <a:endParaRPr lang="zh-TW" altLang="en-US"/>
+          </a:p>
+        </p:txBody>
+      </p:sp>
+    </p:spTree>
+    <p:extLst>
+      <p:ext uri="{BB962C8B-B14F-4D97-AF65-F5344CB8AC3E}">
+        <p14:creationId xmlns:p14="http://schemas.microsoft.com/office/powerpoint/2010/main" val="1755845028"/>
+      </p:ext>
+    </p:extLst>
+  </p:cSld>
+  <p:clrMapOvr>
+    <a:masterClrMapping/>
+  </p:clrMapOvr>
+</p:sld>
+</file>
+
+<file path=ppt/slides/slide18.xml><?xml version="1.0" encoding="utf-8"?>
+<p:sld xmlns:a="http://schemas.openxmlformats.org/drawingml/2006/main" xmlns:r="http://schemas.openxmlformats.org/officeDocument/2006/relationships" xmlns:p="http://schemas.openxmlformats.org/presentationml/2006/main">
+  <p:cSld>
+    <p:spTree>
+      <p:nvGrpSpPr>
+        <p:cNvPr id="1" name=""/>
+        <p:cNvGrpSpPr/>
+        <p:nvPr/>
+      </p:nvGrpSpPr>
+      <p:grpSpPr>
+        <a:xfrm>
+          <a:off x="0" y="0"/>
+          <a:ext cx="0" cy="0"/>
+          <a:chOff x="0" y="0"/>
+          <a:chExt cx="0" cy="0"/>
+        </a:xfrm>
+      </p:grpSpPr>
+      <p:sp>
+        <p:nvSpPr>
+          <p:cNvPr id="2" name="標題 1"/>
+          <p:cNvSpPr>
+            <a:spLocks noGrp="1"/>
+          </p:cNvSpPr>
+          <p:nvPr>
+            <p:ph type="title"/>
+          </p:nvPr>
+        </p:nvSpPr>
+        <p:spPr/>
+        <p:txBody>
+          <a:bodyPr/>
+          <a:lstStyle/>
+          <a:p>
+            <a:endParaRPr lang="zh-TW" altLang="en-US"/>
+          </a:p>
+        </p:txBody>
+      </p:sp>
+      <p:sp>
+        <p:nvSpPr>
+          <p:cNvPr id="3" name="內容版面配置區 2"/>
+          <p:cNvSpPr>
+            <a:spLocks noGrp="1"/>
+          </p:cNvSpPr>
+          <p:nvPr>
+            <p:ph sz="half" idx="1"/>
+          </p:nvPr>
+        </p:nvSpPr>
+        <p:spPr/>
+        <p:txBody>
+          <a:bodyPr/>
+          <a:lstStyle/>
+          <a:p>
+            <a:endParaRPr lang="zh-TW" altLang="en-US"/>
+          </a:p>
+        </p:txBody>
+      </p:sp>
+      <p:sp>
+        <p:nvSpPr>
+          <p:cNvPr id="4" name="內容版面配置區 3"/>
+          <p:cNvSpPr>
+            <a:spLocks noGrp="1"/>
+          </p:cNvSpPr>
+          <p:nvPr>
+            <p:ph sz="half" idx="2"/>
+          </p:nvPr>
+        </p:nvSpPr>
+        <p:spPr/>
+        <p:txBody>
+          <a:bodyPr/>
+          <a:lstStyle/>
+          <a:p>
+            <a:endParaRPr lang="zh-TW" altLang="en-US"/>
+          </a:p>
+        </p:txBody>
+      </p:sp>
+    </p:spTree>
+    <p:extLst>
+      <p:ext uri="{BB962C8B-B14F-4D97-AF65-F5344CB8AC3E}">
+        <p14:creationId xmlns:p14="http://schemas.microsoft.com/office/powerpoint/2010/main" val="2981801810"/>
+      </p:ext>
+    </p:extLst>
+  </p:cSld>
+  <p:clrMapOvr>
+    <a:masterClrMapping/>
+  </p:clrMapOvr>
+</p:sld>
+</file>
+
+<file path=ppt/slides/slide19.xml><?xml version="1.0" encoding="utf-8"?>
+<p:sld xmlns:a="http://schemas.openxmlformats.org/drawingml/2006/main" xmlns:r="http://schemas.openxmlformats.org/officeDocument/2006/relationships" xmlns:p="http://schemas.openxmlformats.org/presentationml/2006/main">
+  <p:cSld>
+    <p:spTree>
+      <p:nvGrpSpPr>
+        <p:cNvPr id="1" name=""/>
+        <p:cNvGrpSpPr/>
+        <p:nvPr/>
+      </p:nvGrpSpPr>
+      <p:grpSpPr>
+        <a:xfrm>
+          <a:off x="0" y="0"/>
+          <a:ext cx="0" cy="0"/>
+          <a:chOff x="0" y="0"/>
+          <a:chExt cx="0" cy="0"/>
+        </a:xfrm>
+      </p:grpSpPr>
+      <p:sp>
+        <p:nvSpPr>
+          <p:cNvPr id="2" name="標題 1"/>
+          <p:cNvSpPr>
+            <a:spLocks noGrp="1"/>
+          </p:cNvSpPr>
+          <p:nvPr>
+            <p:ph type="title"/>
+          </p:nvPr>
+        </p:nvSpPr>
+        <p:spPr/>
+        <p:txBody>
+          <a:bodyPr/>
+          <a:lstStyle/>
+          <a:p>
+            <a:endParaRPr lang="zh-TW" altLang="en-US"/>
+          </a:p>
+        </p:txBody>
+      </p:sp>
+      <p:sp>
+        <p:nvSpPr>
+          <p:cNvPr id="3" name="內容版面配置區 2"/>
+          <p:cNvSpPr>
+            <a:spLocks noGrp="1"/>
+          </p:cNvSpPr>
+          <p:nvPr>
+            <p:ph sz="half" idx="1"/>
+          </p:nvPr>
+        </p:nvSpPr>
+        <p:spPr/>
+        <p:txBody>
+          <a:bodyPr/>
+          <a:lstStyle/>
+          <a:p>
+            <a:endParaRPr lang="zh-TW" altLang="en-US"/>
+          </a:p>
+        </p:txBody>
+      </p:sp>
+      <p:sp>
+        <p:nvSpPr>
+          <p:cNvPr id="4" name="內容版面配置區 3"/>
+          <p:cNvSpPr>
+            <a:spLocks noGrp="1"/>
+          </p:cNvSpPr>
+          <p:nvPr>
+            <p:ph sz="half" idx="2"/>
+          </p:nvPr>
+        </p:nvSpPr>
+        <p:spPr/>
+        <p:txBody>
+          <a:bodyPr/>
+          <a:lstStyle/>
+          <a:p>
+            <a:endParaRPr lang="zh-TW" altLang="en-US"/>
+          </a:p>
+        </p:txBody>
+      </p:sp>
+    </p:spTree>
+    <p:extLst>
+      <p:ext uri="{BB962C8B-B14F-4D97-AF65-F5344CB8AC3E}">
+        <p14:creationId xmlns:p14="http://schemas.microsoft.com/office/powerpoint/2010/main" val="3734151405"/>
       </p:ext>
     </p:extLst>
   </p:cSld>
@@ -4171,6 +8357,866 @@
     <p:extLst>
       <p:ext uri="{BB962C8B-B14F-4D97-AF65-F5344CB8AC3E}">
         <p14:creationId xmlns:p14="http://schemas.microsoft.com/office/powerpoint/2010/main" val="2945692925"/>
+      </p:ext>
+    </p:extLst>
+  </p:cSld>
+  <p:clrMapOvr>
+    <a:masterClrMapping/>
+  </p:clrMapOvr>
+</p:sld>
+</file>
+
+<file path=ppt/slides/slide20.xml><?xml version="1.0" encoding="utf-8"?>
+<p:sld xmlns:a="http://schemas.openxmlformats.org/drawingml/2006/main" xmlns:r="http://schemas.openxmlformats.org/officeDocument/2006/relationships" xmlns:p="http://schemas.openxmlformats.org/presentationml/2006/main">
+  <p:cSld>
+    <p:spTree>
+      <p:nvGrpSpPr>
+        <p:cNvPr id="1" name=""/>
+        <p:cNvGrpSpPr/>
+        <p:nvPr/>
+      </p:nvGrpSpPr>
+      <p:grpSpPr>
+        <a:xfrm>
+          <a:off x="0" y="0"/>
+          <a:ext cx="0" cy="0"/>
+          <a:chOff x="0" y="0"/>
+          <a:chExt cx="0" cy="0"/>
+        </a:xfrm>
+      </p:grpSpPr>
+      <p:sp>
+        <p:nvSpPr>
+          <p:cNvPr id="2" name="標題 1"/>
+          <p:cNvSpPr>
+            <a:spLocks noGrp="1"/>
+          </p:cNvSpPr>
+          <p:nvPr>
+            <p:ph type="title"/>
+          </p:nvPr>
+        </p:nvSpPr>
+        <p:spPr/>
+        <p:txBody>
+          <a:bodyPr/>
+          <a:lstStyle/>
+          <a:p>
+            <a:endParaRPr lang="zh-TW" altLang="en-US"/>
+          </a:p>
+        </p:txBody>
+      </p:sp>
+      <p:sp>
+        <p:nvSpPr>
+          <p:cNvPr id="3" name="內容版面配置區 2"/>
+          <p:cNvSpPr>
+            <a:spLocks noGrp="1"/>
+          </p:cNvSpPr>
+          <p:nvPr>
+            <p:ph sz="half" idx="1"/>
+          </p:nvPr>
+        </p:nvSpPr>
+        <p:spPr/>
+        <p:txBody>
+          <a:bodyPr/>
+          <a:lstStyle/>
+          <a:p>
+            <a:endParaRPr lang="zh-TW" altLang="en-US"/>
+          </a:p>
+        </p:txBody>
+      </p:sp>
+      <p:sp>
+        <p:nvSpPr>
+          <p:cNvPr id="4" name="內容版面配置區 3"/>
+          <p:cNvSpPr>
+            <a:spLocks noGrp="1"/>
+          </p:cNvSpPr>
+          <p:nvPr>
+            <p:ph sz="half" idx="2"/>
+          </p:nvPr>
+        </p:nvSpPr>
+        <p:spPr/>
+        <p:txBody>
+          <a:bodyPr/>
+          <a:lstStyle/>
+          <a:p>
+            <a:endParaRPr lang="zh-TW" altLang="en-US"/>
+          </a:p>
+        </p:txBody>
+      </p:sp>
+    </p:spTree>
+    <p:extLst>
+      <p:ext uri="{BB962C8B-B14F-4D97-AF65-F5344CB8AC3E}">
+        <p14:creationId xmlns:p14="http://schemas.microsoft.com/office/powerpoint/2010/main" val="2913205214"/>
+      </p:ext>
+    </p:extLst>
+  </p:cSld>
+  <p:clrMapOvr>
+    <a:masterClrMapping/>
+  </p:clrMapOvr>
+</p:sld>
+</file>
+
+<file path=ppt/slides/slide21.xml><?xml version="1.0" encoding="utf-8"?>
+<p:sld xmlns:a="http://schemas.openxmlformats.org/drawingml/2006/main" xmlns:r="http://schemas.openxmlformats.org/officeDocument/2006/relationships" xmlns:p="http://schemas.openxmlformats.org/presentationml/2006/main">
+  <p:cSld>
+    <p:spTree>
+      <p:nvGrpSpPr>
+        <p:cNvPr id="1" name=""/>
+        <p:cNvGrpSpPr/>
+        <p:nvPr/>
+      </p:nvGrpSpPr>
+      <p:grpSpPr>
+        <a:xfrm>
+          <a:off x="0" y="0"/>
+          <a:ext cx="0" cy="0"/>
+          <a:chOff x="0" y="0"/>
+          <a:chExt cx="0" cy="0"/>
+        </a:xfrm>
+      </p:grpSpPr>
+      <p:sp>
+        <p:nvSpPr>
+          <p:cNvPr id="2" name="標題 1"/>
+          <p:cNvSpPr>
+            <a:spLocks noGrp="1"/>
+          </p:cNvSpPr>
+          <p:nvPr>
+            <p:ph type="title"/>
+          </p:nvPr>
+        </p:nvSpPr>
+        <p:spPr/>
+        <p:txBody>
+          <a:bodyPr/>
+          <a:lstStyle/>
+          <a:p>
+            <a:endParaRPr lang="zh-TW" altLang="en-US"/>
+          </a:p>
+        </p:txBody>
+      </p:sp>
+      <p:sp>
+        <p:nvSpPr>
+          <p:cNvPr id="3" name="內容版面配置區 2"/>
+          <p:cNvSpPr>
+            <a:spLocks noGrp="1"/>
+          </p:cNvSpPr>
+          <p:nvPr>
+            <p:ph sz="half" idx="1"/>
+          </p:nvPr>
+        </p:nvSpPr>
+        <p:spPr/>
+        <p:txBody>
+          <a:bodyPr/>
+          <a:lstStyle/>
+          <a:p>
+            <a:endParaRPr lang="zh-TW" altLang="en-US"/>
+          </a:p>
+        </p:txBody>
+      </p:sp>
+      <p:sp>
+        <p:nvSpPr>
+          <p:cNvPr id="4" name="內容版面配置區 3"/>
+          <p:cNvSpPr>
+            <a:spLocks noGrp="1"/>
+          </p:cNvSpPr>
+          <p:nvPr>
+            <p:ph sz="half" idx="2"/>
+          </p:nvPr>
+        </p:nvSpPr>
+        <p:spPr/>
+        <p:txBody>
+          <a:bodyPr/>
+          <a:lstStyle/>
+          <a:p>
+            <a:endParaRPr lang="zh-TW" altLang="en-US"/>
+          </a:p>
+        </p:txBody>
+      </p:sp>
+    </p:spTree>
+    <p:extLst>
+      <p:ext uri="{BB962C8B-B14F-4D97-AF65-F5344CB8AC3E}">
+        <p14:creationId xmlns:p14="http://schemas.microsoft.com/office/powerpoint/2010/main" val="3488985989"/>
+      </p:ext>
+    </p:extLst>
+  </p:cSld>
+  <p:clrMapOvr>
+    <a:masterClrMapping/>
+  </p:clrMapOvr>
+</p:sld>
+</file>
+
+<file path=ppt/slides/slide22.xml><?xml version="1.0" encoding="utf-8"?>
+<p:sld xmlns:a="http://schemas.openxmlformats.org/drawingml/2006/main" xmlns:r="http://schemas.openxmlformats.org/officeDocument/2006/relationships" xmlns:p="http://schemas.openxmlformats.org/presentationml/2006/main">
+  <p:cSld>
+    <p:spTree>
+      <p:nvGrpSpPr>
+        <p:cNvPr id="1" name=""/>
+        <p:cNvGrpSpPr/>
+        <p:nvPr/>
+      </p:nvGrpSpPr>
+      <p:grpSpPr>
+        <a:xfrm>
+          <a:off x="0" y="0"/>
+          <a:ext cx="0" cy="0"/>
+          <a:chOff x="0" y="0"/>
+          <a:chExt cx="0" cy="0"/>
+        </a:xfrm>
+      </p:grpSpPr>
+      <p:sp>
+        <p:nvSpPr>
+          <p:cNvPr id="3" name="內容版面配置區 2"/>
+          <p:cNvSpPr>
+            <a:spLocks noGrp="1"/>
+          </p:cNvSpPr>
+          <p:nvPr>
+            <p:ph idx="1"/>
+          </p:nvPr>
+        </p:nvSpPr>
+        <p:spPr>
+          <a:xfrm>
+            <a:off x="838200" y="281354"/>
+            <a:ext cx="10515600" cy="5895609"/>
+          </a:xfrm>
+        </p:spPr>
+        <p:txBody>
+          <a:bodyPr/>
+          <a:lstStyle/>
+          <a:p>
+            <a:r>
+              <a:rPr lang="zh-TW" altLang="en-US" dirty="0"/>
+              <a:t>關聯式資料庫和</a:t>
+            </a:r>
+            <a:r>
+              <a:rPr lang="en-US" altLang="zh-TW" dirty="0"/>
+              <a:t>NoSQL</a:t>
+            </a:r>
+            <a:r>
+              <a:rPr lang="zh-TW" altLang="en-US" dirty="0"/>
+              <a:t>資料庫各有優缺點，彼此無法</a:t>
+            </a:r>
+            <a:r>
+              <a:rPr lang="zh-TW" altLang="en-US" dirty="0" smtClean="0"/>
+              <a:t>取代</a:t>
+            </a:r>
+            <a:r>
+              <a:rPr lang="en-US" altLang="zh-TW" dirty="0" smtClean="0"/>
+              <a:t> </a:t>
+            </a:r>
+          </a:p>
+          <a:p>
+            <a:pPr lvl="1"/>
+            <a:r>
+              <a:rPr lang="zh-TW" altLang="en-US" dirty="0" smtClean="0"/>
+              <a:t>關聯</a:t>
+            </a:r>
+            <a:r>
+              <a:rPr lang="zh-TW" altLang="en-US" dirty="0"/>
+              <a:t>式資料庫應用場域：電信、銀行等領域的關鍵任務，需要保 證強交易</a:t>
+            </a:r>
+            <a:r>
+              <a:rPr lang="zh-TW" altLang="en-US" dirty="0" smtClean="0"/>
+              <a:t>一致性</a:t>
+            </a:r>
+            <a:endParaRPr lang="en-US" altLang="zh-TW" dirty="0" smtClean="0"/>
+          </a:p>
+          <a:p>
+            <a:pPr lvl="1"/>
+            <a:r>
+              <a:rPr lang="en-US" altLang="zh-TW" dirty="0" smtClean="0"/>
+              <a:t>NoSQL</a:t>
+            </a:r>
+            <a:r>
+              <a:rPr lang="zh-TW" altLang="en-US" dirty="0"/>
+              <a:t>資料庫應用場域：互聯網企業、傳統企業的非關鍵任務 </a:t>
+            </a:r>
+            <a:r>
+              <a:rPr lang="en-US" altLang="zh-TW" dirty="0"/>
+              <a:t>( </a:t>
+            </a:r>
+            <a:r>
+              <a:rPr lang="zh-TW" altLang="en-US" dirty="0"/>
+              <a:t>例如：資料分析</a:t>
+            </a:r>
+            <a:r>
+              <a:rPr lang="en-US" altLang="zh-TW" dirty="0"/>
+              <a:t>) </a:t>
+            </a:r>
+            <a:endParaRPr lang="en-US" altLang="zh-TW" dirty="0" smtClean="0"/>
+          </a:p>
+          <a:p>
+            <a:r>
+              <a:rPr lang="zh-TW" altLang="en-US" dirty="0" smtClean="0"/>
+              <a:t>採用</a:t>
+            </a:r>
+            <a:r>
+              <a:rPr lang="zh-TW" altLang="en-US" dirty="0"/>
+              <a:t>混合</a:t>
+            </a:r>
+            <a:r>
+              <a:rPr lang="zh-TW" altLang="en-US" dirty="0" smtClean="0"/>
+              <a:t>架構</a:t>
+            </a:r>
+            <a:endParaRPr lang="en-US" altLang="zh-TW" dirty="0" smtClean="0"/>
+          </a:p>
+          <a:p>
+            <a:pPr lvl="1"/>
+            <a:r>
+              <a:rPr lang="zh-TW" altLang="en-US" dirty="0" smtClean="0"/>
+              <a:t>如</a:t>
+            </a:r>
+            <a:r>
+              <a:rPr lang="zh-TW" altLang="en-US" dirty="0"/>
+              <a:t>：亞馬遜公司就使用不同類型的資料庫來支撐電子商務</a:t>
+            </a:r>
+            <a:r>
+              <a:rPr lang="zh-TW" altLang="en-US" dirty="0" smtClean="0"/>
+              <a:t>應用</a:t>
+            </a:r>
+            <a:endParaRPr lang="en-US" altLang="zh-TW" dirty="0" smtClean="0"/>
+          </a:p>
+          <a:p>
+            <a:pPr lvl="2"/>
+            <a:r>
+              <a:rPr lang="zh-TW" altLang="en-US" dirty="0" smtClean="0"/>
+              <a:t>對於</a:t>
+            </a:r>
+            <a:r>
+              <a:rPr lang="zh-TW" altLang="en-US" dirty="0"/>
+              <a:t>“</a:t>
+            </a:r>
+            <a:r>
+              <a:rPr lang="zh-TW" altLang="en-US" dirty="0" smtClean="0"/>
+              <a:t>購物車”</a:t>
+            </a:r>
+            <a:r>
+              <a:rPr lang="zh-TW" altLang="en-US" dirty="0"/>
+              <a:t>這種臨時性資料，採用鍵值儲存會更加</a:t>
+            </a:r>
+            <a:r>
+              <a:rPr lang="zh-TW" altLang="en-US" dirty="0" smtClean="0"/>
+              <a:t>有效率</a:t>
+            </a:r>
+            <a:endParaRPr lang="en-US" altLang="zh-TW" dirty="0" smtClean="0"/>
+          </a:p>
+          <a:p>
+            <a:pPr lvl="2"/>
+            <a:r>
+              <a:rPr lang="zh-TW" altLang="en-US" dirty="0" smtClean="0"/>
+              <a:t>當前</a:t>
+            </a:r>
+            <a:r>
+              <a:rPr lang="zh-TW" altLang="en-US" dirty="0"/>
+              <a:t>的產品和訂單資訊則適合存放在關聯式資料庫</a:t>
+            </a:r>
+            <a:r>
+              <a:rPr lang="en-US" altLang="zh-TW" dirty="0"/>
+              <a:t>(</a:t>
+            </a:r>
+            <a:r>
+              <a:rPr lang="zh-TW" altLang="en-US" dirty="0"/>
+              <a:t>屬關鍵任務</a:t>
+            </a:r>
+            <a:r>
+              <a:rPr lang="en-US" altLang="zh-TW" dirty="0" smtClean="0"/>
+              <a:t>)</a:t>
+            </a:r>
+          </a:p>
+          <a:p>
+            <a:pPr lvl="2"/>
+            <a:r>
+              <a:rPr lang="zh-TW" altLang="en-US" dirty="0" smtClean="0"/>
+              <a:t>大量</a:t>
+            </a:r>
+            <a:r>
+              <a:rPr lang="zh-TW" altLang="en-US" dirty="0"/>
+              <a:t>的歷史訂單資訊則適合保存在類似</a:t>
+            </a:r>
+            <a:r>
+              <a:rPr lang="en-US" altLang="zh-TW" dirty="0"/>
+              <a:t>MongoDB</a:t>
+            </a:r>
+            <a:r>
+              <a:rPr lang="zh-TW" altLang="en-US" dirty="0"/>
+              <a:t>的文件資料庫中</a:t>
+            </a:r>
+          </a:p>
+        </p:txBody>
+      </p:sp>
+    </p:spTree>
+    <p:extLst>
+      <p:ext uri="{BB962C8B-B14F-4D97-AF65-F5344CB8AC3E}">
+        <p14:creationId xmlns:p14="http://schemas.microsoft.com/office/powerpoint/2010/main" val="65647869"/>
+      </p:ext>
+    </p:extLst>
+  </p:cSld>
+  <p:clrMapOvr>
+    <a:masterClrMapping/>
+  </p:clrMapOvr>
+</p:sld>
+</file>
+
+<file path=ppt/slides/slide23.xml><?xml version="1.0" encoding="utf-8"?>
+<p:sld xmlns:a="http://schemas.openxmlformats.org/drawingml/2006/main" xmlns:r="http://schemas.openxmlformats.org/officeDocument/2006/relationships" xmlns:p="http://schemas.openxmlformats.org/presentationml/2006/main">
+  <p:cSld>
+    <p:spTree>
+      <p:nvGrpSpPr>
+        <p:cNvPr id="1" name=""/>
+        <p:cNvGrpSpPr/>
+        <p:nvPr/>
+      </p:nvGrpSpPr>
+      <p:grpSpPr>
+        <a:xfrm>
+          <a:off x="0" y="0"/>
+          <a:ext cx="0" cy="0"/>
+          <a:chOff x="0" y="0"/>
+          <a:chExt cx="0" cy="0"/>
+        </a:xfrm>
+      </p:grpSpPr>
+      <p:sp>
+        <p:nvSpPr>
+          <p:cNvPr id="2" name="標題 1"/>
+          <p:cNvSpPr>
+            <a:spLocks noGrp="1"/>
+          </p:cNvSpPr>
+          <p:nvPr>
+            <p:ph type="title"/>
+          </p:nvPr>
+        </p:nvSpPr>
+        <p:spPr/>
+        <p:txBody>
+          <a:bodyPr/>
+          <a:lstStyle/>
+          <a:p>
+            <a:endParaRPr lang="zh-TW" altLang="en-US"/>
+          </a:p>
+        </p:txBody>
+      </p:sp>
+      <p:sp>
+        <p:nvSpPr>
+          <p:cNvPr id="3" name="內容版面配置區 2"/>
+          <p:cNvSpPr>
+            <a:spLocks noGrp="1"/>
+          </p:cNvSpPr>
+          <p:nvPr>
+            <p:ph idx="1"/>
+          </p:nvPr>
+        </p:nvSpPr>
+        <p:spPr/>
+        <p:txBody>
+          <a:bodyPr/>
+          <a:lstStyle/>
+          <a:p>
+            <a:endParaRPr lang="zh-TW" altLang="en-US"/>
+          </a:p>
+        </p:txBody>
+      </p:sp>
+    </p:spTree>
+    <p:extLst>
+      <p:ext uri="{BB962C8B-B14F-4D97-AF65-F5344CB8AC3E}">
+        <p14:creationId xmlns:p14="http://schemas.microsoft.com/office/powerpoint/2010/main" val="1511175850"/>
+      </p:ext>
+    </p:extLst>
+  </p:cSld>
+  <p:clrMapOvr>
+    <a:masterClrMapping/>
+  </p:clrMapOvr>
+</p:sld>
+</file>
+
+<file path=ppt/slides/slide24.xml><?xml version="1.0" encoding="utf-8"?>
+<p:sld xmlns:a="http://schemas.openxmlformats.org/drawingml/2006/main" xmlns:r="http://schemas.openxmlformats.org/officeDocument/2006/relationships" xmlns:p="http://schemas.openxmlformats.org/presentationml/2006/main">
+  <p:cSld>
+    <p:spTree>
+      <p:nvGrpSpPr>
+        <p:cNvPr id="1" name=""/>
+        <p:cNvGrpSpPr/>
+        <p:nvPr/>
+      </p:nvGrpSpPr>
+      <p:grpSpPr>
+        <a:xfrm>
+          <a:off x="0" y="0"/>
+          <a:ext cx="0" cy="0"/>
+          <a:chOff x="0" y="0"/>
+          <a:chExt cx="0" cy="0"/>
+        </a:xfrm>
+      </p:grpSpPr>
+      <p:sp>
+        <p:nvSpPr>
+          <p:cNvPr id="2" name="標題 1"/>
+          <p:cNvSpPr>
+            <a:spLocks noGrp="1"/>
+          </p:cNvSpPr>
+          <p:nvPr>
+            <p:ph type="title"/>
+          </p:nvPr>
+        </p:nvSpPr>
+        <p:spPr/>
+        <p:txBody>
+          <a:bodyPr/>
+          <a:lstStyle/>
+          <a:p>
+            <a:endParaRPr lang="zh-TW" altLang="en-US"/>
+          </a:p>
+        </p:txBody>
+      </p:sp>
+      <p:sp>
+        <p:nvSpPr>
+          <p:cNvPr id="3" name="內容版面配置區 2"/>
+          <p:cNvSpPr>
+            <a:spLocks noGrp="1"/>
+          </p:cNvSpPr>
+          <p:nvPr>
+            <p:ph idx="1"/>
+          </p:nvPr>
+        </p:nvSpPr>
+        <p:spPr/>
+        <p:txBody>
+          <a:bodyPr/>
+          <a:lstStyle/>
+          <a:p>
+            <a:endParaRPr lang="zh-TW" altLang="en-US"/>
+          </a:p>
+        </p:txBody>
+      </p:sp>
+    </p:spTree>
+    <p:extLst>
+      <p:ext uri="{BB962C8B-B14F-4D97-AF65-F5344CB8AC3E}">
+        <p14:creationId xmlns:p14="http://schemas.microsoft.com/office/powerpoint/2010/main" val="1926717235"/>
+      </p:ext>
+    </p:extLst>
+  </p:cSld>
+  <p:clrMapOvr>
+    <a:masterClrMapping/>
+  </p:clrMapOvr>
+</p:sld>
+</file>
+
+<file path=ppt/slides/slide25.xml><?xml version="1.0" encoding="utf-8"?>
+<p:sld xmlns:a="http://schemas.openxmlformats.org/drawingml/2006/main" xmlns:r="http://schemas.openxmlformats.org/officeDocument/2006/relationships" xmlns:p="http://schemas.openxmlformats.org/presentationml/2006/main">
+  <p:cSld>
+    <p:spTree>
+      <p:nvGrpSpPr>
+        <p:cNvPr id="1" name=""/>
+        <p:cNvGrpSpPr/>
+        <p:nvPr/>
+      </p:nvGrpSpPr>
+      <p:grpSpPr>
+        <a:xfrm>
+          <a:off x="0" y="0"/>
+          <a:ext cx="0" cy="0"/>
+          <a:chOff x="0" y="0"/>
+          <a:chExt cx="0" cy="0"/>
+        </a:xfrm>
+      </p:grpSpPr>
+      <p:sp>
+        <p:nvSpPr>
+          <p:cNvPr id="2" name="標題 1"/>
+          <p:cNvSpPr>
+            <a:spLocks noGrp="1"/>
+          </p:cNvSpPr>
+          <p:nvPr>
+            <p:ph type="title"/>
+          </p:nvPr>
+        </p:nvSpPr>
+        <p:spPr/>
+        <p:txBody>
+          <a:bodyPr/>
+          <a:lstStyle/>
+          <a:p>
+            <a:endParaRPr lang="zh-TW" altLang="en-US"/>
+          </a:p>
+        </p:txBody>
+      </p:sp>
+      <p:sp>
+        <p:nvSpPr>
+          <p:cNvPr id="3" name="內容版面配置區 2"/>
+          <p:cNvSpPr>
+            <a:spLocks noGrp="1"/>
+          </p:cNvSpPr>
+          <p:nvPr>
+            <p:ph idx="1"/>
+          </p:nvPr>
+        </p:nvSpPr>
+        <p:spPr/>
+        <p:txBody>
+          <a:bodyPr/>
+          <a:lstStyle/>
+          <a:p>
+            <a:endParaRPr lang="zh-TW" altLang="en-US"/>
+          </a:p>
+        </p:txBody>
+      </p:sp>
+    </p:spTree>
+    <p:extLst>
+      <p:ext uri="{BB962C8B-B14F-4D97-AF65-F5344CB8AC3E}">
+        <p14:creationId xmlns:p14="http://schemas.microsoft.com/office/powerpoint/2010/main" val="1522085890"/>
+      </p:ext>
+    </p:extLst>
+  </p:cSld>
+  <p:clrMapOvr>
+    <a:masterClrMapping/>
+  </p:clrMapOvr>
+</p:sld>
+</file>
+
+<file path=ppt/slides/slide26.xml><?xml version="1.0" encoding="utf-8"?>
+<p:sld xmlns:a="http://schemas.openxmlformats.org/drawingml/2006/main" xmlns:r="http://schemas.openxmlformats.org/officeDocument/2006/relationships" xmlns:p="http://schemas.openxmlformats.org/presentationml/2006/main">
+  <p:cSld>
+    <p:spTree>
+      <p:nvGrpSpPr>
+        <p:cNvPr id="1" name=""/>
+        <p:cNvGrpSpPr/>
+        <p:nvPr/>
+      </p:nvGrpSpPr>
+      <p:grpSpPr>
+        <a:xfrm>
+          <a:off x="0" y="0"/>
+          <a:ext cx="0" cy="0"/>
+          <a:chOff x="0" y="0"/>
+          <a:chExt cx="0" cy="0"/>
+        </a:xfrm>
+      </p:grpSpPr>
+      <p:sp>
+        <p:nvSpPr>
+          <p:cNvPr id="2" name="標題 1"/>
+          <p:cNvSpPr>
+            <a:spLocks noGrp="1"/>
+          </p:cNvSpPr>
+          <p:nvPr>
+            <p:ph type="title"/>
+          </p:nvPr>
+        </p:nvSpPr>
+        <p:spPr/>
+        <p:txBody>
+          <a:bodyPr/>
+          <a:lstStyle/>
+          <a:p>
+            <a:endParaRPr lang="zh-TW" altLang="en-US"/>
+          </a:p>
+        </p:txBody>
+      </p:sp>
+      <p:sp>
+        <p:nvSpPr>
+          <p:cNvPr id="3" name="內容版面配置區 2"/>
+          <p:cNvSpPr>
+            <a:spLocks noGrp="1"/>
+          </p:cNvSpPr>
+          <p:nvPr>
+            <p:ph idx="1"/>
+          </p:nvPr>
+        </p:nvSpPr>
+        <p:spPr/>
+        <p:txBody>
+          <a:bodyPr/>
+          <a:lstStyle/>
+          <a:p>
+            <a:endParaRPr lang="zh-TW" altLang="en-US"/>
+          </a:p>
+        </p:txBody>
+      </p:sp>
+    </p:spTree>
+    <p:extLst>
+      <p:ext uri="{BB962C8B-B14F-4D97-AF65-F5344CB8AC3E}">
+        <p14:creationId xmlns:p14="http://schemas.microsoft.com/office/powerpoint/2010/main" val="46091697"/>
+      </p:ext>
+    </p:extLst>
+  </p:cSld>
+  <p:clrMapOvr>
+    <a:masterClrMapping/>
+  </p:clrMapOvr>
+</p:sld>
+</file>
+
+<file path=ppt/slides/slide27.xml><?xml version="1.0" encoding="utf-8"?>
+<p:sld xmlns:a="http://schemas.openxmlformats.org/drawingml/2006/main" xmlns:r="http://schemas.openxmlformats.org/officeDocument/2006/relationships" xmlns:p="http://schemas.openxmlformats.org/presentationml/2006/main">
+  <p:cSld>
+    <p:spTree>
+      <p:nvGrpSpPr>
+        <p:cNvPr id="1" name=""/>
+        <p:cNvGrpSpPr/>
+        <p:nvPr/>
+      </p:nvGrpSpPr>
+      <p:grpSpPr>
+        <a:xfrm>
+          <a:off x="0" y="0"/>
+          <a:ext cx="0" cy="0"/>
+          <a:chOff x="0" y="0"/>
+          <a:chExt cx="0" cy="0"/>
+        </a:xfrm>
+      </p:grpSpPr>
+      <p:sp>
+        <p:nvSpPr>
+          <p:cNvPr id="2" name="標題 1"/>
+          <p:cNvSpPr>
+            <a:spLocks noGrp="1"/>
+          </p:cNvSpPr>
+          <p:nvPr>
+            <p:ph type="title"/>
+          </p:nvPr>
+        </p:nvSpPr>
+        <p:spPr/>
+        <p:txBody>
+          <a:bodyPr/>
+          <a:lstStyle/>
+          <a:p>
+            <a:endParaRPr lang="zh-TW" altLang="en-US"/>
+          </a:p>
+        </p:txBody>
+      </p:sp>
+      <p:sp>
+        <p:nvSpPr>
+          <p:cNvPr id="3" name="內容版面配置區 2"/>
+          <p:cNvSpPr>
+            <a:spLocks noGrp="1"/>
+          </p:cNvSpPr>
+          <p:nvPr>
+            <p:ph idx="1"/>
+          </p:nvPr>
+        </p:nvSpPr>
+        <p:spPr/>
+        <p:txBody>
+          <a:bodyPr/>
+          <a:lstStyle/>
+          <a:p>
+            <a:endParaRPr lang="zh-TW" altLang="en-US"/>
+          </a:p>
+        </p:txBody>
+      </p:sp>
+    </p:spTree>
+    <p:extLst>
+      <p:ext uri="{BB962C8B-B14F-4D97-AF65-F5344CB8AC3E}">
+        <p14:creationId xmlns:p14="http://schemas.microsoft.com/office/powerpoint/2010/main" val="814788624"/>
+      </p:ext>
+    </p:extLst>
+  </p:cSld>
+  <p:clrMapOvr>
+    <a:masterClrMapping/>
+  </p:clrMapOvr>
+</p:sld>
+</file>
+
+<file path=ppt/slides/slide28.xml><?xml version="1.0" encoding="utf-8"?>
+<p:sld xmlns:a="http://schemas.openxmlformats.org/drawingml/2006/main" xmlns:r="http://schemas.openxmlformats.org/officeDocument/2006/relationships" xmlns:p="http://schemas.openxmlformats.org/presentationml/2006/main">
+  <p:cSld>
+    <p:spTree>
+      <p:nvGrpSpPr>
+        <p:cNvPr id="1" name=""/>
+        <p:cNvGrpSpPr/>
+        <p:nvPr/>
+      </p:nvGrpSpPr>
+      <p:grpSpPr>
+        <a:xfrm>
+          <a:off x="0" y="0"/>
+          <a:ext cx="0" cy="0"/>
+          <a:chOff x="0" y="0"/>
+          <a:chExt cx="0" cy="0"/>
+        </a:xfrm>
+      </p:grpSpPr>
+      <p:sp>
+        <p:nvSpPr>
+          <p:cNvPr id="2" name="標題 1"/>
+          <p:cNvSpPr>
+            <a:spLocks noGrp="1"/>
+          </p:cNvSpPr>
+          <p:nvPr>
+            <p:ph type="title"/>
+          </p:nvPr>
+        </p:nvSpPr>
+        <p:spPr/>
+        <p:txBody>
+          <a:bodyPr/>
+          <a:lstStyle/>
+          <a:p>
+            <a:endParaRPr lang="zh-TW" altLang="en-US"/>
+          </a:p>
+        </p:txBody>
+      </p:sp>
+      <p:sp>
+        <p:nvSpPr>
+          <p:cNvPr id="3" name="內容版面配置區 2"/>
+          <p:cNvSpPr>
+            <a:spLocks noGrp="1"/>
+          </p:cNvSpPr>
+          <p:nvPr>
+            <p:ph idx="1"/>
+          </p:nvPr>
+        </p:nvSpPr>
+        <p:spPr/>
+        <p:txBody>
+          <a:bodyPr/>
+          <a:lstStyle/>
+          <a:p>
+            <a:endParaRPr lang="zh-TW" altLang="en-US"/>
+          </a:p>
+        </p:txBody>
+      </p:sp>
+    </p:spTree>
+    <p:extLst>
+      <p:ext uri="{BB962C8B-B14F-4D97-AF65-F5344CB8AC3E}">
+        <p14:creationId xmlns:p14="http://schemas.microsoft.com/office/powerpoint/2010/main" val="2547012967"/>
+      </p:ext>
+    </p:extLst>
+  </p:cSld>
+  <p:clrMapOvr>
+    <a:masterClrMapping/>
+  </p:clrMapOvr>
+</p:sld>
+</file>
+
+<file path=ppt/slides/slide29.xml><?xml version="1.0" encoding="utf-8"?>
+<p:sld xmlns:a="http://schemas.openxmlformats.org/drawingml/2006/main" xmlns:r="http://schemas.openxmlformats.org/officeDocument/2006/relationships" xmlns:p="http://schemas.openxmlformats.org/presentationml/2006/main">
+  <p:cSld>
+    <p:spTree>
+      <p:nvGrpSpPr>
+        <p:cNvPr id="1" name=""/>
+        <p:cNvGrpSpPr/>
+        <p:nvPr/>
+      </p:nvGrpSpPr>
+      <p:grpSpPr>
+        <a:xfrm>
+          <a:off x="0" y="0"/>
+          <a:ext cx="0" cy="0"/>
+          <a:chOff x="0" y="0"/>
+          <a:chExt cx="0" cy="0"/>
+        </a:xfrm>
+      </p:grpSpPr>
+      <p:sp>
+        <p:nvSpPr>
+          <p:cNvPr id="2" name="標題 1"/>
+          <p:cNvSpPr>
+            <a:spLocks noGrp="1"/>
+          </p:cNvSpPr>
+          <p:nvPr>
+            <p:ph type="title"/>
+          </p:nvPr>
+        </p:nvSpPr>
+        <p:spPr/>
+        <p:txBody>
+          <a:bodyPr/>
+          <a:lstStyle/>
+          <a:p>
+            <a:endParaRPr lang="zh-TW" altLang="en-US"/>
+          </a:p>
+        </p:txBody>
+      </p:sp>
+      <p:sp>
+        <p:nvSpPr>
+          <p:cNvPr id="3" name="內容版面配置區 2"/>
+          <p:cNvSpPr>
+            <a:spLocks noGrp="1"/>
+          </p:cNvSpPr>
+          <p:nvPr>
+            <p:ph idx="1"/>
+          </p:nvPr>
+        </p:nvSpPr>
+        <p:spPr/>
+        <p:txBody>
+          <a:bodyPr/>
+          <a:lstStyle/>
+          <a:p>
+            <a:endParaRPr lang="zh-TW" altLang="en-US"/>
+          </a:p>
+        </p:txBody>
+      </p:sp>
+    </p:spTree>
+    <p:extLst>
+      <p:ext uri="{BB962C8B-B14F-4D97-AF65-F5344CB8AC3E}">
+        <p14:creationId xmlns:p14="http://schemas.microsoft.com/office/powerpoint/2010/main" val="2356095605"/>
       </p:ext>
     </p:extLst>
   </p:cSld>
@@ -4393,6 +9439,74 @@
 </p:sld>
 </file>
 
+<file path=ppt/slides/slide30.xml><?xml version="1.0" encoding="utf-8"?>
+<p:sld xmlns:a="http://schemas.openxmlformats.org/drawingml/2006/main" xmlns:r="http://schemas.openxmlformats.org/officeDocument/2006/relationships" xmlns:p="http://schemas.openxmlformats.org/presentationml/2006/main">
+  <p:cSld>
+    <p:spTree>
+      <p:nvGrpSpPr>
+        <p:cNvPr id="1" name=""/>
+        <p:cNvGrpSpPr/>
+        <p:nvPr/>
+      </p:nvGrpSpPr>
+      <p:grpSpPr>
+        <a:xfrm>
+          <a:off x="0" y="0"/>
+          <a:ext cx="0" cy="0"/>
+          <a:chOff x="0" y="0"/>
+          <a:chExt cx="0" cy="0"/>
+        </a:xfrm>
+      </p:grpSpPr>
+      <p:sp>
+        <p:nvSpPr>
+          <p:cNvPr id="2" name="標題 1"/>
+          <p:cNvSpPr>
+            <a:spLocks noGrp="1"/>
+          </p:cNvSpPr>
+          <p:nvPr>
+            <p:ph type="title"/>
+          </p:nvPr>
+        </p:nvSpPr>
+        <p:spPr/>
+        <p:txBody>
+          <a:bodyPr/>
+          <a:lstStyle/>
+          <a:p>
+            <a:endParaRPr lang="zh-TW" altLang="en-US"/>
+          </a:p>
+        </p:txBody>
+      </p:sp>
+      <p:sp>
+        <p:nvSpPr>
+          <p:cNvPr id="3" name="內容版面配置區 2"/>
+          <p:cNvSpPr>
+            <a:spLocks noGrp="1"/>
+          </p:cNvSpPr>
+          <p:nvPr>
+            <p:ph idx="1"/>
+          </p:nvPr>
+        </p:nvSpPr>
+        <p:spPr/>
+        <p:txBody>
+          <a:bodyPr/>
+          <a:lstStyle/>
+          <a:p>
+            <a:endParaRPr lang="zh-TW" altLang="en-US"/>
+          </a:p>
+        </p:txBody>
+      </p:sp>
+    </p:spTree>
+    <p:extLst>
+      <p:ext uri="{BB962C8B-B14F-4D97-AF65-F5344CB8AC3E}">
+        <p14:creationId xmlns:p14="http://schemas.microsoft.com/office/powerpoint/2010/main" val="247296251"/>
+      </p:ext>
+    </p:extLst>
+  </p:cSld>
+  <p:clrMapOvr>
+    <a:masterClrMapping/>
+  </p:clrMapOvr>
+</p:sld>
+</file>
+
 <file path=ppt/slides/slide4.xml><?xml version="1.0" encoding="utf-8"?>
 <p:sld xmlns:a="http://schemas.openxmlformats.org/drawingml/2006/main" xmlns:r="http://schemas.openxmlformats.org/officeDocument/2006/relationships" xmlns:p="http://schemas.openxmlformats.org/presentationml/2006/main">
   <p:cSld>
@@ -4662,7 +9776,7 @@
               </a:rPr>
               <a:t>的需求</a:t>
             </a:r>
-            <a:endParaRPr lang="en-US" altLang="zh-TW">
+            <a:endParaRPr lang="en-US" altLang="zh-TW" dirty="0">
               <a:latin typeface="Times New Roman" panose="02020603050405020304" pitchFamily="18" charset="0"/>
               <a:ea typeface="標楷體" panose="03000509000000000000" pitchFamily="65" charset="-120"/>
               <a:cs typeface="Times New Roman" panose="02020603050405020304" pitchFamily="18" charset="0"/>
@@ -4726,12 +9840,37 @@
             <p:ph type="title"/>
           </p:nvPr>
         </p:nvSpPr>
-        <p:spPr/>
+        <p:spPr>
+          <a:xfrm>
+            <a:off x="838200" y="365126"/>
+            <a:ext cx="10515600" cy="959822"/>
+          </a:xfrm>
+        </p:spPr>
         <p:txBody>
           <a:bodyPr/>
           <a:lstStyle/>
           <a:p>
-            <a:endParaRPr lang="zh-TW" altLang="en-US"/>
+            <a:r>
+              <a:rPr lang="en-US" altLang="zh-TW" dirty="0">
+                <a:latin typeface="Times New Roman" panose="02020603050405020304" pitchFamily="18" charset="0"/>
+                <a:ea typeface="標楷體" panose="03000509000000000000" pitchFamily="65" charset="-120"/>
+                <a:cs typeface="Times New Roman" panose="02020603050405020304" pitchFamily="18" charset="0"/>
+              </a:rPr>
+              <a:t>MySQL</a:t>
+            </a:r>
+            <a:r>
+              <a:rPr lang="zh-TW" altLang="en-US" dirty="0">
+                <a:latin typeface="Times New Roman" panose="02020603050405020304" pitchFamily="18" charset="0"/>
+                <a:ea typeface="標楷體" panose="03000509000000000000" pitchFamily="65" charset="-120"/>
+                <a:cs typeface="Times New Roman" panose="02020603050405020304" pitchFamily="18" charset="0"/>
+              </a:rPr>
+              <a:t>集群是否可以完全解決問題？</a:t>
+            </a:r>
+            <a:endParaRPr lang="zh-TW" altLang="en-US" dirty="0">
+              <a:latin typeface="Times New Roman" panose="02020603050405020304" pitchFamily="18" charset="0"/>
+              <a:ea typeface="標楷體" panose="03000509000000000000" pitchFamily="65" charset="-120"/>
+              <a:cs typeface="Times New Roman" panose="02020603050405020304" pitchFamily="18" charset="0"/>
+            </a:endParaRPr>
           </a:p>
         </p:txBody>
       </p:sp>
@@ -4751,15 +9890,271 @@
             <p:ph idx="1"/>
           </p:nvPr>
         </p:nvSpPr>
-        <p:spPr/>
+        <p:spPr>
+          <a:xfrm>
+            <a:off x="222380" y="1324948"/>
+            <a:ext cx="6215742" cy="5225142"/>
+          </a:xfrm>
+        </p:spPr>
         <p:txBody>
-          <a:bodyPr/>
+          <a:bodyPr>
+            <a:normAutofit fontScale="92500"/>
+          </a:bodyPr>
           <a:lstStyle/>
           <a:p>
-            <a:endParaRPr lang="zh-TW" altLang="en-US"/>
+            <a:r>
+              <a:rPr lang="zh-TW" altLang="en-US" b="1" dirty="0">
+                <a:latin typeface="Times New Roman" panose="02020603050405020304" pitchFamily="18" charset="0"/>
+                <a:ea typeface="標楷體" panose="03000509000000000000" pitchFamily="65" charset="-120"/>
+                <a:cs typeface="Times New Roman" panose="02020603050405020304" pitchFamily="18" charset="0"/>
+              </a:rPr>
+              <a:t>複雜性</a:t>
+            </a:r>
+            <a:r>
+              <a:rPr lang="zh-TW" altLang="en-US" dirty="0">
+                <a:latin typeface="Times New Roman" panose="02020603050405020304" pitchFamily="18" charset="0"/>
+                <a:ea typeface="標楷體" panose="03000509000000000000" pitchFamily="65" charset="-120"/>
+                <a:cs typeface="Times New Roman" panose="02020603050405020304" pitchFamily="18" charset="0"/>
+              </a:rPr>
+              <a:t>：部署、管理、配置很</a:t>
+            </a:r>
+            <a:r>
+              <a:rPr lang="zh-TW" altLang="en-US" dirty="0" smtClean="0">
+                <a:latin typeface="Times New Roman" panose="02020603050405020304" pitchFamily="18" charset="0"/>
+                <a:ea typeface="標楷體" panose="03000509000000000000" pitchFamily="65" charset="-120"/>
+                <a:cs typeface="Times New Roman" panose="02020603050405020304" pitchFamily="18" charset="0"/>
+              </a:rPr>
+              <a:t>複雜</a:t>
+            </a:r>
+            <a:endParaRPr lang="en-US" altLang="zh-TW" dirty="0" smtClean="0">
+              <a:latin typeface="Times New Roman" panose="02020603050405020304" pitchFamily="18" charset="0"/>
+              <a:ea typeface="標楷體" panose="03000509000000000000" pitchFamily="65" charset="-120"/>
+              <a:cs typeface="Times New Roman" panose="02020603050405020304" pitchFamily="18" charset="0"/>
+            </a:endParaRPr>
+          </a:p>
+          <a:p>
+            <a:r>
+              <a:rPr lang="zh-TW" altLang="en-US" b="1" dirty="0" smtClean="0">
+                <a:latin typeface="Times New Roman" panose="02020603050405020304" pitchFamily="18" charset="0"/>
+                <a:ea typeface="標楷體" panose="03000509000000000000" pitchFamily="65" charset="-120"/>
+                <a:cs typeface="Times New Roman" panose="02020603050405020304" pitchFamily="18" charset="0"/>
+              </a:rPr>
+              <a:t>資料庫</a:t>
+            </a:r>
+            <a:r>
+              <a:rPr lang="zh-TW" altLang="en-US" b="1" dirty="0">
+                <a:latin typeface="Times New Roman" panose="02020603050405020304" pitchFamily="18" charset="0"/>
+                <a:ea typeface="標楷體" panose="03000509000000000000" pitchFamily="65" charset="-120"/>
+                <a:cs typeface="Times New Roman" panose="02020603050405020304" pitchFamily="18" charset="0"/>
+              </a:rPr>
+              <a:t>複製</a:t>
+            </a:r>
+            <a:r>
+              <a:rPr lang="zh-TW" altLang="en-US" dirty="0" smtClean="0">
+                <a:latin typeface="Times New Roman" panose="02020603050405020304" pitchFamily="18" charset="0"/>
+                <a:ea typeface="標楷體" panose="03000509000000000000" pitchFamily="65" charset="-120"/>
+                <a:cs typeface="Times New Roman" panose="02020603050405020304" pitchFamily="18" charset="0"/>
+              </a:rPr>
+              <a:t>：主</a:t>
+            </a:r>
+            <a:r>
+              <a:rPr lang="zh-TW" altLang="en-US" dirty="0">
+                <a:latin typeface="Times New Roman" panose="02020603050405020304" pitchFamily="18" charset="0"/>
+                <a:ea typeface="標楷體" panose="03000509000000000000" pitchFamily="65" charset="-120"/>
+                <a:cs typeface="Times New Roman" panose="02020603050405020304" pitchFamily="18" charset="0"/>
+              </a:rPr>
+              <a:t>資料庫</a:t>
+            </a:r>
+            <a:r>
+              <a:rPr lang="zh-TW" altLang="en-US" dirty="0" smtClean="0">
+                <a:latin typeface="Times New Roman" panose="02020603050405020304" pitchFamily="18" charset="0"/>
+                <a:ea typeface="標楷體" panose="03000509000000000000" pitchFamily="65" charset="-120"/>
+                <a:cs typeface="Times New Roman" panose="02020603050405020304" pitchFamily="18" charset="0"/>
+              </a:rPr>
+              <a:t>壓力</a:t>
+            </a:r>
+            <a:r>
+              <a:rPr lang="zh-TW" altLang="en-US" dirty="0">
+                <a:latin typeface="Times New Roman" panose="02020603050405020304" pitchFamily="18" charset="0"/>
+                <a:ea typeface="標楷體" panose="03000509000000000000" pitchFamily="65" charset="-120"/>
+                <a:cs typeface="Times New Roman" panose="02020603050405020304" pitchFamily="18" charset="0"/>
+              </a:rPr>
+              <a:t>較大時可能產生較大延遲，主從切換</a:t>
+            </a:r>
+            <a:r>
+              <a:rPr lang="zh-TW" altLang="en-US" dirty="0" smtClean="0">
+                <a:latin typeface="Times New Roman" panose="02020603050405020304" pitchFamily="18" charset="0"/>
+                <a:ea typeface="標楷體" panose="03000509000000000000" pitchFamily="65" charset="-120"/>
+                <a:cs typeface="Times New Roman" panose="02020603050405020304" pitchFamily="18" charset="0"/>
+              </a:rPr>
+              <a:t>可能</a:t>
+            </a:r>
+            <a:r>
+              <a:rPr lang="zh-TW" altLang="en-US" dirty="0">
+                <a:latin typeface="Times New Roman" panose="02020603050405020304" pitchFamily="18" charset="0"/>
+                <a:ea typeface="標楷體" panose="03000509000000000000" pitchFamily="65" charset="-120"/>
+                <a:cs typeface="Times New Roman" panose="02020603050405020304" pitchFamily="18" charset="0"/>
+              </a:rPr>
+              <a:t>會遺失最後一部分更新</a:t>
+            </a:r>
+            <a:r>
+              <a:rPr lang="zh-TW" altLang="en-US" dirty="0" smtClean="0">
+                <a:latin typeface="Times New Roman" panose="02020603050405020304" pitchFamily="18" charset="0"/>
+                <a:ea typeface="標楷體" panose="03000509000000000000" pitchFamily="65" charset="-120"/>
+                <a:cs typeface="Times New Roman" panose="02020603050405020304" pitchFamily="18" charset="0"/>
+              </a:rPr>
+              <a:t>交易</a:t>
+            </a:r>
+            <a:endParaRPr lang="en-US" altLang="zh-TW" dirty="0" smtClean="0">
+              <a:latin typeface="Times New Roman" panose="02020603050405020304" pitchFamily="18" charset="0"/>
+              <a:ea typeface="標楷體" panose="03000509000000000000" pitchFamily="65" charset="-120"/>
+              <a:cs typeface="Times New Roman" panose="02020603050405020304" pitchFamily="18" charset="0"/>
+            </a:endParaRPr>
+          </a:p>
+          <a:p>
+            <a:r>
+              <a:rPr lang="zh-TW" altLang="en-US" b="1" dirty="0">
+                <a:latin typeface="Times New Roman" panose="02020603050405020304" pitchFamily="18" charset="0"/>
+                <a:ea typeface="標楷體" panose="03000509000000000000" pitchFamily="65" charset="-120"/>
+                <a:cs typeface="Times New Roman" panose="02020603050405020304" pitchFamily="18" charset="0"/>
+              </a:rPr>
+              <a:t>擴充問题</a:t>
+            </a:r>
+            <a:r>
+              <a:rPr lang="zh-TW" altLang="en-US" dirty="0">
+                <a:latin typeface="Times New Roman" panose="02020603050405020304" pitchFamily="18" charset="0"/>
+                <a:ea typeface="標楷體" panose="03000509000000000000" pitchFamily="65" charset="-120"/>
+                <a:cs typeface="Times New Roman" panose="02020603050405020304" pitchFamily="18" charset="0"/>
+              </a:rPr>
+              <a:t>：如果系統壓力過大需要增加新 的機器，這個過程涉及資料重新劃分，整 個過程比較複雜，且容易出錯</a:t>
+            </a:r>
+            <a:endParaRPr lang="en-US" altLang="zh-TW" dirty="0" smtClean="0">
+              <a:latin typeface="Times New Roman" panose="02020603050405020304" pitchFamily="18" charset="0"/>
+              <a:ea typeface="標楷體" panose="03000509000000000000" pitchFamily="65" charset="-120"/>
+              <a:cs typeface="Times New Roman" panose="02020603050405020304" pitchFamily="18" charset="0"/>
+            </a:endParaRPr>
+          </a:p>
+          <a:p>
+            <a:r>
+              <a:rPr lang="zh-TW" altLang="en-US" b="1" dirty="0" smtClean="0">
+                <a:latin typeface="Times New Roman" panose="02020603050405020304" pitchFamily="18" charset="0"/>
+                <a:ea typeface="標楷體" panose="03000509000000000000" pitchFamily="65" charset="-120"/>
+                <a:cs typeface="Times New Roman" panose="02020603050405020304" pitchFamily="18" charset="0"/>
+              </a:rPr>
+              <a:t>動態</a:t>
+            </a:r>
+            <a:r>
+              <a:rPr lang="zh-TW" altLang="en-US" b="1" dirty="0">
+                <a:latin typeface="Times New Roman" panose="02020603050405020304" pitchFamily="18" charset="0"/>
+                <a:ea typeface="標楷體" panose="03000509000000000000" pitchFamily="65" charset="-120"/>
+                <a:cs typeface="Times New Roman" panose="02020603050405020304" pitchFamily="18" charset="0"/>
+              </a:rPr>
+              <a:t>資料遷移問题</a:t>
+            </a:r>
+            <a:r>
+              <a:rPr lang="zh-TW" altLang="en-US" dirty="0">
+                <a:latin typeface="Times New Roman" panose="02020603050405020304" pitchFamily="18" charset="0"/>
+                <a:ea typeface="標楷體" panose="03000509000000000000" pitchFamily="65" charset="-120"/>
+                <a:cs typeface="Times New Roman" panose="02020603050405020304" pitchFamily="18" charset="0"/>
+              </a:rPr>
+              <a:t>：如果某個資料庫組</a:t>
+            </a:r>
+            <a:r>
+              <a:rPr lang="zh-TW" altLang="en-US" dirty="0" smtClean="0">
+                <a:latin typeface="Times New Roman" panose="02020603050405020304" pitchFamily="18" charset="0"/>
+                <a:ea typeface="標楷體" panose="03000509000000000000" pitchFamily="65" charset="-120"/>
+                <a:cs typeface="Times New Roman" panose="02020603050405020304" pitchFamily="18" charset="0"/>
+              </a:rPr>
+              <a:t>壓力</a:t>
+            </a:r>
+            <a:r>
+              <a:rPr lang="zh-TW" altLang="en-US" dirty="0">
+                <a:latin typeface="Times New Roman" panose="02020603050405020304" pitchFamily="18" charset="0"/>
+                <a:ea typeface="標楷體" panose="03000509000000000000" pitchFamily="65" charset="-120"/>
+                <a:cs typeface="Times New Roman" panose="02020603050405020304" pitchFamily="18" charset="0"/>
+              </a:rPr>
+              <a:t>過大，需要將其中部分資料遷移出去</a:t>
+            </a:r>
+            <a:r>
+              <a:rPr lang="zh-TW" altLang="en-US" dirty="0" smtClean="0">
+                <a:latin typeface="Times New Roman" panose="02020603050405020304" pitchFamily="18" charset="0"/>
+                <a:ea typeface="標楷體" panose="03000509000000000000" pitchFamily="65" charset="-120"/>
+                <a:cs typeface="Times New Roman" panose="02020603050405020304" pitchFamily="18" charset="0"/>
+              </a:rPr>
+              <a:t>，遷移</a:t>
+            </a:r>
+            <a:r>
+              <a:rPr lang="zh-TW" altLang="en-US" dirty="0">
+                <a:latin typeface="Times New Roman" panose="02020603050405020304" pitchFamily="18" charset="0"/>
+                <a:ea typeface="標楷體" panose="03000509000000000000" pitchFamily="65" charset="-120"/>
+                <a:cs typeface="Times New Roman" panose="02020603050405020304" pitchFamily="18" charset="0"/>
+              </a:rPr>
+              <a:t>過程需要總控節點整體協調，以及</a:t>
+            </a:r>
+            <a:r>
+              <a:rPr lang="zh-TW" altLang="en-US" dirty="0" smtClean="0">
+                <a:latin typeface="Times New Roman" panose="02020603050405020304" pitchFamily="18" charset="0"/>
+                <a:ea typeface="標楷體" panose="03000509000000000000" pitchFamily="65" charset="-120"/>
+                <a:cs typeface="Times New Roman" panose="02020603050405020304" pitchFamily="18" charset="0"/>
+              </a:rPr>
+              <a:t>資料庫</a:t>
+            </a:r>
+            <a:r>
+              <a:rPr lang="zh-TW" altLang="en-US" dirty="0">
+                <a:latin typeface="Times New Roman" panose="02020603050405020304" pitchFamily="18" charset="0"/>
+                <a:ea typeface="標楷體" panose="03000509000000000000" pitchFamily="65" charset="-120"/>
+                <a:cs typeface="Times New Roman" panose="02020603050405020304" pitchFamily="18" charset="0"/>
+              </a:rPr>
+              <a:t>節點的配合。這個過程很難做到</a:t>
+            </a:r>
+            <a:r>
+              <a:rPr lang="zh-TW" altLang="en-US" dirty="0" smtClean="0">
+                <a:latin typeface="Times New Roman" panose="02020603050405020304" pitchFamily="18" charset="0"/>
+                <a:ea typeface="標楷體" panose="03000509000000000000" pitchFamily="65" charset="-120"/>
+                <a:cs typeface="Times New Roman" panose="02020603050405020304" pitchFamily="18" charset="0"/>
+              </a:rPr>
+              <a:t>自動化</a:t>
+            </a:r>
+            <a:r>
+              <a:rPr lang="zh-TW" altLang="en-US" dirty="0">
+                <a:latin typeface="Times New Roman" panose="02020603050405020304" pitchFamily="18" charset="0"/>
+                <a:ea typeface="標楷體" panose="03000509000000000000" pitchFamily="65" charset="-120"/>
+                <a:cs typeface="Times New Roman" panose="02020603050405020304" pitchFamily="18" charset="0"/>
+              </a:rPr>
+              <a:t>，通常需要人工處理</a:t>
+            </a:r>
+            <a:endParaRPr lang="zh-TW" altLang="en-US" dirty="0">
+              <a:latin typeface="Times New Roman" panose="02020603050405020304" pitchFamily="18" charset="0"/>
+              <a:ea typeface="標楷體" panose="03000509000000000000" pitchFamily="65" charset="-120"/>
+              <a:cs typeface="Times New Roman" panose="02020603050405020304" pitchFamily="18" charset="0"/>
+            </a:endParaRPr>
           </a:p>
         </p:txBody>
       </p:sp>
+      <p:pic>
+        <p:nvPicPr>
+          <p:cNvPr id="4" name="圖片 3"/>
+          <p:cNvPicPr>
+            <a:picLocks noChangeAspect="1"/>
+          </p:cNvPicPr>
+          <p:nvPr/>
+        </p:nvPicPr>
+        <p:blipFill>
+          <a:blip r:embed="rId2"/>
+          <a:stretch>
+            <a:fillRect/>
+          </a:stretch>
+        </p:blipFill>
+        <p:spPr>
+          <a:xfrm>
+            <a:off x="7279043" y="2203969"/>
+            <a:ext cx="3981450" cy="3467100"/>
+          </a:xfrm>
+          <a:prstGeom prst="rect">
+            <a:avLst/>
+          </a:prstGeom>
+        </p:spPr>
+      </p:pic>
     </p:spTree>
     <p:extLst>
       <p:ext uri="{BB962C8B-B14F-4D97-AF65-F5344CB8AC3E}">
@@ -4792,31 +10187,6 @@
       </p:grpSpPr>
       <p:sp>
         <p:nvSpPr>
-          <p:cNvPr id="2" name="標題 1">
-            <a:extLst>
-              <a:ext uri="{FF2B5EF4-FFF2-40B4-BE49-F238E27FC236}">
-                <a16:creationId xmlns:a16="http://schemas.microsoft.com/office/drawing/2014/main" id="{0E29688A-84C3-4D41-94F7-4B26F1AC8D8F}"/>
-              </a:ext>
-            </a:extLst>
-          </p:cNvPr>
-          <p:cNvSpPr>
-            <a:spLocks noGrp="1"/>
-          </p:cNvSpPr>
-          <p:nvPr>
-            <p:ph type="title"/>
-          </p:nvPr>
-        </p:nvSpPr>
-        <p:spPr/>
-        <p:txBody>
-          <a:bodyPr/>
-          <a:lstStyle/>
-          <a:p>
-            <a:endParaRPr lang="zh-TW" altLang="en-US"/>
-          </a:p>
-        </p:txBody>
-      </p:sp>
-      <p:sp>
-        <p:nvSpPr>
           <p:cNvPr id="3" name="內容版面配置區 2">
             <a:extLst>
               <a:ext uri="{FF2B5EF4-FFF2-40B4-BE49-F238E27FC236}">
@@ -4831,12 +10201,213 @@
             <p:ph idx="1"/>
           </p:nvPr>
         </p:nvSpPr>
-        <p:spPr/>
+        <p:spPr>
+          <a:xfrm>
+            <a:off x="838200" y="1212980"/>
+            <a:ext cx="10515600" cy="4963983"/>
+          </a:xfrm>
+        </p:spPr>
         <p:txBody>
           <a:bodyPr/>
           <a:lstStyle/>
           <a:p>
-            <a:endParaRPr lang="zh-TW" altLang="en-US"/>
+            <a:r>
+              <a:rPr lang="en-US" altLang="zh-TW" dirty="0">
+                <a:latin typeface="Times New Roman" panose="02020603050405020304" pitchFamily="18" charset="0"/>
+                <a:ea typeface="標楷體" panose="03000509000000000000" pitchFamily="65" charset="-120"/>
+                <a:cs typeface="Times New Roman" panose="02020603050405020304" pitchFamily="18" charset="0"/>
+              </a:rPr>
+              <a:t>2</a:t>
+            </a:r>
+            <a:r>
+              <a:rPr lang="zh-TW" altLang="en-US" dirty="0">
+                <a:latin typeface="Times New Roman" panose="02020603050405020304" pitchFamily="18" charset="0"/>
+                <a:ea typeface="標楷體" panose="03000509000000000000" pitchFamily="65" charset="-120"/>
+                <a:cs typeface="Times New Roman" panose="02020603050405020304" pitchFamily="18" charset="0"/>
+              </a:rPr>
+              <a:t>、“</a:t>
+            </a:r>
+            <a:r>
+              <a:rPr lang="en-US" altLang="zh-TW" dirty="0">
+                <a:latin typeface="Times New Roman" panose="02020603050405020304" pitchFamily="18" charset="0"/>
+                <a:ea typeface="標楷體" panose="03000509000000000000" pitchFamily="65" charset="-120"/>
+                <a:cs typeface="Times New Roman" panose="02020603050405020304" pitchFamily="18" charset="0"/>
+              </a:rPr>
+              <a:t>One size fits all”(</a:t>
+            </a:r>
+            <a:r>
+              <a:rPr lang="zh-TW" altLang="en-US" dirty="0">
+                <a:latin typeface="Times New Roman" panose="02020603050405020304" pitchFamily="18" charset="0"/>
+                <a:ea typeface="標楷體" panose="03000509000000000000" pitchFamily="65" charset="-120"/>
+                <a:cs typeface="Times New Roman" panose="02020603050405020304" pitchFamily="18" charset="0"/>
+              </a:rPr>
+              <a:t>一體適用全部任務</a:t>
+            </a:r>
+            <a:r>
+              <a:rPr lang="en-US" altLang="zh-TW" dirty="0">
+                <a:latin typeface="Times New Roman" panose="02020603050405020304" pitchFamily="18" charset="0"/>
+                <a:ea typeface="標楷體" panose="03000509000000000000" pitchFamily="65" charset="-120"/>
+                <a:cs typeface="Times New Roman" panose="02020603050405020304" pitchFamily="18" charset="0"/>
+              </a:rPr>
+              <a:t>) </a:t>
+            </a:r>
+            <a:r>
+              <a:rPr lang="zh-TW" altLang="en-US" dirty="0">
+                <a:latin typeface="Times New Roman" panose="02020603050405020304" pitchFamily="18" charset="0"/>
+                <a:ea typeface="標楷體" panose="03000509000000000000" pitchFamily="65" charset="-120"/>
+                <a:cs typeface="Times New Roman" panose="02020603050405020304" pitchFamily="18" charset="0"/>
+              </a:rPr>
+              <a:t>模式很難適用於</a:t>
+            </a:r>
+            <a:r>
+              <a:rPr lang="zh-TW" altLang="en-US" dirty="0" smtClean="0">
+                <a:latin typeface="Times New Roman" panose="02020603050405020304" pitchFamily="18" charset="0"/>
+                <a:ea typeface="標楷體" panose="03000509000000000000" pitchFamily="65" charset="-120"/>
+                <a:cs typeface="Times New Roman" panose="02020603050405020304" pitchFamily="18" charset="0"/>
+              </a:rPr>
+              <a:t>截然不同的</a:t>
+            </a:r>
+            <a:r>
+              <a:rPr lang="zh-TW" altLang="en-US" dirty="0">
+                <a:latin typeface="Times New Roman" panose="02020603050405020304" pitchFamily="18" charset="0"/>
+                <a:ea typeface="標楷體" panose="03000509000000000000" pitchFamily="65" charset="-120"/>
+                <a:cs typeface="Times New Roman" panose="02020603050405020304" pitchFamily="18" charset="0"/>
+              </a:rPr>
+              <a:t>任務場</a:t>
+            </a:r>
+            <a:r>
+              <a:rPr lang="zh-TW" altLang="en-US" dirty="0" smtClean="0">
+                <a:latin typeface="Times New Roman" panose="02020603050405020304" pitchFamily="18" charset="0"/>
+                <a:ea typeface="標楷體" panose="03000509000000000000" pitchFamily="65" charset="-120"/>
+                <a:cs typeface="Times New Roman" panose="02020603050405020304" pitchFamily="18" charset="0"/>
+              </a:rPr>
+              <a:t>域</a:t>
+            </a:r>
+            <a:endParaRPr lang="en-US" altLang="zh-TW" dirty="0" smtClean="0">
+              <a:latin typeface="Times New Roman" panose="02020603050405020304" pitchFamily="18" charset="0"/>
+              <a:ea typeface="標楷體" panose="03000509000000000000" pitchFamily="65" charset="-120"/>
+              <a:cs typeface="Times New Roman" panose="02020603050405020304" pitchFamily="18" charset="0"/>
+            </a:endParaRPr>
+          </a:p>
+          <a:p>
+            <a:pPr lvl="1"/>
+            <a:r>
+              <a:rPr lang="zh-TW" altLang="en-US" dirty="0">
+                <a:latin typeface="Times New Roman" panose="02020603050405020304" pitchFamily="18" charset="0"/>
+                <a:ea typeface="標楷體" panose="03000509000000000000" pitchFamily="65" charset="-120"/>
+                <a:cs typeface="Times New Roman" panose="02020603050405020304" pitchFamily="18" charset="0"/>
+              </a:rPr>
+              <a:t>資料模型既被用於批次資料分析任務，也被</a:t>
+            </a:r>
+            <a:r>
+              <a:rPr lang="zh-TW" altLang="en-US" dirty="0" smtClean="0">
+                <a:latin typeface="Times New Roman" panose="02020603050405020304" pitchFamily="18" charset="0"/>
+                <a:ea typeface="標楷體" panose="03000509000000000000" pitchFamily="65" charset="-120"/>
+                <a:cs typeface="Times New Roman" panose="02020603050405020304" pitchFamily="18" charset="0"/>
+              </a:rPr>
+              <a:t>用於線</a:t>
+            </a:r>
+            <a:r>
+              <a:rPr lang="zh-TW" altLang="en-US" dirty="0">
+                <a:latin typeface="Times New Roman" panose="02020603050405020304" pitchFamily="18" charset="0"/>
+                <a:ea typeface="標楷體" panose="03000509000000000000" pitchFamily="65" charset="-120"/>
+                <a:cs typeface="Times New Roman" panose="02020603050405020304" pitchFamily="18" charset="0"/>
+              </a:rPr>
+              <a:t>上即時任務。但這兩個任務一個強調高吞吐量，一個強調低延時</a:t>
+            </a:r>
+            <a:r>
+              <a:rPr lang="zh-TW" altLang="en-US" dirty="0" smtClean="0">
+                <a:latin typeface="Times New Roman" panose="02020603050405020304" pitchFamily="18" charset="0"/>
+                <a:ea typeface="標楷體" panose="03000509000000000000" pitchFamily="65" charset="-120"/>
+                <a:cs typeface="Times New Roman" panose="02020603050405020304" pitchFamily="18" charset="0"/>
+              </a:rPr>
+              <a:t>，已經</a:t>
+            </a:r>
+            <a:r>
+              <a:rPr lang="zh-TW" altLang="en-US" dirty="0">
+                <a:latin typeface="Times New Roman" panose="02020603050405020304" pitchFamily="18" charset="0"/>
+                <a:ea typeface="標楷體" panose="03000509000000000000" pitchFamily="65" charset="-120"/>
+                <a:cs typeface="Times New Roman" panose="02020603050405020304" pitchFamily="18" charset="0"/>
+              </a:rPr>
+              <a:t>演化出完全不同的架構。用同一套模型來抽象顯然是不合適的</a:t>
+            </a:r>
+            <a:endParaRPr lang="en-US" altLang="zh-TW" dirty="0" smtClean="0">
+              <a:latin typeface="Times New Roman" panose="02020603050405020304" pitchFamily="18" charset="0"/>
+              <a:ea typeface="標楷體" panose="03000509000000000000" pitchFamily="65" charset="-120"/>
+              <a:cs typeface="Times New Roman" panose="02020603050405020304" pitchFamily="18" charset="0"/>
+            </a:endParaRPr>
+          </a:p>
+          <a:p>
+            <a:pPr lvl="1"/>
+            <a:r>
+              <a:rPr lang="en-US" altLang="zh-TW" dirty="0">
+                <a:latin typeface="Times New Roman" panose="02020603050405020304" pitchFamily="18" charset="0"/>
+                <a:ea typeface="標楷體" panose="03000509000000000000" pitchFamily="65" charset="-120"/>
+                <a:cs typeface="Times New Roman" panose="02020603050405020304" pitchFamily="18" charset="0"/>
+              </a:rPr>
+              <a:t>Hadoop</a:t>
+            </a:r>
+            <a:r>
+              <a:rPr lang="zh-TW" altLang="en-US" dirty="0">
+                <a:latin typeface="Times New Roman" panose="02020603050405020304" pitchFamily="18" charset="0"/>
+                <a:ea typeface="標楷體" panose="03000509000000000000" pitchFamily="65" charset="-120"/>
+                <a:cs typeface="Times New Roman" panose="02020603050405020304" pitchFamily="18" charset="0"/>
+              </a:rPr>
+              <a:t>就是針對批次</a:t>
+            </a:r>
+            <a:r>
+              <a:rPr lang="zh-TW" altLang="en-US" dirty="0" smtClean="0">
+                <a:latin typeface="Times New Roman" panose="02020603050405020304" pitchFamily="18" charset="0"/>
+                <a:ea typeface="標楷體" panose="03000509000000000000" pitchFamily="65" charset="-120"/>
+                <a:cs typeface="Times New Roman" panose="02020603050405020304" pitchFamily="18" charset="0"/>
+              </a:rPr>
+              <a:t>資料分析</a:t>
+            </a:r>
+            <a:endParaRPr lang="en-US" altLang="zh-TW" dirty="0" smtClean="0">
+              <a:latin typeface="Times New Roman" panose="02020603050405020304" pitchFamily="18" charset="0"/>
+              <a:ea typeface="標楷體" panose="03000509000000000000" pitchFamily="65" charset="-120"/>
+              <a:cs typeface="Times New Roman" panose="02020603050405020304" pitchFamily="18" charset="0"/>
+            </a:endParaRPr>
+          </a:p>
+          <a:p>
+            <a:pPr lvl="1"/>
+            <a:r>
+              <a:rPr lang="en-US" altLang="zh-TW" dirty="0">
+                <a:latin typeface="Times New Roman" panose="02020603050405020304" pitchFamily="18" charset="0"/>
+                <a:ea typeface="標楷體" panose="03000509000000000000" pitchFamily="65" charset="-120"/>
+                <a:cs typeface="Times New Roman" panose="02020603050405020304" pitchFamily="18" charset="0"/>
+              </a:rPr>
+              <a:t>MongoDB</a:t>
+            </a:r>
+            <a:r>
+              <a:rPr lang="zh-TW" altLang="en-US" dirty="0">
+                <a:latin typeface="Times New Roman" panose="02020603050405020304" pitchFamily="18" charset="0"/>
+                <a:ea typeface="標楷體" panose="03000509000000000000" pitchFamily="65" charset="-120"/>
+                <a:cs typeface="Times New Roman" panose="02020603050405020304" pitchFamily="18" charset="0"/>
+              </a:rPr>
+              <a:t>、</a:t>
+            </a:r>
+            <a:r>
+              <a:rPr lang="en-US" altLang="zh-TW" dirty="0" err="1">
+                <a:latin typeface="Times New Roman" panose="02020603050405020304" pitchFamily="18" charset="0"/>
+                <a:ea typeface="標楷體" panose="03000509000000000000" pitchFamily="65" charset="-120"/>
+                <a:cs typeface="Times New Roman" panose="02020603050405020304" pitchFamily="18" charset="0"/>
+              </a:rPr>
+              <a:t>Redis</a:t>
+            </a:r>
+            <a:r>
+              <a:rPr lang="zh-TW" altLang="en-US" dirty="0">
+                <a:latin typeface="Times New Roman" panose="02020603050405020304" pitchFamily="18" charset="0"/>
+                <a:ea typeface="標楷體" panose="03000509000000000000" pitchFamily="65" charset="-120"/>
+                <a:cs typeface="Times New Roman" panose="02020603050405020304" pitchFamily="18" charset="0"/>
+              </a:rPr>
+              <a:t>等是針對線上任務，兩者都拋棄了關聯模型</a:t>
+            </a:r>
+            <a:endParaRPr lang="zh-TW" altLang="en-US" dirty="0">
+              <a:latin typeface="Times New Roman" panose="02020603050405020304" pitchFamily="18" charset="0"/>
+              <a:ea typeface="標楷體" panose="03000509000000000000" pitchFamily="65" charset="-120"/>
+              <a:cs typeface="Times New Roman" panose="02020603050405020304" pitchFamily="18" charset="0"/>
+            </a:endParaRPr>
           </a:p>
         </p:txBody>
       </p:sp>
@@ -4891,19 +10462,804 @@
           <a:bodyPr/>
           <a:lstStyle/>
           <a:p>
-            <a:endParaRPr lang="zh-TW" altLang="en-US"/>
+            <a:r>
+              <a:rPr lang="en-US" altLang="zh-TW" dirty="0">
+                <a:latin typeface="Times New Roman" panose="02020603050405020304" pitchFamily="18" charset="0"/>
+                <a:ea typeface="標楷體" panose="03000509000000000000" pitchFamily="65" charset="-120"/>
+                <a:cs typeface="Times New Roman" panose="02020603050405020304" pitchFamily="18" charset="0"/>
+              </a:rPr>
+              <a:t>NoSQL</a:t>
+            </a:r>
+            <a:r>
+              <a:rPr lang="zh-TW" altLang="en-US" dirty="0">
+                <a:latin typeface="Times New Roman" panose="02020603050405020304" pitchFamily="18" charset="0"/>
+                <a:ea typeface="標楷體" panose="03000509000000000000" pitchFamily="65" charset="-120"/>
+                <a:cs typeface="Times New Roman" panose="02020603050405020304" pitchFamily="18" charset="0"/>
+              </a:rPr>
+              <a:t>與關聯式資料庫的比較 </a:t>
+            </a:r>
+            <a:endParaRPr lang="zh-TW" altLang="en-US" dirty="0"/>
           </a:p>
         </p:txBody>
       </p:sp>
+      <p:graphicFrame>
+        <p:nvGraphicFramePr>
+          <p:cNvPr id="5" name="內容版面配置區 4"/>
+          <p:cNvGraphicFramePr>
+            <a:graphicFrameLocks noGrp="1"/>
+          </p:cNvGraphicFramePr>
+          <p:nvPr>
+            <p:ph idx="1"/>
+            <p:extLst>
+              <p:ext uri="{D42A27DB-BD31-4B8C-83A1-F6EECF244321}">
+                <p14:modId xmlns:p14="http://schemas.microsoft.com/office/powerpoint/2010/main" val="262841502"/>
+              </p:ext>
+            </p:extLst>
+          </p:nvPr>
+        </p:nvGraphicFramePr>
+        <p:xfrm>
+          <a:off x="838200" y="1489721"/>
+          <a:ext cx="10515600" cy="5153674"/>
+        </p:xfrm>
+        <a:graphic>
+          <a:graphicData uri="http://schemas.openxmlformats.org/drawingml/2006/table">
+            <a:tbl>
+              <a:tblPr firstRow="1" bandRow="1">
+                <a:tableStyleId>{073A0DAA-6AF3-43AB-8588-CEC1D06C72B9}</a:tableStyleId>
+              </a:tblPr>
+              <a:tblGrid>
+                <a:gridCol w="1438469">
+                  <a:extLst>
+                    <a:ext uri="{9D8B030D-6E8A-4147-A177-3AD203B41FA5}">
+                      <a16:colId xmlns:a16="http://schemas.microsoft.com/office/drawing/2014/main" val="3112319714"/>
+                    </a:ext>
+                  </a:extLst>
+                </a:gridCol>
+                <a:gridCol w="1436915">
+                  <a:extLst>
+                    <a:ext uri="{9D8B030D-6E8A-4147-A177-3AD203B41FA5}">
+                      <a16:colId xmlns:a16="http://schemas.microsoft.com/office/drawing/2014/main" val="803477215"/>
+                    </a:ext>
+                  </a:extLst>
+                </a:gridCol>
+                <a:gridCol w="1978089">
+                  <a:extLst>
+                    <a:ext uri="{9D8B030D-6E8A-4147-A177-3AD203B41FA5}">
+                      <a16:colId xmlns:a16="http://schemas.microsoft.com/office/drawing/2014/main" val="3093396570"/>
+                    </a:ext>
+                  </a:extLst>
+                </a:gridCol>
+                <a:gridCol w="5662127">
+                  <a:extLst>
+                    <a:ext uri="{9D8B030D-6E8A-4147-A177-3AD203B41FA5}">
+                      <a16:colId xmlns:a16="http://schemas.microsoft.com/office/drawing/2014/main" val="708627336"/>
+                    </a:ext>
+                  </a:extLst>
+                </a:gridCol>
+              </a:tblGrid>
+              <a:tr h="393946">
+                <a:tc>
+                  <a:txBody>
+                    <a:bodyPr/>
+                    <a:lstStyle/>
+                    <a:p>
+                      <a:r>
+                        <a:rPr lang="zh-TW" altLang="en-US" dirty="0" smtClean="0">
+                          <a:latin typeface="Times New Roman" panose="02020603050405020304" pitchFamily="18" charset="0"/>
+                          <a:ea typeface="標楷體" panose="03000509000000000000" pitchFamily="65" charset="-120"/>
+                          <a:cs typeface="Times New Roman" panose="02020603050405020304" pitchFamily="18" charset="0"/>
+                        </a:rPr>
+                        <a:t>比較標準</a:t>
+                      </a:r>
+                      <a:endParaRPr lang="zh-TW" altLang="en-US" dirty="0">
+                        <a:latin typeface="Times New Roman" panose="02020603050405020304" pitchFamily="18" charset="0"/>
+                        <a:ea typeface="標楷體" panose="03000509000000000000" pitchFamily="65" charset="-120"/>
+                        <a:cs typeface="Times New Roman" panose="02020603050405020304" pitchFamily="18" charset="0"/>
+                      </a:endParaRPr>
+                    </a:p>
+                  </a:txBody>
+                  <a:tcPr/>
+                </a:tc>
+                <a:tc>
+                  <a:txBody>
+                    <a:bodyPr/>
+                    <a:lstStyle/>
+                    <a:p>
+                      <a:r>
+                        <a:rPr lang="en-US" altLang="zh-TW" dirty="0" smtClean="0">
+                          <a:latin typeface="Times New Roman" panose="02020603050405020304" pitchFamily="18" charset="0"/>
+                          <a:ea typeface="標楷體" panose="03000509000000000000" pitchFamily="65" charset="-120"/>
+                          <a:cs typeface="Times New Roman" panose="02020603050405020304" pitchFamily="18" charset="0"/>
+                        </a:rPr>
+                        <a:t>RDBMS</a:t>
+                      </a:r>
+                      <a:endParaRPr lang="zh-TW" altLang="en-US" dirty="0">
+                        <a:latin typeface="Times New Roman" panose="02020603050405020304" pitchFamily="18" charset="0"/>
+                        <a:ea typeface="標楷體" panose="03000509000000000000" pitchFamily="65" charset="-120"/>
+                        <a:cs typeface="Times New Roman" panose="02020603050405020304" pitchFamily="18" charset="0"/>
+                      </a:endParaRPr>
+                    </a:p>
+                  </a:txBody>
+                  <a:tcPr/>
+                </a:tc>
+                <a:tc>
+                  <a:txBody>
+                    <a:bodyPr/>
+                    <a:lstStyle/>
+                    <a:p>
+                      <a:r>
+                        <a:rPr lang="en-US" altLang="zh-TW" dirty="0" smtClean="0">
+                          <a:latin typeface="Times New Roman" panose="02020603050405020304" pitchFamily="18" charset="0"/>
+                          <a:ea typeface="標楷體" panose="03000509000000000000" pitchFamily="65" charset="-120"/>
+                          <a:cs typeface="Times New Roman" panose="02020603050405020304" pitchFamily="18" charset="0"/>
+                        </a:rPr>
+                        <a:t>NoSQL</a:t>
+                      </a:r>
+                      <a:endParaRPr lang="zh-TW" altLang="en-US" dirty="0">
+                        <a:latin typeface="Times New Roman" panose="02020603050405020304" pitchFamily="18" charset="0"/>
+                        <a:ea typeface="標楷體" panose="03000509000000000000" pitchFamily="65" charset="-120"/>
+                        <a:cs typeface="Times New Roman" panose="02020603050405020304" pitchFamily="18" charset="0"/>
+                      </a:endParaRPr>
+                    </a:p>
+                  </a:txBody>
+                  <a:tcPr/>
+                </a:tc>
+                <a:tc>
+                  <a:txBody>
+                    <a:bodyPr/>
+                    <a:lstStyle/>
+                    <a:p>
+                      <a:r>
+                        <a:rPr lang="zh-TW" altLang="en-US" dirty="0" smtClean="0">
+                          <a:latin typeface="Times New Roman" panose="02020603050405020304" pitchFamily="18" charset="0"/>
+                          <a:ea typeface="標楷體" panose="03000509000000000000" pitchFamily="65" charset="-120"/>
+                          <a:cs typeface="Times New Roman" panose="02020603050405020304" pitchFamily="18" charset="0"/>
+                        </a:rPr>
+                        <a:t>備註</a:t>
+                      </a:r>
+                      <a:endParaRPr lang="zh-TW" altLang="en-US" dirty="0">
+                        <a:latin typeface="Times New Roman" panose="02020603050405020304" pitchFamily="18" charset="0"/>
+                        <a:ea typeface="標楷體" panose="03000509000000000000" pitchFamily="65" charset="-120"/>
+                        <a:cs typeface="Times New Roman" panose="02020603050405020304" pitchFamily="18" charset="0"/>
+                      </a:endParaRPr>
+                    </a:p>
+                  </a:txBody>
+                  <a:tcPr/>
+                </a:tc>
+                <a:extLst>
+                  <a:ext uri="{0D108BD9-81ED-4DB2-BD59-A6C34878D82A}">
+                    <a16:rowId xmlns:a16="http://schemas.microsoft.com/office/drawing/2014/main" val="1954093378"/>
+                  </a:ext>
+                </a:extLst>
+              </a:tr>
+              <a:tr h="679961">
+                <a:tc>
+                  <a:txBody>
+                    <a:bodyPr/>
+                    <a:lstStyle/>
+                    <a:p>
+                      <a:r>
+                        <a:rPr lang="zh-TW" altLang="en-US" dirty="0" smtClean="0">
+                          <a:latin typeface="Times New Roman" panose="02020603050405020304" pitchFamily="18" charset="0"/>
+                          <a:ea typeface="標楷體" panose="03000509000000000000" pitchFamily="65" charset="-120"/>
+                          <a:cs typeface="Times New Roman" panose="02020603050405020304" pitchFamily="18" charset="0"/>
+                        </a:rPr>
+                        <a:t>資料庫原理</a:t>
+                      </a:r>
+                      <a:endParaRPr lang="zh-TW" altLang="en-US" dirty="0">
+                        <a:latin typeface="Times New Roman" panose="02020603050405020304" pitchFamily="18" charset="0"/>
+                        <a:ea typeface="標楷體" panose="03000509000000000000" pitchFamily="65" charset="-120"/>
+                        <a:cs typeface="Times New Roman" panose="02020603050405020304" pitchFamily="18" charset="0"/>
+                      </a:endParaRPr>
+                    </a:p>
+                  </a:txBody>
+                  <a:tcPr/>
+                </a:tc>
+                <a:tc>
+                  <a:txBody>
+                    <a:bodyPr/>
+                    <a:lstStyle/>
+                    <a:p>
+                      <a:r>
+                        <a:rPr lang="zh-TW" altLang="en-US" dirty="0" smtClean="0">
+                          <a:latin typeface="Times New Roman" panose="02020603050405020304" pitchFamily="18" charset="0"/>
+                          <a:ea typeface="標楷體" panose="03000509000000000000" pitchFamily="65" charset="-120"/>
+                          <a:cs typeface="Times New Roman" panose="02020603050405020304" pitchFamily="18" charset="0"/>
+                        </a:rPr>
+                        <a:t>完全支持</a:t>
+                      </a:r>
+                      <a:endParaRPr lang="zh-TW" altLang="en-US" dirty="0">
+                        <a:latin typeface="Times New Roman" panose="02020603050405020304" pitchFamily="18" charset="0"/>
+                        <a:ea typeface="標楷體" panose="03000509000000000000" pitchFamily="65" charset="-120"/>
+                        <a:cs typeface="Times New Roman" panose="02020603050405020304" pitchFamily="18" charset="0"/>
+                      </a:endParaRPr>
+                    </a:p>
+                  </a:txBody>
+                  <a:tcPr/>
+                </a:tc>
+                <a:tc>
+                  <a:txBody>
+                    <a:bodyPr/>
+                    <a:lstStyle/>
+                    <a:p>
+                      <a:r>
+                        <a:rPr lang="zh-TW" altLang="en-US" dirty="0" smtClean="0">
+                          <a:latin typeface="Times New Roman" panose="02020603050405020304" pitchFamily="18" charset="0"/>
+                          <a:ea typeface="標楷體" panose="03000509000000000000" pitchFamily="65" charset="-120"/>
+                          <a:cs typeface="Times New Roman" panose="02020603050405020304" pitchFamily="18" charset="0"/>
+                        </a:rPr>
+                        <a:t>部分支援</a:t>
+                      </a:r>
+                      <a:endParaRPr lang="zh-TW" altLang="en-US" dirty="0">
+                        <a:latin typeface="Times New Roman" panose="02020603050405020304" pitchFamily="18" charset="0"/>
+                        <a:ea typeface="標楷體" panose="03000509000000000000" pitchFamily="65" charset="-120"/>
+                        <a:cs typeface="Times New Roman" panose="02020603050405020304" pitchFamily="18" charset="0"/>
+                      </a:endParaRPr>
+                    </a:p>
+                  </a:txBody>
+                  <a:tcPr/>
+                </a:tc>
+                <a:tc>
+                  <a:txBody>
+                    <a:bodyPr/>
+                    <a:lstStyle/>
+                    <a:p>
+                      <a:pPr marL="285750" indent="-285750">
+                        <a:buFont typeface="Arial" panose="020B0604020202020204" pitchFamily="34" charset="0"/>
+                        <a:buChar char="•"/>
+                      </a:pPr>
+                      <a:r>
+                        <a:rPr lang="en-US" altLang="zh-TW" dirty="0" smtClean="0">
+                          <a:latin typeface="Times New Roman" panose="02020603050405020304" pitchFamily="18" charset="0"/>
+                          <a:ea typeface="標楷體" panose="03000509000000000000" pitchFamily="65" charset="-120"/>
+                          <a:cs typeface="Times New Roman" panose="02020603050405020304" pitchFamily="18" charset="0"/>
+                        </a:rPr>
+                        <a:t>RDBMS</a:t>
+                      </a:r>
+                      <a:r>
+                        <a:rPr lang="zh-TW" altLang="en-US" dirty="0" smtClean="0">
+                          <a:latin typeface="Times New Roman" panose="02020603050405020304" pitchFamily="18" charset="0"/>
+                          <a:ea typeface="標楷體" panose="03000509000000000000" pitchFamily="65" charset="-120"/>
+                          <a:cs typeface="Times New Roman" panose="02020603050405020304" pitchFamily="18" charset="0"/>
+                        </a:rPr>
+                        <a:t>有關聯代數理論作為基礎</a:t>
+                      </a:r>
+                      <a:endParaRPr lang="en-US" altLang="zh-TW" dirty="0" smtClean="0">
+                        <a:latin typeface="Times New Roman" panose="02020603050405020304" pitchFamily="18" charset="0"/>
+                        <a:ea typeface="標楷體" panose="03000509000000000000" pitchFamily="65" charset="-120"/>
+                        <a:cs typeface="Times New Roman" panose="02020603050405020304" pitchFamily="18" charset="0"/>
+                      </a:endParaRPr>
+                    </a:p>
+                    <a:p>
+                      <a:pPr marL="285750" indent="-285750">
+                        <a:buFont typeface="Arial" panose="020B0604020202020204" pitchFamily="34" charset="0"/>
+                        <a:buChar char="•"/>
+                      </a:pPr>
+                      <a:r>
+                        <a:rPr lang="en-US" altLang="zh-TW" dirty="0" smtClean="0">
+                          <a:latin typeface="Times New Roman" panose="02020603050405020304" pitchFamily="18" charset="0"/>
+                          <a:ea typeface="標楷體" panose="03000509000000000000" pitchFamily="65" charset="-120"/>
+                          <a:cs typeface="Times New Roman" panose="02020603050405020304" pitchFamily="18" charset="0"/>
+                        </a:rPr>
+                        <a:t>NoSQL</a:t>
+                      </a:r>
+                      <a:r>
+                        <a:rPr lang="zh-TW" altLang="en-US" dirty="0" smtClean="0">
+                          <a:latin typeface="Times New Roman" panose="02020603050405020304" pitchFamily="18" charset="0"/>
+                          <a:ea typeface="標楷體" panose="03000509000000000000" pitchFamily="65" charset="-120"/>
+                          <a:cs typeface="Times New Roman" panose="02020603050405020304" pitchFamily="18" charset="0"/>
+                        </a:rPr>
+                        <a:t>沒有統一的理論基礎</a:t>
+                      </a:r>
+                      <a:endParaRPr lang="zh-TW" altLang="en-US" dirty="0">
+                        <a:latin typeface="Times New Roman" panose="02020603050405020304" pitchFamily="18" charset="0"/>
+                        <a:ea typeface="標楷體" panose="03000509000000000000" pitchFamily="65" charset="-120"/>
+                        <a:cs typeface="Times New Roman" panose="02020603050405020304" pitchFamily="18" charset="0"/>
+                      </a:endParaRPr>
+                    </a:p>
+                  </a:txBody>
+                  <a:tcPr/>
+                </a:tc>
+                <a:extLst>
+                  <a:ext uri="{0D108BD9-81ED-4DB2-BD59-A6C34878D82A}">
+                    <a16:rowId xmlns:a16="http://schemas.microsoft.com/office/drawing/2014/main" val="1036320680"/>
+                  </a:ext>
+                </a:extLst>
+              </a:tr>
+              <a:tr h="1262785">
+                <a:tc>
+                  <a:txBody>
+                    <a:bodyPr/>
+                    <a:lstStyle/>
+                    <a:p>
+                      <a:r>
+                        <a:rPr lang="zh-TW" altLang="en-US" dirty="0" smtClean="0">
+                          <a:latin typeface="Times New Roman" panose="02020603050405020304" pitchFamily="18" charset="0"/>
+                          <a:ea typeface="標楷體" panose="03000509000000000000" pitchFamily="65" charset="-120"/>
+                          <a:cs typeface="Times New Roman" panose="02020603050405020304" pitchFamily="18" charset="0"/>
+                        </a:rPr>
+                        <a:t>資料規模</a:t>
+                      </a:r>
+                      <a:endParaRPr lang="zh-TW" altLang="en-US" dirty="0">
+                        <a:latin typeface="Times New Roman" panose="02020603050405020304" pitchFamily="18" charset="0"/>
+                        <a:ea typeface="標楷體" panose="03000509000000000000" pitchFamily="65" charset="-120"/>
+                        <a:cs typeface="Times New Roman" panose="02020603050405020304" pitchFamily="18" charset="0"/>
+                      </a:endParaRPr>
+                    </a:p>
+                  </a:txBody>
+                  <a:tcPr/>
+                </a:tc>
+                <a:tc>
+                  <a:txBody>
+                    <a:bodyPr/>
+                    <a:lstStyle/>
+                    <a:p>
+                      <a:r>
+                        <a:rPr lang="zh-TW" altLang="en-US" dirty="0" smtClean="0">
+                          <a:latin typeface="Times New Roman" panose="02020603050405020304" pitchFamily="18" charset="0"/>
+                          <a:ea typeface="標楷體" panose="03000509000000000000" pitchFamily="65" charset="-120"/>
+                          <a:cs typeface="Times New Roman" panose="02020603050405020304" pitchFamily="18" charset="0"/>
+                        </a:rPr>
+                        <a:t>大</a:t>
+                      </a:r>
+                      <a:endParaRPr lang="zh-TW" altLang="en-US" dirty="0">
+                        <a:latin typeface="Times New Roman" panose="02020603050405020304" pitchFamily="18" charset="0"/>
+                        <a:ea typeface="標楷體" panose="03000509000000000000" pitchFamily="65" charset="-120"/>
+                        <a:cs typeface="Times New Roman" panose="02020603050405020304" pitchFamily="18" charset="0"/>
+                      </a:endParaRPr>
+                    </a:p>
+                  </a:txBody>
+                  <a:tcPr/>
+                </a:tc>
+                <a:tc>
+                  <a:txBody>
+                    <a:bodyPr/>
+                    <a:lstStyle/>
+                    <a:p>
+                      <a:r>
+                        <a:rPr lang="zh-TW" altLang="en-US" dirty="0" smtClean="0">
+                          <a:latin typeface="Times New Roman" panose="02020603050405020304" pitchFamily="18" charset="0"/>
+                          <a:ea typeface="標楷體" panose="03000509000000000000" pitchFamily="65" charset="-120"/>
+                          <a:cs typeface="Times New Roman" panose="02020603050405020304" pitchFamily="18" charset="0"/>
+                        </a:rPr>
+                        <a:t>超大</a:t>
+                      </a:r>
+                      <a:endParaRPr lang="zh-TW" altLang="en-US" dirty="0">
+                        <a:latin typeface="Times New Roman" panose="02020603050405020304" pitchFamily="18" charset="0"/>
+                        <a:ea typeface="標楷體" panose="03000509000000000000" pitchFamily="65" charset="-120"/>
+                        <a:cs typeface="Times New Roman" panose="02020603050405020304" pitchFamily="18" charset="0"/>
+                      </a:endParaRPr>
+                    </a:p>
+                  </a:txBody>
+                  <a:tcPr/>
+                </a:tc>
+                <a:tc>
+                  <a:txBody>
+                    <a:bodyPr/>
+                    <a:lstStyle/>
+                    <a:p>
+                      <a:pPr marL="285750" indent="-285750">
+                        <a:buFont typeface="Arial" panose="020B0604020202020204" pitchFamily="34" charset="0"/>
+                        <a:buChar char="•"/>
+                      </a:pPr>
+                      <a:r>
+                        <a:rPr lang="en-US" altLang="zh-TW" dirty="0" smtClean="0">
+                          <a:latin typeface="Times New Roman" panose="02020603050405020304" pitchFamily="18" charset="0"/>
+                          <a:ea typeface="標楷體" panose="03000509000000000000" pitchFamily="65" charset="-120"/>
+                          <a:cs typeface="Times New Roman" panose="02020603050405020304" pitchFamily="18" charset="0"/>
+                        </a:rPr>
+                        <a:t>RDBMS</a:t>
+                      </a:r>
+                      <a:r>
+                        <a:rPr lang="zh-TW" altLang="en-US" dirty="0" smtClean="0">
+                          <a:latin typeface="Times New Roman" panose="02020603050405020304" pitchFamily="18" charset="0"/>
+                          <a:ea typeface="標楷體" panose="03000509000000000000" pitchFamily="65" charset="-120"/>
+                          <a:cs typeface="Times New Roman" panose="02020603050405020304" pitchFamily="18" charset="0"/>
+                        </a:rPr>
+                        <a:t>很難實現橫向擴展，縱向擴展的空間也比 較有限，性能會隨著資料規模的增大而降低 </a:t>
+                      </a:r>
+                      <a:endParaRPr lang="en-US" altLang="zh-TW" dirty="0" smtClean="0">
+                        <a:latin typeface="Times New Roman" panose="02020603050405020304" pitchFamily="18" charset="0"/>
+                        <a:ea typeface="標楷體" panose="03000509000000000000" pitchFamily="65" charset="-120"/>
+                        <a:cs typeface="Times New Roman" panose="02020603050405020304" pitchFamily="18" charset="0"/>
+                      </a:endParaRPr>
+                    </a:p>
+                    <a:p>
+                      <a:pPr marL="285750" indent="-285750">
+                        <a:buFont typeface="Arial" panose="020B0604020202020204" pitchFamily="34" charset="0"/>
+                        <a:buChar char="•"/>
+                      </a:pPr>
+                      <a:r>
+                        <a:rPr lang="en-US" altLang="zh-TW" dirty="0" smtClean="0">
+                          <a:latin typeface="Times New Roman" panose="02020603050405020304" pitchFamily="18" charset="0"/>
+                          <a:ea typeface="標楷體" panose="03000509000000000000" pitchFamily="65" charset="-120"/>
+                          <a:cs typeface="Times New Roman" panose="02020603050405020304" pitchFamily="18" charset="0"/>
+                        </a:rPr>
+                        <a:t>NoSQL</a:t>
+                      </a:r>
+                      <a:r>
+                        <a:rPr lang="zh-TW" altLang="en-US" dirty="0" smtClean="0">
+                          <a:latin typeface="Times New Roman" panose="02020603050405020304" pitchFamily="18" charset="0"/>
+                          <a:ea typeface="標楷體" panose="03000509000000000000" pitchFamily="65" charset="-120"/>
+                          <a:cs typeface="Times New Roman" panose="02020603050405020304" pitchFamily="18" charset="0"/>
+                        </a:rPr>
+                        <a:t>可以很容易透過添加更多設備來支援更大 規模的資料</a:t>
+                      </a:r>
+                      <a:endParaRPr lang="zh-TW" altLang="en-US" dirty="0">
+                        <a:latin typeface="Times New Roman" panose="02020603050405020304" pitchFamily="18" charset="0"/>
+                        <a:ea typeface="標楷體" panose="03000509000000000000" pitchFamily="65" charset="-120"/>
+                        <a:cs typeface="Times New Roman" panose="02020603050405020304" pitchFamily="18" charset="0"/>
+                      </a:endParaRPr>
+                    </a:p>
+                  </a:txBody>
+                  <a:tcPr/>
+                </a:tc>
+                <a:extLst>
+                  <a:ext uri="{0D108BD9-81ED-4DB2-BD59-A6C34878D82A}">
+                    <a16:rowId xmlns:a16="http://schemas.microsoft.com/office/drawing/2014/main" val="1403706458"/>
+                  </a:ext>
+                </a:extLst>
+              </a:tr>
+              <a:tr h="1262785">
+                <a:tc>
+                  <a:txBody>
+                    <a:bodyPr/>
+                    <a:lstStyle/>
+                    <a:p>
+                      <a:r>
+                        <a:rPr lang="zh-TW" altLang="en-US" dirty="0" smtClean="0">
+                          <a:latin typeface="Times New Roman" panose="02020603050405020304" pitchFamily="18" charset="0"/>
+                          <a:ea typeface="標楷體" panose="03000509000000000000" pitchFamily="65" charset="-120"/>
+                          <a:cs typeface="Times New Roman" panose="02020603050405020304" pitchFamily="18" charset="0"/>
+                        </a:rPr>
+                        <a:t>資料庫模式</a:t>
+                      </a:r>
+                      <a:endParaRPr lang="zh-TW" altLang="en-US" dirty="0">
+                        <a:latin typeface="Times New Roman" panose="02020603050405020304" pitchFamily="18" charset="0"/>
+                        <a:ea typeface="標楷體" panose="03000509000000000000" pitchFamily="65" charset="-120"/>
+                        <a:cs typeface="Times New Roman" panose="02020603050405020304" pitchFamily="18" charset="0"/>
+                      </a:endParaRPr>
+                    </a:p>
+                  </a:txBody>
+                  <a:tcPr/>
+                </a:tc>
+                <a:tc>
+                  <a:txBody>
+                    <a:bodyPr/>
+                    <a:lstStyle/>
+                    <a:p>
+                      <a:r>
+                        <a:rPr lang="zh-TW" altLang="en-US" dirty="0" smtClean="0">
+                          <a:latin typeface="Times New Roman" panose="02020603050405020304" pitchFamily="18" charset="0"/>
+                          <a:ea typeface="標楷體" panose="03000509000000000000" pitchFamily="65" charset="-120"/>
+                          <a:cs typeface="Times New Roman" panose="02020603050405020304" pitchFamily="18" charset="0"/>
+                        </a:rPr>
+                        <a:t>固定</a:t>
+                      </a:r>
+                      <a:endParaRPr lang="zh-TW" altLang="en-US" dirty="0">
+                        <a:latin typeface="Times New Roman" panose="02020603050405020304" pitchFamily="18" charset="0"/>
+                        <a:ea typeface="標楷體" panose="03000509000000000000" pitchFamily="65" charset="-120"/>
+                        <a:cs typeface="Times New Roman" panose="02020603050405020304" pitchFamily="18" charset="0"/>
+                      </a:endParaRPr>
+                    </a:p>
+                  </a:txBody>
+                  <a:tcPr/>
+                </a:tc>
+                <a:tc>
+                  <a:txBody>
+                    <a:bodyPr/>
+                    <a:lstStyle/>
+                    <a:p>
+                      <a:r>
+                        <a:rPr lang="zh-TW" altLang="en-US" dirty="0" smtClean="0">
+                          <a:latin typeface="Times New Roman" panose="02020603050405020304" pitchFamily="18" charset="0"/>
+                          <a:ea typeface="標楷體" panose="03000509000000000000" pitchFamily="65" charset="-120"/>
+                          <a:cs typeface="Times New Roman" panose="02020603050405020304" pitchFamily="18" charset="0"/>
+                        </a:rPr>
+                        <a:t>靈活</a:t>
+                      </a:r>
+                      <a:endParaRPr lang="zh-TW" altLang="en-US" dirty="0">
+                        <a:latin typeface="Times New Roman" panose="02020603050405020304" pitchFamily="18" charset="0"/>
+                        <a:ea typeface="標楷體" panose="03000509000000000000" pitchFamily="65" charset="-120"/>
+                        <a:cs typeface="Times New Roman" panose="02020603050405020304" pitchFamily="18" charset="0"/>
+                      </a:endParaRPr>
+                    </a:p>
+                  </a:txBody>
+                  <a:tcPr/>
+                </a:tc>
+                <a:tc>
+                  <a:txBody>
+                    <a:bodyPr/>
+                    <a:lstStyle/>
+                    <a:p>
+                      <a:pPr marL="285750" indent="-285750">
+                        <a:buFont typeface="Arial" panose="020B0604020202020204" pitchFamily="34" charset="0"/>
+                        <a:buChar char="•"/>
+                      </a:pPr>
+                      <a:r>
+                        <a:rPr lang="en-US" altLang="zh-TW" dirty="0" smtClean="0">
+                          <a:latin typeface="Times New Roman" panose="02020603050405020304" pitchFamily="18" charset="0"/>
+                          <a:ea typeface="標楷體" panose="03000509000000000000" pitchFamily="65" charset="-120"/>
+                          <a:cs typeface="Times New Roman" panose="02020603050405020304" pitchFamily="18" charset="0"/>
+                        </a:rPr>
+                        <a:t>RDBMS</a:t>
+                      </a:r>
+                      <a:r>
+                        <a:rPr lang="zh-TW" altLang="en-US" dirty="0" smtClean="0">
+                          <a:latin typeface="Times New Roman" panose="02020603050405020304" pitchFamily="18" charset="0"/>
+                          <a:ea typeface="標楷體" panose="03000509000000000000" pitchFamily="65" charset="-120"/>
+                          <a:cs typeface="Times New Roman" panose="02020603050405020304" pitchFamily="18" charset="0"/>
+                        </a:rPr>
+                        <a:t>需要定義資料庫模式，嚴格遵守資料定義 和相關限制條件 </a:t>
+                      </a:r>
+                      <a:endParaRPr lang="en-US" altLang="zh-TW" dirty="0" smtClean="0">
+                        <a:latin typeface="Times New Roman" panose="02020603050405020304" pitchFamily="18" charset="0"/>
+                        <a:ea typeface="標楷體" panose="03000509000000000000" pitchFamily="65" charset="-120"/>
+                        <a:cs typeface="Times New Roman" panose="02020603050405020304" pitchFamily="18" charset="0"/>
+                      </a:endParaRPr>
+                    </a:p>
+                    <a:p>
+                      <a:pPr marL="285750" indent="-285750">
+                        <a:buFont typeface="Arial" panose="020B0604020202020204" pitchFamily="34" charset="0"/>
+                        <a:buChar char="•"/>
+                      </a:pPr>
+                      <a:r>
+                        <a:rPr lang="en-US" altLang="zh-TW" dirty="0" smtClean="0">
+                          <a:latin typeface="Times New Roman" panose="02020603050405020304" pitchFamily="18" charset="0"/>
+                          <a:ea typeface="標楷體" panose="03000509000000000000" pitchFamily="65" charset="-120"/>
+                          <a:cs typeface="Times New Roman" panose="02020603050405020304" pitchFamily="18" charset="0"/>
+                        </a:rPr>
+                        <a:t>NoSQL</a:t>
+                      </a:r>
+                      <a:r>
+                        <a:rPr lang="zh-TW" altLang="en-US" dirty="0" smtClean="0">
+                          <a:latin typeface="Times New Roman" panose="02020603050405020304" pitchFamily="18" charset="0"/>
+                          <a:ea typeface="標楷體" panose="03000509000000000000" pitchFamily="65" charset="-120"/>
+                          <a:cs typeface="Times New Roman" panose="02020603050405020304" pitchFamily="18" charset="0"/>
+                        </a:rPr>
+                        <a:t>不存在資料庫模式，可以自由靈活定義並儲存各種不同類型的資料 </a:t>
+                      </a:r>
+                      <a:endParaRPr lang="zh-TW" altLang="en-US" dirty="0">
+                        <a:latin typeface="Times New Roman" panose="02020603050405020304" pitchFamily="18" charset="0"/>
+                        <a:ea typeface="標楷體" panose="03000509000000000000" pitchFamily="65" charset="-120"/>
+                        <a:cs typeface="Times New Roman" panose="02020603050405020304" pitchFamily="18" charset="0"/>
+                      </a:endParaRPr>
+                    </a:p>
+                  </a:txBody>
+                  <a:tcPr/>
+                </a:tc>
+                <a:extLst>
+                  <a:ext uri="{0D108BD9-81ED-4DB2-BD59-A6C34878D82A}">
+                    <a16:rowId xmlns:a16="http://schemas.microsoft.com/office/drawing/2014/main" val="1534258416"/>
+                  </a:ext>
+                </a:extLst>
+              </a:tr>
+              <a:tr h="1554197">
+                <a:tc>
+                  <a:txBody>
+                    <a:bodyPr/>
+                    <a:lstStyle/>
+                    <a:p>
+                      <a:r>
+                        <a:rPr lang="zh-TW" altLang="en-US" dirty="0" smtClean="0">
+                          <a:latin typeface="Times New Roman" panose="02020603050405020304" pitchFamily="18" charset="0"/>
+                          <a:ea typeface="標楷體" panose="03000509000000000000" pitchFamily="65" charset="-120"/>
+                          <a:cs typeface="Times New Roman" panose="02020603050405020304" pitchFamily="18" charset="0"/>
+                        </a:rPr>
+                        <a:t>查詢效率</a:t>
+                      </a:r>
+                      <a:endParaRPr lang="zh-TW" altLang="en-US" dirty="0">
+                        <a:latin typeface="Times New Roman" panose="02020603050405020304" pitchFamily="18" charset="0"/>
+                        <a:ea typeface="標楷體" panose="03000509000000000000" pitchFamily="65" charset="-120"/>
+                        <a:cs typeface="Times New Roman" panose="02020603050405020304" pitchFamily="18" charset="0"/>
+                      </a:endParaRPr>
+                    </a:p>
+                  </a:txBody>
+                  <a:tcPr/>
+                </a:tc>
+                <a:tc>
+                  <a:txBody>
+                    <a:bodyPr/>
+                    <a:lstStyle/>
+                    <a:p>
+                      <a:r>
+                        <a:rPr lang="zh-TW" altLang="en-US" dirty="0" smtClean="0">
+                          <a:latin typeface="Times New Roman" panose="02020603050405020304" pitchFamily="18" charset="0"/>
+                          <a:ea typeface="標楷體" panose="03000509000000000000" pitchFamily="65" charset="-120"/>
+                          <a:cs typeface="Times New Roman" panose="02020603050405020304" pitchFamily="18" charset="0"/>
+                        </a:rPr>
+                        <a:t>快</a:t>
+                      </a:r>
+                      <a:endParaRPr lang="zh-TW" altLang="en-US" dirty="0">
+                        <a:latin typeface="Times New Roman" panose="02020603050405020304" pitchFamily="18" charset="0"/>
+                        <a:ea typeface="標楷體" panose="03000509000000000000" pitchFamily="65" charset="-120"/>
+                        <a:cs typeface="Times New Roman" panose="02020603050405020304" pitchFamily="18" charset="0"/>
+                      </a:endParaRPr>
+                    </a:p>
+                  </a:txBody>
+                  <a:tcPr/>
+                </a:tc>
+                <a:tc>
+                  <a:txBody>
+                    <a:bodyPr/>
+                    <a:lstStyle/>
+                    <a:p>
+                      <a:r>
+                        <a:rPr lang="zh-TW" altLang="en-US" dirty="0" smtClean="0">
+                          <a:latin typeface="Times New Roman" panose="02020603050405020304" pitchFamily="18" charset="0"/>
+                          <a:ea typeface="標楷體" panose="03000509000000000000" pitchFamily="65" charset="-120"/>
+                          <a:cs typeface="Times New Roman" panose="02020603050405020304" pitchFamily="18" charset="0"/>
+                        </a:rPr>
+                        <a:t>複雜的查詢效能不好</a:t>
+                      </a:r>
+                      <a:endParaRPr lang="zh-TW" altLang="en-US" dirty="0">
+                        <a:latin typeface="Times New Roman" panose="02020603050405020304" pitchFamily="18" charset="0"/>
+                        <a:ea typeface="標楷體" panose="03000509000000000000" pitchFamily="65" charset="-120"/>
+                        <a:cs typeface="Times New Roman" panose="02020603050405020304" pitchFamily="18" charset="0"/>
+                      </a:endParaRPr>
+                    </a:p>
+                  </a:txBody>
+                  <a:tcPr/>
+                </a:tc>
+                <a:tc>
+                  <a:txBody>
+                    <a:bodyPr/>
+                    <a:lstStyle/>
+                    <a:p>
+                      <a:pPr marL="285750" indent="-285750">
+                        <a:buFont typeface="Arial" panose="020B0604020202020204" pitchFamily="34" charset="0"/>
+                        <a:buChar char="•"/>
+                      </a:pPr>
+                      <a:r>
+                        <a:rPr lang="en-US" altLang="zh-TW" dirty="0" smtClean="0">
+                          <a:latin typeface="Times New Roman" panose="02020603050405020304" pitchFamily="18" charset="0"/>
+                          <a:ea typeface="標楷體" panose="03000509000000000000" pitchFamily="65" charset="-120"/>
+                          <a:cs typeface="Times New Roman" panose="02020603050405020304" pitchFamily="18" charset="0"/>
+                        </a:rPr>
+                        <a:t>RDBMS</a:t>
+                      </a:r>
+                      <a:r>
+                        <a:rPr lang="zh-TW" altLang="en-US" dirty="0" smtClean="0">
+                          <a:latin typeface="Times New Roman" panose="02020603050405020304" pitchFamily="18" charset="0"/>
+                          <a:ea typeface="標楷體" panose="03000509000000000000" pitchFamily="65" charset="-120"/>
+                          <a:cs typeface="Times New Roman" panose="02020603050405020304" pitchFamily="18" charset="0"/>
+                        </a:rPr>
+                        <a:t>借助於索引機制可以實現快速查詢（包括 記錄查詢和範圍查詢） </a:t>
+                      </a:r>
+                      <a:endParaRPr lang="en-US" altLang="zh-TW" dirty="0" smtClean="0">
+                        <a:latin typeface="Times New Roman" panose="02020603050405020304" pitchFamily="18" charset="0"/>
+                        <a:ea typeface="標楷體" panose="03000509000000000000" pitchFamily="65" charset="-120"/>
+                        <a:cs typeface="Times New Roman" panose="02020603050405020304" pitchFamily="18" charset="0"/>
+                      </a:endParaRPr>
+                    </a:p>
+                    <a:p>
+                      <a:pPr marL="285750" indent="-285750">
+                        <a:buFont typeface="Arial" panose="020B0604020202020204" pitchFamily="34" charset="0"/>
+                        <a:buChar char="•"/>
+                      </a:pPr>
+                      <a:r>
+                        <a:rPr lang="zh-TW" altLang="en-US" dirty="0" smtClean="0">
+                          <a:latin typeface="Times New Roman" panose="02020603050405020304" pitchFamily="18" charset="0"/>
+                          <a:ea typeface="標楷體" panose="03000509000000000000" pitchFamily="65" charset="-120"/>
+                          <a:cs typeface="Times New Roman" panose="02020603050405020304" pitchFamily="18" charset="0"/>
+                        </a:rPr>
+                        <a:t>很多</a:t>
+                      </a:r>
+                      <a:r>
+                        <a:rPr lang="en-US" altLang="zh-TW" dirty="0" smtClean="0">
+                          <a:latin typeface="Times New Roman" panose="02020603050405020304" pitchFamily="18" charset="0"/>
+                          <a:ea typeface="標楷體" panose="03000509000000000000" pitchFamily="65" charset="-120"/>
+                          <a:cs typeface="Times New Roman" panose="02020603050405020304" pitchFamily="18" charset="0"/>
+                        </a:rPr>
+                        <a:t>NoSQL</a:t>
+                      </a:r>
+                      <a:r>
+                        <a:rPr lang="zh-TW" altLang="en-US" dirty="0" smtClean="0">
+                          <a:latin typeface="Times New Roman" panose="02020603050405020304" pitchFamily="18" charset="0"/>
+                          <a:ea typeface="標楷體" panose="03000509000000000000" pitchFamily="65" charset="-120"/>
+                          <a:cs typeface="Times New Roman" panose="02020603050405020304" pitchFamily="18" charset="0"/>
+                        </a:rPr>
+                        <a:t>資料庫沒有以複雜查詢為主的索引， 雖然</a:t>
+                      </a:r>
+                      <a:r>
+                        <a:rPr lang="en-US" altLang="zh-TW" dirty="0" smtClean="0">
+                          <a:latin typeface="Times New Roman" panose="02020603050405020304" pitchFamily="18" charset="0"/>
+                          <a:ea typeface="標楷體" panose="03000509000000000000" pitchFamily="65" charset="-120"/>
+                          <a:cs typeface="Times New Roman" panose="02020603050405020304" pitchFamily="18" charset="0"/>
+                        </a:rPr>
+                        <a:t>NoSQL</a:t>
+                      </a:r>
+                      <a:r>
+                        <a:rPr lang="zh-TW" altLang="en-US" dirty="0" smtClean="0">
+                          <a:latin typeface="Times New Roman" panose="02020603050405020304" pitchFamily="18" charset="0"/>
+                          <a:ea typeface="標楷體" panose="03000509000000000000" pitchFamily="65" charset="-120"/>
+                          <a:cs typeface="Times New Roman" panose="02020603050405020304" pitchFamily="18" charset="0"/>
+                        </a:rPr>
+                        <a:t>可以使用</a:t>
+                      </a:r>
+                      <a:r>
+                        <a:rPr lang="en-US" altLang="zh-TW" dirty="0" err="1" smtClean="0">
+                          <a:latin typeface="Times New Roman" panose="02020603050405020304" pitchFamily="18" charset="0"/>
+                          <a:ea typeface="標楷體" panose="03000509000000000000" pitchFamily="65" charset="-120"/>
+                          <a:cs typeface="Times New Roman" panose="02020603050405020304" pitchFamily="18" charset="0"/>
+                        </a:rPr>
+                        <a:t>MapReduce</a:t>
+                      </a:r>
+                      <a:r>
+                        <a:rPr lang="zh-TW" altLang="en-US" dirty="0" smtClean="0">
+                          <a:latin typeface="Times New Roman" panose="02020603050405020304" pitchFamily="18" charset="0"/>
+                          <a:ea typeface="標楷體" panose="03000509000000000000" pitchFamily="65" charset="-120"/>
+                          <a:cs typeface="Times New Roman" panose="02020603050405020304" pitchFamily="18" charset="0"/>
+                        </a:rPr>
+                        <a:t>來加速查詢，但 是，在複雜查詢方面的性能仍然不如</a:t>
+                      </a:r>
+                      <a:r>
+                        <a:rPr lang="en-US" altLang="zh-TW" dirty="0" smtClean="0">
+                          <a:latin typeface="Times New Roman" panose="02020603050405020304" pitchFamily="18" charset="0"/>
+                          <a:ea typeface="標楷體" panose="03000509000000000000" pitchFamily="65" charset="-120"/>
+                          <a:cs typeface="Times New Roman" panose="02020603050405020304" pitchFamily="18" charset="0"/>
+                        </a:rPr>
+                        <a:t>RDBMS</a:t>
+                      </a:r>
+                      <a:endParaRPr lang="zh-TW" altLang="en-US" dirty="0">
+                        <a:latin typeface="Times New Roman" panose="02020603050405020304" pitchFamily="18" charset="0"/>
+                        <a:ea typeface="標楷體" panose="03000509000000000000" pitchFamily="65" charset="-120"/>
+                        <a:cs typeface="Times New Roman" panose="02020603050405020304" pitchFamily="18" charset="0"/>
+                      </a:endParaRPr>
+                    </a:p>
+                  </a:txBody>
+                  <a:tcPr/>
+                </a:tc>
+                <a:extLst>
+                  <a:ext uri="{0D108BD9-81ED-4DB2-BD59-A6C34878D82A}">
+                    <a16:rowId xmlns:a16="http://schemas.microsoft.com/office/drawing/2014/main" val="3048497522"/>
+                  </a:ext>
+                </a:extLst>
+              </a:tr>
+            </a:tbl>
+          </a:graphicData>
+        </a:graphic>
+      </p:graphicFrame>
+    </p:spTree>
+    <p:extLst>
+      <p:ext uri="{BB962C8B-B14F-4D97-AF65-F5344CB8AC3E}">
+        <p14:creationId xmlns:p14="http://schemas.microsoft.com/office/powerpoint/2010/main" val="579972009"/>
+      </p:ext>
+    </p:extLst>
+  </p:cSld>
+  <p:clrMapOvr>
+    <a:masterClrMapping/>
+  </p:clrMapOvr>
+  <p:timing>
+    <p:tnLst>
+      <p:par>
+        <p:cTn id="1" dur="indefinite" restart="never" nodeType="tmRoot"/>
+      </p:par>
+    </p:tnLst>
+  </p:timing>
+</p:sld>
+</file>
+
+<file path=ppt/slides/slide8.xml><?xml version="1.0" encoding="utf-8"?>
+<p:sld xmlns:a="http://schemas.openxmlformats.org/drawingml/2006/main" xmlns:r="http://schemas.openxmlformats.org/officeDocument/2006/relationships" xmlns:p="http://schemas.openxmlformats.org/presentationml/2006/main">
+  <p:cSld>
+    <p:spTree>
+      <p:nvGrpSpPr>
+        <p:cNvPr id="1" name=""/>
+        <p:cNvGrpSpPr/>
+        <p:nvPr/>
+      </p:nvGrpSpPr>
+      <p:grpSpPr>
+        <a:xfrm>
+          <a:off x="0" y="0"/>
+          <a:ext cx="0" cy="0"/>
+          <a:chOff x="0" y="0"/>
+          <a:chExt cx="0" cy="0"/>
+        </a:xfrm>
+      </p:grpSpPr>
       <p:sp>
         <p:nvSpPr>
-          <p:cNvPr id="3" name="內容版面配置區 2">
-            <a:extLst>
-              <a:ext uri="{FF2B5EF4-FFF2-40B4-BE49-F238E27FC236}">
-                <a16:creationId xmlns:a16="http://schemas.microsoft.com/office/drawing/2014/main" id="{328941CF-68BA-4074-8025-ECFA7AC856FD}"/>
-              </a:ext>
-            </a:extLst>
-          </p:cNvPr>
+          <p:cNvPr id="3" name="內容版面配置區 2"/>
           <p:cNvSpPr>
             <a:spLocks noGrp="1"/>
           </p:cNvSpPr>
@@ -4916,14 +11272,1514 @@
           <a:bodyPr/>
           <a:lstStyle/>
           <a:p>
-            <a:endParaRPr lang="zh-TW" altLang="en-US"/>
+            <a:endParaRPr lang="zh-TW" altLang="en-US" dirty="0"/>
           </a:p>
         </p:txBody>
       </p:sp>
+      <p:graphicFrame>
+        <p:nvGraphicFramePr>
+          <p:cNvPr id="4" name="內容版面配置區 4"/>
+          <p:cNvGraphicFramePr>
+            <a:graphicFrameLocks/>
+          </p:cNvGraphicFramePr>
+          <p:nvPr>
+            <p:extLst>
+              <p:ext uri="{D42A27DB-BD31-4B8C-83A1-F6EECF244321}">
+                <p14:modId xmlns:p14="http://schemas.microsoft.com/office/powerpoint/2010/main" val="3110780164"/>
+              </p:ext>
+            </p:extLst>
+          </p:nvPr>
+        </p:nvGraphicFramePr>
+        <p:xfrm>
+          <a:off x="838200" y="279920"/>
+          <a:ext cx="10515600" cy="6503506"/>
+        </p:xfrm>
+        <a:graphic>
+          <a:graphicData uri="http://schemas.openxmlformats.org/drawingml/2006/table">
+            <a:tbl>
+              <a:tblPr firstRow="1" bandRow="1">
+                <a:tableStyleId>{073A0DAA-6AF3-43AB-8588-CEC1D06C72B9}</a:tableStyleId>
+              </a:tblPr>
+              <a:tblGrid>
+                <a:gridCol w="1438469">
+                  <a:extLst>
+                    <a:ext uri="{9D8B030D-6E8A-4147-A177-3AD203B41FA5}">
+                      <a16:colId xmlns:a16="http://schemas.microsoft.com/office/drawing/2014/main" val="3112319714"/>
+                    </a:ext>
+                  </a:extLst>
+                </a:gridCol>
+                <a:gridCol w="1436915">
+                  <a:extLst>
+                    <a:ext uri="{9D8B030D-6E8A-4147-A177-3AD203B41FA5}">
+                      <a16:colId xmlns:a16="http://schemas.microsoft.com/office/drawing/2014/main" val="803477215"/>
+                    </a:ext>
+                  </a:extLst>
+                </a:gridCol>
+                <a:gridCol w="1978089">
+                  <a:extLst>
+                    <a:ext uri="{9D8B030D-6E8A-4147-A177-3AD203B41FA5}">
+                      <a16:colId xmlns:a16="http://schemas.microsoft.com/office/drawing/2014/main" val="3093396570"/>
+                    </a:ext>
+                  </a:extLst>
+                </a:gridCol>
+                <a:gridCol w="5662127">
+                  <a:extLst>
+                    <a:ext uri="{9D8B030D-6E8A-4147-A177-3AD203B41FA5}">
+                      <a16:colId xmlns:a16="http://schemas.microsoft.com/office/drawing/2014/main" val="708627336"/>
+                    </a:ext>
+                  </a:extLst>
+                </a:gridCol>
+              </a:tblGrid>
+              <a:tr h="468009">
+                <a:tc>
+                  <a:txBody>
+                    <a:bodyPr/>
+                    <a:lstStyle/>
+                    <a:p>
+                      <a:r>
+                        <a:rPr lang="zh-TW" altLang="en-US" dirty="0" smtClean="0">
+                          <a:latin typeface="Times New Roman" panose="02020603050405020304" pitchFamily="18" charset="0"/>
+                          <a:ea typeface="標楷體" panose="03000509000000000000" pitchFamily="65" charset="-120"/>
+                          <a:cs typeface="Times New Roman" panose="02020603050405020304" pitchFamily="18" charset="0"/>
+                        </a:rPr>
+                        <a:t>比較標準</a:t>
+                      </a:r>
+                      <a:endParaRPr lang="zh-TW" altLang="en-US" dirty="0">
+                        <a:latin typeface="Times New Roman" panose="02020603050405020304" pitchFamily="18" charset="0"/>
+                        <a:ea typeface="標楷體" panose="03000509000000000000" pitchFamily="65" charset="-120"/>
+                        <a:cs typeface="Times New Roman" panose="02020603050405020304" pitchFamily="18" charset="0"/>
+                      </a:endParaRPr>
+                    </a:p>
+                  </a:txBody>
+                  <a:tcPr/>
+                </a:tc>
+                <a:tc>
+                  <a:txBody>
+                    <a:bodyPr/>
+                    <a:lstStyle/>
+                    <a:p>
+                      <a:r>
+                        <a:rPr lang="en-US" altLang="zh-TW" dirty="0" smtClean="0">
+                          <a:latin typeface="Times New Roman" panose="02020603050405020304" pitchFamily="18" charset="0"/>
+                          <a:ea typeface="標楷體" panose="03000509000000000000" pitchFamily="65" charset="-120"/>
+                          <a:cs typeface="Times New Roman" panose="02020603050405020304" pitchFamily="18" charset="0"/>
+                        </a:rPr>
+                        <a:t>RDBMS</a:t>
+                      </a:r>
+                      <a:endParaRPr lang="zh-TW" altLang="en-US" dirty="0">
+                        <a:latin typeface="Times New Roman" panose="02020603050405020304" pitchFamily="18" charset="0"/>
+                        <a:ea typeface="標楷體" panose="03000509000000000000" pitchFamily="65" charset="-120"/>
+                        <a:cs typeface="Times New Roman" panose="02020603050405020304" pitchFamily="18" charset="0"/>
+                      </a:endParaRPr>
+                    </a:p>
+                  </a:txBody>
+                  <a:tcPr/>
+                </a:tc>
+                <a:tc>
+                  <a:txBody>
+                    <a:bodyPr/>
+                    <a:lstStyle/>
+                    <a:p>
+                      <a:r>
+                        <a:rPr lang="en-US" altLang="zh-TW" dirty="0" smtClean="0">
+                          <a:latin typeface="Times New Roman" panose="02020603050405020304" pitchFamily="18" charset="0"/>
+                          <a:ea typeface="標楷體" panose="03000509000000000000" pitchFamily="65" charset="-120"/>
+                          <a:cs typeface="Times New Roman" panose="02020603050405020304" pitchFamily="18" charset="0"/>
+                        </a:rPr>
+                        <a:t>NoSQL</a:t>
+                      </a:r>
+                      <a:endParaRPr lang="zh-TW" altLang="en-US" dirty="0">
+                        <a:latin typeface="Times New Roman" panose="02020603050405020304" pitchFamily="18" charset="0"/>
+                        <a:ea typeface="標楷體" panose="03000509000000000000" pitchFamily="65" charset="-120"/>
+                        <a:cs typeface="Times New Roman" panose="02020603050405020304" pitchFamily="18" charset="0"/>
+                      </a:endParaRPr>
+                    </a:p>
+                  </a:txBody>
+                  <a:tcPr/>
+                </a:tc>
+                <a:tc>
+                  <a:txBody>
+                    <a:bodyPr/>
+                    <a:lstStyle/>
+                    <a:p>
+                      <a:r>
+                        <a:rPr lang="zh-TW" altLang="en-US" dirty="0" smtClean="0">
+                          <a:latin typeface="Times New Roman" panose="02020603050405020304" pitchFamily="18" charset="0"/>
+                          <a:ea typeface="標楷體" panose="03000509000000000000" pitchFamily="65" charset="-120"/>
+                          <a:cs typeface="Times New Roman" panose="02020603050405020304" pitchFamily="18" charset="0"/>
+                        </a:rPr>
+                        <a:t>備註</a:t>
+                      </a:r>
+                      <a:endParaRPr lang="zh-TW" altLang="en-US" dirty="0">
+                        <a:latin typeface="Times New Roman" panose="02020603050405020304" pitchFamily="18" charset="0"/>
+                        <a:ea typeface="標楷體" panose="03000509000000000000" pitchFamily="65" charset="-120"/>
+                        <a:cs typeface="Times New Roman" panose="02020603050405020304" pitchFamily="18" charset="0"/>
+                      </a:endParaRPr>
+                    </a:p>
+                  </a:txBody>
+                  <a:tcPr/>
+                </a:tc>
+                <a:extLst>
+                  <a:ext uri="{0D108BD9-81ED-4DB2-BD59-A6C34878D82A}">
+                    <a16:rowId xmlns:a16="http://schemas.microsoft.com/office/drawing/2014/main" val="1954093378"/>
+                  </a:ext>
+                </a:extLst>
+              </a:tr>
+              <a:tr h="1143720">
+                <a:tc>
+                  <a:txBody>
+                    <a:bodyPr/>
+                    <a:lstStyle/>
+                    <a:p>
+                      <a:r>
+                        <a:rPr lang="zh-TW" altLang="en-US" dirty="0" smtClean="0">
+                          <a:latin typeface="Times New Roman" panose="02020603050405020304" pitchFamily="18" charset="0"/>
+                          <a:ea typeface="標楷體" panose="03000509000000000000" pitchFamily="65" charset="-120"/>
+                          <a:cs typeface="Times New Roman" panose="02020603050405020304" pitchFamily="18" charset="0"/>
+                        </a:rPr>
+                        <a:t>一致性</a:t>
+                      </a:r>
+                      <a:endParaRPr lang="zh-TW" altLang="en-US" dirty="0">
+                        <a:latin typeface="Times New Roman" panose="02020603050405020304" pitchFamily="18" charset="0"/>
+                        <a:ea typeface="標楷體" panose="03000509000000000000" pitchFamily="65" charset="-120"/>
+                        <a:cs typeface="Times New Roman" panose="02020603050405020304" pitchFamily="18" charset="0"/>
+                      </a:endParaRPr>
+                    </a:p>
+                  </a:txBody>
+                  <a:tcPr/>
+                </a:tc>
+                <a:tc>
+                  <a:txBody>
+                    <a:bodyPr/>
+                    <a:lstStyle/>
+                    <a:p>
+                      <a:r>
+                        <a:rPr lang="zh-TW" altLang="en-US" dirty="0" smtClean="0">
+                          <a:latin typeface="Times New Roman" panose="02020603050405020304" pitchFamily="18" charset="0"/>
+                          <a:ea typeface="標楷體" panose="03000509000000000000" pitchFamily="65" charset="-120"/>
+                          <a:cs typeface="Times New Roman" panose="02020603050405020304" pitchFamily="18" charset="0"/>
+                        </a:rPr>
+                        <a:t>強一致性</a:t>
+                      </a:r>
+                      <a:endParaRPr lang="zh-TW" altLang="en-US" dirty="0">
+                        <a:latin typeface="Times New Roman" panose="02020603050405020304" pitchFamily="18" charset="0"/>
+                        <a:ea typeface="標楷體" panose="03000509000000000000" pitchFamily="65" charset="-120"/>
+                        <a:cs typeface="Times New Roman" panose="02020603050405020304" pitchFamily="18" charset="0"/>
+                      </a:endParaRPr>
+                    </a:p>
+                  </a:txBody>
+                  <a:tcPr/>
+                </a:tc>
+                <a:tc>
+                  <a:txBody>
+                    <a:bodyPr/>
+                    <a:lstStyle/>
+                    <a:p>
+                      <a:r>
+                        <a:rPr lang="zh-TW" altLang="en-US" dirty="0" smtClean="0">
+                          <a:latin typeface="Times New Roman" panose="02020603050405020304" pitchFamily="18" charset="0"/>
+                          <a:ea typeface="標楷體" panose="03000509000000000000" pitchFamily="65" charset="-120"/>
+                          <a:cs typeface="Times New Roman" panose="02020603050405020304" pitchFamily="18" charset="0"/>
+                        </a:rPr>
+                        <a:t>弱一致性</a:t>
+                      </a:r>
+                      <a:endParaRPr lang="zh-TW" altLang="en-US" dirty="0">
+                        <a:latin typeface="Times New Roman" panose="02020603050405020304" pitchFamily="18" charset="0"/>
+                        <a:ea typeface="標楷體" panose="03000509000000000000" pitchFamily="65" charset="-120"/>
+                        <a:cs typeface="Times New Roman" panose="02020603050405020304" pitchFamily="18" charset="0"/>
+                      </a:endParaRPr>
+                    </a:p>
+                  </a:txBody>
+                  <a:tcPr/>
+                </a:tc>
+                <a:tc>
+                  <a:txBody>
+                    <a:bodyPr/>
+                    <a:lstStyle/>
+                    <a:p>
+                      <a:pPr marL="285750" indent="-285750">
+                        <a:buFont typeface="Arial" panose="020B0604020202020204" pitchFamily="34" charset="0"/>
+                        <a:buChar char="•"/>
+                      </a:pPr>
+                      <a:r>
+                        <a:rPr lang="en-US" altLang="zh-TW" dirty="0" smtClean="0">
+                          <a:latin typeface="Times New Roman" panose="02020603050405020304" pitchFamily="18" charset="0"/>
+                          <a:ea typeface="標楷體" panose="03000509000000000000" pitchFamily="65" charset="-120"/>
+                          <a:cs typeface="Times New Roman" panose="02020603050405020304" pitchFamily="18" charset="0"/>
+                        </a:rPr>
+                        <a:t>RDBMS</a:t>
+                      </a:r>
+                      <a:r>
+                        <a:rPr lang="zh-TW" altLang="en-US" dirty="0" smtClean="0">
+                          <a:latin typeface="Times New Roman" panose="02020603050405020304" pitchFamily="18" charset="0"/>
+                          <a:ea typeface="標楷體" panose="03000509000000000000" pitchFamily="65" charset="-120"/>
+                          <a:cs typeface="Times New Roman" panose="02020603050405020304" pitchFamily="18" charset="0"/>
+                        </a:rPr>
+                        <a:t>嚴格遵守交易</a:t>
+                      </a:r>
+                      <a:r>
+                        <a:rPr lang="en-US" altLang="zh-TW" dirty="0" smtClean="0">
+                          <a:latin typeface="Times New Roman" panose="02020603050405020304" pitchFamily="18" charset="0"/>
+                          <a:ea typeface="標楷體" panose="03000509000000000000" pitchFamily="65" charset="-120"/>
+                          <a:cs typeface="Times New Roman" panose="02020603050405020304" pitchFamily="18" charset="0"/>
+                        </a:rPr>
+                        <a:t>ACID</a:t>
+                      </a:r>
+                      <a:r>
+                        <a:rPr lang="zh-TW" altLang="en-US" dirty="0" smtClean="0">
+                          <a:latin typeface="Times New Roman" panose="02020603050405020304" pitchFamily="18" charset="0"/>
+                          <a:ea typeface="標楷體" panose="03000509000000000000" pitchFamily="65" charset="-120"/>
+                          <a:cs typeface="Times New Roman" panose="02020603050405020304" pitchFamily="18" charset="0"/>
+                        </a:rPr>
+                        <a:t>模型，可以保證交易強一致性</a:t>
+                      </a:r>
+                      <a:endParaRPr lang="en-US" altLang="zh-TW" dirty="0" smtClean="0">
+                        <a:latin typeface="Times New Roman" panose="02020603050405020304" pitchFamily="18" charset="0"/>
+                        <a:ea typeface="標楷體" panose="03000509000000000000" pitchFamily="65" charset="-120"/>
+                        <a:cs typeface="Times New Roman" panose="02020603050405020304" pitchFamily="18" charset="0"/>
+                      </a:endParaRPr>
+                    </a:p>
+                    <a:p>
+                      <a:pPr marL="285750" indent="-285750">
+                        <a:buFont typeface="Arial" panose="020B0604020202020204" pitchFamily="34" charset="0"/>
+                        <a:buChar char="•"/>
+                      </a:pPr>
+                      <a:r>
+                        <a:rPr lang="zh-TW" altLang="en-US" dirty="0" smtClean="0">
+                          <a:latin typeface="Times New Roman" panose="02020603050405020304" pitchFamily="18" charset="0"/>
+                          <a:ea typeface="標楷體" panose="03000509000000000000" pitchFamily="65" charset="-120"/>
+                          <a:cs typeface="Times New Roman" panose="02020603050405020304" pitchFamily="18" charset="0"/>
+                        </a:rPr>
+                        <a:t>很多</a:t>
+                      </a:r>
+                      <a:r>
+                        <a:rPr lang="en-US" altLang="zh-TW" dirty="0" smtClean="0">
+                          <a:latin typeface="Times New Roman" panose="02020603050405020304" pitchFamily="18" charset="0"/>
+                          <a:ea typeface="標楷體" panose="03000509000000000000" pitchFamily="65" charset="-120"/>
+                          <a:cs typeface="Times New Roman" panose="02020603050405020304" pitchFamily="18" charset="0"/>
+                        </a:rPr>
+                        <a:t>NoSQL</a:t>
+                      </a:r>
+                      <a:r>
+                        <a:rPr lang="zh-TW" altLang="en-US" dirty="0" smtClean="0">
+                          <a:latin typeface="Times New Roman" panose="02020603050405020304" pitchFamily="18" charset="0"/>
+                          <a:ea typeface="標楷體" panose="03000509000000000000" pitchFamily="65" charset="-120"/>
+                          <a:cs typeface="Times New Roman" panose="02020603050405020304" pitchFamily="18" charset="0"/>
+                        </a:rPr>
+                        <a:t>資料庫放鬆了對交易</a:t>
+                      </a:r>
+                      <a:r>
+                        <a:rPr lang="en-US" altLang="zh-TW" dirty="0" smtClean="0">
+                          <a:latin typeface="Times New Roman" panose="02020603050405020304" pitchFamily="18" charset="0"/>
+                          <a:ea typeface="標楷體" panose="03000509000000000000" pitchFamily="65" charset="-120"/>
+                          <a:cs typeface="Times New Roman" panose="02020603050405020304" pitchFamily="18" charset="0"/>
+                        </a:rPr>
+                        <a:t>ACID</a:t>
+                      </a:r>
+                      <a:r>
+                        <a:rPr lang="zh-TW" altLang="en-US" dirty="0" smtClean="0">
+                          <a:latin typeface="Times New Roman" panose="02020603050405020304" pitchFamily="18" charset="0"/>
+                          <a:ea typeface="標楷體" panose="03000509000000000000" pitchFamily="65" charset="-120"/>
+                          <a:cs typeface="Times New Roman" panose="02020603050405020304" pitchFamily="18" charset="0"/>
+                        </a:rPr>
+                        <a:t>四特性的要求，而是遵守</a:t>
+                      </a:r>
+                      <a:r>
+                        <a:rPr lang="en-US" altLang="zh-TW" dirty="0" smtClean="0">
+                          <a:latin typeface="Times New Roman" panose="02020603050405020304" pitchFamily="18" charset="0"/>
+                          <a:ea typeface="標楷體" panose="03000509000000000000" pitchFamily="65" charset="-120"/>
+                          <a:cs typeface="Times New Roman" panose="02020603050405020304" pitchFamily="18" charset="0"/>
+                        </a:rPr>
+                        <a:t>BASE</a:t>
+                      </a:r>
+                      <a:r>
+                        <a:rPr lang="zh-TW" altLang="en-US" dirty="0" smtClean="0">
+                          <a:latin typeface="Times New Roman" panose="02020603050405020304" pitchFamily="18" charset="0"/>
+                          <a:ea typeface="標楷體" panose="03000509000000000000" pitchFamily="65" charset="-120"/>
+                          <a:cs typeface="Times New Roman" panose="02020603050405020304" pitchFamily="18" charset="0"/>
+                        </a:rPr>
+                        <a:t>模型，只能保證最終一致性 </a:t>
+                      </a:r>
+                      <a:endParaRPr lang="zh-TW" altLang="en-US" dirty="0">
+                        <a:latin typeface="Times New Roman" panose="02020603050405020304" pitchFamily="18" charset="0"/>
+                        <a:ea typeface="標楷體" panose="03000509000000000000" pitchFamily="65" charset="-120"/>
+                        <a:cs typeface="Times New Roman" panose="02020603050405020304" pitchFamily="18" charset="0"/>
+                      </a:endParaRPr>
+                    </a:p>
+                  </a:txBody>
+                  <a:tcPr/>
+                </a:tc>
+                <a:extLst>
+                  <a:ext uri="{0D108BD9-81ED-4DB2-BD59-A6C34878D82A}">
+                    <a16:rowId xmlns:a16="http://schemas.microsoft.com/office/drawing/2014/main" val="1036320680"/>
+                  </a:ext>
+                </a:extLst>
+              </a:tr>
+              <a:tr h="1500193">
+                <a:tc>
+                  <a:txBody>
+                    <a:bodyPr/>
+                    <a:lstStyle/>
+                    <a:p>
+                      <a:r>
+                        <a:rPr lang="zh-TW" altLang="en-US" dirty="0" smtClean="0">
+                          <a:latin typeface="Times New Roman" panose="02020603050405020304" pitchFamily="18" charset="0"/>
+                          <a:ea typeface="標楷體" panose="03000509000000000000" pitchFamily="65" charset="-120"/>
+                          <a:cs typeface="Times New Roman" panose="02020603050405020304" pitchFamily="18" charset="0"/>
+                        </a:rPr>
+                        <a:t>資料完整性</a:t>
+                      </a:r>
+                      <a:endParaRPr lang="zh-TW" altLang="en-US" dirty="0">
+                        <a:latin typeface="Times New Roman" panose="02020603050405020304" pitchFamily="18" charset="0"/>
+                        <a:ea typeface="標楷體" panose="03000509000000000000" pitchFamily="65" charset="-120"/>
+                        <a:cs typeface="Times New Roman" panose="02020603050405020304" pitchFamily="18" charset="0"/>
+                      </a:endParaRPr>
+                    </a:p>
+                  </a:txBody>
+                  <a:tcPr/>
+                </a:tc>
+                <a:tc>
+                  <a:txBody>
+                    <a:bodyPr/>
+                    <a:lstStyle/>
+                    <a:p>
+                      <a:r>
+                        <a:rPr lang="zh-TW" altLang="en-US" dirty="0" smtClean="0">
+                          <a:latin typeface="Times New Roman" panose="02020603050405020304" pitchFamily="18" charset="0"/>
+                          <a:ea typeface="標楷體" panose="03000509000000000000" pitchFamily="65" charset="-120"/>
+                          <a:cs typeface="Times New Roman" panose="02020603050405020304" pitchFamily="18" charset="0"/>
+                        </a:rPr>
+                        <a:t>容易實現</a:t>
+                      </a:r>
+                      <a:endParaRPr lang="zh-TW" altLang="en-US" dirty="0">
+                        <a:latin typeface="Times New Roman" panose="02020603050405020304" pitchFamily="18" charset="0"/>
+                        <a:ea typeface="標楷體" panose="03000509000000000000" pitchFamily="65" charset="-120"/>
+                        <a:cs typeface="Times New Roman" panose="02020603050405020304" pitchFamily="18" charset="0"/>
+                      </a:endParaRPr>
+                    </a:p>
+                  </a:txBody>
+                  <a:tcPr/>
+                </a:tc>
+                <a:tc>
+                  <a:txBody>
+                    <a:bodyPr/>
+                    <a:lstStyle/>
+                    <a:p>
+                      <a:r>
+                        <a:rPr lang="zh-TW" altLang="en-US" dirty="0" smtClean="0">
+                          <a:latin typeface="Times New Roman" panose="02020603050405020304" pitchFamily="18" charset="0"/>
+                          <a:ea typeface="標楷體" panose="03000509000000000000" pitchFamily="65" charset="-120"/>
+                          <a:cs typeface="Times New Roman" panose="02020603050405020304" pitchFamily="18" charset="0"/>
+                        </a:rPr>
+                        <a:t>很難實現</a:t>
+                      </a:r>
+                      <a:endParaRPr lang="zh-TW" altLang="en-US" dirty="0">
+                        <a:latin typeface="Times New Roman" panose="02020603050405020304" pitchFamily="18" charset="0"/>
+                        <a:ea typeface="標楷體" panose="03000509000000000000" pitchFamily="65" charset="-120"/>
+                        <a:cs typeface="Times New Roman" panose="02020603050405020304" pitchFamily="18" charset="0"/>
+                      </a:endParaRPr>
+                    </a:p>
+                  </a:txBody>
+                  <a:tcPr/>
+                </a:tc>
+                <a:tc>
+                  <a:txBody>
+                    <a:bodyPr/>
+                    <a:lstStyle/>
+                    <a:p>
+                      <a:pPr marL="285750" indent="-285750">
+                        <a:buFont typeface="Arial" panose="020B0604020202020204" pitchFamily="34" charset="0"/>
+                        <a:buChar char="•"/>
+                      </a:pPr>
+                      <a:r>
+                        <a:rPr lang="zh-TW" altLang="en-US" dirty="0" smtClean="0">
+                          <a:latin typeface="Times New Roman" panose="02020603050405020304" pitchFamily="18" charset="0"/>
+                          <a:ea typeface="標楷體" panose="03000509000000000000" pitchFamily="65" charset="-120"/>
+                          <a:cs typeface="Times New Roman" panose="02020603050405020304" pitchFamily="18" charset="0"/>
+                        </a:rPr>
+                        <a:t>任何一個</a:t>
+                      </a:r>
+                      <a:r>
+                        <a:rPr lang="en-US" altLang="zh-TW" dirty="0" smtClean="0">
+                          <a:latin typeface="Times New Roman" panose="02020603050405020304" pitchFamily="18" charset="0"/>
+                          <a:ea typeface="標楷體" panose="03000509000000000000" pitchFamily="65" charset="-120"/>
+                          <a:cs typeface="Times New Roman" panose="02020603050405020304" pitchFamily="18" charset="0"/>
+                        </a:rPr>
+                        <a:t>RDBMS</a:t>
+                      </a:r>
+                      <a:r>
+                        <a:rPr lang="zh-TW" altLang="en-US" dirty="0" smtClean="0">
+                          <a:latin typeface="Times New Roman" panose="02020603050405020304" pitchFamily="18" charset="0"/>
+                          <a:ea typeface="標楷體" panose="03000509000000000000" pitchFamily="65" charset="-120"/>
+                          <a:cs typeface="Times New Roman" panose="02020603050405020304" pitchFamily="18" charset="0"/>
+                        </a:rPr>
+                        <a:t>都可以很容易實現完整性限制，比如透過主 鍵或者非空限制來實現個體完整性，透過主鍵、外來鍵來實現 參考完整性，透過限制或者觸發器來實現用戶自訂完整性</a:t>
+                      </a:r>
+                      <a:endParaRPr lang="en-US" altLang="zh-TW" dirty="0" smtClean="0">
+                        <a:latin typeface="Times New Roman" panose="02020603050405020304" pitchFamily="18" charset="0"/>
+                        <a:ea typeface="標楷體" panose="03000509000000000000" pitchFamily="65" charset="-120"/>
+                        <a:cs typeface="Times New Roman" panose="02020603050405020304" pitchFamily="18" charset="0"/>
+                      </a:endParaRPr>
+                    </a:p>
+                    <a:p>
+                      <a:pPr marL="285750" indent="-285750">
+                        <a:buFont typeface="Arial" panose="020B0604020202020204" pitchFamily="34" charset="0"/>
+                        <a:buChar char="•"/>
+                      </a:pPr>
+                      <a:r>
+                        <a:rPr lang="zh-TW" altLang="en-US" dirty="0" smtClean="0">
+                          <a:latin typeface="Times New Roman" panose="02020603050405020304" pitchFamily="18" charset="0"/>
+                          <a:ea typeface="標楷體" panose="03000509000000000000" pitchFamily="65" charset="-120"/>
+                          <a:cs typeface="Times New Roman" panose="02020603050405020304" pitchFamily="18" charset="0"/>
+                        </a:rPr>
+                        <a:t>但是，在</a:t>
+                      </a:r>
+                      <a:r>
+                        <a:rPr lang="en-US" altLang="zh-TW" dirty="0" smtClean="0">
+                          <a:latin typeface="Times New Roman" panose="02020603050405020304" pitchFamily="18" charset="0"/>
+                          <a:ea typeface="標楷體" panose="03000509000000000000" pitchFamily="65" charset="-120"/>
+                          <a:cs typeface="Times New Roman" panose="02020603050405020304" pitchFamily="18" charset="0"/>
+                        </a:rPr>
+                        <a:t>NoSQL</a:t>
+                      </a:r>
+                      <a:r>
+                        <a:rPr lang="zh-TW" altLang="en-US" dirty="0" smtClean="0">
+                          <a:latin typeface="Times New Roman" panose="02020603050405020304" pitchFamily="18" charset="0"/>
+                          <a:ea typeface="標楷體" panose="03000509000000000000" pitchFamily="65" charset="-120"/>
+                          <a:cs typeface="Times New Roman" panose="02020603050405020304" pitchFamily="18" charset="0"/>
+                        </a:rPr>
+                        <a:t>資料庫卻無法實現</a:t>
+                      </a:r>
+                      <a:endParaRPr lang="zh-TW" altLang="en-US" dirty="0">
+                        <a:latin typeface="Times New Roman" panose="02020603050405020304" pitchFamily="18" charset="0"/>
+                        <a:ea typeface="標楷體" panose="03000509000000000000" pitchFamily="65" charset="-120"/>
+                        <a:cs typeface="Times New Roman" panose="02020603050405020304" pitchFamily="18" charset="0"/>
+                      </a:endParaRPr>
+                    </a:p>
+                  </a:txBody>
+                  <a:tcPr/>
+                </a:tc>
+                <a:extLst>
+                  <a:ext uri="{0D108BD9-81ED-4DB2-BD59-A6C34878D82A}">
+                    <a16:rowId xmlns:a16="http://schemas.microsoft.com/office/drawing/2014/main" val="1403706458"/>
+                  </a:ext>
+                </a:extLst>
+              </a:tr>
+              <a:tr h="1500193">
+                <a:tc>
+                  <a:txBody>
+                    <a:bodyPr/>
+                    <a:lstStyle/>
+                    <a:p>
+                      <a:r>
+                        <a:rPr lang="zh-TW" altLang="en-US" dirty="0" smtClean="0">
+                          <a:latin typeface="Times New Roman" panose="02020603050405020304" pitchFamily="18" charset="0"/>
+                          <a:ea typeface="標楷體" panose="03000509000000000000" pitchFamily="65" charset="-120"/>
+                          <a:cs typeface="Times New Roman" panose="02020603050405020304" pitchFamily="18" charset="0"/>
+                        </a:rPr>
+                        <a:t>擴展性</a:t>
+                      </a:r>
+                      <a:endParaRPr lang="zh-TW" altLang="en-US" dirty="0">
+                        <a:latin typeface="Times New Roman" panose="02020603050405020304" pitchFamily="18" charset="0"/>
+                        <a:ea typeface="標楷體" panose="03000509000000000000" pitchFamily="65" charset="-120"/>
+                        <a:cs typeface="Times New Roman" panose="02020603050405020304" pitchFamily="18" charset="0"/>
+                      </a:endParaRPr>
+                    </a:p>
+                  </a:txBody>
+                  <a:tcPr/>
+                </a:tc>
+                <a:tc>
+                  <a:txBody>
+                    <a:bodyPr/>
+                    <a:lstStyle/>
+                    <a:p>
+                      <a:r>
+                        <a:rPr lang="zh-TW" altLang="en-US" dirty="0" smtClean="0">
+                          <a:latin typeface="Times New Roman" panose="02020603050405020304" pitchFamily="18" charset="0"/>
+                          <a:ea typeface="標楷體" panose="03000509000000000000" pitchFamily="65" charset="-120"/>
+                          <a:cs typeface="Times New Roman" panose="02020603050405020304" pitchFamily="18" charset="0"/>
+                        </a:rPr>
+                        <a:t>一般</a:t>
+                      </a:r>
+                      <a:endParaRPr lang="zh-TW" altLang="en-US" dirty="0">
+                        <a:latin typeface="Times New Roman" panose="02020603050405020304" pitchFamily="18" charset="0"/>
+                        <a:ea typeface="標楷體" panose="03000509000000000000" pitchFamily="65" charset="-120"/>
+                        <a:cs typeface="Times New Roman" panose="02020603050405020304" pitchFamily="18" charset="0"/>
+                      </a:endParaRPr>
+                    </a:p>
+                  </a:txBody>
+                  <a:tcPr/>
+                </a:tc>
+                <a:tc>
+                  <a:txBody>
+                    <a:bodyPr/>
+                    <a:lstStyle/>
+                    <a:p>
+                      <a:r>
+                        <a:rPr lang="zh-TW" altLang="en-US" dirty="0" smtClean="0">
+                          <a:latin typeface="Times New Roman" panose="02020603050405020304" pitchFamily="18" charset="0"/>
+                          <a:ea typeface="標楷體" panose="03000509000000000000" pitchFamily="65" charset="-120"/>
+                          <a:cs typeface="Times New Roman" panose="02020603050405020304" pitchFamily="18" charset="0"/>
+                        </a:rPr>
+                        <a:t>好</a:t>
+                      </a:r>
+                      <a:endParaRPr lang="zh-TW" altLang="en-US" dirty="0">
+                        <a:latin typeface="Times New Roman" panose="02020603050405020304" pitchFamily="18" charset="0"/>
+                        <a:ea typeface="標楷體" panose="03000509000000000000" pitchFamily="65" charset="-120"/>
+                        <a:cs typeface="Times New Roman" panose="02020603050405020304" pitchFamily="18" charset="0"/>
+                      </a:endParaRPr>
+                    </a:p>
+                  </a:txBody>
+                  <a:tcPr/>
+                </a:tc>
+                <a:tc>
+                  <a:txBody>
+                    <a:bodyPr/>
+                    <a:lstStyle/>
+                    <a:p>
+                      <a:pPr marL="285750" indent="-285750">
+                        <a:buFont typeface="Arial" panose="020B0604020202020204" pitchFamily="34" charset="0"/>
+                        <a:buChar char="•"/>
+                      </a:pPr>
+                      <a:r>
+                        <a:rPr lang="en-US" altLang="zh-TW" dirty="0" smtClean="0">
+                          <a:latin typeface="Times New Roman" panose="02020603050405020304" pitchFamily="18" charset="0"/>
+                          <a:ea typeface="標楷體" panose="03000509000000000000" pitchFamily="65" charset="-120"/>
+                          <a:cs typeface="Times New Roman" panose="02020603050405020304" pitchFamily="18" charset="0"/>
+                        </a:rPr>
+                        <a:t>RDBMS</a:t>
+                      </a:r>
+                      <a:r>
+                        <a:rPr lang="zh-TW" altLang="en-US" dirty="0" smtClean="0">
+                          <a:latin typeface="Times New Roman" panose="02020603050405020304" pitchFamily="18" charset="0"/>
+                          <a:ea typeface="標楷體" panose="03000509000000000000" pitchFamily="65" charset="-120"/>
+                          <a:cs typeface="Times New Roman" panose="02020603050405020304" pitchFamily="18" charset="0"/>
+                        </a:rPr>
+                        <a:t>很難實現橫向擴展，縱向擴展的空間也比較有限</a:t>
+                      </a:r>
+                      <a:endParaRPr lang="en-US" altLang="zh-TW" dirty="0" smtClean="0">
+                        <a:latin typeface="Times New Roman" panose="02020603050405020304" pitchFamily="18" charset="0"/>
+                        <a:ea typeface="標楷體" panose="03000509000000000000" pitchFamily="65" charset="-120"/>
+                        <a:cs typeface="Times New Roman" panose="02020603050405020304" pitchFamily="18" charset="0"/>
+                      </a:endParaRPr>
+                    </a:p>
+                    <a:p>
+                      <a:pPr marL="285750" indent="-285750">
+                        <a:buFont typeface="Arial" panose="020B0604020202020204" pitchFamily="34" charset="0"/>
+                        <a:buChar char="•"/>
+                      </a:pPr>
+                      <a:r>
+                        <a:rPr lang="en-US" altLang="zh-TW" dirty="0" smtClean="0">
+                          <a:latin typeface="Times New Roman" panose="02020603050405020304" pitchFamily="18" charset="0"/>
+                          <a:ea typeface="標楷體" panose="03000509000000000000" pitchFamily="65" charset="-120"/>
+                          <a:cs typeface="Times New Roman" panose="02020603050405020304" pitchFamily="18" charset="0"/>
+                        </a:rPr>
+                        <a:t>NoSQL</a:t>
+                      </a:r>
+                      <a:r>
+                        <a:rPr lang="zh-TW" altLang="en-US" dirty="0" smtClean="0">
+                          <a:latin typeface="Times New Roman" panose="02020603050405020304" pitchFamily="18" charset="0"/>
+                          <a:ea typeface="標楷體" panose="03000509000000000000" pitchFamily="65" charset="-120"/>
+                          <a:cs typeface="Times New Roman" panose="02020603050405020304" pitchFamily="18" charset="0"/>
+                        </a:rPr>
+                        <a:t>在設計之初就充分考慮了橫向擴展的需求，可以很容 易透過添加廉價設備實現擴展</a:t>
+                      </a:r>
+                      <a:endParaRPr lang="zh-TW" altLang="en-US" dirty="0">
+                        <a:latin typeface="Times New Roman" panose="02020603050405020304" pitchFamily="18" charset="0"/>
+                        <a:ea typeface="標楷體" panose="03000509000000000000" pitchFamily="65" charset="-120"/>
+                        <a:cs typeface="Times New Roman" panose="02020603050405020304" pitchFamily="18" charset="0"/>
+                      </a:endParaRPr>
+                    </a:p>
+                  </a:txBody>
+                  <a:tcPr/>
+                </a:tc>
+                <a:extLst>
+                  <a:ext uri="{0D108BD9-81ED-4DB2-BD59-A6C34878D82A}">
+                    <a16:rowId xmlns:a16="http://schemas.microsoft.com/office/drawing/2014/main" val="1534258416"/>
+                  </a:ext>
+                </a:extLst>
+              </a:tr>
+              <a:tr h="1846391">
+                <a:tc>
+                  <a:txBody>
+                    <a:bodyPr/>
+                    <a:lstStyle/>
+                    <a:p>
+                      <a:r>
+                        <a:rPr lang="zh-TW" altLang="en-US" dirty="0" smtClean="0">
+                          <a:latin typeface="Times New Roman" panose="02020603050405020304" pitchFamily="18" charset="0"/>
+                          <a:ea typeface="標楷體" panose="03000509000000000000" pitchFamily="65" charset="-120"/>
+                          <a:cs typeface="Times New Roman" panose="02020603050405020304" pitchFamily="18" charset="0"/>
+                        </a:rPr>
+                        <a:t>可用性</a:t>
+                      </a:r>
+                      <a:endParaRPr lang="zh-TW" altLang="en-US" dirty="0">
+                        <a:latin typeface="Times New Roman" panose="02020603050405020304" pitchFamily="18" charset="0"/>
+                        <a:ea typeface="標楷體" panose="03000509000000000000" pitchFamily="65" charset="-120"/>
+                        <a:cs typeface="Times New Roman" panose="02020603050405020304" pitchFamily="18" charset="0"/>
+                      </a:endParaRPr>
+                    </a:p>
+                  </a:txBody>
+                  <a:tcPr/>
+                </a:tc>
+                <a:tc>
+                  <a:txBody>
+                    <a:bodyPr/>
+                    <a:lstStyle/>
+                    <a:p>
+                      <a:r>
+                        <a:rPr lang="zh-TW" altLang="en-US" dirty="0" smtClean="0">
+                          <a:latin typeface="Times New Roman" panose="02020603050405020304" pitchFamily="18" charset="0"/>
+                          <a:ea typeface="標楷體" panose="03000509000000000000" pitchFamily="65" charset="-120"/>
+                          <a:cs typeface="Times New Roman" panose="02020603050405020304" pitchFamily="18" charset="0"/>
+                        </a:rPr>
+                        <a:t>好</a:t>
+                      </a:r>
+                      <a:endParaRPr lang="zh-TW" altLang="en-US" dirty="0">
+                        <a:latin typeface="Times New Roman" panose="02020603050405020304" pitchFamily="18" charset="0"/>
+                        <a:ea typeface="標楷體" panose="03000509000000000000" pitchFamily="65" charset="-120"/>
+                        <a:cs typeface="Times New Roman" panose="02020603050405020304" pitchFamily="18" charset="0"/>
+                      </a:endParaRPr>
+                    </a:p>
+                  </a:txBody>
+                  <a:tcPr/>
+                </a:tc>
+                <a:tc>
+                  <a:txBody>
+                    <a:bodyPr/>
+                    <a:lstStyle/>
+                    <a:p>
+                      <a:r>
+                        <a:rPr lang="zh-TW" altLang="en-US" dirty="0" smtClean="0">
+                          <a:latin typeface="Times New Roman" panose="02020603050405020304" pitchFamily="18" charset="0"/>
+                          <a:ea typeface="標楷體" panose="03000509000000000000" pitchFamily="65" charset="-120"/>
+                          <a:cs typeface="Times New Roman" panose="02020603050405020304" pitchFamily="18" charset="0"/>
+                        </a:rPr>
+                        <a:t>很好</a:t>
+                      </a:r>
+                      <a:endParaRPr lang="zh-TW" altLang="en-US" dirty="0">
+                        <a:latin typeface="Times New Roman" panose="02020603050405020304" pitchFamily="18" charset="0"/>
+                        <a:ea typeface="標楷體" panose="03000509000000000000" pitchFamily="65" charset="-120"/>
+                        <a:cs typeface="Times New Roman" panose="02020603050405020304" pitchFamily="18" charset="0"/>
+                      </a:endParaRPr>
+                    </a:p>
+                  </a:txBody>
+                  <a:tcPr/>
+                </a:tc>
+                <a:tc>
+                  <a:txBody>
+                    <a:bodyPr/>
+                    <a:lstStyle/>
+                    <a:p>
+                      <a:pPr marL="285750" indent="-285750">
+                        <a:buFont typeface="Arial" panose="020B0604020202020204" pitchFamily="34" charset="0"/>
+                        <a:buChar char="•"/>
+                      </a:pPr>
+                      <a:r>
+                        <a:rPr lang="en-US" altLang="zh-TW" dirty="0" smtClean="0">
+                          <a:latin typeface="Times New Roman" panose="02020603050405020304" pitchFamily="18" charset="0"/>
+                          <a:ea typeface="標楷體" panose="03000509000000000000" pitchFamily="65" charset="-120"/>
+                          <a:cs typeface="Times New Roman" panose="02020603050405020304" pitchFamily="18" charset="0"/>
+                        </a:rPr>
+                        <a:t>RDBMS</a:t>
+                      </a:r>
+                      <a:r>
+                        <a:rPr lang="zh-TW" altLang="en-US" dirty="0" smtClean="0">
+                          <a:latin typeface="Times New Roman" panose="02020603050405020304" pitchFamily="18" charset="0"/>
+                          <a:ea typeface="標楷體" panose="03000509000000000000" pitchFamily="65" charset="-120"/>
+                          <a:cs typeface="Times New Roman" panose="02020603050405020304" pitchFamily="18" charset="0"/>
+                        </a:rPr>
+                        <a:t>在任何時候都以保證資料一致性為優先目標，其次才 是最佳化系統性能。隨著資料規模的增大，</a:t>
+                      </a:r>
+                      <a:r>
+                        <a:rPr lang="en-US" altLang="zh-TW" dirty="0" smtClean="0">
+                          <a:latin typeface="Times New Roman" panose="02020603050405020304" pitchFamily="18" charset="0"/>
+                          <a:ea typeface="標楷體" panose="03000509000000000000" pitchFamily="65" charset="-120"/>
+                          <a:cs typeface="Times New Roman" panose="02020603050405020304" pitchFamily="18" charset="0"/>
+                        </a:rPr>
+                        <a:t>RDBMS</a:t>
+                      </a:r>
+                      <a:r>
+                        <a:rPr lang="zh-TW" altLang="en-US" dirty="0" smtClean="0">
+                          <a:latin typeface="Times New Roman" panose="02020603050405020304" pitchFamily="18" charset="0"/>
+                          <a:ea typeface="標楷體" panose="03000509000000000000" pitchFamily="65" charset="-120"/>
+                          <a:cs typeface="Times New Roman" panose="02020603050405020304" pitchFamily="18" charset="0"/>
+                        </a:rPr>
+                        <a:t>為了保證 嚴格的一致性，只能提供相對較弱的可用性</a:t>
+                      </a:r>
+                      <a:endParaRPr lang="en-US" altLang="zh-TW" dirty="0" smtClean="0">
+                        <a:latin typeface="Times New Roman" panose="02020603050405020304" pitchFamily="18" charset="0"/>
+                        <a:ea typeface="標楷體" panose="03000509000000000000" pitchFamily="65" charset="-120"/>
+                        <a:cs typeface="Times New Roman" panose="02020603050405020304" pitchFamily="18" charset="0"/>
+                      </a:endParaRPr>
+                    </a:p>
+                    <a:p>
+                      <a:pPr marL="285750" indent="-285750">
+                        <a:buFont typeface="Arial" panose="020B0604020202020204" pitchFamily="34" charset="0"/>
+                        <a:buChar char="•"/>
+                      </a:pPr>
+                      <a:r>
+                        <a:rPr lang="zh-TW" altLang="en-US" dirty="0" smtClean="0">
+                          <a:latin typeface="Times New Roman" panose="02020603050405020304" pitchFamily="18" charset="0"/>
+                          <a:ea typeface="標楷體" panose="03000509000000000000" pitchFamily="65" charset="-120"/>
+                          <a:cs typeface="Times New Roman" panose="02020603050405020304" pitchFamily="18" charset="0"/>
+                        </a:rPr>
+                        <a:t>大多數</a:t>
+                      </a:r>
+                      <a:r>
+                        <a:rPr lang="en-US" altLang="zh-TW" dirty="0" smtClean="0">
+                          <a:latin typeface="Times New Roman" panose="02020603050405020304" pitchFamily="18" charset="0"/>
+                          <a:ea typeface="標楷體" panose="03000509000000000000" pitchFamily="65" charset="-120"/>
+                          <a:cs typeface="Times New Roman" panose="02020603050405020304" pitchFamily="18" charset="0"/>
+                        </a:rPr>
+                        <a:t>NoSQL</a:t>
+                      </a:r>
+                      <a:r>
+                        <a:rPr lang="zh-TW" altLang="en-US" dirty="0" smtClean="0">
+                          <a:latin typeface="Times New Roman" panose="02020603050405020304" pitchFamily="18" charset="0"/>
+                          <a:ea typeface="標楷體" panose="03000509000000000000" pitchFamily="65" charset="-120"/>
+                          <a:cs typeface="Times New Roman" panose="02020603050405020304" pitchFamily="18" charset="0"/>
+                        </a:rPr>
+                        <a:t>都能提供較高的可用性</a:t>
+                      </a:r>
+                      <a:endParaRPr lang="zh-TW" altLang="en-US" dirty="0">
+                        <a:latin typeface="Times New Roman" panose="02020603050405020304" pitchFamily="18" charset="0"/>
+                        <a:ea typeface="標楷體" panose="03000509000000000000" pitchFamily="65" charset="-120"/>
+                        <a:cs typeface="Times New Roman" panose="02020603050405020304" pitchFamily="18" charset="0"/>
+                      </a:endParaRPr>
+                    </a:p>
+                  </a:txBody>
+                  <a:tcPr/>
+                </a:tc>
+                <a:extLst>
+                  <a:ext uri="{0D108BD9-81ED-4DB2-BD59-A6C34878D82A}">
+                    <a16:rowId xmlns:a16="http://schemas.microsoft.com/office/drawing/2014/main" val="3048497522"/>
+                  </a:ext>
+                </a:extLst>
+              </a:tr>
+            </a:tbl>
+          </a:graphicData>
+        </a:graphic>
+      </p:graphicFrame>
     </p:spTree>
     <p:extLst>
       <p:ext uri="{BB962C8B-B14F-4D97-AF65-F5344CB8AC3E}">
-        <p14:creationId xmlns:p14="http://schemas.microsoft.com/office/powerpoint/2010/main" val="579972009"/>
+        <p14:creationId xmlns:p14="http://schemas.microsoft.com/office/powerpoint/2010/main" val="350484000"/>
+      </p:ext>
+    </p:extLst>
+  </p:cSld>
+  <p:clrMapOvr>
+    <a:masterClrMapping/>
+  </p:clrMapOvr>
+  <p:timing>
+    <p:tnLst>
+      <p:par>
+        <p:cTn id="1" dur="indefinite" restart="never" nodeType="tmRoot"/>
+      </p:par>
+    </p:tnLst>
+  </p:timing>
+</p:sld>
+</file>
+
+<file path=ppt/slides/slide9.xml><?xml version="1.0" encoding="utf-8"?>
+<p:sld xmlns:a="http://schemas.openxmlformats.org/drawingml/2006/main" xmlns:r="http://schemas.openxmlformats.org/officeDocument/2006/relationships" xmlns:p="http://schemas.openxmlformats.org/presentationml/2006/main">
+  <p:cSld>
+    <p:spTree>
+      <p:nvGrpSpPr>
+        <p:cNvPr id="1" name=""/>
+        <p:cNvGrpSpPr/>
+        <p:nvPr/>
+      </p:nvGrpSpPr>
+      <p:grpSpPr>
+        <a:xfrm>
+          <a:off x="0" y="0"/>
+          <a:ext cx="0" cy="0"/>
+          <a:chOff x="0" y="0"/>
+          <a:chExt cx="0" cy="0"/>
+        </a:xfrm>
+      </p:grpSpPr>
+      <p:graphicFrame>
+        <p:nvGraphicFramePr>
+          <p:cNvPr id="4" name="內容版面配置區 4"/>
+          <p:cNvGraphicFramePr>
+            <a:graphicFrameLocks/>
+          </p:cNvGraphicFramePr>
+          <p:nvPr>
+            <p:extLst>
+              <p:ext uri="{D42A27DB-BD31-4B8C-83A1-F6EECF244321}">
+                <p14:modId xmlns:p14="http://schemas.microsoft.com/office/powerpoint/2010/main" val="3447919616"/>
+              </p:ext>
+            </p:extLst>
+          </p:nvPr>
+        </p:nvGraphicFramePr>
+        <p:xfrm>
+          <a:off x="838200" y="279920"/>
+          <a:ext cx="10515600" cy="4290962"/>
+        </p:xfrm>
+        <a:graphic>
+          <a:graphicData uri="http://schemas.openxmlformats.org/drawingml/2006/table">
+            <a:tbl>
+              <a:tblPr firstRow="1" bandRow="1">
+                <a:tableStyleId>{073A0DAA-6AF3-43AB-8588-CEC1D06C72B9}</a:tableStyleId>
+              </a:tblPr>
+              <a:tblGrid>
+                <a:gridCol w="1438469">
+                  <a:extLst>
+                    <a:ext uri="{9D8B030D-6E8A-4147-A177-3AD203B41FA5}">
+                      <a16:colId xmlns:a16="http://schemas.microsoft.com/office/drawing/2014/main" val="3112319714"/>
+                    </a:ext>
+                  </a:extLst>
+                </a:gridCol>
+                <a:gridCol w="1436915">
+                  <a:extLst>
+                    <a:ext uri="{9D8B030D-6E8A-4147-A177-3AD203B41FA5}">
+                      <a16:colId xmlns:a16="http://schemas.microsoft.com/office/drawing/2014/main" val="803477215"/>
+                    </a:ext>
+                  </a:extLst>
+                </a:gridCol>
+                <a:gridCol w="1978089">
+                  <a:extLst>
+                    <a:ext uri="{9D8B030D-6E8A-4147-A177-3AD203B41FA5}">
+                      <a16:colId xmlns:a16="http://schemas.microsoft.com/office/drawing/2014/main" val="3093396570"/>
+                    </a:ext>
+                  </a:extLst>
+                </a:gridCol>
+                <a:gridCol w="5662127">
+                  <a:extLst>
+                    <a:ext uri="{9D8B030D-6E8A-4147-A177-3AD203B41FA5}">
+                      <a16:colId xmlns:a16="http://schemas.microsoft.com/office/drawing/2014/main" val="708627336"/>
+                    </a:ext>
+                  </a:extLst>
+                </a:gridCol>
+              </a:tblGrid>
+              <a:tr h="418602">
+                <a:tc>
+                  <a:txBody>
+                    <a:bodyPr/>
+                    <a:lstStyle/>
+                    <a:p>
+                      <a:r>
+                        <a:rPr lang="zh-TW" altLang="en-US" dirty="0" smtClean="0">
+                          <a:latin typeface="Times New Roman" panose="02020603050405020304" pitchFamily="18" charset="0"/>
+                          <a:ea typeface="標楷體" panose="03000509000000000000" pitchFamily="65" charset="-120"/>
+                          <a:cs typeface="Times New Roman" panose="02020603050405020304" pitchFamily="18" charset="0"/>
+                        </a:rPr>
+                        <a:t>比較標準</a:t>
+                      </a:r>
+                      <a:endParaRPr lang="zh-TW" altLang="en-US" dirty="0">
+                        <a:latin typeface="Times New Roman" panose="02020603050405020304" pitchFamily="18" charset="0"/>
+                        <a:ea typeface="標楷體" panose="03000509000000000000" pitchFamily="65" charset="-120"/>
+                        <a:cs typeface="Times New Roman" panose="02020603050405020304" pitchFamily="18" charset="0"/>
+                      </a:endParaRPr>
+                    </a:p>
+                  </a:txBody>
+                  <a:tcPr/>
+                </a:tc>
+                <a:tc>
+                  <a:txBody>
+                    <a:bodyPr/>
+                    <a:lstStyle/>
+                    <a:p>
+                      <a:r>
+                        <a:rPr lang="en-US" altLang="zh-TW" dirty="0" smtClean="0">
+                          <a:latin typeface="Times New Roman" panose="02020603050405020304" pitchFamily="18" charset="0"/>
+                          <a:ea typeface="標楷體" panose="03000509000000000000" pitchFamily="65" charset="-120"/>
+                          <a:cs typeface="Times New Roman" panose="02020603050405020304" pitchFamily="18" charset="0"/>
+                        </a:rPr>
+                        <a:t>RDBMS</a:t>
+                      </a:r>
+                      <a:endParaRPr lang="zh-TW" altLang="en-US" dirty="0">
+                        <a:latin typeface="Times New Roman" panose="02020603050405020304" pitchFamily="18" charset="0"/>
+                        <a:ea typeface="標楷體" panose="03000509000000000000" pitchFamily="65" charset="-120"/>
+                        <a:cs typeface="Times New Roman" panose="02020603050405020304" pitchFamily="18" charset="0"/>
+                      </a:endParaRPr>
+                    </a:p>
+                  </a:txBody>
+                  <a:tcPr/>
+                </a:tc>
+                <a:tc>
+                  <a:txBody>
+                    <a:bodyPr/>
+                    <a:lstStyle/>
+                    <a:p>
+                      <a:r>
+                        <a:rPr lang="en-US" altLang="zh-TW" dirty="0" smtClean="0">
+                          <a:latin typeface="Times New Roman" panose="02020603050405020304" pitchFamily="18" charset="0"/>
+                          <a:ea typeface="標楷體" panose="03000509000000000000" pitchFamily="65" charset="-120"/>
+                          <a:cs typeface="Times New Roman" panose="02020603050405020304" pitchFamily="18" charset="0"/>
+                        </a:rPr>
+                        <a:t>NoSQL</a:t>
+                      </a:r>
+                      <a:endParaRPr lang="zh-TW" altLang="en-US" dirty="0">
+                        <a:latin typeface="Times New Roman" panose="02020603050405020304" pitchFamily="18" charset="0"/>
+                        <a:ea typeface="標楷體" panose="03000509000000000000" pitchFamily="65" charset="-120"/>
+                        <a:cs typeface="Times New Roman" panose="02020603050405020304" pitchFamily="18" charset="0"/>
+                      </a:endParaRPr>
+                    </a:p>
+                  </a:txBody>
+                  <a:tcPr/>
+                </a:tc>
+                <a:tc>
+                  <a:txBody>
+                    <a:bodyPr/>
+                    <a:lstStyle/>
+                    <a:p>
+                      <a:r>
+                        <a:rPr lang="zh-TW" altLang="en-US" dirty="0" smtClean="0">
+                          <a:latin typeface="Times New Roman" panose="02020603050405020304" pitchFamily="18" charset="0"/>
+                          <a:ea typeface="標楷體" panose="03000509000000000000" pitchFamily="65" charset="-120"/>
+                          <a:cs typeface="Times New Roman" panose="02020603050405020304" pitchFamily="18" charset="0"/>
+                        </a:rPr>
+                        <a:t>備註</a:t>
+                      </a:r>
+                      <a:endParaRPr lang="zh-TW" altLang="en-US" dirty="0">
+                        <a:latin typeface="Times New Roman" panose="02020603050405020304" pitchFamily="18" charset="0"/>
+                        <a:ea typeface="標楷體" panose="03000509000000000000" pitchFamily="65" charset="-120"/>
+                        <a:cs typeface="Times New Roman" panose="02020603050405020304" pitchFamily="18" charset="0"/>
+                      </a:endParaRPr>
+                    </a:p>
+                  </a:txBody>
+                  <a:tcPr/>
+                </a:tc>
+                <a:extLst>
+                  <a:ext uri="{0D108BD9-81ED-4DB2-BD59-A6C34878D82A}">
+                    <a16:rowId xmlns:a16="http://schemas.microsoft.com/office/drawing/2014/main" val="1954093378"/>
+                  </a:ext>
+                </a:extLst>
+              </a:tr>
+              <a:tr h="1063229">
+                <a:tc>
+                  <a:txBody>
+                    <a:bodyPr/>
+                    <a:lstStyle/>
+                    <a:p>
+                      <a:r>
+                        <a:rPr lang="zh-TW" altLang="en-US" dirty="0" smtClean="0">
+                          <a:latin typeface="Times New Roman" panose="02020603050405020304" pitchFamily="18" charset="0"/>
+                          <a:ea typeface="標楷體" panose="03000509000000000000" pitchFamily="65" charset="-120"/>
+                          <a:cs typeface="Times New Roman" panose="02020603050405020304" pitchFamily="18" charset="0"/>
+                        </a:rPr>
+                        <a:t>標準化</a:t>
+                      </a:r>
+                      <a:endParaRPr lang="zh-TW" altLang="en-US" dirty="0">
+                        <a:latin typeface="Times New Roman" panose="02020603050405020304" pitchFamily="18" charset="0"/>
+                        <a:ea typeface="標楷體" panose="03000509000000000000" pitchFamily="65" charset="-120"/>
+                        <a:cs typeface="Times New Roman" panose="02020603050405020304" pitchFamily="18" charset="0"/>
+                      </a:endParaRPr>
+                    </a:p>
+                  </a:txBody>
+                  <a:tcPr/>
+                </a:tc>
+                <a:tc>
+                  <a:txBody>
+                    <a:bodyPr/>
+                    <a:lstStyle/>
+                    <a:p>
+                      <a:r>
+                        <a:rPr lang="zh-TW" altLang="en-US" dirty="0" smtClean="0">
+                          <a:latin typeface="Times New Roman" panose="02020603050405020304" pitchFamily="18" charset="0"/>
+                          <a:ea typeface="標楷體" panose="03000509000000000000" pitchFamily="65" charset="-120"/>
+                          <a:cs typeface="Times New Roman" panose="02020603050405020304" pitchFamily="18" charset="0"/>
+                        </a:rPr>
+                        <a:t>是</a:t>
+                      </a:r>
+                      <a:endParaRPr lang="zh-TW" altLang="en-US" dirty="0">
+                        <a:latin typeface="Times New Roman" panose="02020603050405020304" pitchFamily="18" charset="0"/>
+                        <a:ea typeface="標楷體" panose="03000509000000000000" pitchFamily="65" charset="-120"/>
+                        <a:cs typeface="Times New Roman" panose="02020603050405020304" pitchFamily="18" charset="0"/>
+                      </a:endParaRPr>
+                    </a:p>
+                  </a:txBody>
+                  <a:tcPr/>
+                </a:tc>
+                <a:tc>
+                  <a:txBody>
+                    <a:bodyPr/>
+                    <a:lstStyle/>
+                    <a:p>
+                      <a:r>
+                        <a:rPr lang="zh-TW" altLang="en-US" dirty="0" smtClean="0">
+                          <a:latin typeface="Times New Roman" panose="02020603050405020304" pitchFamily="18" charset="0"/>
+                          <a:ea typeface="標楷體" panose="03000509000000000000" pitchFamily="65" charset="-120"/>
+                          <a:cs typeface="Times New Roman" panose="02020603050405020304" pitchFamily="18" charset="0"/>
+                        </a:rPr>
+                        <a:t>否</a:t>
+                      </a:r>
+                      <a:endParaRPr lang="zh-TW" altLang="en-US" dirty="0">
+                        <a:latin typeface="Times New Roman" panose="02020603050405020304" pitchFamily="18" charset="0"/>
+                        <a:ea typeface="標楷體" panose="03000509000000000000" pitchFamily="65" charset="-120"/>
+                        <a:cs typeface="Times New Roman" panose="02020603050405020304" pitchFamily="18" charset="0"/>
+                      </a:endParaRPr>
+                    </a:p>
+                  </a:txBody>
+                  <a:tcPr/>
+                </a:tc>
+                <a:tc>
+                  <a:txBody>
+                    <a:bodyPr/>
+                    <a:lstStyle/>
+                    <a:p>
+                      <a:pPr marL="285750" indent="-285750">
+                        <a:buFont typeface="Arial" panose="020B0604020202020204" pitchFamily="34" charset="0"/>
+                        <a:buChar char="•"/>
+                      </a:pPr>
+                      <a:r>
+                        <a:rPr lang="en-US" altLang="zh-TW" dirty="0" smtClean="0">
+                          <a:latin typeface="Times New Roman" panose="02020603050405020304" pitchFamily="18" charset="0"/>
+                          <a:ea typeface="標楷體" panose="03000509000000000000" pitchFamily="65" charset="-120"/>
+                          <a:cs typeface="Times New Roman" panose="02020603050405020304" pitchFamily="18" charset="0"/>
+                        </a:rPr>
+                        <a:t>RDBMS</a:t>
+                      </a:r>
+                      <a:r>
+                        <a:rPr lang="zh-TW" altLang="en-US" dirty="0" smtClean="0">
+                          <a:latin typeface="Times New Roman" panose="02020603050405020304" pitchFamily="18" charset="0"/>
+                          <a:ea typeface="標楷體" panose="03000509000000000000" pitchFamily="65" charset="-120"/>
+                          <a:cs typeface="Times New Roman" panose="02020603050405020304" pitchFamily="18" charset="0"/>
+                        </a:rPr>
+                        <a:t>已經標準化（有</a:t>
+                      </a:r>
+                      <a:r>
+                        <a:rPr lang="en-US" altLang="zh-TW" dirty="0" smtClean="0">
+                          <a:latin typeface="Times New Roman" panose="02020603050405020304" pitchFamily="18" charset="0"/>
+                          <a:ea typeface="標楷體" panose="03000509000000000000" pitchFamily="65" charset="-120"/>
+                          <a:cs typeface="Times New Roman" panose="02020603050405020304" pitchFamily="18" charset="0"/>
+                        </a:rPr>
+                        <a:t>ANSI SQL</a:t>
+                      </a:r>
+                      <a:r>
+                        <a:rPr lang="zh-TW" altLang="en-US" dirty="0" smtClean="0">
+                          <a:latin typeface="Times New Roman" panose="02020603050405020304" pitchFamily="18" charset="0"/>
+                          <a:ea typeface="標楷體" panose="03000509000000000000" pitchFamily="65" charset="-120"/>
+                          <a:cs typeface="Times New Roman" panose="02020603050405020304" pitchFamily="18" charset="0"/>
+                        </a:rPr>
+                        <a:t>）</a:t>
+                      </a:r>
+                      <a:endParaRPr lang="en-US" altLang="zh-TW" dirty="0" smtClean="0">
+                        <a:latin typeface="Times New Roman" panose="02020603050405020304" pitchFamily="18" charset="0"/>
+                        <a:ea typeface="標楷體" panose="03000509000000000000" pitchFamily="65" charset="-120"/>
+                        <a:cs typeface="Times New Roman" panose="02020603050405020304" pitchFamily="18" charset="0"/>
+                      </a:endParaRPr>
+                    </a:p>
+                    <a:p>
+                      <a:pPr marL="285750" indent="-285750">
+                        <a:buFont typeface="Arial" panose="020B0604020202020204" pitchFamily="34" charset="0"/>
+                        <a:buChar char="•"/>
+                      </a:pPr>
+                      <a:r>
+                        <a:rPr lang="en-US" altLang="zh-TW" dirty="0" smtClean="0">
+                          <a:latin typeface="Times New Roman" panose="02020603050405020304" pitchFamily="18" charset="0"/>
+                          <a:ea typeface="標楷體" panose="03000509000000000000" pitchFamily="65" charset="-120"/>
+                          <a:cs typeface="Times New Roman" panose="02020603050405020304" pitchFamily="18" charset="0"/>
+                        </a:rPr>
+                        <a:t>NoSQL</a:t>
+                      </a:r>
+                      <a:r>
+                        <a:rPr lang="zh-TW" altLang="en-US" dirty="0" smtClean="0">
+                          <a:latin typeface="Times New Roman" panose="02020603050405020304" pitchFamily="18" charset="0"/>
+                          <a:ea typeface="標楷體" panose="03000509000000000000" pitchFamily="65" charset="-120"/>
+                          <a:cs typeface="Times New Roman" panose="02020603050405020304" pitchFamily="18" charset="0"/>
+                        </a:rPr>
+                        <a:t>還沒有業界標準，不同的</a:t>
+                      </a:r>
+                      <a:r>
+                        <a:rPr lang="en-US" altLang="zh-TW" dirty="0" smtClean="0">
+                          <a:latin typeface="Times New Roman" panose="02020603050405020304" pitchFamily="18" charset="0"/>
+                          <a:ea typeface="標楷體" panose="03000509000000000000" pitchFamily="65" charset="-120"/>
+                          <a:cs typeface="Times New Roman" panose="02020603050405020304" pitchFamily="18" charset="0"/>
+                        </a:rPr>
+                        <a:t>NoSQL</a:t>
+                      </a:r>
+                      <a:r>
+                        <a:rPr lang="zh-TW" altLang="en-US" dirty="0" smtClean="0">
+                          <a:latin typeface="Times New Roman" panose="02020603050405020304" pitchFamily="18" charset="0"/>
+                          <a:ea typeface="標楷體" panose="03000509000000000000" pitchFamily="65" charset="-120"/>
+                          <a:cs typeface="Times New Roman" panose="02020603050405020304" pitchFamily="18" charset="0"/>
+                        </a:rPr>
+                        <a:t>資料庫都有 自己的查詢語言，很難規範應用程式介面</a:t>
+                      </a:r>
+                      <a:endParaRPr lang="en-US" altLang="zh-TW" dirty="0" smtClean="0">
+                        <a:latin typeface="Times New Roman" panose="02020603050405020304" pitchFamily="18" charset="0"/>
+                        <a:ea typeface="標楷體" panose="03000509000000000000" pitchFamily="65" charset="-120"/>
+                        <a:cs typeface="Times New Roman" panose="02020603050405020304" pitchFamily="18" charset="0"/>
+                      </a:endParaRPr>
+                    </a:p>
+                    <a:p>
+                      <a:pPr marL="285750" indent="-285750">
+                        <a:buFont typeface="Arial" panose="020B0604020202020204" pitchFamily="34" charset="0"/>
+                        <a:buChar char="•"/>
+                      </a:pPr>
+                      <a:r>
+                        <a:rPr lang="en-US" altLang="zh-TW" dirty="0" smtClean="0">
+                          <a:latin typeface="Times New Roman" panose="02020603050405020304" pitchFamily="18" charset="0"/>
+                          <a:ea typeface="標楷體" panose="03000509000000000000" pitchFamily="65" charset="-120"/>
+                          <a:cs typeface="Times New Roman" panose="02020603050405020304" pitchFamily="18" charset="0"/>
+                        </a:rPr>
+                        <a:t>NoSQL</a:t>
+                      </a:r>
+                      <a:r>
+                        <a:rPr lang="zh-TW" altLang="en-US" dirty="0" smtClean="0">
+                          <a:latin typeface="Times New Roman" panose="02020603050405020304" pitchFamily="18" charset="0"/>
+                          <a:ea typeface="標楷體" panose="03000509000000000000" pitchFamily="65" charset="-120"/>
+                          <a:cs typeface="Times New Roman" panose="02020603050405020304" pitchFamily="18" charset="0"/>
+                        </a:rPr>
+                        <a:t>缺乏統一查詢語言，將 會拖慢</a:t>
+                      </a:r>
+                      <a:r>
+                        <a:rPr lang="en-US" altLang="zh-TW" dirty="0" smtClean="0">
+                          <a:latin typeface="Times New Roman" panose="02020603050405020304" pitchFamily="18" charset="0"/>
+                          <a:ea typeface="標楷體" panose="03000509000000000000" pitchFamily="65" charset="-120"/>
+                          <a:cs typeface="Times New Roman" panose="02020603050405020304" pitchFamily="18" charset="0"/>
+                        </a:rPr>
+                        <a:t>NoSQL</a:t>
+                      </a:r>
+                      <a:r>
+                        <a:rPr lang="zh-TW" altLang="en-US" dirty="0" smtClean="0">
+                          <a:latin typeface="Times New Roman" panose="02020603050405020304" pitchFamily="18" charset="0"/>
+                          <a:ea typeface="標楷體" panose="03000509000000000000" pitchFamily="65" charset="-120"/>
+                          <a:cs typeface="Times New Roman" panose="02020603050405020304" pitchFamily="18" charset="0"/>
+                        </a:rPr>
+                        <a:t>發展</a:t>
+                      </a:r>
+                      <a:endParaRPr lang="zh-TW" altLang="en-US" dirty="0">
+                        <a:latin typeface="Times New Roman" panose="02020603050405020304" pitchFamily="18" charset="0"/>
+                        <a:ea typeface="標楷體" panose="03000509000000000000" pitchFamily="65" charset="-120"/>
+                        <a:cs typeface="Times New Roman" panose="02020603050405020304" pitchFamily="18" charset="0"/>
+                      </a:endParaRPr>
+                    </a:p>
+                  </a:txBody>
+                  <a:tcPr/>
+                </a:tc>
+                <a:extLst>
+                  <a:ext uri="{0D108BD9-81ED-4DB2-BD59-A6C34878D82A}">
+                    <a16:rowId xmlns:a16="http://schemas.microsoft.com/office/drawing/2014/main" val="1036320680"/>
+                  </a:ext>
+                </a:extLst>
+              </a:tr>
+              <a:tr h="1341820">
+                <a:tc>
+                  <a:txBody>
+                    <a:bodyPr/>
+                    <a:lstStyle/>
+                    <a:p>
+                      <a:r>
+                        <a:rPr lang="zh-TW" altLang="en-US" dirty="0" smtClean="0">
+                          <a:latin typeface="Times New Roman" panose="02020603050405020304" pitchFamily="18" charset="0"/>
+                          <a:ea typeface="標楷體" panose="03000509000000000000" pitchFamily="65" charset="-120"/>
+                          <a:cs typeface="Times New Roman" panose="02020603050405020304" pitchFamily="18" charset="0"/>
+                        </a:rPr>
+                        <a:t>技術支援</a:t>
+                      </a:r>
+                      <a:endParaRPr lang="zh-TW" altLang="en-US" dirty="0">
+                        <a:latin typeface="Times New Roman" panose="02020603050405020304" pitchFamily="18" charset="0"/>
+                        <a:ea typeface="標楷體" panose="03000509000000000000" pitchFamily="65" charset="-120"/>
+                        <a:cs typeface="Times New Roman" panose="02020603050405020304" pitchFamily="18" charset="0"/>
+                      </a:endParaRPr>
+                    </a:p>
+                  </a:txBody>
+                  <a:tcPr/>
+                </a:tc>
+                <a:tc>
+                  <a:txBody>
+                    <a:bodyPr/>
+                    <a:lstStyle/>
+                    <a:p>
+                      <a:r>
+                        <a:rPr lang="zh-TW" altLang="en-US" dirty="0" smtClean="0">
+                          <a:latin typeface="Times New Roman" panose="02020603050405020304" pitchFamily="18" charset="0"/>
+                          <a:ea typeface="標楷體" panose="03000509000000000000" pitchFamily="65" charset="-120"/>
+                          <a:cs typeface="Times New Roman" panose="02020603050405020304" pitchFamily="18" charset="0"/>
+                        </a:rPr>
+                        <a:t>高</a:t>
+                      </a:r>
+                      <a:endParaRPr lang="zh-TW" altLang="en-US" dirty="0">
+                        <a:latin typeface="Times New Roman" panose="02020603050405020304" pitchFamily="18" charset="0"/>
+                        <a:ea typeface="標楷體" panose="03000509000000000000" pitchFamily="65" charset="-120"/>
+                        <a:cs typeface="Times New Roman" panose="02020603050405020304" pitchFamily="18" charset="0"/>
+                      </a:endParaRPr>
+                    </a:p>
+                  </a:txBody>
+                  <a:tcPr/>
+                </a:tc>
+                <a:tc>
+                  <a:txBody>
+                    <a:bodyPr/>
+                    <a:lstStyle/>
+                    <a:p>
+                      <a:r>
+                        <a:rPr lang="zh-TW" altLang="en-US" dirty="0" smtClean="0">
+                          <a:latin typeface="Times New Roman" panose="02020603050405020304" pitchFamily="18" charset="0"/>
+                          <a:ea typeface="標楷體" panose="03000509000000000000" pitchFamily="65" charset="-120"/>
+                          <a:cs typeface="Times New Roman" panose="02020603050405020304" pitchFamily="18" charset="0"/>
+                        </a:rPr>
+                        <a:t>低</a:t>
+                      </a:r>
+                      <a:endParaRPr lang="zh-TW" altLang="en-US" dirty="0">
+                        <a:latin typeface="Times New Roman" panose="02020603050405020304" pitchFamily="18" charset="0"/>
+                        <a:ea typeface="標楷體" panose="03000509000000000000" pitchFamily="65" charset="-120"/>
+                        <a:cs typeface="Times New Roman" panose="02020603050405020304" pitchFamily="18" charset="0"/>
+                      </a:endParaRPr>
+                    </a:p>
+                  </a:txBody>
+                  <a:tcPr/>
+                </a:tc>
+                <a:tc>
+                  <a:txBody>
+                    <a:bodyPr/>
+                    <a:lstStyle/>
+                    <a:p>
+                      <a:pPr marL="285750" indent="-285750">
+                        <a:buFont typeface="Arial" panose="020B0604020202020204" pitchFamily="34" charset="0"/>
+                        <a:buChar char="•"/>
+                      </a:pPr>
+                      <a:r>
+                        <a:rPr lang="en-US" altLang="zh-TW" dirty="0" smtClean="0">
+                          <a:latin typeface="Times New Roman" panose="02020603050405020304" pitchFamily="18" charset="0"/>
+                          <a:ea typeface="標楷體" panose="03000509000000000000" pitchFamily="65" charset="-120"/>
+                          <a:cs typeface="Times New Roman" panose="02020603050405020304" pitchFamily="18" charset="0"/>
+                        </a:rPr>
+                        <a:t>RDBMS</a:t>
+                      </a:r>
+                      <a:r>
+                        <a:rPr lang="zh-TW" altLang="en-US" dirty="0" smtClean="0">
+                          <a:latin typeface="Times New Roman" panose="02020603050405020304" pitchFamily="18" charset="0"/>
+                          <a:ea typeface="標楷體" panose="03000509000000000000" pitchFamily="65" charset="-120"/>
+                          <a:cs typeface="Times New Roman" panose="02020603050405020304" pitchFamily="18" charset="0"/>
+                        </a:rPr>
+                        <a:t>經過幾十年的發展，已經非常成熟，</a:t>
+                      </a:r>
+                      <a:r>
+                        <a:rPr lang="en-US" altLang="zh-TW" dirty="0" smtClean="0">
+                          <a:latin typeface="Times New Roman" panose="02020603050405020304" pitchFamily="18" charset="0"/>
+                          <a:ea typeface="標楷體" panose="03000509000000000000" pitchFamily="65" charset="-120"/>
+                          <a:cs typeface="Times New Roman" panose="02020603050405020304" pitchFamily="18" charset="0"/>
+                        </a:rPr>
+                        <a:t>Oracle </a:t>
+                      </a:r>
+                      <a:r>
+                        <a:rPr lang="zh-TW" altLang="en-US" dirty="0" smtClean="0">
+                          <a:latin typeface="Times New Roman" panose="02020603050405020304" pitchFamily="18" charset="0"/>
+                          <a:ea typeface="標楷體" panose="03000509000000000000" pitchFamily="65" charset="-120"/>
+                          <a:cs typeface="Times New Roman" panose="02020603050405020304" pitchFamily="18" charset="0"/>
+                        </a:rPr>
+                        <a:t>等大型廠商都可以提供很好的技術支援</a:t>
+                      </a:r>
+                      <a:endParaRPr lang="en-US" altLang="zh-TW" dirty="0" smtClean="0">
+                        <a:latin typeface="Times New Roman" panose="02020603050405020304" pitchFamily="18" charset="0"/>
+                        <a:ea typeface="標楷體" panose="03000509000000000000" pitchFamily="65" charset="-120"/>
+                        <a:cs typeface="Times New Roman" panose="02020603050405020304" pitchFamily="18" charset="0"/>
+                      </a:endParaRPr>
+                    </a:p>
+                    <a:p>
+                      <a:pPr marL="285750" indent="-285750">
+                        <a:buFont typeface="Arial" panose="020B0604020202020204" pitchFamily="34" charset="0"/>
+                        <a:buChar char="•"/>
+                      </a:pPr>
+                      <a:r>
+                        <a:rPr lang="en-US" altLang="zh-TW" dirty="0" smtClean="0">
+                          <a:latin typeface="Times New Roman" panose="02020603050405020304" pitchFamily="18" charset="0"/>
+                          <a:ea typeface="標楷體" panose="03000509000000000000" pitchFamily="65" charset="-120"/>
+                          <a:cs typeface="Times New Roman" panose="02020603050405020304" pitchFamily="18" charset="0"/>
+                        </a:rPr>
+                        <a:t>NoSQL</a:t>
+                      </a:r>
+                      <a:r>
+                        <a:rPr lang="zh-TW" altLang="en-US" dirty="0" smtClean="0">
+                          <a:latin typeface="Times New Roman" panose="02020603050405020304" pitchFamily="18" charset="0"/>
+                          <a:ea typeface="標楷體" panose="03000509000000000000" pitchFamily="65" charset="-120"/>
+                          <a:cs typeface="Times New Roman" panose="02020603050405020304" pitchFamily="18" charset="0"/>
+                        </a:rPr>
+                        <a:t>在技術支持方面仍然處於起步階段，還不成 熟，缺乏有力的技術支援</a:t>
+                      </a:r>
+                      <a:endParaRPr lang="zh-TW" altLang="en-US" dirty="0">
+                        <a:latin typeface="Times New Roman" panose="02020603050405020304" pitchFamily="18" charset="0"/>
+                        <a:ea typeface="標楷體" panose="03000509000000000000" pitchFamily="65" charset="-120"/>
+                        <a:cs typeface="Times New Roman" panose="02020603050405020304" pitchFamily="18" charset="0"/>
+                      </a:endParaRPr>
+                    </a:p>
+                  </a:txBody>
+                  <a:tcPr/>
+                </a:tc>
+                <a:extLst>
+                  <a:ext uri="{0D108BD9-81ED-4DB2-BD59-A6C34878D82A}">
+                    <a16:rowId xmlns:a16="http://schemas.microsoft.com/office/drawing/2014/main" val="1403706458"/>
+                  </a:ext>
+                </a:extLst>
+              </a:tr>
+              <a:tr h="1341820">
+                <a:tc>
+                  <a:txBody>
+                    <a:bodyPr/>
+                    <a:lstStyle/>
+                    <a:p>
+                      <a:r>
+                        <a:rPr lang="zh-TW" altLang="en-US" dirty="0" smtClean="0">
+                          <a:latin typeface="Times New Roman" panose="02020603050405020304" pitchFamily="18" charset="0"/>
+                          <a:ea typeface="標楷體" panose="03000509000000000000" pitchFamily="65" charset="-120"/>
+                          <a:cs typeface="Times New Roman" panose="02020603050405020304" pitchFamily="18" charset="0"/>
+                        </a:rPr>
+                        <a:t>可維護性</a:t>
+                      </a:r>
+                      <a:endParaRPr lang="zh-TW" altLang="en-US" dirty="0">
+                        <a:latin typeface="Times New Roman" panose="02020603050405020304" pitchFamily="18" charset="0"/>
+                        <a:ea typeface="標楷體" panose="03000509000000000000" pitchFamily="65" charset="-120"/>
+                        <a:cs typeface="Times New Roman" panose="02020603050405020304" pitchFamily="18" charset="0"/>
+                      </a:endParaRPr>
+                    </a:p>
+                  </a:txBody>
+                  <a:tcPr/>
+                </a:tc>
+                <a:tc>
+                  <a:txBody>
+                    <a:bodyPr/>
+                    <a:lstStyle/>
+                    <a:p>
+                      <a:r>
+                        <a:rPr lang="zh-TW" altLang="en-US" dirty="0" smtClean="0">
+                          <a:latin typeface="Times New Roman" panose="02020603050405020304" pitchFamily="18" charset="0"/>
+                          <a:ea typeface="標楷體" panose="03000509000000000000" pitchFamily="65" charset="-120"/>
+                          <a:cs typeface="Times New Roman" panose="02020603050405020304" pitchFamily="18" charset="0"/>
+                        </a:rPr>
+                        <a:t>複雜</a:t>
+                      </a:r>
+                      <a:endParaRPr lang="zh-TW" altLang="en-US" dirty="0">
+                        <a:latin typeface="Times New Roman" panose="02020603050405020304" pitchFamily="18" charset="0"/>
+                        <a:ea typeface="標楷體" panose="03000509000000000000" pitchFamily="65" charset="-120"/>
+                        <a:cs typeface="Times New Roman" panose="02020603050405020304" pitchFamily="18" charset="0"/>
+                      </a:endParaRPr>
+                    </a:p>
+                  </a:txBody>
+                  <a:tcPr/>
+                </a:tc>
+                <a:tc>
+                  <a:txBody>
+                    <a:bodyPr/>
+                    <a:lstStyle/>
+                    <a:p>
+                      <a:r>
+                        <a:rPr lang="zh-TW" altLang="en-US" dirty="0" smtClean="0">
+                          <a:latin typeface="Times New Roman" panose="02020603050405020304" pitchFamily="18" charset="0"/>
+                          <a:ea typeface="標楷體" panose="03000509000000000000" pitchFamily="65" charset="-120"/>
+                          <a:cs typeface="Times New Roman" panose="02020603050405020304" pitchFamily="18" charset="0"/>
+                        </a:rPr>
+                        <a:t>複雜</a:t>
+                      </a:r>
+                      <a:endParaRPr lang="zh-TW" altLang="en-US" dirty="0">
+                        <a:latin typeface="Times New Roman" panose="02020603050405020304" pitchFamily="18" charset="0"/>
+                        <a:ea typeface="標楷體" panose="03000509000000000000" pitchFamily="65" charset="-120"/>
+                        <a:cs typeface="Times New Roman" panose="02020603050405020304" pitchFamily="18" charset="0"/>
+                      </a:endParaRPr>
+                    </a:p>
+                  </a:txBody>
+                  <a:tcPr/>
+                </a:tc>
+                <a:tc>
+                  <a:txBody>
+                    <a:bodyPr/>
+                    <a:lstStyle/>
+                    <a:p>
+                      <a:pPr marL="285750" indent="-285750">
+                        <a:buFont typeface="Arial" panose="020B0604020202020204" pitchFamily="34" charset="0"/>
+                        <a:buChar char="•"/>
+                      </a:pPr>
+                      <a:r>
+                        <a:rPr lang="en-US" altLang="zh-TW" dirty="0" smtClean="0">
+                          <a:latin typeface="Times New Roman" panose="02020603050405020304" pitchFamily="18" charset="0"/>
+                          <a:ea typeface="標楷體" panose="03000509000000000000" pitchFamily="65" charset="-120"/>
+                          <a:cs typeface="Times New Roman" panose="02020603050405020304" pitchFamily="18" charset="0"/>
+                        </a:rPr>
+                        <a:t>RDBMS</a:t>
+                      </a:r>
+                      <a:r>
+                        <a:rPr lang="zh-TW" altLang="en-US" dirty="0" smtClean="0">
+                          <a:latin typeface="Times New Roman" panose="02020603050405020304" pitchFamily="18" charset="0"/>
+                          <a:ea typeface="標楷體" panose="03000509000000000000" pitchFamily="65" charset="-120"/>
+                          <a:cs typeface="Times New Roman" panose="02020603050405020304" pitchFamily="18" charset="0"/>
+                        </a:rPr>
+                        <a:t>需要專門的資料庫管理員</a:t>
+                      </a:r>
+                      <a:r>
+                        <a:rPr lang="en-US" altLang="zh-TW" dirty="0" smtClean="0">
+                          <a:latin typeface="Times New Roman" panose="02020603050405020304" pitchFamily="18" charset="0"/>
+                          <a:ea typeface="標楷體" panose="03000509000000000000" pitchFamily="65" charset="-120"/>
+                          <a:cs typeface="Times New Roman" panose="02020603050405020304" pitchFamily="18" charset="0"/>
+                        </a:rPr>
+                        <a:t>(DBA)</a:t>
+                      </a:r>
+                      <a:r>
+                        <a:rPr lang="zh-TW" altLang="en-US" dirty="0" smtClean="0">
+                          <a:latin typeface="Times New Roman" panose="02020603050405020304" pitchFamily="18" charset="0"/>
+                          <a:ea typeface="標楷體" panose="03000509000000000000" pitchFamily="65" charset="-120"/>
+                          <a:cs typeface="Times New Roman" panose="02020603050405020304" pitchFamily="18" charset="0"/>
+                        </a:rPr>
+                        <a:t>維護</a:t>
+                      </a:r>
+                      <a:endParaRPr lang="en-US" altLang="zh-TW" dirty="0" smtClean="0">
+                        <a:latin typeface="Times New Roman" panose="02020603050405020304" pitchFamily="18" charset="0"/>
+                        <a:ea typeface="標楷體" panose="03000509000000000000" pitchFamily="65" charset="-120"/>
+                        <a:cs typeface="Times New Roman" panose="02020603050405020304" pitchFamily="18" charset="0"/>
+                      </a:endParaRPr>
+                    </a:p>
+                    <a:p>
+                      <a:pPr marL="285750" indent="-285750">
+                        <a:buFont typeface="Arial" panose="020B0604020202020204" pitchFamily="34" charset="0"/>
+                        <a:buChar char="•"/>
+                      </a:pPr>
+                      <a:r>
+                        <a:rPr lang="en-US" altLang="zh-TW" dirty="0" smtClean="0">
+                          <a:latin typeface="Times New Roman" panose="02020603050405020304" pitchFamily="18" charset="0"/>
+                          <a:ea typeface="標楷體" panose="03000509000000000000" pitchFamily="65" charset="-120"/>
+                          <a:cs typeface="Times New Roman" panose="02020603050405020304" pitchFamily="18" charset="0"/>
+                        </a:rPr>
+                        <a:t>NoSQL</a:t>
+                      </a:r>
+                      <a:r>
+                        <a:rPr lang="zh-TW" altLang="en-US" dirty="0" smtClean="0">
+                          <a:latin typeface="Times New Roman" panose="02020603050405020304" pitchFamily="18" charset="0"/>
+                          <a:ea typeface="標楷體" panose="03000509000000000000" pitchFamily="65" charset="-120"/>
+                          <a:cs typeface="Times New Roman" panose="02020603050405020304" pitchFamily="18" charset="0"/>
+                        </a:rPr>
+                        <a:t>資料庫雖然沒有</a:t>
+                      </a:r>
+                      <a:r>
+                        <a:rPr lang="en-US" altLang="zh-TW" dirty="0" smtClean="0">
+                          <a:latin typeface="Times New Roman" panose="02020603050405020304" pitchFamily="18" charset="0"/>
+                          <a:ea typeface="標楷體" panose="03000509000000000000" pitchFamily="65" charset="-120"/>
+                          <a:cs typeface="Times New Roman" panose="02020603050405020304" pitchFamily="18" charset="0"/>
+                        </a:rPr>
+                        <a:t>DBMS</a:t>
+                      </a:r>
+                      <a:r>
+                        <a:rPr lang="zh-TW" altLang="en-US" dirty="0" smtClean="0">
+                          <a:latin typeface="Times New Roman" panose="02020603050405020304" pitchFamily="18" charset="0"/>
+                          <a:ea typeface="標楷體" panose="03000509000000000000" pitchFamily="65" charset="-120"/>
+                          <a:cs typeface="Times New Roman" panose="02020603050405020304" pitchFamily="18" charset="0"/>
+                        </a:rPr>
+                        <a:t>複雜，卻也難以維護</a:t>
+                      </a:r>
+                      <a:endParaRPr lang="zh-TW" altLang="en-US" dirty="0">
+                        <a:latin typeface="Times New Roman" panose="02020603050405020304" pitchFamily="18" charset="0"/>
+                        <a:ea typeface="標楷體" panose="03000509000000000000" pitchFamily="65" charset="-120"/>
+                        <a:cs typeface="Times New Roman" panose="02020603050405020304" pitchFamily="18" charset="0"/>
+                      </a:endParaRPr>
+                    </a:p>
+                  </a:txBody>
+                  <a:tcPr/>
+                </a:tc>
+                <a:extLst>
+                  <a:ext uri="{0D108BD9-81ED-4DB2-BD59-A6C34878D82A}">
+                    <a16:rowId xmlns:a16="http://schemas.microsoft.com/office/drawing/2014/main" val="1534258416"/>
+                  </a:ext>
+                </a:extLst>
+              </a:tr>
+            </a:tbl>
+          </a:graphicData>
+        </a:graphic>
+      </p:graphicFrame>
+    </p:spTree>
+    <p:extLst>
+      <p:ext uri="{BB962C8B-B14F-4D97-AF65-F5344CB8AC3E}">
+        <p14:creationId xmlns:p14="http://schemas.microsoft.com/office/powerpoint/2010/main" val="3838551177"/>
       </p:ext>
     </p:extLst>
   </p:cSld>

--- a/NoSQL.pptx
+++ b/NoSQL.pptx
@@ -15530,107 +15530,203 @@
           <a:lstStyle/>
           <a:p>
             <a:r>
-              <a:rPr lang="zh-TW" altLang="en-US" dirty="0"/>
+              <a:rPr lang="zh-TW" altLang="en-US" dirty="0">
+                <a:latin typeface="Times New Roman" panose="02020603050405020304" pitchFamily="18" charset="0"/>
+                <a:ea typeface="標楷體" panose="03000509000000000000" pitchFamily="65" charset="-120"/>
+                <a:cs typeface="Times New Roman" panose="02020603050405020304" pitchFamily="18" charset="0"/>
+              </a:rPr>
               <a:t>關聯式資料庫和</a:t>
             </a:r>
             <a:r>
-              <a:rPr lang="en-US" altLang="zh-TW" dirty="0"/>
+              <a:rPr lang="en-US" altLang="zh-TW" dirty="0">
+                <a:latin typeface="Times New Roman" panose="02020603050405020304" pitchFamily="18" charset="0"/>
+                <a:ea typeface="標楷體" panose="03000509000000000000" pitchFamily="65" charset="-120"/>
+                <a:cs typeface="Times New Roman" panose="02020603050405020304" pitchFamily="18" charset="0"/>
+              </a:rPr>
               <a:t>NoSQL</a:t>
             </a:r>
             <a:r>
-              <a:rPr lang="zh-TW" altLang="en-US" dirty="0"/>
+              <a:rPr lang="zh-TW" altLang="en-US" dirty="0">
+                <a:latin typeface="Times New Roman" panose="02020603050405020304" pitchFamily="18" charset="0"/>
+                <a:ea typeface="標楷體" panose="03000509000000000000" pitchFamily="65" charset="-120"/>
+                <a:cs typeface="Times New Roman" panose="02020603050405020304" pitchFamily="18" charset="0"/>
+              </a:rPr>
               <a:t>資料庫各有優缺點，彼此無法取代</a:t>
             </a:r>
             <a:r>
-              <a:rPr lang="en-US" altLang="zh-TW" dirty="0"/>
+              <a:rPr lang="en-US" altLang="zh-TW" dirty="0">
+                <a:latin typeface="Times New Roman" panose="02020603050405020304" pitchFamily="18" charset="0"/>
+                <a:ea typeface="標楷體" panose="03000509000000000000" pitchFamily="65" charset="-120"/>
+                <a:cs typeface="Times New Roman" panose="02020603050405020304" pitchFamily="18" charset="0"/>
+              </a:rPr>
               <a:t> </a:t>
             </a:r>
           </a:p>
           <a:p>
             <a:pPr lvl="1"/>
             <a:r>
-              <a:rPr lang="zh-TW" altLang="en-US" dirty="0"/>
+              <a:rPr lang="zh-TW" altLang="en-US" dirty="0">
+                <a:latin typeface="Times New Roman" panose="02020603050405020304" pitchFamily="18" charset="0"/>
+                <a:ea typeface="標楷體" panose="03000509000000000000" pitchFamily="65" charset="-120"/>
+                <a:cs typeface="Times New Roman" panose="02020603050405020304" pitchFamily="18" charset="0"/>
+              </a:rPr>
               <a:t>關聯式資料庫應用場域：電信、銀行等領域的關鍵任務，需要保 證強交易一致性</a:t>
             </a:r>
-            <a:endParaRPr lang="en-US" altLang="zh-TW" dirty="0"/>
+            <a:endParaRPr lang="en-US" altLang="zh-TW" dirty="0">
+              <a:latin typeface="Times New Roman" panose="02020603050405020304" pitchFamily="18" charset="0"/>
+              <a:ea typeface="標楷體" panose="03000509000000000000" pitchFamily="65" charset="-120"/>
+              <a:cs typeface="Times New Roman" panose="02020603050405020304" pitchFamily="18" charset="0"/>
+            </a:endParaRPr>
           </a:p>
           <a:p>
             <a:pPr lvl="1"/>
             <a:r>
-              <a:rPr lang="en-US" altLang="zh-TW" dirty="0"/>
+              <a:rPr lang="en-US" altLang="zh-TW" dirty="0">
+                <a:latin typeface="Times New Roman" panose="02020603050405020304" pitchFamily="18" charset="0"/>
+                <a:ea typeface="標楷體" panose="03000509000000000000" pitchFamily="65" charset="-120"/>
+                <a:cs typeface="Times New Roman" panose="02020603050405020304" pitchFamily="18" charset="0"/>
+              </a:rPr>
               <a:t>NoSQL</a:t>
             </a:r>
             <a:r>
-              <a:rPr lang="zh-TW" altLang="en-US" dirty="0"/>
+              <a:rPr lang="zh-TW" altLang="en-US" dirty="0">
+                <a:latin typeface="Times New Roman" panose="02020603050405020304" pitchFamily="18" charset="0"/>
+                <a:ea typeface="標楷體" panose="03000509000000000000" pitchFamily="65" charset="-120"/>
+                <a:cs typeface="Times New Roman" panose="02020603050405020304" pitchFamily="18" charset="0"/>
+              </a:rPr>
               <a:t>資料庫應用場域：互聯網企業、傳統企業的非關鍵任務 </a:t>
             </a:r>
             <a:r>
-              <a:rPr lang="en-US" altLang="zh-TW" dirty="0"/>
+              <a:rPr lang="en-US" altLang="zh-TW" dirty="0">
+                <a:latin typeface="Times New Roman" panose="02020603050405020304" pitchFamily="18" charset="0"/>
+                <a:ea typeface="標楷體" panose="03000509000000000000" pitchFamily="65" charset="-120"/>
+                <a:cs typeface="Times New Roman" panose="02020603050405020304" pitchFamily="18" charset="0"/>
+              </a:rPr>
               <a:t>( </a:t>
             </a:r>
             <a:r>
-              <a:rPr lang="zh-TW" altLang="en-US" dirty="0"/>
+              <a:rPr lang="zh-TW" altLang="en-US" dirty="0">
+                <a:latin typeface="Times New Roman" panose="02020603050405020304" pitchFamily="18" charset="0"/>
+                <a:ea typeface="標楷體" panose="03000509000000000000" pitchFamily="65" charset="-120"/>
+                <a:cs typeface="Times New Roman" panose="02020603050405020304" pitchFamily="18" charset="0"/>
+              </a:rPr>
               <a:t>例如：資料分析</a:t>
             </a:r>
             <a:r>
-              <a:rPr lang="en-US" altLang="zh-TW" dirty="0"/>
+              <a:rPr lang="en-US" altLang="zh-TW" dirty="0">
+                <a:latin typeface="Times New Roman" panose="02020603050405020304" pitchFamily="18" charset="0"/>
+                <a:ea typeface="標楷體" panose="03000509000000000000" pitchFamily="65" charset="-120"/>
+                <a:cs typeface="Times New Roman" panose="02020603050405020304" pitchFamily="18" charset="0"/>
+              </a:rPr>
               <a:t>) </a:t>
             </a:r>
           </a:p>
           <a:p>
             <a:r>
-              <a:rPr lang="zh-TW" altLang="en-US" dirty="0"/>
+              <a:rPr lang="zh-TW" altLang="en-US" dirty="0">
+                <a:latin typeface="Times New Roman" panose="02020603050405020304" pitchFamily="18" charset="0"/>
+                <a:ea typeface="標楷體" panose="03000509000000000000" pitchFamily="65" charset="-120"/>
+                <a:cs typeface="Times New Roman" panose="02020603050405020304" pitchFamily="18" charset="0"/>
+              </a:rPr>
               <a:t>採用混合架構</a:t>
             </a:r>
-            <a:endParaRPr lang="en-US" altLang="zh-TW" dirty="0"/>
+            <a:endParaRPr lang="en-US" altLang="zh-TW" dirty="0">
+              <a:latin typeface="Times New Roman" panose="02020603050405020304" pitchFamily="18" charset="0"/>
+              <a:ea typeface="標楷體" panose="03000509000000000000" pitchFamily="65" charset="-120"/>
+              <a:cs typeface="Times New Roman" panose="02020603050405020304" pitchFamily="18" charset="0"/>
+            </a:endParaRPr>
           </a:p>
           <a:p>
             <a:pPr lvl="1"/>
             <a:r>
-              <a:rPr lang="zh-TW" altLang="en-US" dirty="0"/>
+              <a:rPr lang="zh-TW" altLang="en-US" dirty="0">
+                <a:latin typeface="Times New Roman" panose="02020603050405020304" pitchFamily="18" charset="0"/>
+                <a:ea typeface="標楷體" panose="03000509000000000000" pitchFamily="65" charset="-120"/>
+                <a:cs typeface="Times New Roman" panose="02020603050405020304" pitchFamily="18" charset="0"/>
+              </a:rPr>
               <a:t>如：亞馬遜公司就使用不同類型的資料庫來支撐電子商務應用</a:t>
             </a:r>
-            <a:endParaRPr lang="en-US" altLang="zh-TW" dirty="0"/>
+            <a:endParaRPr lang="en-US" altLang="zh-TW" dirty="0">
+              <a:latin typeface="Times New Roman" panose="02020603050405020304" pitchFamily="18" charset="0"/>
+              <a:ea typeface="標楷體" panose="03000509000000000000" pitchFamily="65" charset="-120"/>
+              <a:cs typeface="Times New Roman" panose="02020603050405020304" pitchFamily="18" charset="0"/>
+            </a:endParaRPr>
           </a:p>
           <a:p>
             <a:pPr lvl="2"/>
             <a:r>
-              <a:rPr lang="zh-TW" altLang="en-US" dirty="0"/>
+              <a:rPr lang="zh-TW" altLang="en-US" dirty="0">
+                <a:latin typeface="Times New Roman" panose="02020603050405020304" pitchFamily="18" charset="0"/>
+                <a:ea typeface="標楷體" panose="03000509000000000000" pitchFamily="65" charset="-120"/>
+                <a:cs typeface="Times New Roman" panose="02020603050405020304" pitchFamily="18" charset="0"/>
+              </a:rPr>
               <a:t>對於“購物車”這種臨時性資料，採用鍵值儲存會更加有效率</a:t>
             </a:r>
-            <a:endParaRPr lang="en-US" altLang="zh-TW" dirty="0"/>
+            <a:endParaRPr lang="en-US" altLang="zh-TW" dirty="0">
+              <a:latin typeface="Times New Roman" panose="02020603050405020304" pitchFamily="18" charset="0"/>
+              <a:ea typeface="標楷體" panose="03000509000000000000" pitchFamily="65" charset="-120"/>
+              <a:cs typeface="Times New Roman" panose="02020603050405020304" pitchFamily="18" charset="0"/>
+            </a:endParaRPr>
           </a:p>
           <a:p>
             <a:pPr lvl="2"/>
             <a:r>
-              <a:rPr lang="zh-TW" altLang="en-US" dirty="0"/>
+              <a:rPr lang="zh-TW" altLang="en-US" dirty="0">
+                <a:latin typeface="Times New Roman" panose="02020603050405020304" pitchFamily="18" charset="0"/>
+                <a:ea typeface="標楷體" panose="03000509000000000000" pitchFamily="65" charset="-120"/>
+                <a:cs typeface="Times New Roman" panose="02020603050405020304" pitchFamily="18" charset="0"/>
+              </a:rPr>
               <a:t>當前的產品和訂單資訊則適合存放在關聯式資料庫</a:t>
             </a:r>
             <a:r>
-              <a:rPr lang="en-US" altLang="zh-TW" dirty="0"/>
+              <a:rPr lang="en-US" altLang="zh-TW" dirty="0">
+                <a:latin typeface="Times New Roman" panose="02020603050405020304" pitchFamily="18" charset="0"/>
+                <a:ea typeface="標楷體" panose="03000509000000000000" pitchFamily="65" charset="-120"/>
+                <a:cs typeface="Times New Roman" panose="02020603050405020304" pitchFamily="18" charset="0"/>
+              </a:rPr>
               <a:t>(</a:t>
             </a:r>
             <a:r>
-              <a:rPr lang="zh-TW" altLang="en-US" dirty="0"/>
+              <a:rPr lang="zh-TW" altLang="en-US" dirty="0">
+                <a:latin typeface="Times New Roman" panose="02020603050405020304" pitchFamily="18" charset="0"/>
+                <a:ea typeface="標楷體" panose="03000509000000000000" pitchFamily="65" charset="-120"/>
+                <a:cs typeface="Times New Roman" panose="02020603050405020304" pitchFamily="18" charset="0"/>
+              </a:rPr>
               <a:t>屬關鍵任務</a:t>
             </a:r>
             <a:r>
-              <a:rPr lang="en-US" altLang="zh-TW" dirty="0"/>
+              <a:rPr lang="en-US" altLang="zh-TW" dirty="0">
+                <a:latin typeface="Times New Roman" panose="02020603050405020304" pitchFamily="18" charset="0"/>
+                <a:ea typeface="標楷體" panose="03000509000000000000" pitchFamily="65" charset="-120"/>
+                <a:cs typeface="Times New Roman" panose="02020603050405020304" pitchFamily="18" charset="0"/>
+              </a:rPr>
               <a:t>)</a:t>
             </a:r>
           </a:p>
           <a:p>
             <a:pPr lvl="2"/>
             <a:r>
-              <a:rPr lang="zh-TW" altLang="en-US" dirty="0"/>
+              <a:rPr lang="zh-TW" altLang="en-US" dirty="0">
+                <a:latin typeface="Times New Roman" panose="02020603050405020304" pitchFamily="18" charset="0"/>
+                <a:ea typeface="標楷體" panose="03000509000000000000" pitchFamily="65" charset="-120"/>
+                <a:cs typeface="Times New Roman" panose="02020603050405020304" pitchFamily="18" charset="0"/>
+              </a:rPr>
               <a:t>大量的歷史訂單資訊則適合保存在類似</a:t>
             </a:r>
             <a:r>
-              <a:rPr lang="en-US" altLang="zh-TW" dirty="0"/>
+              <a:rPr lang="en-US" altLang="zh-TW" dirty="0">
+                <a:latin typeface="Times New Roman" panose="02020603050405020304" pitchFamily="18" charset="0"/>
+                <a:ea typeface="標楷體" panose="03000509000000000000" pitchFamily="65" charset="-120"/>
+                <a:cs typeface="Times New Roman" panose="02020603050405020304" pitchFamily="18" charset="0"/>
+              </a:rPr>
               <a:t>MongoDB</a:t>
             </a:r>
             <a:r>
-              <a:rPr lang="zh-TW" altLang="en-US" dirty="0"/>
+              <a:rPr lang="zh-TW" altLang="en-US" dirty="0">
+                <a:latin typeface="Times New Roman" panose="02020603050405020304" pitchFamily="18" charset="0"/>
+                <a:ea typeface="標楷體" panose="03000509000000000000" pitchFamily="65" charset="-120"/>
+                <a:cs typeface="Times New Roman" panose="02020603050405020304" pitchFamily="18" charset="0"/>
+              </a:rPr>
               <a:t>的文件資料庫中</a:t>
             </a:r>
           </a:p>
@@ -16695,14 +16791,24 @@
           <a:lstStyle/>
           <a:p>
             <a:r>
+              <a:rPr lang="zh-TW" altLang="en-US" dirty="0">
+                <a:latin typeface="Times New Roman" panose="02020603050405020304" pitchFamily="18" charset="0"/>
+                <a:ea typeface="標楷體" panose="03000509000000000000" pitchFamily="65" charset="-120"/>
+                <a:cs typeface="Times New Roman" panose="02020603050405020304" pitchFamily="18" charset="0"/>
+              </a:rPr>
+              <a:t>關聯式資料庫</a:t>
+            </a:r>
+            <a:r>
               <a:rPr lang="en-US" altLang="zh-TW" dirty="0">
                 <a:latin typeface="Times New Roman" panose="02020603050405020304" pitchFamily="18" charset="0"/>
+                <a:ea typeface="標楷體" panose="03000509000000000000" pitchFamily="65" charset="-120"/>
                 <a:cs typeface="Times New Roman" panose="02020603050405020304" pitchFamily="18" charset="0"/>
               </a:rPr>
               <a:t>ACID</a:t>
             </a:r>
             <a:endParaRPr lang="zh-TW" altLang="en-US" dirty="0">
               <a:latin typeface="Times New Roman" panose="02020603050405020304" pitchFamily="18" charset="0"/>
+              <a:ea typeface="標楷體" panose="03000509000000000000" pitchFamily="65" charset="-120"/>
               <a:cs typeface="Times New Roman" panose="02020603050405020304" pitchFamily="18" charset="0"/>
             </a:endParaRPr>
           </a:p>
@@ -17205,7 +17311,7 @@
             <p:ph idx="1"/>
             <p:extLst>
               <p:ext uri="{D42A27DB-BD31-4B8C-83A1-F6EECF244321}">
-                <p14:modId xmlns:p14="http://schemas.microsoft.com/office/powerpoint/2010/main" val="262841502"/>
+                <p14:modId xmlns:p14="http://schemas.microsoft.com/office/powerpoint/2010/main" val="2689739202"/>
               </p:ext>
             </p:extLst>
           </p:nvPr>
@@ -17819,7 +17925,7 @@
                           <a:ea typeface="標楷體" panose="03000509000000000000" pitchFamily="65" charset="-120"/>
                           <a:cs typeface="Times New Roman" panose="02020603050405020304" pitchFamily="18" charset="0"/>
                         </a:rPr>
-                        <a:t>來加速查詢，但 是，在複雜查詢方面的性能仍然不如</a:t>
+                        <a:t>來加速查詢，但是，在複雜查詢方面的性能仍然不如</a:t>
                       </a:r>
                       <a:r>
                         <a:rPr lang="en-US" altLang="zh-TW" dirty="0">
@@ -17906,7 +18012,7 @@
           <p:nvPr>
             <p:extLst>
               <p:ext uri="{D42A27DB-BD31-4B8C-83A1-F6EECF244321}">
-                <p14:modId xmlns:p14="http://schemas.microsoft.com/office/powerpoint/2010/main" val="3110780164"/>
+                <p14:modId xmlns:p14="http://schemas.microsoft.com/office/powerpoint/2010/main" val="994285705"/>
               </p:ext>
             </p:extLst>
           </p:nvPr>
@@ -18289,7 +18395,7 @@
                           <a:ea typeface="標楷體" panose="03000509000000000000" pitchFamily="65" charset="-120"/>
                           <a:cs typeface="Times New Roman" panose="02020603050405020304" pitchFamily="18" charset="0"/>
                         </a:rPr>
-                        <a:t>都可以很容易實現完整性限制，比如透過主 鍵或者非空限制來實現個體完整性，透過主鍵、外來鍵來實現 參考完整性，透過限制或者觸發器來實現用戶自訂完整性</a:t>
+                        <a:t>都可以很容易實現完整性限制，比如透過主 鍵或者非空限制來實現個體完整性，透過主鍵、外來鍵來實現參考完整性</a:t>
                       </a:r>
                       <a:endParaRPr lang="en-US" altLang="zh-TW" dirty="0">
                         <a:latin typeface="Times New Roman" panose="02020603050405020304" pitchFamily="18" charset="0"/>
@@ -18438,7 +18544,7 @@
                           <a:ea typeface="標楷體" panose="03000509000000000000" pitchFamily="65" charset="-120"/>
                           <a:cs typeface="Times New Roman" panose="02020603050405020304" pitchFamily="18" charset="0"/>
                         </a:rPr>
-                        <a:t>在設計之初就充分考慮了橫向擴展的需求，可以很容 易透過添加廉價設備實現擴展</a:t>
+                        <a:t>在設計之初就充分考慮了橫向擴展的需求，可以很容易透過添加廉價設備實現擴展</a:t>
                       </a:r>
                     </a:p>
                   </a:txBody>
